--- a/img/replit/replit-flags.pptx
+++ b/img/replit/replit-flags.pptx
@@ -2,19 +2,19 @@
 <file path=ppt/presentation.xml><?xml version="1.0" encoding="utf-8"?>
 <p:presentation xmlns:a="http://schemas.openxmlformats.org/drawingml/2006/main" xmlns:r="http://schemas.openxmlformats.org/officeDocument/2006/relationships" xmlns:p="http://schemas.openxmlformats.org/presentationml/2006/main" saveSubsetFonts="1" autoCompressPictures="0">
   <p:sldMasterIdLst>
-    <p:sldMasterId id="2147483648" r:id="rId1"/>
+    <p:sldMasterId id="2147483660" r:id="rId1"/>
   </p:sldMasterIdLst>
   <p:sldIdLst>
     <p:sldId id="256" r:id="rId2"/>
   </p:sldIdLst>
-  <p:sldSz cx="12192000" cy="6858000"/>
+  <p:sldSz cx="21632863" cy="7315200"/>
   <p:notesSz cx="6858000" cy="9144000"/>
   <p:defaultTextStyle>
     <a:defPPr>
       <a:defRPr lang="en-US"/>
     </a:defPPr>
-    <a:lvl1pPr marL="0" algn="l" defTabSz="914400" rtl="0" eaLnBrk="1" latinLnBrk="0" hangingPunct="1">
-      <a:defRPr sz="1800" kern="1200">
+    <a:lvl1pPr marL="0" algn="l" defTabSz="1389431" rtl="0" eaLnBrk="1" latinLnBrk="0" hangingPunct="1">
+      <a:defRPr sz="2735" kern="1200">
         <a:solidFill>
           <a:schemeClr val="tx1"/>
         </a:solidFill>
@@ -23,8 +23,8 @@
         <a:cs typeface="+mn-cs"/>
       </a:defRPr>
     </a:lvl1pPr>
-    <a:lvl2pPr marL="457200" algn="l" defTabSz="914400" rtl="0" eaLnBrk="1" latinLnBrk="0" hangingPunct="1">
-      <a:defRPr sz="1800" kern="1200">
+    <a:lvl2pPr marL="694715" algn="l" defTabSz="1389431" rtl="0" eaLnBrk="1" latinLnBrk="0" hangingPunct="1">
+      <a:defRPr sz="2735" kern="1200">
         <a:solidFill>
           <a:schemeClr val="tx1"/>
         </a:solidFill>
@@ -33,8 +33,8 @@
         <a:cs typeface="+mn-cs"/>
       </a:defRPr>
     </a:lvl2pPr>
-    <a:lvl3pPr marL="914400" algn="l" defTabSz="914400" rtl="0" eaLnBrk="1" latinLnBrk="0" hangingPunct="1">
-      <a:defRPr sz="1800" kern="1200">
+    <a:lvl3pPr marL="1389431" algn="l" defTabSz="1389431" rtl="0" eaLnBrk="1" latinLnBrk="0" hangingPunct="1">
+      <a:defRPr sz="2735" kern="1200">
         <a:solidFill>
           <a:schemeClr val="tx1"/>
         </a:solidFill>
@@ -43,8 +43,8 @@
         <a:cs typeface="+mn-cs"/>
       </a:defRPr>
     </a:lvl3pPr>
-    <a:lvl4pPr marL="1371600" algn="l" defTabSz="914400" rtl="0" eaLnBrk="1" latinLnBrk="0" hangingPunct="1">
-      <a:defRPr sz="1800" kern="1200">
+    <a:lvl4pPr marL="2084146" algn="l" defTabSz="1389431" rtl="0" eaLnBrk="1" latinLnBrk="0" hangingPunct="1">
+      <a:defRPr sz="2735" kern="1200">
         <a:solidFill>
           <a:schemeClr val="tx1"/>
         </a:solidFill>
@@ -53,8 +53,8 @@
         <a:cs typeface="+mn-cs"/>
       </a:defRPr>
     </a:lvl4pPr>
-    <a:lvl5pPr marL="1828800" algn="l" defTabSz="914400" rtl="0" eaLnBrk="1" latinLnBrk="0" hangingPunct="1">
-      <a:defRPr sz="1800" kern="1200">
+    <a:lvl5pPr marL="2778862" algn="l" defTabSz="1389431" rtl="0" eaLnBrk="1" latinLnBrk="0" hangingPunct="1">
+      <a:defRPr sz="2735" kern="1200">
         <a:solidFill>
           <a:schemeClr val="tx1"/>
         </a:solidFill>
@@ -63,8 +63,8 @@
         <a:cs typeface="+mn-cs"/>
       </a:defRPr>
     </a:lvl5pPr>
-    <a:lvl6pPr marL="2286000" algn="l" defTabSz="914400" rtl="0" eaLnBrk="1" latinLnBrk="0" hangingPunct="1">
-      <a:defRPr sz="1800" kern="1200">
+    <a:lvl6pPr marL="3473577" algn="l" defTabSz="1389431" rtl="0" eaLnBrk="1" latinLnBrk="0" hangingPunct="1">
+      <a:defRPr sz="2735" kern="1200">
         <a:solidFill>
           <a:schemeClr val="tx1"/>
         </a:solidFill>
@@ -73,8 +73,8 @@
         <a:cs typeface="+mn-cs"/>
       </a:defRPr>
     </a:lvl6pPr>
-    <a:lvl7pPr marL="2743200" algn="l" defTabSz="914400" rtl="0" eaLnBrk="1" latinLnBrk="0" hangingPunct="1">
-      <a:defRPr sz="1800" kern="1200">
+    <a:lvl7pPr marL="4168292" algn="l" defTabSz="1389431" rtl="0" eaLnBrk="1" latinLnBrk="0" hangingPunct="1">
+      <a:defRPr sz="2735" kern="1200">
         <a:solidFill>
           <a:schemeClr val="tx1"/>
         </a:solidFill>
@@ -83,8 +83,8 @@
         <a:cs typeface="+mn-cs"/>
       </a:defRPr>
     </a:lvl7pPr>
-    <a:lvl8pPr marL="3200400" algn="l" defTabSz="914400" rtl="0" eaLnBrk="1" latinLnBrk="0" hangingPunct="1">
-      <a:defRPr sz="1800" kern="1200">
+    <a:lvl8pPr marL="4863008" algn="l" defTabSz="1389431" rtl="0" eaLnBrk="1" latinLnBrk="0" hangingPunct="1">
+      <a:defRPr sz="2735" kern="1200">
         <a:solidFill>
           <a:schemeClr val="tx1"/>
         </a:solidFill>
@@ -93,8 +93,8 @@
         <a:cs typeface="+mn-cs"/>
       </a:defRPr>
     </a:lvl8pPr>
-    <a:lvl9pPr marL="3657600" algn="l" defTabSz="914400" rtl="0" eaLnBrk="1" latinLnBrk="0" hangingPunct="1">
-      <a:defRPr sz="1800" kern="1200">
+    <a:lvl9pPr marL="5557723" algn="l" defTabSz="1389431" rtl="0" eaLnBrk="1" latinLnBrk="0" hangingPunct="1">
+      <a:defRPr sz="2735" kern="1200">
         <a:solidFill>
           <a:schemeClr val="tx1"/>
         </a:solidFill>
@@ -104,6 +104,11 @@
       </a:defRPr>
     </a:lvl9pPr>
   </p:defaultTextStyle>
+  <p:extLst>
+    <p:ext uri="{EFAFB233-063F-42B5-8137-9DF3F51BA10A}">
+      <p15:sldGuideLst xmlns:p15="http://schemas.microsoft.com/office/powerpoint/2012/main"/>
+    </p:ext>
+  </p:extLst>
 </p:presentation>
 </file>
 
@@ -136,15 +141,15 @@
         </p:nvSpPr>
         <p:spPr>
           <a:xfrm>
-            <a:off x="1524000" y="1122363"/>
-            <a:ext cx="9144000" cy="2387600"/>
+            <a:off x="2704108" y="1197187"/>
+            <a:ext cx="16224647" cy="2546773"/>
           </a:xfrm>
         </p:spPr>
         <p:txBody>
           <a:bodyPr anchor="b"/>
           <a:lstStyle>
             <a:lvl1pPr algn="ctr">
-              <a:defRPr sz="6000"/>
+              <a:defRPr sz="6400"/>
             </a:lvl1pPr>
           </a:lstStyle>
           <a:p>
@@ -152,7 +157,7 @@
               <a:rPr lang="en-US" smtClean="0"/>
               <a:t>Click to edit Master title style</a:t>
             </a:r>
-            <a:endParaRPr lang="en-US"/>
+            <a:endParaRPr lang="en-US" dirty="0"/>
           </a:p>
         </p:txBody>
       </p:sp>
@@ -168,8 +173,8 @@
         </p:nvSpPr>
         <p:spPr>
           <a:xfrm>
-            <a:off x="1524000" y="3602038"/>
-            <a:ext cx="9144000" cy="1655762"/>
+            <a:off x="2704108" y="3842174"/>
+            <a:ext cx="16224647" cy="1766146"/>
           </a:xfrm>
         </p:spPr>
         <p:txBody>
@@ -177,39 +182,39 @@
           <a:lstStyle>
             <a:lvl1pPr marL="0" indent="0" algn="ctr">
               <a:buNone/>
-              <a:defRPr sz="2400"/>
+              <a:defRPr sz="2560"/>
             </a:lvl1pPr>
-            <a:lvl2pPr marL="457200" indent="0" algn="ctr">
-              <a:buNone/>
-              <a:defRPr sz="2000"/>
+            <a:lvl2pPr marL="487695" indent="0" algn="ctr">
+              <a:buNone/>
+              <a:defRPr sz="2133"/>
             </a:lvl2pPr>
-            <a:lvl3pPr marL="914400" indent="0" algn="ctr">
-              <a:buNone/>
-              <a:defRPr sz="1800"/>
+            <a:lvl3pPr marL="975390" indent="0" algn="ctr">
+              <a:buNone/>
+              <a:defRPr sz="1920"/>
             </a:lvl3pPr>
-            <a:lvl4pPr marL="1371600" indent="0" algn="ctr">
-              <a:buNone/>
-              <a:defRPr sz="1600"/>
+            <a:lvl4pPr marL="1463086" indent="0" algn="ctr">
+              <a:buNone/>
+              <a:defRPr sz="1707"/>
             </a:lvl4pPr>
-            <a:lvl5pPr marL="1828800" indent="0" algn="ctr">
-              <a:buNone/>
-              <a:defRPr sz="1600"/>
+            <a:lvl5pPr marL="1950781" indent="0" algn="ctr">
+              <a:buNone/>
+              <a:defRPr sz="1707"/>
             </a:lvl5pPr>
-            <a:lvl6pPr marL="2286000" indent="0" algn="ctr">
-              <a:buNone/>
-              <a:defRPr sz="1600"/>
+            <a:lvl6pPr marL="2438476" indent="0" algn="ctr">
+              <a:buNone/>
+              <a:defRPr sz="1707"/>
             </a:lvl6pPr>
-            <a:lvl7pPr marL="2743200" indent="0" algn="ctr">
-              <a:buNone/>
-              <a:defRPr sz="1600"/>
+            <a:lvl7pPr marL="2926171" indent="0" algn="ctr">
+              <a:buNone/>
+              <a:defRPr sz="1707"/>
             </a:lvl7pPr>
-            <a:lvl8pPr marL="3200400" indent="0" algn="ctr">
-              <a:buNone/>
-              <a:defRPr sz="1600"/>
+            <a:lvl8pPr marL="3413867" indent="0" algn="ctr">
+              <a:buNone/>
+              <a:defRPr sz="1707"/>
             </a:lvl8pPr>
-            <a:lvl9pPr marL="3657600" indent="0" algn="ctr">
-              <a:buNone/>
-              <a:defRPr sz="1600"/>
+            <a:lvl9pPr marL="3901562" indent="0" algn="ctr">
+              <a:buNone/>
+              <a:defRPr sz="1707"/>
             </a:lvl9pPr>
           </a:lstStyle>
           <a:p>
@@ -217,7 +222,7 @@
               <a:rPr lang="en-US" smtClean="0"/>
               <a:t>Click to edit Master subtitle style</a:t>
             </a:r>
-            <a:endParaRPr lang="en-US"/>
+            <a:endParaRPr lang="en-US" dirty="0"/>
           </a:p>
         </p:txBody>
       </p:sp>
@@ -238,7 +243,7 @@
           <a:p>
             <a:fld id="{8BDB88F8-1C93-D54D-AD05-1B21AE4535CB}" type="datetimeFigureOut">
               <a:rPr lang="en-US" smtClean="0"/>
-              <a:t>3/8/17</a:t>
+              <a:t>3/19/17</a:t>
             </a:fld>
             <a:endParaRPr lang="en-US"/>
           </a:p>
@@ -289,7 +294,7 @@
     </p:spTree>
     <p:extLst>
       <p:ext uri="{BB962C8B-B14F-4D97-AF65-F5344CB8AC3E}">
-        <p14:creationId xmlns:p14="http://schemas.microsoft.com/office/powerpoint/2010/main" val="846930886"/>
+        <p14:creationId xmlns:p14="http://schemas.microsoft.com/office/powerpoint/2010/main" val="816504794"/>
       </p:ext>
     </p:extLst>
   </p:cSld>
@@ -335,7 +340,7 @@
               <a:rPr lang="en-US" smtClean="0"/>
               <a:t>Click to edit Master title style</a:t>
             </a:r>
-            <a:endParaRPr lang="en-US"/>
+            <a:endParaRPr lang="en-US" dirty="0"/>
           </a:p>
         </p:txBody>
       </p:sp>
@@ -387,7 +392,7 @@
               <a:rPr lang="en-US" smtClean="0"/>
               <a:t>Fifth level</a:t>
             </a:r>
-            <a:endParaRPr lang="en-US"/>
+            <a:endParaRPr lang="en-US" dirty="0"/>
           </a:p>
         </p:txBody>
       </p:sp>
@@ -408,7 +413,7 @@
           <a:p>
             <a:fld id="{8BDB88F8-1C93-D54D-AD05-1B21AE4535CB}" type="datetimeFigureOut">
               <a:rPr lang="en-US" smtClean="0"/>
-              <a:t>3/8/17</a:t>
+              <a:t>3/19/17</a:t>
             </a:fld>
             <a:endParaRPr lang="en-US"/>
           </a:p>
@@ -459,7 +464,7 @@
     </p:spTree>
     <p:extLst>
       <p:ext uri="{BB962C8B-B14F-4D97-AF65-F5344CB8AC3E}">
-        <p14:creationId xmlns:p14="http://schemas.microsoft.com/office/powerpoint/2010/main" val="1572276965"/>
+        <p14:creationId xmlns:p14="http://schemas.microsoft.com/office/powerpoint/2010/main" val="1739000681"/>
       </p:ext>
     </p:extLst>
   </p:cSld>
@@ -498,8 +503,8 @@
         </p:nvSpPr>
         <p:spPr>
           <a:xfrm>
-            <a:off x="8724900" y="365125"/>
-            <a:ext cx="2628900" cy="5811838"/>
+            <a:off x="15481018" y="389467"/>
+            <a:ext cx="4664586" cy="6199294"/>
           </a:xfrm>
         </p:spPr>
         <p:txBody>
@@ -510,7 +515,7 @@
               <a:rPr lang="en-US" smtClean="0"/>
               <a:t>Click to edit Master title style</a:t>
             </a:r>
-            <a:endParaRPr lang="en-US"/>
+            <a:endParaRPr lang="en-US" dirty="0"/>
           </a:p>
         </p:txBody>
       </p:sp>
@@ -526,8 +531,8 @@
         </p:nvSpPr>
         <p:spPr>
           <a:xfrm>
-            <a:off x="838200" y="365125"/>
-            <a:ext cx="7734300" cy="5811838"/>
+            <a:off x="1487260" y="389467"/>
+            <a:ext cx="13723347" cy="6199294"/>
           </a:xfrm>
         </p:spPr>
         <p:txBody>
@@ -567,7 +572,7 @@
               <a:rPr lang="en-US" smtClean="0"/>
               <a:t>Fifth level</a:t>
             </a:r>
-            <a:endParaRPr lang="en-US"/>
+            <a:endParaRPr lang="en-US" dirty="0"/>
           </a:p>
         </p:txBody>
       </p:sp>
@@ -588,7 +593,7 @@
           <a:p>
             <a:fld id="{8BDB88F8-1C93-D54D-AD05-1B21AE4535CB}" type="datetimeFigureOut">
               <a:rPr lang="en-US" smtClean="0"/>
-              <a:t>3/8/17</a:t>
+              <a:t>3/19/17</a:t>
             </a:fld>
             <a:endParaRPr lang="en-US"/>
           </a:p>
@@ -639,7 +644,7 @@
     </p:spTree>
     <p:extLst>
       <p:ext uri="{BB962C8B-B14F-4D97-AF65-F5344CB8AC3E}">
-        <p14:creationId xmlns:p14="http://schemas.microsoft.com/office/powerpoint/2010/main" val="269455306"/>
+        <p14:creationId xmlns:p14="http://schemas.microsoft.com/office/powerpoint/2010/main" val="1498617647"/>
       </p:ext>
     </p:extLst>
   </p:cSld>
@@ -685,7 +690,7 @@
               <a:rPr lang="en-US" smtClean="0"/>
               <a:t>Click to edit Master title style</a:t>
             </a:r>
-            <a:endParaRPr lang="en-US"/>
+            <a:endParaRPr lang="en-US" dirty="0"/>
           </a:p>
         </p:txBody>
       </p:sp>
@@ -737,7 +742,7 @@
               <a:rPr lang="en-US" smtClean="0"/>
               <a:t>Fifth level</a:t>
             </a:r>
-            <a:endParaRPr lang="en-US"/>
+            <a:endParaRPr lang="en-US" dirty="0"/>
           </a:p>
         </p:txBody>
       </p:sp>
@@ -758,7 +763,7 @@
           <a:p>
             <a:fld id="{8BDB88F8-1C93-D54D-AD05-1B21AE4535CB}" type="datetimeFigureOut">
               <a:rPr lang="en-US" smtClean="0"/>
-              <a:t>3/8/17</a:t>
+              <a:t>3/19/17</a:t>
             </a:fld>
             <a:endParaRPr lang="en-US"/>
           </a:p>
@@ -809,7 +814,7 @@
     </p:spTree>
     <p:extLst>
       <p:ext uri="{BB962C8B-B14F-4D97-AF65-F5344CB8AC3E}">
-        <p14:creationId xmlns:p14="http://schemas.microsoft.com/office/powerpoint/2010/main" val="822890675"/>
+        <p14:creationId xmlns:p14="http://schemas.microsoft.com/office/powerpoint/2010/main" val="820697697"/>
       </p:ext>
     </p:extLst>
   </p:cSld>
@@ -848,15 +853,15 @@
         </p:nvSpPr>
         <p:spPr>
           <a:xfrm>
-            <a:off x="831850" y="1709738"/>
-            <a:ext cx="10515600" cy="2852737"/>
+            <a:off x="1475992" y="1823721"/>
+            <a:ext cx="18658344" cy="3042919"/>
           </a:xfrm>
         </p:spPr>
         <p:txBody>
           <a:bodyPr anchor="b"/>
           <a:lstStyle>
             <a:lvl1pPr>
-              <a:defRPr sz="6000"/>
+              <a:defRPr sz="6400"/>
             </a:lvl1pPr>
           </a:lstStyle>
           <a:p>
@@ -864,7 +869,7 @@
               <a:rPr lang="en-US" smtClean="0"/>
               <a:t>Click to edit Master title style</a:t>
             </a:r>
-            <a:endParaRPr lang="en-US"/>
+            <a:endParaRPr lang="en-US" dirty="0"/>
           </a:p>
         </p:txBody>
       </p:sp>
@@ -880,8 +885,8 @@
         </p:nvSpPr>
         <p:spPr>
           <a:xfrm>
-            <a:off x="831850" y="4589463"/>
-            <a:ext cx="10515600" cy="1500187"/>
+            <a:off x="1475992" y="4895428"/>
+            <a:ext cx="18658344" cy="1600199"/>
           </a:xfrm>
         </p:spPr>
         <p:txBody>
@@ -889,7 +894,7 @@
           <a:lstStyle>
             <a:lvl1pPr marL="0" indent="0">
               <a:buNone/>
-              <a:defRPr sz="2400">
+              <a:defRPr sz="2560">
                 <a:solidFill>
                   <a:schemeClr val="tx1">
                     <a:tint val="75000"/>
@@ -897,9 +902,9 @@
                 </a:solidFill>
               </a:defRPr>
             </a:lvl1pPr>
-            <a:lvl2pPr marL="457200" indent="0">
-              <a:buNone/>
-              <a:defRPr sz="2000">
+            <a:lvl2pPr marL="487695" indent="0">
+              <a:buNone/>
+              <a:defRPr sz="2133">
                 <a:solidFill>
                   <a:schemeClr val="tx1">
                     <a:tint val="75000"/>
@@ -907,9 +912,9 @@
                 </a:solidFill>
               </a:defRPr>
             </a:lvl2pPr>
-            <a:lvl3pPr marL="914400" indent="0">
-              <a:buNone/>
-              <a:defRPr sz="1800">
+            <a:lvl3pPr marL="975390" indent="0">
+              <a:buNone/>
+              <a:defRPr sz="1920">
                 <a:solidFill>
                   <a:schemeClr val="tx1">
                     <a:tint val="75000"/>
@@ -917,9 +922,9 @@
                 </a:solidFill>
               </a:defRPr>
             </a:lvl3pPr>
-            <a:lvl4pPr marL="1371600" indent="0">
-              <a:buNone/>
-              <a:defRPr sz="1600">
+            <a:lvl4pPr marL="1463086" indent="0">
+              <a:buNone/>
+              <a:defRPr sz="1707">
                 <a:solidFill>
                   <a:schemeClr val="tx1">
                     <a:tint val="75000"/>
@@ -927,9 +932,9 @@
                 </a:solidFill>
               </a:defRPr>
             </a:lvl4pPr>
-            <a:lvl5pPr marL="1828800" indent="0">
-              <a:buNone/>
-              <a:defRPr sz="1600">
+            <a:lvl5pPr marL="1950781" indent="0">
+              <a:buNone/>
+              <a:defRPr sz="1707">
                 <a:solidFill>
                   <a:schemeClr val="tx1">
                     <a:tint val="75000"/>
@@ -937,9 +942,9 @@
                 </a:solidFill>
               </a:defRPr>
             </a:lvl5pPr>
-            <a:lvl6pPr marL="2286000" indent="0">
-              <a:buNone/>
-              <a:defRPr sz="1600">
+            <a:lvl6pPr marL="2438476" indent="0">
+              <a:buNone/>
+              <a:defRPr sz="1707">
                 <a:solidFill>
                   <a:schemeClr val="tx1">
                     <a:tint val="75000"/>
@@ -947,9 +952,9 @@
                 </a:solidFill>
               </a:defRPr>
             </a:lvl6pPr>
-            <a:lvl7pPr marL="2743200" indent="0">
-              <a:buNone/>
-              <a:defRPr sz="1600">
+            <a:lvl7pPr marL="2926171" indent="0">
+              <a:buNone/>
+              <a:defRPr sz="1707">
                 <a:solidFill>
                   <a:schemeClr val="tx1">
                     <a:tint val="75000"/>
@@ -957,9 +962,9 @@
                 </a:solidFill>
               </a:defRPr>
             </a:lvl7pPr>
-            <a:lvl8pPr marL="3200400" indent="0">
-              <a:buNone/>
-              <a:defRPr sz="1600">
+            <a:lvl8pPr marL="3413867" indent="0">
+              <a:buNone/>
+              <a:defRPr sz="1707">
                 <a:solidFill>
                   <a:schemeClr val="tx1">
                     <a:tint val="75000"/>
@@ -967,9 +972,9 @@
                 </a:solidFill>
               </a:defRPr>
             </a:lvl8pPr>
-            <a:lvl9pPr marL="3657600" indent="0">
-              <a:buNone/>
-              <a:defRPr sz="1600">
+            <a:lvl9pPr marL="3901562" indent="0">
+              <a:buNone/>
+              <a:defRPr sz="1707">
                 <a:solidFill>
                   <a:schemeClr val="tx1">
                     <a:tint val="75000"/>
@@ -1004,7 +1009,7 @@
           <a:p>
             <a:fld id="{8BDB88F8-1C93-D54D-AD05-1B21AE4535CB}" type="datetimeFigureOut">
               <a:rPr lang="en-US" smtClean="0"/>
-              <a:t>3/8/17</a:t>
+              <a:t>3/19/17</a:t>
             </a:fld>
             <a:endParaRPr lang="en-US"/>
           </a:p>
@@ -1055,7 +1060,7 @@
     </p:spTree>
     <p:extLst>
       <p:ext uri="{BB962C8B-B14F-4D97-AF65-F5344CB8AC3E}">
-        <p14:creationId xmlns:p14="http://schemas.microsoft.com/office/powerpoint/2010/main" val="1610120709"/>
+        <p14:creationId xmlns:p14="http://schemas.microsoft.com/office/powerpoint/2010/main" val="655858699"/>
       </p:ext>
     </p:extLst>
   </p:cSld>
@@ -1101,7 +1106,7 @@
               <a:rPr lang="en-US" smtClean="0"/>
               <a:t>Click to edit Master title style</a:t>
             </a:r>
-            <a:endParaRPr lang="en-US"/>
+            <a:endParaRPr lang="en-US" dirty="0"/>
           </a:p>
         </p:txBody>
       </p:sp>
@@ -1117,8 +1122,8 @@
         </p:nvSpPr>
         <p:spPr>
           <a:xfrm>
-            <a:off x="838200" y="1825625"/>
-            <a:ext cx="5181600" cy="4351338"/>
+            <a:off x="1487259" y="1947333"/>
+            <a:ext cx="9193967" cy="4641427"/>
           </a:xfrm>
         </p:spPr>
         <p:txBody>
@@ -1158,7 +1163,7 @@
               <a:rPr lang="en-US" smtClean="0"/>
               <a:t>Fifth level</a:t>
             </a:r>
-            <a:endParaRPr lang="en-US"/>
+            <a:endParaRPr lang="en-US" dirty="0"/>
           </a:p>
         </p:txBody>
       </p:sp>
@@ -1174,8 +1179,8 @@
         </p:nvSpPr>
         <p:spPr>
           <a:xfrm>
-            <a:off x="6172200" y="1825625"/>
-            <a:ext cx="5181600" cy="4351338"/>
+            <a:off x="10951637" y="1947333"/>
+            <a:ext cx="9193967" cy="4641427"/>
           </a:xfrm>
         </p:spPr>
         <p:txBody>
@@ -1215,7 +1220,7 @@
               <a:rPr lang="en-US" smtClean="0"/>
               <a:t>Fifth level</a:t>
             </a:r>
-            <a:endParaRPr lang="en-US"/>
+            <a:endParaRPr lang="en-US" dirty="0"/>
           </a:p>
         </p:txBody>
       </p:sp>
@@ -1236,7 +1241,7 @@
           <a:p>
             <a:fld id="{8BDB88F8-1C93-D54D-AD05-1B21AE4535CB}" type="datetimeFigureOut">
               <a:rPr lang="en-US" smtClean="0"/>
-              <a:t>3/8/17</a:t>
+              <a:t>3/19/17</a:t>
             </a:fld>
             <a:endParaRPr lang="en-US"/>
           </a:p>
@@ -1287,7 +1292,7 @@
     </p:spTree>
     <p:extLst>
       <p:ext uri="{BB962C8B-B14F-4D97-AF65-F5344CB8AC3E}">
-        <p14:creationId xmlns:p14="http://schemas.microsoft.com/office/powerpoint/2010/main" val="791698927"/>
+        <p14:creationId xmlns:p14="http://schemas.microsoft.com/office/powerpoint/2010/main" val="1583571043"/>
       </p:ext>
     </p:extLst>
   </p:cSld>
@@ -1326,8 +1331,8 @@
         </p:nvSpPr>
         <p:spPr>
           <a:xfrm>
-            <a:off x="839788" y="365125"/>
-            <a:ext cx="10515600" cy="1325563"/>
+            <a:off x="1490077" y="389467"/>
+            <a:ext cx="18658344" cy="1413934"/>
           </a:xfrm>
         </p:spPr>
         <p:txBody>
@@ -1338,7 +1343,7 @@
               <a:rPr lang="en-US" smtClean="0"/>
               <a:t>Click to edit Master title style</a:t>
             </a:r>
-            <a:endParaRPr lang="en-US"/>
+            <a:endParaRPr lang="en-US" dirty="0"/>
           </a:p>
         </p:txBody>
       </p:sp>
@@ -1354,8 +1359,8 @@
         </p:nvSpPr>
         <p:spPr>
           <a:xfrm>
-            <a:off x="839788" y="1681163"/>
-            <a:ext cx="5157787" cy="823912"/>
+            <a:off x="1490078" y="1793241"/>
+            <a:ext cx="9151714" cy="878839"/>
           </a:xfrm>
         </p:spPr>
         <p:txBody>
@@ -1363,39 +1368,39 @@
           <a:lstStyle>
             <a:lvl1pPr marL="0" indent="0">
               <a:buNone/>
-              <a:defRPr sz="2400" b="1"/>
+              <a:defRPr sz="2560" b="1"/>
             </a:lvl1pPr>
-            <a:lvl2pPr marL="457200" indent="0">
-              <a:buNone/>
-              <a:defRPr sz="2000" b="1"/>
+            <a:lvl2pPr marL="487695" indent="0">
+              <a:buNone/>
+              <a:defRPr sz="2133" b="1"/>
             </a:lvl2pPr>
-            <a:lvl3pPr marL="914400" indent="0">
-              <a:buNone/>
-              <a:defRPr sz="1800" b="1"/>
+            <a:lvl3pPr marL="975390" indent="0">
+              <a:buNone/>
+              <a:defRPr sz="1920" b="1"/>
             </a:lvl3pPr>
-            <a:lvl4pPr marL="1371600" indent="0">
-              <a:buNone/>
-              <a:defRPr sz="1600" b="1"/>
+            <a:lvl4pPr marL="1463086" indent="0">
+              <a:buNone/>
+              <a:defRPr sz="1707" b="1"/>
             </a:lvl4pPr>
-            <a:lvl5pPr marL="1828800" indent="0">
-              <a:buNone/>
-              <a:defRPr sz="1600" b="1"/>
+            <a:lvl5pPr marL="1950781" indent="0">
+              <a:buNone/>
+              <a:defRPr sz="1707" b="1"/>
             </a:lvl5pPr>
-            <a:lvl6pPr marL="2286000" indent="0">
-              <a:buNone/>
-              <a:defRPr sz="1600" b="1"/>
+            <a:lvl6pPr marL="2438476" indent="0">
+              <a:buNone/>
+              <a:defRPr sz="1707" b="1"/>
             </a:lvl6pPr>
-            <a:lvl7pPr marL="2743200" indent="0">
-              <a:buNone/>
-              <a:defRPr sz="1600" b="1"/>
+            <a:lvl7pPr marL="2926171" indent="0">
+              <a:buNone/>
+              <a:defRPr sz="1707" b="1"/>
             </a:lvl7pPr>
-            <a:lvl8pPr marL="3200400" indent="0">
-              <a:buNone/>
-              <a:defRPr sz="1600" b="1"/>
+            <a:lvl8pPr marL="3413867" indent="0">
+              <a:buNone/>
+              <a:defRPr sz="1707" b="1"/>
             </a:lvl8pPr>
-            <a:lvl9pPr marL="3657600" indent="0">
-              <a:buNone/>
-              <a:defRPr sz="1600" b="1"/>
+            <a:lvl9pPr marL="3901562" indent="0">
+              <a:buNone/>
+              <a:defRPr sz="1707" b="1"/>
             </a:lvl9pPr>
           </a:lstStyle>
           <a:p>
@@ -1419,8 +1424,8 @@
         </p:nvSpPr>
         <p:spPr>
           <a:xfrm>
-            <a:off x="839788" y="2505075"/>
-            <a:ext cx="5157787" cy="3684588"/>
+            <a:off x="1490078" y="2672080"/>
+            <a:ext cx="9151714" cy="3930227"/>
           </a:xfrm>
         </p:spPr>
         <p:txBody>
@@ -1460,7 +1465,7 @@
               <a:rPr lang="en-US" smtClean="0"/>
               <a:t>Fifth level</a:t>
             </a:r>
-            <a:endParaRPr lang="en-US"/>
+            <a:endParaRPr lang="en-US" dirty="0"/>
           </a:p>
         </p:txBody>
       </p:sp>
@@ -1476,8 +1481,8 @@
         </p:nvSpPr>
         <p:spPr>
           <a:xfrm>
-            <a:off x="6172200" y="1681163"/>
-            <a:ext cx="5183188" cy="823912"/>
+            <a:off x="10951637" y="1793241"/>
+            <a:ext cx="9196784" cy="878839"/>
           </a:xfrm>
         </p:spPr>
         <p:txBody>
@@ -1485,39 +1490,39 @@
           <a:lstStyle>
             <a:lvl1pPr marL="0" indent="0">
               <a:buNone/>
-              <a:defRPr sz="2400" b="1"/>
+              <a:defRPr sz="2560" b="1"/>
             </a:lvl1pPr>
-            <a:lvl2pPr marL="457200" indent="0">
-              <a:buNone/>
-              <a:defRPr sz="2000" b="1"/>
+            <a:lvl2pPr marL="487695" indent="0">
+              <a:buNone/>
+              <a:defRPr sz="2133" b="1"/>
             </a:lvl2pPr>
-            <a:lvl3pPr marL="914400" indent="0">
-              <a:buNone/>
-              <a:defRPr sz="1800" b="1"/>
+            <a:lvl3pPr marL="975390" indent="0">
+              <a:buNone/>
+              <a:defRPr sz="1920" b="1"/>
             </a:lvl3pPr>
-            <a:lvl4pPr marL="1371600" indent="0">
-              <a:buNone/>
-              <a:defRPr sz="1600" b="1"/>
+            <a:lvl4pPr marL="1463086" indent="0">
+              <a:buNone/>
+              <a:defRPr sz="1707" b="1"/>
             </a:lvl4pPr>
-            <a:lvl5pPr marL="1828800" indent="0">
-              <a:buNone/>
-              <a:defRPr sz="1600" b="1"/>
+            <a:lvl5pPr marL="1950781" indent="0">
+              <a:buNone/>
+              <a:defRPr sz="1707" b="1"/>
             </a:lvl5pPr>
-            <a:lvl6pPr marL="2286000" indent="0">
-              <a:buNone/>
-              <a:defRPr sz="1600" b="1"/>
+            <a:lvl6pPr marL="2438476" indent="0">
+              <a:buNone/>
+              <a:defRPr sz="1707" b="1"/>
             </a:lvl6pPr>
-            <a:lvl7pPr marL="2743200" indent="0">
-              <a:buNone/>
-              <a:defRPr sz="1600" b="1"/>
+            <a:lvl7pPr marL="2926171" indent="0">
+              <a:buNone/>
+              <a:defRPr sz="1707" b="1"/>
             </a:lvl7pPr>
-            <a:lvl8pPr marL="3200400" indent="0">
-              <a:buNone/>
-              <a:defRPr sz="1600" b="1"/>
+            <a:lvl8pPr marL="3413867" indent="0">
+              <a:buNone/>
+              <a:defRPr sz="1707" b="1"/>
             </a:lvl8pPr>
-            <a:lvl9pPr marL="3657600" indent="0">
-              <a:buNone/>
-              <a:defRPr sz="1600" b="1"/>
+            <a:lvl9pPr marL="3901562" indent="0">
+              <a:buNone/>
+              <a:defRPr sz="1707" b="1"/>
             </a:lvl9pPr>
           </a:lstStyle>
           <a:p>
@@ -1541,8 +1546,8 @@
         </p:nvSpPr>
         <p:spPr>
           <a:xfrm>
-            <a:off x="6172200" y="2505075"/>
-            <a:ext cx="5183188" cy="3684588"/>
+            <a:off x="10951637" y="2672080"/>
+            <a:ext cx="9196784" cy="3930227"/>
           </a:xfrm>
         </p:spPr>
         <p:txBody>
@@ -1582,7 +1587,7 @@
               <a:rPr lang="en-US" smtClean="0"/>
               <a:t>Fifth level</a:t>
             </a:r>
-            <a:endParaRPr lang="en-US"/>
+            <a:endParaRPr lang="en-US" dirty="0"/>
           </a:p>
         </p:txBody>
       </p:sp>
@@ -1603,7 +1608,7 @@
           <a:p>
             <a:fld id="{8BDB88F8-1C93-D54D-AD05-1B21AE4535CB}" type="datetimeFigureOut">
               <a:rPr lang="en-US" smtClean="0"/>
-              <a:t>3/8/17</a:t>
+              <a:t>3/19/17</a:t>
             </a:fld>
             <a:endParaRPr lang="en-US"/>
           </a:p>
@@ -1654,7 +1659,7 @@
     </p:spTree>
     <p:extLst>
       <p:ext uri="{BB962C8B-B14F-4D97-AF65-F5344CB8AC3E}">
-        <p14:creationId xmlns:p14="http://schemas.microsoft.com/office/powerpoint/2010/main" val="631704567"/>
+        <p14:creationId xmlns:p14="http://schemas.microsoft.com/office/powerpoint/2010/main" val="559301039"/>
       </p:ext>
     </p:extLst>
   </p:cSld>
@@ -1700,7 +1705,7 @@
               <a:rPr lang="en-US" smtClean="0"/>
               <a:t>Click to edit Master title style</a:t>
             </a:r>
-            <a:endParaRPr lang="en-US"/>
+            <a:endParaRPr lang="en-US" dirty="0"/>
           </a:p>
         </p:txBody>
       </p:sp>
@@ -1721,7 +1726,7 @@
           <a:p>
             <a:fld id="{8BDB88F8-1C93-D54D-AD05-1B21AE4535CB}" type="datetimeFigureOut">
               <a:rPr lang="en-US" smtClean="0"/>
-              <a:t>3/8/17</a:t>
+              <a:t>3/19/17</a:t>
             </a:fld>
             <a:endParaRPr lang="en-US"/>
           </a:p>
@@ -1772,7 +1777,7 @@
     </p:spTree>
     <p:extLst>
       <p:ext uri="{BB962C8B-B14F-4D97-AF65-F5344CB8AC3E}">
-        <p14:creationId xmlns:p14="http://schemas.microsoft.com/office/powerpoint/2010/main" val="498777856"/>
+        <p14:creationId xmlns:p14="http://schemas.microsoft.com/office/powerpoint/2010/main" val="1395132002"/>
       </p:ext>
     </p:extLst>
   </p:cSld>
@@ -1816,7 +1821,7 @@
           <a:p>
             <a:fld id="{8BDB88F8-1C93-D54D-AD05-1B21AE4535CB}" type="datetimeFigureOut">
               <a:rPr lang="en-US" smtClean="0"/>
-              <a:t>3/8/17</a:t>
+              <a:t>3/19/17</a:t>
             </a:fld>
             <a:endParaRPr lang="en-US"/>
           </a:p>
@@ -1867,7 +1872,7 @@
     </p:spTree>
     <p:extLst>
       <p:ext uri="{BB962C8B-B14F-4D97-AF65-F5344CB8AC3E}">
-        <p14:creationId xmlns:p14="http://schemas.microsoft.com/office/powerpoint/2010/main" val="1255179497"/>
+        <p14:creationId xmlns:p14="http://schemas.microsoft.com/office/powerpoint/2010/main" val="1186090428"/>
       </p:ext>
     </p:extLst>
   </p:cSld>
@@ -1906,15 +1911,15 @@
         </p:nvSpPr>
         <p:spPr>
           <a:xfrm>
-            <a:off x="839788" y="457200"/>
-            <a:ext cx="3932237" cy="1600200"/>
+            <a:off x="1490078" y="487680"/>
+            <a:ext cx="6977161" cy="1706880"/>
           </a:xfrm>
         </p:spPr>
         <p:txBody>
           <a:bodyPr anchor="b"/>
           <a:lstStyle>
             <a:lvl1pPr>
-              <a:defRPr sz="3200"/>
+              <a:defRPr sz="3413"/>
             </a:lvl1pPr>
           </a:lstStyle>
           <a:p>
@@ -1922,7 +1927,7 @@
               <a:rPr lang="en-US" smtClean="0"/>
               <a:t>Click to edit Master title style</a:t>
             </a:r>
-            <a:endParaRPr lang="en-US"/>
+            <a:endParaRPr lang="en-US" dirty="0"/>
           </a:p>
         </p:txBody>
       </p:sp>
@@ -1938,39 +1943,39 @@
         </p:nvSpPr>
         <p:spPr>
           <a:xfrm>
-            <a:off x="5183188" y="987425"/>
-            <a:ext cx="6172200" cy="4873625"/>
+            <a:off x="9196784" y="1053254"/>
+            <a:ext cx="10951637" cy="5198533"/>
           </a:xfrm>
         </p:spPr>
         <p:txBody>
           <a:bodyPr/>
           <a:lstStyle>
             <a:lvl1pPr>
-              <a:defRPr sz="3200"/>
+              <a:defRPr sz="3413"/>
             </a:lvl1pPr>
             <a:lvl2pPr>
-              <a:defRPr sz="2800"/>
+              <a:defRPr sz="2987"/>
             </a:lvl2pPr>
             <a:lvl3pPr>
-              <a:defRPr sz="2400"/>
+              <a:defRPr sz="2560"/>
             </a:lvl3pPr>
             <a:lvl4pPr>
-              <a:defRPr sz="2000"/>
+              <a:defRPr sz="2133"/>
             </a:lvl4pPr>
             <a:lvl5pPr>
-              <a:defRPr sz="2000"/>
+              <a:defRPr sz="2133"/>
             </a:lvl5pPr>
             <a:lvl6pPr>
-              <a:defRPr sz="2000"/>
+              <a:defRPr sz="2133"/>
             </a:lvl6pPr>
             <a:lvl7pPr>
-              <a:defRPr sz="2000"/>
+              <a:defRPr sz="2133"/>
             </a:lvl7pPr>
             <a:lvl8pPr>
-              <a:defRPr sz="2000"/>
+              <a:defRPr sz="2133"/>
             </a:lvl8pPr>
             <a:lvl9pPr>
-              <a:defRPr sz="2000"/>
+              <a:defRPr sz="2133"/>
             </a:lvl9pPr>
           </a:lstStyle>
           <a:p>
@@ -2007,7 +2012,7 @@
               <a:rPr lang="en-US" smtClean="0"/>
               <a:t>Fifth level</a:t>
             </a:r>
-            <a:endParaRPr lang="en-US"/>
+            <a:endParaRPr lang="en-US" dirty="0"/>
           </a:p>
         </p:txBody>
       </p:sp>
@@ -2023,8 +2028,8 @@
         </p:nvSpPr>
         <p:spPr>
           <a:xfrm>
-            <a:off x="839788" y="2057400"/>
-            <a:ext cx="3932237" cy="3811588"/>
+            <a:off x="1490078" y="2194560"/>
+            <a:ext cx="6977161" cy="4065694"/>
           </a:xfrm>
         </p:spPr>
         <p:txBody>
@@ -2032,39 +2037,39 @@
           <a:lstStyle>
             <a:lvl1pPr marL="0" indent="0">
               <a:buNone/>
-              <a:defRPr sz="1600"/>
+              <a:defRPr sz="1707"/>
             </a:lvl1pPr>
-            <a:lvl2pPr marL="457200" indent="0">
-              <a:buNone/>
-              <a:defRPr sz="1400"/>
+            <a:lvl2pPr marL="487695" indent="0">
+              <a:buNone/>
+              <a:defRPr sz="1493"/>
             </a:lvl2pPr>
-            <a:lvl3pPr marL="914400" indent="0">
-              <a:buNone/>
-              <a:defRPr sz="1200"/>
+            <a:lvl3pPr marL="975390" indent="0">
+              <a:buNone/>
+              <a:defRPr sz="1280"/>
             </a:lvl3pPr>
-            <a:lvl4pPr marL="1371600" indent="0">
-              <a:buNone/>
-              <a:defRPr sz="1000"/>
+            <a:lvl4pPr marL="1463086" indent="0">
+              <a:buNone/>
+              <a:defRPr sz="1067"/>
             </a:lvl4pPr>
-            <a:lvl5pPr marL="1828800" indent="0">
-              <a:buNone/>
-              <a:defRPr sz="1000"/>
+            <a:lvl5pPr marL="1950781" indent="0">
+              <a:buNone/>
+              <a:defRPr sz="1067"/>
             </a:lvl5pPr>
-            <a:lvl6pPr marL="2286000" indent="0">
-              <a:buNone/>
-              <a:defRPr sz="1000"/>
+            <a:lvl6pPr marL="2438476" indent="0">
+              <a:buNone/>
+              <a:defRPr sz="1067"/>
             </a:lvl6pPr>
-            <a:lvl7pPr marL="2743200" indent="0">
-              <a:buNone/>
-              <a:defRPr sz="1000"/>
+            <a:lvl7pPr marL="2926171" indent="0">
+              <a:buNone/>
+              <a:defRPr sz="1067"/>
             </a:lvl7pPr>
-            <a:lvl8pPr marL="3200400" indent="0">
-              <a:buNone/>
-              <a:defRPr sz="1000"/>
+            <a:lvl8pPr marL="3413867" indent="0">
+              <a:buNone/>
+              <a:defRPr sz="1067"/>
             </a:lvl8pPr>
-            <a:lvl9pPr marL="3657600" indent="0">
-              <a:buNone/>
-              <a:defRPr sz="1000"/>
+            <a:lvl9pPr marL="3901562" indent="0">
+              <a:buNone/>
+              <a:defRPr sz="1067"/>
             </a:lvl9pPr>
           </a:lstStyle>
           <a:p>
@@ -2093,7 +2098,7 @@
           <a:p>
             <a:fld id="{8BDB88F8-1C93-D54D-AD05-1B21AE4535CB}" type="datetimeFigureOut">
               <a:rPr lang="en-US" smtClean="0"/>
-              <a:t>3/8/17</a:t>
+              <a:t>3/19/17</a:t>
             </a:fld>
             <a:endParaRPr lang="en-US"/>
           </a:p>
@@ -2144,7 +2149,7 @@
     </p:spTree>
     <p:extLst>
       <p:ext uri="{BB962C8B-B14F-4D97-AF65-F5344CB8AC3E}">
-        <p14:creationId xmlns:p14="http://schemas.microsoft.com/office/powerpoint/2010/main" val="524872353"/>
+        <p14:creationId xmlns:p14="http://schemas.microsoft.com/office/powerpoint/2010/main" val="1974806403"/>
       </p:ext>
     </p:extLst>
   </p:cSld>
@@ -2183,15 +2188,15 @@
         </p:nvSpPr>
         <p:spPr>
           <a:xfrm>
-            <a:off x="839788" y="457200"/>
-            <a:ext cx="3932237" cy="1600200"/>
+            <a:off x="1490078" y="487680"/>
+            <a:ext cx="6977161" cy="1706880"/>
           </a:xfrm>
         </p:spPr>
         <p:txBody>
           <a:bodyPr anchor="b"/>
           <a:lstStyle>
             <a:lvl1pPr>
-              <a:defRPr sz="3200"/>
+              <a:defRPr sz="3413"/>
             </a:lvl1pPr>
           </a:lstStyle>
           <a:p>
@@ -2199,7 +2204,7 @@
               <a:rPr lang="en-US" smtClean="0"/>
               <a:t>Click to edit Master title style</a:t>
             </a:r>
-            <a:endParaRPr lang="en-US"/>
+            <a:endParaRPr lang="en-US" dirty="0"/>
           </a:p>
         </p:txBody>
       </p:sp>
@@ -2207,7 +2212,7 @@
         <p:nvSpPr>
           <p:cNvPr id="3" name="Picture Placeholder 2"/>
           <p:cNvSpPr>
-            <a:spLocks noGrp="1"/>
+            <a:spLocks noGrp="1" noChangeAspect="1"/>
           </p:cNvSpPr>
           <p:nvPr>
             <p:ph type="pic" idx="1"/>
@@ -2215,8 +2220,73 @@
         </p:nvSpPr>
         <p:spPr>
           <a:xfrm>
-            <a:off x="5183188" y="987425"/>
-            <a:ext cx="6172200" cy="4873625"/>
+            <a:off x="9196784" y="1053254"/>
+            <a:ext cx="10951637" cy="5198533"/>
+          </a:xfrm>
+        </p:spPr>
+        <p:txBody>
+          <a:bodyPr anchor="t"/>
+          <a:lstStyle>
+            <a:lvl1pPr marL="0" indent="0">
+              <a:buNone/>
+              <a:defRPr sz="3413"/>
+            </a:lvl1pPr>
+            <a:lvl2pPr marL="487695" indent="0">
+              <a:buNone/>
+              <a:defRPr sz="2987"/>
+            </a:lvl2pPr>
+            <a:lvl3pPr marL="975390" indent="0">
+              <a:buNone/>
+              <a:defRPr sz="2560"/>
+            </a:lvl3pPr>
+            <a:lvl4pPr marL="1463086" indent="0">
+              <a:buNone/>
+              <a:defRPr sz="2133"/>
+            </a:lvl4pPr>
+            <a:lvl5pPr marL="1950781" indent="0">
+              <a:buNone/>
+              <a:defRPr sz="2133"/>
+            </a:lvl5pPr>
+            <a:lvl6pPr marL="2438476" indent="0">
+              <a:buNone/>
+              <a:defRPr sz="2133"/>
+            </a:lvl6pPr>
+            <a:lvl7pPr marL="2926171" indent="0">
+              <a:buNone/>
+              <a:defRPr sz="2133"/>
+            </a:lvl7pPr>
+            <a:lvl8pPr marL="3413867" indent="0">
+              <a:buNone/>
+              <a:defRPr sz="2133"/>
+            </a:lvl8pPr>
+            <a:lvl9pPr marL="3901562" indent="0">
+              <a:buNone/>
+              <a:defRPr sz="2133"/>
+            </a:lvl9pPr>
+          </a:lstStyle>
+          <a:p>
+            <a:r>
+              <a:rPr lang="en-US" smtClean="0"/>
+              <a:t>Drag picture to placeholder or click icon to add</a:t>
+            </a:r>
+            <a:endParaRPr lang="en-US" dirty="0"/>
+          </a:p>
+        </p:txBody>
+      </p:sp>
+      <p:sp>
+        <p:nvSpPr>
+          <p:cNvPr id="4" name="Text Placeholder 3"/>
+          <p:cNvSpPr>
+            <a:spLocks noGrp="1"/>
+          </p:cNvSpPr>
+          <p:nvPr>
+            <p:ph type="body" sz="half" idx="2"/>
+          </p:nvPr>
+        </p:nvSpPr>
+        <p:spPr>
+          <a:xfrm>
+            <a:off x="1490078" y="2194560"/>
+            <a:ext cx="6977161" cy="4065694"/>
           </a:xfrm>
         </p:spPr>
         <p:txBody>
@@ -2224,103 +2294,42 @@
           <a:lstStyle>
             <a:lvl1pPr marL="0" indent="0">
               <a:buNone/>
-              <a:defRPr sz="3200"/>
+              <a:defRPr sz="1707"/>
             </a:lvl1pPr>
-            <a:lvl2pPr marL="457200" indent="0">
-              <a:buNone/>
-              <a:defRPr sz="2800"/>
+            <a:lvl2pPr marL="487695" indent="0">
+              <a:buNone/>
+              <a:defRPr sz="1493"/>
             </a:lvl2pPr>
-            <a:lvl3pPr marL="914400" indent="0">
-              <a:buNone/>
-              <a:defRPr sz="2400"/>
+            <a:lvl3pPr marL="975390" indent="0">
+              <a:buNone/>
+              <a:defRPr sz="1280"/>
             </a:lvl3pPr>
-            <a:lvl4pPr marL="1371600" indent="0">
-              <a:buNone/>
-              <a:defRPr sz="2000"/>
+            <a:lvl4pPr marL="1463086" indent="0">
+              <a:buNone/>
+              <a:defRPr sz="1067"/>
             </a:lvl4pPr>
-            <a:lvl5pPr marL="1828800" indent="0">
-              <a:buNone/>
-              <a:defRPr sz="2000"/>
+            <a:lvl5pPr marL="1950781" indent="0">
+              <a:buNone/>
+              <a:defRPr sz="1067"/>
             </a:lvl5pPr>
-            <a:lvl6pPr marL="2286000" indent="0">
-              <a:buNone/>
-              <a:defRPr sz="2000"/>
+            <a:lvl6pPr marL="2438476" indent="0">
+              <a:buNone/>
+              <a:defRPr sz="1067"/>
             </a:lvl6pPr>
-            <a:lvl7pPr marL="2743200" indent="0">
-              <a:buNone/>
-              <a:defRPr sz="2000"/>
+            <a:lvl7pPr marL="2926171" indent="0">
+              <a:buNone/>
+              <a:defRPr sz="1067"/>
             </a:lvl7pPr>
-            <a:lvl8pPr marL="3200400" indent="0">
-              <a:buNone/>
-              <a:defRPr sz="2000"/>
+            <a:lvl8pPr marL="3413867" indent="0">
+              <a:buNone/>
+              <a:defRPr sz="1067"/>
             </a:lvl8pPr>
-            <a:lvl9pPr marL="3657600" indent="0">
-              <a:buNone/>
-              <a:defRPr sz="2000"/>
+            <a:lvl9pPr marL="3901562" indent="0">
+              <a:buNone/>
+              <a:defRPr sz="1067"/>
             </a:lvl9pPr>
           </a:lstStyle>
           <a:p>
-            <a:endParaRPr lang="en-US"/>
-          </a:p>
-        </p:txBody>
-      </p:sp>
-      <p:sp>
-        <p:nvSpPr>
-          <p:cNvPr id="4" name="Text Placeholder 3"/>
-          <p:cNvSpPr>
-            <a:spLocks noGrp="1"/>
-          </p:cNvSpPr>
-          <p:nvPr>
-            <p:ph type="body" sz="half" idx="2"/>
-          </p:nvPr>
-        </p:nvSpPr>
-        <p:spPr>
-          <a:xfrm>
-            <a:off x="839788" y="2057400"/>
-            <a:ext cx="3932237" cy="3811588"/>
-          </a:xfrm>
-        </p:spPr>
-        <p:txBody>
-          <a:bodyPr/>
-          <a:lstStyle>
-            <a:lvl1pPr marL="0" indent="0">
-              <a:buNone/>
-              <a:defRPr sz="1600"/>
-            </a:lvl1pPr>
-            <a:lvl2pPr marL="457200" indent="0">
-              <a:buNone/>
-              <a:defRPr sz="1400"/>
-            </a:lvl2pPr>
-            <a:lvl3pPr marL="914400" indent="0">
-              <a:buNone/>
-              <a:defRPr sz="1200"/>
-            </a:lvl3pPr>
-            <a:lvl4pPr marL="1371600" indent="0">
-              <a:buNone/>
-              <a:defRPr sz="1000"/>
-            </a:lvl4pPr>
-            <a:lvl5pPr marL="1828800" indent="0">
-              <a:buNone/>
-              <a:defRPr sz="1000"/>
-            </a:lvl5pPr>
-            <a:lvl6pPr marL="2286000" indent="0">
-              <a:buNone/>
-              <a:defRPr sz="1000"/>
-            </a:lvl6pPr>
-            <a:lvl7pPr marL="2743200" indent="0">
-              <a:buNone/>
-              <a:defRPr sz="1000"/>
-            </a:lvl7pPr>
-            <a:lvl8pPr marL="3200400" indent="0">
-              <a:buNone/>
-              <a:defRPr sz="1000"/>
-            </a:lvl8pPr>
-            <a:lvl9pPr marL="3657600" indent="0">
-              <a:buNone/>
-              <a:defRPr sz="1000"/>
-            </a:lvl9pPr>
-          </a:lstStyle>
-          <a:p>
             <a:pPr lvl="0"/>
             <a:r>
               <a:rPr lang="en-US" smtClean="0"/>
@@ -2346,7 +2355,7 @@
           <a:p>
             <a:fld id="{8BDB88F8-1C93-D54D-AD05-1B21AE4535CB}" type="datetimeFigureOut">
               <a:rPr lang="en-US" smtClean="0"/>
-              <a:t>3/8/17</a:t>
+              <a:t>3/19/17</a:t>
             </a:fld>
             <a:endParaRPr lang="en-US"/>
           </a:p>
@@ -2397,7 +2406,7 @@
     </p:spTree>
     <p:extLst>
       <p:ext uri="{BB962C8B-B14F-4D97-AF65-F5344CB8AC3E}">
-        <p14:creationId xmlns:p14="http://schemas.microsoft.com/office/powerpoint/2010/main" val="327254586"/>
+        <p14:creationId xmlns:p14="http://schemas.microsoft.com/office/powerpoint/2010/main" val="1473144500"/>
       </p:ext>
     </p:extLst>
   </p:cSld>
@@ -2441,8 +2450,8 @@
         </p:nvSpPr>
         <p:spPr>
           <a:xfrm>
-            <a:off x="838200" y="365125"/>
-            <a:ext cx="10515600" cy="1325563"/>
+            <a:off x="1487260" y="389467"/>
+            <a:ext cx="18658344" cy="1413934"/>
           </a:xfrm>
           <a:prstGeom prst="rect">
             <a:avLst/>
@@ -2458,7 +2467,7 @@
               <a:rPr lang="en-US" smtClean="0"/>
               <a:t>Click to edit Master title style</a:t>
             </a:r>
-            <a:endParaRPr lang="en-US"/>
+            <a:endParaRPr lang="en-US" dirty="0"/>
           </a:p>
         </p:txBody>
       </p:sp>
@@ -2474,8 +2483,8 @@
         </p:nvSpPr>
         <p:spPr>
           <a:xfrm>
-            <a:off x="838200" y="1825625"/>
-            <a:ext cx="10515600" cy="4351338"/>
+            <a:off x="1487260" y="1947333"/>
+            <a:ext cx="18658344" cy="4641427"/>
           </a:xfrm>
           <a:prstGeom prst="rect">
             <a:avLst/>
@@ -2520,7 +2529,7 @@
               <a:rPr lang="en-US" smtClean="0"/>
               <a:t>Fifth level</a:t>
             </a:r>
-            <a:endParaRPr lang="en-US"/>
+            <a:endParaRPr lang="en-US" dirty="0"/>
           </a:p>
         </p:txBody>
       </p:sp>
@@ -2536,8 +2545,8 @@
         </p:nvSpPr>
         <p:spPr>
           <a:xfrm>
-            <a:off x="838200" y="6356350"/>
-            <a:ext cx="2743200" cy="365125"/>
+            <a:off x="1487259" y="6780107"/>
+            <a:ext cx="4867394" cy="389467"/>
           </a:xfrm>
           <a:prstGeom prst="rect">
             <a:avLst/>
@@ -2547,7 +2556,7 @@
           <a:bodyPr vert="horz" lIns="91440" tIns="45720" rIns="91440" bIns="45720" rtlCol="0" anchor="ctr"/>
           <a:lstStyle>
             <a:lvl1pPr algn="l">
-              <a:defRPr sz="1200">
+              <a:defRPr sz="1280">
                 <a:solidFill>
                   <a:schemeClr val="tx1">
                     <a:tint val="75000"/>
@@ -2559,7 +2568,7 @@
           <a:p>
             <a:fld id="{8BDB88F8-1C93-D54D-AD05-1B21AE4535CB}" type="datetimeFigureOut">
               <a:rPr lang="en-US" smtClean="0"/>
-              <a:t>3/8/17</a:t>
+              <a:t>3/19/17</a:t>
             </a:fld>
             <a:endParaRPr lang="en-US"/>
           </a:p>
@@ -2577,8 +2586,8 @@
         </p:nvSpPr>
         <p:spPr>
           <a:xfrm>
-            <a:off x="4038600" y="6356350"/>
-            <a:ext cx="4114800" cy="365125"/>
+            <a:off x="7165886" y="6780107"/>
+            <a:ext cx="7301091" cy="389467"/>
           </a:xfrm>
           <a:prstGeom prst="rect">
             <a:avLst/>
@@ -2588,7 +2597,7 @@
           <a:bodyPr vert="horz" lIns="91440" tIns="45720" rIns="91440" bIns="45720" rtlCol="0" anchor="ctr"/>
           <a:lstStyle>
             <a:lvl1pPr algn="ctr">
-              <a:defRPr sz="1200">
+              <a:defRPr sz="1280">
                 <a:solidFill>
                   <a:schemeClr val="tx1">
                     <a:tint val="75000"/>
@@ -2614,8 +2623,8 @@
         </p:nvSpPr>
         <p:spPr>
           <a:xfrm>
-            <a:off x="8610600" y="6356350"/>
-            <a:ext cx="2743200" cy="365125"/>
+            <a:off x="15278210" y="6780107"/>
+            <a:ext cx="4867394" cy="389467"/>
           </a:xfrm>
           <a:prstGeom prst="rect">
             <a:avLst/>
@@ -2625,7 +2634,7 @@
           <a:bodyPr vert="horz" lIns="91440" tIns="45720" rIns="91440" bIns="45720" rtlCol="0" anchor="ctr"/>
           <a:lstStyle>
             <a:lvl1pPr algn="r">
-              <a:defRPr sz="1200">
+              <a:defRPr sz="1280">
                 <a:solidFill>
                   <a:schemeClr val="tx1">
                     <a:tint val="75000"/>
@@ -2646,27 +2655,27 @@
     </p:spTree>
     <p:extLst>
       <p:ext uri="{BB962C8B-B14F-4D97-AF65-F5344CB8AC3E}">
-        <p14:creationId xmlns:p14="http://schemas.microsoft.com/office/powerpoint/2010/main" val="1804289383"/>
+        <p14:creationId xmlns:p14="http://schemas.microsoft.com/office/powerpoint/2010/main" val="31308902"/>
       </p:ext>
     </p:extLst>
   </p:cSld>
   <p:clrMap bg1="lt1" tx1="dk1" bg2="lt2" tx2="dk2" accent1="accent1" accent2="accent2" accent3="accent3" accent4="accent4" accent5="accent5" accent6="accent6" hlink="hlink" folHlink="folHlink"/>
   <p:sldLayoutIdLst>
-    <p:sldLayoutId id="2147483649" r:id="rId1"/>
-    <p:sldLayoutId id="2147483650" r:id="rId2"/>
-    <p:sldLayoutId id="2147483651" r:id="rId3"/>
-    <p:sldLayoutId id="2147483652" r:id="rId4"/>
-    <p:sldLayoutId id="2147483653" r:id="rId5"/>
-    <p:sldLayoutId id="2147483654" r:id="rId6"/>
-    <p:sldLayoutId id="2147483655" r:id="rId7"/>
-    <p:sldLayoutId id="2147483656" r:id="rId8"/>
-    <p:sldLayoutId id="2147483657" r:id="rId9"/>
-    <p:sldLayoutId id="2147483658" r:id="rId10"/>
-    <p:sldLayoutId id="2147483659" r:id="rId11"/>
+    <p:sldLayoutId id="2147483661" r:id="rId1"/>
+    <p:sldLayoutId id="2147483662" r:id="rId2"/>
+    <p:sldLayoutId id="2147483663" r:id="rId3"/>
+    <p:sldLayoutId id="2147483664" r:id="rId4"/>
+    <p:sldLayoutId id="2147483665" r:id="rId5"/>
+    <p:sldLayoutId id="2147483666" r:id="rId6"/>
+    <p:sldLayoutId id="2147483667" r:id="rId7"/>
+    <p:sldLayoutId id="2147483668" r:id="rId8"/>
+    <p:sldLayoutId id="2147483669" r:id="rId9"/>
+    <p:sldLayoutId id="2147483670" r:id="rId10"/>
+    <p:sldLayoutId id="2147483671" r:id="rId11"/>
   </p:sldLayoutIdLst>
   <p:txStyles>
     <p:titleStyle>
-      <a:lvl1pPr algn="l" defTabSz="914400" rtl="0" eaLnBrk="1" latinLnBrk="0" hangingPunct="1">
+      <a:lvl1pPr algn="l" defTabSz="975390" rtl="0" eaLnBrk="1" latinLnBrk="0" hangingPunct="1">
         <a:lnSpc>
           <a:spcPct val="90000"/>
         </a:lnSpc>
@@ -2674,7 +2683,7 @@
           <a:spcPct val="0"/>
         </a:spcBef>
         <a:buNone/>
-        <a:defRPr sz="4400" kern="1200">
+        <a:defRPr sz="4693" kern="1200">
           <a:solidFill>
             <a:schemeClr val="tx1"/>
           </a:solidFill>
@@ -2685,16 +2694,16 @@
       </a:lvl1pPr>
     </p:titleStyle>
     <p:bodyStyle>
-      <a:lvl1pPr marL="228600" indent="-228600" algn="l" defTabSz="914400" rtl="0" eaLnBrk="1" latinLnBrk="0" hangingPunct="1">
+      <a:lvl1pPr marL="243848" indent="-243848" algn="l" defTabSz="975390" rtl="0" eaLnBrk="1" latinLnBrk="0" hangingPunct="1">
         <a:lnSpc>
           <a:spcPct val="90000"/>
         </a:lnSpc>
         <a:spcBef>
-          <a:spcPts val="1000"/>
+          <a:spcPts val="1067"/>
         </a:spcBef>
-        <a:buFont typeface="Arial"/>
+        <a:buFont typeface="Arial" panose="020B0604020202020204" pitchFamily="34" charset="0"/>
         <a:buChar char="•"/>
-        <a:defRPr sz="2800" kern="1200">
+        <a:defRPr sz="2987" kern="1200">
           <a:solidFill>
             <a:schemeClr val="tx1"/>
           </a:solidFill>
@@ -2703,16 +2712,16 @@
           <a:cs typeface="+mn-cs"/>
         </a:defRPr>
       </a:lvl1pPr>
-      <a:lvl2pPr marL="685800" indent="-228600" algn="l" defTabSz="914400" rtl="0" eaLnBrk="1" latinLnBrk="0" hangingPunct="1">
+      <a:lvl2pPr marL="731543" indent="-243848" algn="l" defTabSz="975390" rtl="0" eaLnBrk="1" latinLnBrk="0" hangingPunct="1">
         <a:lnSpc>
           <a:spcPct val="90000"/>
         </a:lnSpc>
         <a:spcBef>
-          <a:spcPts val="500"/>
+          <a:spcPts val="533"/>
         </a:spcBef>
-        <a:buFont typeface="Arial"/>
+        <a:buFont typeface="Arial" panose="020B0604020202020204" pitchFamily="34" charset="0"/>
         <a:buChar char="•"/>
-        <a:defRPr sz="2400" kern="1200">
+        <a:defRPr sz="2560" kern="1200">
           <a:solidFill>
             <a:schemeClr val="tx1"/>
           </a:solidFill>
@@ -2721,16 +2730,16 @@
           <a:cs typeface="+mn-cs"/>
         </a:defRPr>
       </a:lvl2pPr>
-      <a:lvl3pPr marL="1143000" indent="-228600" algn="l" defTabSz="914400" rtl="0" eaLnBrk="1" latinLnBrk="0" hangingPunct="1">
+      <a:lvl3pPr marL="1219238" indent="-243848" algn="l" defTabSz="975390" rtl="0" eaLnBrk="1" latinLnBrk="0" hangingPunct="1">
         <a:lnSpc>
           <a:spcPct val="90000"/>
         </a:lnSpc>
         <a:spcBef>
-          <a:spcPts val="500"/>
+          <a:spcPts val="533"/>
         </a:spcBef>
-        <a:buFont typeface="Arial"/>
+        <a:buFont typeface="Arial" panose="020B0604020202020204" pitchFamily="34" charset="0"/>
         <a:buChar char="•"/>
-        <a:defRPr sz="2000" kern="1200">
+        <a:defRPr sz="2133" kern="1200">
           <a:solidFill>
             <a:schemeClr val="tx1"/>
           </a:solidFill>
@@ -2739,16 +2748,16 @@
           <a:cs typeface="+mn-cs"/>
         </a:defRPr>
       </a:lvl3pPr>
-      <a:lvl4pPr marL="1600200" indent="-228600" algn="l" defTabSz="914400" rtl="0" eaLnBrk="1" latinLnBrk="0" hangingPunct="1">
+      <a:lvl4pPr marL="1706933" indent="-243848" algn="l" defTabSz="975390" rtl="0" eaLnBrk="1" latinLnBrk="0" hangingPunct="1">
         <a:lnSpc>
           <a:spcPct val="90000"/>
         </a:lnSpc>
         <a:spcBef>
-          <a:spcPts val="500"/>
+          <a:spcPts val="533"/>
         </a:spcBef>
-        <a:buFont typeface="Arial"/>
+        <a:buFont typeface="Arial" panose="020B0604020202020204" pitchFamily="34" charset="0"/>
         <a:buChar char="•"/>
-        <a:defRPr sz="1800" kern="1200">
+        <a:defRPr sz="1920" kern="1200">
           <a:solidFill>
             <a:schemeClr val="tx1"/>
           </a:solidFill>
@@ -2757,16 +2766,16 @@
           <a:cs typeface="+mn-cs"/>
         </a:defRPr>
       </a:lvl4pPr>
-      <a:lvl5pPr marL="2057400" indent="-228600" algn="l" defTabSz="914400" rtl="0" eaLnBrk="1" latinLnBrk="0" hangingPunct="1">
+      <a:lvl5pPr marL="2194629" indent="-243848" algn="l" defTabSz="975390" rtl="0" eaLnBrk="1" latinLnBrk="0" hangingPunct="1">
         <a:lnSpc>
           <a:spcPct val="90000"/>
         </a:lnSpc>
         <a:spcBef>
-          <a:spcPts val="500"/>
+          <a:spcPts val="533"/>
         </a:spcBef>
-        <a:buFont typeface="Arial"/>
+        <a:buFont typeface="Arial" panose="020B0604020202020204" pitchFamily="34" charset="0"/>
         <a:buChar char="•"/>
-        <a:defRPr sz="1800" kern="1200">
+        <a:defRPr sz="1920" kern="1200">
           <a:solidFill>
             <a:schemeClr val="tx1"/>
           </a:solidFill>
@@ -2775,16 +2784,16 @@
           <a:cs typeface="+mn-cs"/>
         </a:defRPr>
       </a:lvl5pPr>
-      <a:lvl6pPr marL="2514600" indent="-228600" algn="l" defTabSz="914400" rtl="0" eaLnBrk="1" latinLnBrk="0" hangingPunct="1">
+      <a:lvl6pPr marL="2682324" indent="-243848" algn="l" defTabSz="975390" rtl="0" eaLnBrk="1" latinLnBrk="0" hangingPunct="1">
         <a:lnSpc>
           <a:spcPct val="90000"/>
         </a:lnSpc>
         <a:spcBef>
-          <a:spcPts val="500"/>
+          <a:spcPts val="533"/>
         </a:spcBef>
-        <a:buFont typeface="Arial"/>
+        <a:buFont typeface="Arial" panose="020B0604020202020204" pitchFamily="34" charset="0"/>
         <a:buChar char="•"/>
-        <a:defRPr sz="1800" kern="1200">
+        <a:defRPr sz="1920" kern="1200">
           <a:solidFill>
             <a:schemeClr val="tx1"/>
           </a:solidFill>
@@ -2793,16 +2802,16 @@
           <a:cs typeface="+mn-cs"/>
         </a:defRPr>
       </a:lvl6pPr>
-      <a:lvl7pPr marL="2971800" indent="-228600" algn="l" defTabSz="914400" rtl="0" eaLnBrk="1" latinLnBrk="0" hangingPunct="1">
+      <a:lvl7pPr marL="3170019" indent="-243848" algn="l" defTabSz="975390" rtl="0" eaLnBrk="1" latinLnBrk="0" hangingPunct="1">
         <a:lnSpc>
           <a:spcPct val="90000"/>
         </a:lnSpc>
         <a:spcBef>
-          <a:spcPts val="500"/>
+          <a:spcPts val="533"/>
         </a:spcBef>
-        <a:buFont typeface="Arial"/>
+        <a:buFont typeface="Arial" panose="020B0604020202020204" pitchFamily="34" charset="0"/>
         <a:buChar char="•"/>
-        <a:defRPr sz="1800" kern="1200">
+        <a:defRPr sz="1920" kern="1200">
           <a:solidFill>
             <a:schemeClr val="tx1"/>
           </a:solidFill>
@@ -2811,16 +2820,16 @@
           <a:cs typeface="+mn-cs"/>
         </a:defRPr>
       </a:lvl7pPr>
-      <a:lvl8pPr marL="3429000" indent="-228600" algn="l" defTabSz="914400" rtl="0" eaLnBrk="1" latinLnBrk="0" hangingPunct="1">
+      <a:lvl8pPr marL="3657714" indent="-243848" algn="l" defTabSz="975390" rtl="0" eaLnBrk="1" latinLnBrk="0" hangingPunct="1">
         <a:lnSpc>
           <a:spcPct val="90000"/>
         </a:lnSpc>
         <a:spcBef>
-          <a:spcPts val="500"/>
+          <a:spcPts val="533"/>
         </a:spcBef>
-        <a:buFont typeface="Arial"/>
+        <a:buFont typeface="Arial" panose="020B0604020202020204" pitchFamily="34" charset="0"/>
         <a:buChar char="•"/>
-        <a:defRPr sz="1800" kern="1200">
+        <a:defRPr sz="1920" kern="1200">
           <a:solidFill>
             <a:schemeClr val="tx1"/>
           </a:solidFill>
@@ -2829,16 +2838,16 @@
           <a:cs typeface="+mn-cs"/>
         </a:defRPr>
       </a:lvl8pPr>
-      <a:lvl9pPr marL="3886200" indent="-228600" algn="l" defTabSz="914400" rtl="0" eaLnBrk="1" latinLnBrk="0" hangingPunct="1">
+      <a:lvl9pPr marL="4145410" indent="-243848" algn="l" defTabSz="975390" rtl="0" eaLnBrk="1" latinLnBrk="0" hangingPunct="1">
         <a:lnSpc>
           <a:spcPct val="90000"/>
         </a:lnSpc>
         <a:spcBef>
-          <a:spcPts val="500"/>
+          <a:spcPts val="533"/>
         </a:spcBef>
-        <a:buFont typeface="Arial"/>
+        <a:buFont typeface="Arial" panose="020B0604020202020204" pitchFamily="34" charset="0"/>
         <a:buChar char="•"/>
-        <a:defRPr sz="1800" kern="1200">
+        <a:defRPr sz="1920" kern="1200">
           <a:solidFill>
             <a:schemeClr val="tx1"/>
           </a:solidFill>
@@ -2852,8 +2861,8 @@
       <a:defPPr>
         <a:defRPr lang="en-US"/>
       </a:defPPr>
-      <a:lvl1pPr marL="0" algn="l" defTabSz="914400" rtl="0" eaLnBrk="1" latinLnBrk="0" hangingPunct="1">
-        <a:defRPr sz="1800" kern="1200">
+      <a:lvl1pPr marL="0" algn="l" defTabSz="975390" rtl="0" eaLnBrk="1" latinLnBrk="0" hangingPunct="1">
+        <a:defRPr sz="1920" kern="1200">
           <a:solidFill>
             <a:schemeClr val="tx1"/>
           </a:solidFill>
@@ -2862,8 +2871,8 @@
           <a:cs typeface="+mn-cs"/>
         </a:defRPr>
       </a:lvl1pPr>
-      <a:lvl2pPr marL="457200" algn="l" defTabSz="914400" rtl="0" eaLnBrk="1" latinLnBrk="0" hangingPunct="1">
-        <a:defRPr sz="1800" kern="1200">
+      <a:lvl2pPr marL="487695" algn="l" defTabSz="975390" rtl="0" eaLnBrk="1" latinLnBrk="0" hangingPunct="1">
+        <a:defRPr sz="1920" kern="1200">
           <a:solidFill>
             <a:schemeClr val="tx1"/>
           </a:solidFill>
@@ -2872,8 +2881,8 @@
           <a:cs typeface="+mn-cs"/>
         </a:defRPr>
       </a:lvl2pPr>
-      <a:lvl3pPr marL="914400" algn="l" defTabSz="914400" rtl="0" eaLnBrk="1" latinLnBrk="0" hangingPunct="1">
-        <a:defRPr sz="1800" kern="1200">
+      <a:lvl3pPr marL="975390" algn="l" defTabSz="975390" rtl="0" eaLnBrk="1" latinLnBrk="0" hangingPunct="1">
+        <a:defRPr sz="1920" kern="1200">
           <a:solidFill>
             <a:schemeClr val="tx1"/>
           </a:solidFill>
@@ -2882,8 +2891,8 @@
           <a:cs typeface="+mn-cs"/>
         </a:defRPr>
       </a:lvl3pPr>
-      <a:lvl4pPr marL="1371600" algn="l" defTabSz="914400" rtl="0" eaLnBrk="1" latinLnBrk="0" hangingPunct="1">
-        <a:defRPr sz="1800" kern="1200">
+      <a:lvl4pPr marL="1463086" algn="l" defTabSz="975390" rtl="0" eaLnBrk="1" latinLnBrk="0" hangingPunct="1">
+        <a:defRPr sz="1920" kern="1200">
           <a:solidFill>
             <a:schemeClr val="tx1"/>
           </a:solidFill>
@@ -2892,8 +2901,8 @@
           <a:cs typeface="+mn-cs"/>
         </a:defRPr>
       </a:lvl4pPr>
-      <a:lvl5pPr marL="1828800" algn="l" defTabSz="914400" rtl="0" eaLnBrk="1" latinLnBrk="0" hangingPunct="1">
-        <a:defRPr sz="1800" kern="1200">
+      <a:lvl5pPr marL="1950781" algn="l" defTabSz="975390" rtl="0" eaLnBrk="1" latinLnBrk="0" hangingPunct="1">
+        <a:defRPr sz="1920" kern="1200">
           <a:solidFill>
             <a:schemeClr val="tx1"/>
           </a:solidFill>
@@ -2902,8 +2911,8 @@
           <a:cs typeface="+mn-cs"/>
         </a:defRPr>
       </a:lvl5pPr>
-      <a:lvl6pPr marL="2286000" algn="l" defTabSz="914400" rtl="0" eaLnBrk="1" latinLnBrk="0" hangingPunct="1">
-        <a:defRPr sz="1800" kern="1200">
+      <a:lvl6pPr marL="2438476" algn="l" defTabSz="975390" rtl="0" eaLnBrk="1" latinLnBrk="0" hangingPunct="1">
+        <a:defRPr sz="1920" kern="1200">
           <a:solidFill>
             <a:schemeClr val="tx1"/>
           </a:solidFill>
@@ -2912,8 +2921,8 @@
           <a:cs typeface="+mn-cs"/>
         </a:defRPr>
       </a:lvl6pPr>
-      <a:lvl7pPr marL="2743200" algn="l" defTabSz="914400" rtl="0" eaLnBrk="1" latinLnBrk="0" hangingPunct="1">
-        <a:defRPr sz="1800" kern="1200">
+      <a:lvl7pPr marL="2926171" algn="l" defTabSz="975390" rtl="0" eaLnBrk="1" latinLnBrk="0" hangingPunct="1">
+        <a:defRPr sz="1920" kern="1200">
           <a:solidFill>
             <a:schemeClr val="tx1"/>
           </a:solidFill>
@@ -2922,8 +2931,8 @@
           <a:cs typeface="+mn-cs"/>
         </a:defRPr>
       </a:lvl7pPr>
-      <a:lvl8pPr marL="3200400" algn="l" defTabSz="914400" rtl="0" eaLnBrk="1" latinLnBrk="0" hangingPunct="1">
-        <a:defRPr sz="1800" kern="1200">
+      <a:lvl8pPr marL="3413867" algn="l" defTabSz="975390" rtl="0" eaLnBrk="1" latinLnBrk="0" hangingPunct="1">
+        <a:defRPr sz="1920" kern="1200">
           <a:solidFill>
             <a:schemeClr val="tx1"/>
           </a:solidFill>
@@ -2932,8 +2941,8 @@
           <a:cs typeface="+mn-cs"/>
         </a:defRPr>
       </a:lvl8pPr>
-      <a:lvl9pPr marL="3657600" algn="l" defTabSz="914400" rtl="0" eaLnBrk="1" latinLnBrk="0" hangingPunct="1">
-        <a:defRPr sz="1800" kern="1200">
+      <a:lvl9pPr marL="3901562" algn="l" defTabSz="975390" rtl="0" eaLnBrk="1" latinLnBrk="0" hangingPunct="1">
+        <a:defRPr sz="1920" kern="1200">
           <a:solidFill>
             <a:schemeClr val="tx1"/>
           </a:solidFill>
@@ -2964,85 +2973,9 @@
           <a:chExt cx="0" cy="0"/>
         </a:xfrm>
       </p:grpSpPr>
-      <p:sp>
-        <p:nvSpPr>
-          <p:cNvPr id="5" name="Rectangle 4"/>
-          <p:cNvSpPr/>
-          <p:nvPr/>
-        </p:nvSpPr>
-        <p:spPr>
-          <a:xfrm>
-            <a:off x="0" y="0"/>
-            <a:ext cx="3629890" cy="1357745"/>
-          </a:xfrm>
-          <a:prstGeom prst="rect">
-            <a:avLst/>
-          </a:prstGeom>
-          <a:solidFill>
-            <a:srgbClr val="FFC000"/>
-          </a:solidFill>
-          <a:ln>
-            <a:noFill/>
-          </a:ln>
-        </p:spPr>
-        <p:style>
-          <a:lnRef idx="2">
-            <a:schemeClr val="accent1">
-              <a:shade val="50000"/>
-            </a:schemeClr>
-          </a:lnRef>
-          <a:fillRef idx="1">
-            <a:schemeClr val="accent1"/>
-          </a:fillRef>
-          <a:effectRef idx="0">
-            <a:schemeClr val="accent1"/>
-          </a:effectRef>
-          <a:fontRef idx="minor">
-            <a:schemeClr val="lt1"/>
-          </a:fontRef>
-        </p:style>
-        <p:txBody>
-          <a:bodyPr rtlCol="0" anchor="ctr"/>
-          <a:lstStyle/>
-          <a:p>
-            <a:pPr algn="ctr"/>
-            <a:endParaRPr lang="en-US"/>
-          </a:p>
-        </p:txBody>
-      </p:sp>
-      <p:sp>
-        <p:nvSpPr>
-          <p:cNvPr id="4" name="TextBox 3"/>
-          <p:cNvSpPr txBox="1"/>
-          <p:nvPr/>
-        </p:nvSpPr>
-        <p:spPr>
-          <a:xfrm>
-            <a:off x="3115006" y="867547"/>
-            <a:ext cx="433132" cy="461665"/>
-          </a:xfrm>
-          <a:prstGeom prst="rect">
-            <a:avLst/>
-          </a:prstGeom>
-          <a:noFill/>
-        </p:spPr>
-        <p:txBody>
-          <a:bodyPr wrap="none" rtlCol="0">
-            <a:spAutoFit/>
-          </a:bodyPr>
-          <a:lstStyle/>
-          <a:p>
-            <a:r>
-              <a:rPr lang="en-US" sz="2400" b="1" dirty="0" smtClean="0"/>
-              <a:t>JS</a:t>
-            </a:r>
-            <a:endParaRPr lang="en-US" sz="2400" b="1" dirty="0"/>
-          </a:p>
-        </p:txBody>
-      </p:sp>
       <p:pic>
         <p:nvPicPr>
-          <p:cNvPr id="6" name="Picture 5"/>
+          <p:cNvPr id="7" name="Picture 6"/>
           <p:cNvPicPr>
             <a:picLocks noChangeAspect="1"/>
           </p:cNvPicPr>
@@ -3062,37 +2995,7 @@
         </p:blipFill>
         <p:spPr>
           <a:xfrm>
-            <a:off x="185981" y="1004954"/>
-            <a:ext cx="270318" cy="181499"/>
-          </a:xfrm>
-          <a:prstGeom prst="rect">
-            <a:avLst/>
-          </a:prstGeom>
-        </p:spPr>
-      </p:pic>
-      <p:pic>
-        <p:nvPicPr>
-          <p:cNvPr id="7" name="Picture 6"/>
-          <p:cNvPicPr>
-            <a:picLocks noChangeAspect="1"/>
-          </p:cNvPicPr>
-          <p:nvPr/>
-        </p:nvPicPr>
-        <p:blipFill>
-          <a:blip r:embed="rId3">
-            <a:extLst>
-              <a:ext uri="{28A0092B-C50C-407E-A947-70E740481C1C}">
-                <a14:useLocalDpi xmlns:a14="http://schemas.microsoft.com/office/drawing/2010/main" val="0"/>
-              </a:ext>
-            </a:extLst>
-          </a:blip>
-          <a:stretch>
-            <a:fillRect/>
-          </a:stretch>
-        </p:blipFill>
-        <p:spPr>
-          <a:xfrm>
-            <a:off x="1699432" y="4178085"/>
+            <a:off x="8748870" y="5842940"/>
             <a:ext cx="889000" cy="596900"/>
           </a:xfrm>
           <a:prstGeom prst="rect">
@@ -3100,36 +3003,2799 @@
           </a:prstGeom>
         </p:spPr>
       </p:pic>
-      <p:sp>
-        <p:nvSpPr>
-          <p:cNvPr id="8" name="TextBox 7"/>
-          <p:cNvSpPr txBox="1"/>
+      <p:grpSp>
+        <p:nvGrpSpPr>
+          <p:cNvPr id="50" name="Group 49"/>
+          <p:cNvGrpSpPr/>
           <p:nvPr/>
-        </p:nvSpPr>
-        <p:spPr>
+        </p:nvGrpSpPr>
+        <p:grpSpPr>
           <a:xfrm>
-            <a:off x="185981" y="81624"/>
-            <a:ext cx="2055371" cy="923330"/>
+            <a:off x="0" y="0"/>
+            <a:ext cx="3629890" cy="1357745"/>
+            <a:chOff x="0" y="0"/>
+            <a:chExt cx="3629890" cy="1357745"/>
           </a:xfrm>
-          <a:prstGeom prst="rect">
-            <a:avLst/>
-          </a:prstGeom>
-          <a:noFill/>
-        </p:spPr>
-        <p:txBody>
-          <a:bodyPr wrap="none" rtlCol="0">
-            <a:spAutoFit/>
-          </a:bodyPr>
-          <a:lstStyle/>
-          <a:p>
-            <a:r>
-              <a:rPr lang="en-US" sz="5400" b="1" i="1" dirty="0" smtClean="0"/>
-              <a:t>Arrays</a:t>
-            </a:r>
-            <a:endParaRPr lang="en-US" sz="5400" b="1" i="1" dirty="0"/>
-          </a:p>
-        </p:txBody>
-      </p:sp>
+        </p:grpSpPr>
+        <p:sp>
+          <p:nvSpPr>
+            <p:cNvPr id="51" name="Rectangle 50"/>
+            <p:cNvSpPr/>
+            <p:nvPr/>
+          </p:nvSpPr>
+          <p:spPr>
+            <a:xfrm>
+              <a:off x="0" y="0"/>
+              <a:ext cx="3629890" cy="1357745"/>
+            </a:xfrm>
+            <a:prstGeom prst="rect">
+              <a:avLst/>
+            </a:prstGeom>
+            <a:solidFill>
+              <a:srgbClr val="FFC000"/>
+            </a:solidFill>
+            <a:ln>
+              <a:noFill/>
+            </a:ln>
+          </p:spPr>
+          <p:style>
+            <a:lnRef idx="2">
+              <a:schemeClr val="accent1">
+                <a:shade val="50000"/>
+              </a:schemeClr>
+            </a:lnRef>
+            <a:fillRef idx="1">
+              <a:schemeClr val="accent1"/>
+            </a:fillRef>
+            <a:effectRef idx="0">
+              <a:schemeClr val="accent1"/>
+            </a:effectRef>
+            <a:fontRef idx="minor">
+              <a:schemeClr val="lt1"/>
+            </a:fontRef>
+          </p:style>
+          <p:txBody>
+            <a:bodyPr rtlCol="0" anchor="ctr"/>
+            <a:lstStyle/>
+            <a:p>
+              <a:pPr algn="ctr"/>
+              <a:endParaRPr lang="en-US"/>
+            </a:p>
+          </p:txBody>
+        </p:sp>
+        <p:sp>
+          <p:nvSpPr>
+            <p:cNvPr id="52" name="TextBox 51"/>
+            <p:cNvSpPr txBox="1"/>
+            <p:nvPr/>
+          </p:nvSpPr>
+          <p:spPr>
+            <a:xfrm>
+              <a:off x="1637591" y="880582"/>
+              <a:ext cx="1459182" cy="461665"/>
+            </a:xfrm>
+            <a:prstGeom prst="rect">
+              <a:avLst/>
+            </a:prstGeom>
+            <a:noFill/>
+          </p:spPr>
+          <p:txBody>
+            <a:bodyPr wrap="none" rtlCol="0">
+              <a:spAutoFit/>
+            </a:bodyPr>
+            <a:lstStyle/>
+            <a:p>
+              <a:r>
+                <a:rPr lang="en-US" sz="2400" b="1" smtClean="0"/>
+                <a:t>JavaScript</a:t>
+              </a:r>
+              <a:endParaRPr lang="en-US" sz="2400" b="1" dirty="0"/>
+            </a:p>
+          </p:txBody>
+        </p:sp>
+        <p:pic>
+          <p:nvPicPr>
+            <p:cNvPr id="53" name="Picture 52"/>
+            <p:cNvPicPr>
+              <a:picLocks noChangeAspect="1"/>
+            </p:cNvPicPr>
+            <p:nvPr/>
+          </p:nvPicPr>
+          <p:blipFill>
+            <a:blip r:embed="rId3">
+              <a:extLst>
+                <a:ext uri="{28A0092B-C50C-407E-A947-70E740481C1C}">
+                  <a14:useLocalDpi xmlns:a14="http://schemas.microsoft.com/office/drawing/2010/main" val="0"/>
+                </a:ext>
+              </a:extLst>
+            </a:blip>
+            <a:stretch>
+              <a:fillRect/>
+            </a:stretch>
+          </p:blipFill>
+          <p:spPr>
+            <a:xfrm flipH="1" flipV="1">
+              <a:off x="3098059" y="1022164"/>
+              <a:ext cx="310119" cy="208223"/>
+            </a:xfrm>
+            <a:prstGeom prst="rect">
+              <a:avLst/>
+            </a:prstGeom>
+          </p:spPr>
+        </p:pic>
+        <p:sp>
+          <p:nvSpPr>
+            <p:cNvPr id="54" name="TextBox 53"/>
+            <p:cNvSpPr txBox="1"/>
+            <p:nvPr/>
+          </p:nvSpPr>
+          <p:spPr>
+            <a:xfrm>
+              <a:off x="140013" y="0"/>
+              <a:ext cx="1848583" cy="830997"/>
+            </a:xfrm>
+            <a:prstGeom prst="rect">
+              <a:avLst/>
+            </a:prstGeom>
+            <a:noFill/>
+          </p:spPr>
+          <p:txBody>
+            <a:bodyPr wrap="none" rtlCol="0">
+              <a:spAutoFit/>
+            </a:bodyPr>
+            <a:lstStyle/>
+            <a:p>
+              <a:r>
+                <a:rPr lang="en-US" sz="4800" b="1" i="1" dirty="0" smtClean="0"/>
+                <a:t>Arrays</a:t>
+              </a:r>
+              <a:endParaRPr lang="en-US" sz="4800" b="1" i="1" dirty="0"/>
+            </a:p>
+          </p:txBody>
+        </p:sp>
+        <p:pic>
+          <p:nvPicPr>
+            <p:cNvPr id="55" name="Picture 54"/>
+            <p:cNvPicPr>
+              <a:picLocks noChangeAspect="1"/>
+            </p:cNvPicPr>
+            <p:nvPr/>
+          </p:nvPicPr>
+          <p:blipFill>
+            <a:blip r:embed="rId4">
+              <a:extLst>
+                <a:ext uri="{28A0092B-C50C-407E-A947-70E740481C1C}">
+                  <a14:useLocalDpi xmlns:a14="http://schemas.microsoft.com/office/drawing/2010/main" val="0"/>
+                </a:ext>
+              </a:extLst>
+            </a:blip>
+            <a:stretch>
+              <a:fillRect/>
+            </a:stretch>
+          </p:blipFill>
+          <p:spPr>
+            <a:xfrm>
+              <a:off x="195244" y="928799"/>
+              <a:ext cx="853562" cy="285399"/>
+            </a:xfrm>
+            <a:prstGeom prst="rect">
+              <a:avLst/>
+            </a:prstGeom>
+          </p:spPr>
+        </p:pic>
+      </p:grpSp>
+      <p:grpSp>
+        <p:nvGrpSpPr>
+          <p:cNvPr id="56" name="Group 55"/>
+          <p:cNvGrpSpPr/>
+          <p:nvPr/>
+        </p:nvGrpSpPr>
+        <p:grpSpPr>
+          <a:xfrm>
+            <a:off x="3767015" y="-18454"/>
+            <a:ext cx="3629890" cy="1357745"/>
+            <a:chOff x="3767015" y="-18454"/>
+            <a:chExt cx="3629890" cy="1357745"/>
+          </a:xfrm>
+        </p:grpSpPr>
+        <p:sp>
+          <p:nvSpPr>
+            <p:cNvPr id="57" name="Rectangle 56"/>
+            <p:cNvSpPr/>
+            <p:nvPr/>
+          </p:nvSpPr>
+          <p:spPr>
+            <a:xfrm>
+              <a:off x="3767015" y="-18454"/>
+              <a:ext cx="3629890" cy="1357745"/>
+            </a:xfrm>
+            <a:prstGeom prst="rect">
+              <a:avLst/>
+            </a:prstGeom>
+            <a:solidFill>
+              <a:srgbClr val="FFC000"/>
+            </a:solidFill>
+            <a:ln>
+              <a:noFill/>
+            </a:ln>
+          </p:spPr>
+          <p:style>
+            <a:lnRef idx="2">
+              <a:schemeClr val="accent1">
+                <a:shade val="50000"/>
+              </a:schemeClr>
+            </a:lnRef>
+            <a:fillRef idx="1">
+              <a:schemeClr val="accent1"/>
+            </a:fillRef>
+            <a:effectRef idx="0">
+              <a:schemeClr val="accent1"/>
+            </a:effectRef>
+            <a:fontRef idx="minor">
+              <a:schemeClr val="lt1"/>
+            </a:fontRef>
+          </p:style>
+          <p:txBody>
+            <a:bodyPr rtlCol="0" anchor="ctr"/>
+            <a:lstStyle/>
+            <a:p>
+              <a:pPr algn="ctr"/>
+              <a:endParaRPr lang="en-US"/>
+            </a:p>
+          </p:txBody>
+        </p:sp>
+        <p:sp>
+          <p:nvSpPr>
+            <p:cNvPr id="58" name="TextBox 57"/>
+            <p:cNvSpPr txBox="1"/>
+            <p:nvPr/>
+          </p:nvSpPr>
+          <p:spPr>
+            <a:xfrm>
+              <a:off x="5404606" y="862128"/>
+              <a:ext cx="1459182" cy="461665"/>
+            </a:xfrm>
+            <a:prstGeom prst="rect">
+              <a:avLst/>
+            </a:prstGeom>
+            <a:noFill/>
+          </p:spPr>
+          <p:txBody>
+            <a:bodyPr wrap="none" rtlCol="0">
+              <a:spAutoFit/>
+            </a:bodyPr>
+            <a:lstStyle/>
+            <a:p>
+              <a:r>
+                <a:rPr lang="en-US" sz="2400" b="1" smtClean="0"/>
+                <a:t>JavaScript</a:t>
+              </a:r>
+              <a:endParaRPr lang="en-US" sz="2400" b="1" dirty="0"/>
+            </a:p>
+          </p:txBody>
+        </p:sp>
+        <p:pic>
+          <p:nvPicPr>
+            <p:cNvPr id="59" name="Picture 58"/>
+            <p:cNvPicPr>
+              <a:picLocks noChangeAspect="1"/>
+            </p:cNvPicPr>
+            <p:nvPr/>
+          </p:nvPicPr>
+          <p:blipFill>
+            <a:blip r:embed="rId3">
+              <a:extLst>
+                <a:ext uri="{28A0092B-C50C-407E-A947-70E740481C1C}">
+                  <a14:useLocalDpi xmlns:a14="http://schemas.microsoft.com/office/drawing/2010/main" val="0"/>
+                </a:ext>
+              </a:extLst>
+            </a:blip>
+            <a:stretch>
+              <a:fillRect/>
+            </a:stretch>
+          </p:blipFill>
+          <p:spPr>
+            <a:xfrm flipH="1" flipV="1">
+              <a:off x="6865074" y="1003710"/>
+              <a:ext cx="310119" cy="208223"/>
+            </a:xfrm>
+            <a:prstGeom prst="rect">
+              <a:avLst/>
+            </a:prstGeom>
+          </p:spPr>
+        </p:pic>
+        <p:sp>
+          <p:nvSpPr>
+            <p:cNvPr id="60" name="TextBox 59"/>
+            <p:cNvSpPr txBox="1"/>
+            <p:nvPr/>
+          </p:nvSpPr>
+          <p:spPr>
+            <a:xfrm>
+              <a:off x="3907028" y="-18454"/>
+              <a:ext cx="1835695" cy="830997"/>
+            </a:xfrm>
+            <a:prstGeom prst="rect">
+              <a:avLst/>
+            </a:prstGeom>
+            <a:noFill/>
+          </p:spPr>
+          <p:txBody>
+            <a:bodyPr wrap="none" rtlCol="0">
+              <a:spAutoFit/>
+            </a:bodyPr>
+            <a:lstStyle/>
+            <a:p>
+              <a:r>
+                <a:rPr lang="en-US" sz="4800" b="1" i="1" dirty="0" smtClean="0"/>
+                <a:t>Events</a:t>
+              </a:r>
+              <a:endParaRPr lang="en-US" sz="4800" b="1" i="1" dirty="0"/>
+            </a:p>
+          </p:txBody>
+        </p:sp>
+        <p:pic>
+          <p:nvPicPr>
+            <p:cNvPr id="61" name="Picture 60"/>
+            <p:cNvPicPr>
+              <a:picLocks noChangeAspect="1"/>
+            </p:cNvPicPr>
+            <p:nvPr/>
+          </p:nvPicPr>
+          <p:blipFill>
+            <a:blip r:embed="rId4">
+              <a:extLst>
+                <a:ext uri="{28A0092B-C50C-407E-A947-70E740481C1C}">
+                  <a14:useLocalDpi xmlns:a14="http://schemas.microsoft.com/office/drawing/2010/main" val="0"/>
+                </a:ext>
+              </a:extLst>
+            </a:blip>
+            <a:stretch>
+              <a:fillRect/>
+            </a:stretch>
+          </p:blipFill>
+          <p:spPr>
+            <a:xfrm>
+              <a:off x="3962259" y="910345"/>
+              <a:ext cx="853562" cy="285399"/>
+            </a:xfrm>
+            <a:prstGeom prst="rect">
+              <a:avLst/>
+            </a:prstGeom>
+          </p:spPr>
+        </p:pic>
+      </p:grpSp>
+      <p:grpSp>
+        <p:nvGrpSpPr>
+          <p:cNvPr id="62" name="Group 61"/>
+          <p:cNvGrpSpPr/>
+          <p:nvPr/>
+        </p:nvGrpSpPr>
+        <p:grpSpPr>
+          <a:xfrm>
+            <a:off x="0" y="1499327"/>
+            <a:ext cx="3629890" cy="1357745"/>
+            <a:chOff x="3767015" y="-18454"/>
+            <a:chExt cx="3629890" cy="1357745"/>
+          </a:xfrm>
+        </p:grpSpPr>
+        <p:sp>
+          <p:nvSpPr>
+            <p:cNvPr id="63" name="Rectangle 62"/>
+            <p:cNvSpPr/>
+            <p:nvPr/>
+          </p:nvSpPr>
+          <p:spPr>
+            <a:xfrm>
+              <a:off x="3767015" y="-18454"/>
+              <a:ext cx="3629890" cy="1357745"/>
+            </a:xfrm>
+            <a:prstGeom prst="rect">
+              <a:avLst/>
+            </a:prstGeom>
+            <a:solidFill>
+              <a:srgbClr val="FFC000"/>
+            </a:solidFill>
+            <a:ln>
+              <a:noFill/>
+            </a:ln>
+          </p:spPr>
+          <p:style>
+            <a:lnRef idx="2">
+              <a:schemeClr val="accent1">
+                <a:shade val="50000"/>
+              </a:schemeClr>
+            </a:lnRef>
+            <a:fillRef idx="1">
+              <a:schemeClr val="accent1"/>
+            </a:fillRef>
+            <a:effectRef idx="0">
+              <a:schemeClr val="accent1"/>
+            </a:effectRef>
+            <a:fontRef idx="minor">
+              <a:schemeClr val="lt1"/>
+            </a:fontRef>
+          </p:style>
+          <p:txBody>
+            <a:bodyPr rtlCol="0" anchor="ctr"/>
+            <a:lstStyle/>
+            <a:p>
+              <a:pPr algn="ctr"/>
+              <a:endParaRPr lang="en-US"/>
+            </a:p>
+          </p:txBody>
+        </p:sp>
+        <p:sp>
+          <p:nvSpPr>
+            <p:cNvPr id="64" name="TextBox 63"/>
+            <p:cNvSpPr txBox="1"/>
+            <p:nvPr/>
+          </p:nvSpPr>
+          <p:spPr>
+            <a:xfrm>
+              <a:off x="5404606" y="862128"/>
+              <a:ext cx="1459182" cy="461665"/>
+            </a:xfrm>
+            <a:prstGeom prst="rect">
+              <a:avLst/>
+            </a:prstGeom>
+            <a:noFill/>
+          </p:spPr>
+          <p:txBody>
+            <a:bodyPr wrap="none" rtlCol="0">
+              <a:spAutoFit/>
+            </a:bodyPr>
+            <a:lstStyle/>
+            <a:p>
+              <a:r>
+                <a:rPr lang="en-US" sz="2400" b="1" smtClean="0"/>
+                <a:t>JavaScript</a:t>
+              </a:r>
+              <a:endParaRPr lang="en-US" sz="2400" b="1" dirty="0"/>
+            </a:p>
+          </p:txBody>
+        </p:sp>
+        <p:pic>
+          <p:nvPicPr>
+            <p:cNvPr id="65" name="Picture 64"/>
+            <p:cNvPicPr>
+              <a:picLocks noChangeAspect="1"/>
+            </p:cNvPicPr>
+            <p:nvPr/>
+          </p:nvPicPr>
+          <p:blipFill>
+            <a:blip r:embed="rId3">
+              <a:extLst>
+                <a:ext uri="{28A0092B-C50C-407E-A947-70E740481C1C}">
+                  <a14:useLocalDpi xmlns:a14="http://schemas.microsoft.com/office/drawing/2010/main" val="0"/>
+                </a:ext>
+              </a:extLst>
+            </a:blip>
+            <a:stretch>
+              <a:fillRect/>
+            </a:stretch>
+          </p:blipFill>
+          <p:spPr>
+            <a:xfrm flipH="1" flipV="1">
+              <a:off x="6865074" y="1003710"/>
+              <a:ext cx="310119" cy="208223"/>
+            </a:xfrm>
+            <a:prstGeom prst="rect">
+              <a:avLst/>
+            </a:prstGeom>
+          </p:spPr>
+        </p:pic>
+        <p:sp>
+          <p:nvSpPr>
+            <p:cNvPr id="66" name="TextBox 65"/>
+            <p:cNvSpPr txBox="1"/>
+            <p:nvPr/>
+          </p:nvSpPr>
+          <p:spPr>
+            <a:xfrm>
+              <a:off x="3948140" y="15633"/>
+              <a:ext cx="3375155" cy="830997"/>
+            </a:xfrm>
+            <a:prstGeom prst="rect">
+              <a:avLst/>
+            </a:prstGeom>
+            <a:noFill/>
+          </p:spPr>
+          <p:txBody>
+            <a:bodyPr wrap="none" rtlCol="0">
+              <a:spAutoFit/>
+            </a:bodyPr>
+            <a:lstStyle/>
+            <a:p>
+              <a:r>
+                <a:rPr lang="en-US" sz="4800" b="1" i="1" smtClean="0"/>
+                <a:t>jQuery DOM</a:t>
+              </a:r>
+              <a:endParaRPr lang="en-US" sz="4800" b="1" i="1" dirty="0"/>
+            </a:p>
+          </p:txBody>
+        </p:sp>
+        <p:pic>
+          <p:nvPicPr>
+            <p:cNvPr id="67" name="Picture 66"/>
+            <p:cNvPicPr>
+              <a:picLocks noChangeAspect="1"/>
+            </p:cNvPicPr>
+            <p:nvPr/>
+          </p:nvPicPr>
+          <p:blipFill>
+            <a:blip r:embed="rId4">
+              <a:extLst>
+                <a:ext uri="{28A0092B-C50C-407E-A947-70E740481C1C}">
+                  <a14:useLocalDpi xmlns:a14="http://schemas.microsoft.com/office/drawing/2010/main" val="0"/>
+                </a:ext>
+              </a:extLst>
+            </a:blip>
+            <a:stretch>
+              <a:fillRect/>
+            </a:stretch>
+          </p:blipFill>
+          <p:spPr>
+            <a:xfrm>
+              <a:off x="3962259" y="910345"/>
+              <a:ext cx="853562" cy="285399"/>
+            </a:xfrm>
+            <a:prstGeom prst="rect">
+              <a:avLst/>
+            </a:prstGeom>
+          </p:spPr>
+        </p:pic>
+      </p:grpSp>
+      <p:grpSp>
+        <p:nvGrpSpPr>
+          <p:cNvPr id="68" name="Group 67"/>
+          <p:cNvGrpSpPr/>
+          <p:nvPr/>
+        </p:nvGrpSpPr>
+        <p:grpSpPr>
+          <a:xfrm>
+            <a:off x="3767015" y="1499326"/>
+            <a:ext cx="3629890" cy="1357745"/>
+            <a:chOff x="3767015" y="-18454"/>
+            <a:chExt cx="3629890" cy="1357745"/>
+          </a:xfrm>
+        </p:grpSpPr>
+        <p:sp>
+          <p:nvSpPr>
+            <p:cNvPr id="69" name="Rectangle 68"/>
+            <p:cNvSpPr/>
+            <p:nvPr/>
+          </p:nvSpPr>
+          <p:spPr>
+            <a:xfrm>
+              <a:off x="3767015" y="-18454"/>
+              <a:ext cx="3629890" cy="1357745"/>
+            </a:xfrm>
+            <a:prstGeom prst="rect">
+              <a:avLst/>
+            </a:prstGeom>
+            <a:solidFill>
+              <a:srgbClr val="FFC000"/>
+            </a:solidFill>
+            <a:ln>
+              <a:noFill/>
+            </a:ln>
+          </p:spPr>
+          <p:style>
+            <a:lnRef idx="2">
+              <a:schemeClr val="accent1">
+                <a:shade val="50000"/>
+              </a:schemeClr>
+            </a:lnRef>
+            <a:fillRef idx="1">
+              <a:schemeClr val="accent1"/>
+            </a:fillRef>
+            <a:effectRef idx="0">
+              <a:schemeClr val="accent1"/>
+            </a:effectRef>
+            <a:fontRef idx="minor">
+              <a:schemeClr val="lt1"/>
+            </a:fontRef>
+          </p:style>
+          <p:txBody>
+            <a:bodyPr rtlCol="0" anchor="ctr"/>
+            <a:lstStyle/>
+            <a:p>
+              <a:pPr algn="ctr"/>
+              <a:endParaRPr lang="en-US"/>
+            </a:p>
+          </p:txBody>
+        </p:sp>
+        <p:sp>
+          <p:nvSpPr>
+            <p:cNvPr id="70" name="TextBox 69"/>
+            <p:cNvSpPr txBox="1"/>
+            <p:nvPr/>
+          </p:nvSpPr>
+          <p:spPr>
+            <a:xfrm>
+              <a:off x="5404606" y="862128"/>
+              <a:ext cx="1459182" cy="461665"/>
+            </a:xfrm>
+            <a:prstGeom prst="rect">
+              <a:avLst/>
+            </a:prstGeom>
+            <a:noFill/>
+          </p:spPr>
+          <p:txBody>
+            <a:bodyPr wrap="none" rtlCol="0">
+              <a:spAutoFit/>
+            </a:bodyPr>
+            <a:lstStyle/>
+            <a:p>
+              <a:r>
+                <a:rPr lang="en-US" sz="2400" b="1" smtClean="0"/>
+                <a:t>JavaScript</a:t>
+              </a:r>
+              <a:endParaRPr lang="en-US" sz="2400" b="1" dirty="0"/>
+            </a:p>
+          </p:txBody>
+        </p:sp>
+        <p:pic>
+          <p:nvPicPr>
+            <p:cNvPr id="71" name="Picture 70"/>
+            <p:cNvPicPr>
+              <a:picLocks noChangeAspect="1"/>
+            </p:cNvPicPr>
+            <p:nvPr/>
+          </p:nvPicPr>
+          <p:blipFill>
+            <a:blip r:embed="rId3">
+              <a:extLst>
+                <a:ext uri="{28A0092B-C50C-407E-A947-70E740481C1C}">
+                  <a14:useLocalDpi xmlns:a14="http://schemas.microsoft.com/office/drawing/2010/main" val="0"/>
+                </a:ext>
+              </a:extLst>
+            </a:blip>
+            <a:stretch>
+              <a:fillRect/>
+            </a:stretch>
+          </p:blipFill>
+          <p:spPr>
+            <a:xfrm flipH="1" flipV="1">
+              <a:off x="6865074" y="1003710"/>
+              <a:ext cx="310119" cy="208223"/>
+            </a:xfrm>
+            <a:prstGeom prst="rect">
+              <a:avLst/>
+            </a:prstGeom>
+          </p:spPr>
+        </p:pic>
+        <p:sp>
+          <p:nvSpPr>
+            <p:cNvPr id="72" name="TextBox 71"/>
+            <p:cNvSpPr txBox="1"/>
+            <p:nvPr/>
+          </p:nvSpPr>
+          <p:spPr>
+            <a:xfrm>
+              <a:off x="3948140" y="15633"/>
+              <a:ext cx="3322128" cy="830997"/>
+            </a:xfrm>
+            <a:prstGeom prst="rect">
+              <a:avLst/>
+            </a:prstGeom>
+            <a:noFill/>
+          </p:spPr>
+          <p:txBody>
+            <a:bodyPr wrap="none" rtlCol="0">
+              <a:spAutoFit/>
+            </a:bodyPr>
+            <a:lstStyle/>
+            <a:p>
+              <a:r>
+                <a:rPr lang="en-US" sz="4800" b="1" i="1" dirty="0" smtClean="0"/>
+                <a:t>jQuery AJAX</a:t>
+              </a:r>
+              <a:endParaRPr lang="en-US" sz="4800" b="1" i="1" dirty="0"/>
+            </a:p>
+          </p:txBody>
+        </p:sp>
+        <p:pic>
+          <p:nvPicPr>
+            <p:cNvPr id="73" name="Picture 72"/>
+            <p:cNvPicPr>
+              <a:picLocks noChangeAspect="1"/>
+            </p:cNvPicPr>
+            <p:nvPr/>
+          </p:nvPicPr>
+          <p:blipFill>
+            <a:blip r:embed="rId4">
+              <a:extLst>
+                <a:ext uri="{28A0092B-C50C-407E-A947-70E740481C1C}">
+                  <a14:useLocalDpi xmlns:a14="http://schemas.microsoft.com/office/drawing/2010/main" val="0"/>
+                </a:ext>
+              </a:extLst>
+            </a:blip>
+            <a:stretch>
+              <a:fillRect/>
+            </a:stretch>
+          </p:blipFill>
+          <p:spPr>
+            <a:xfrm>
+              <a:off x="3962259" y="910345"/>
+              <a:ext cx="853562" cy="285399"/>
+            </a:xfrm>
+            <a:prstGeom prst="rect">
+              <a:avLst/>
+            </a:prstGeom>
+          </p:spPr>
+        </p:pic>
+      </p:grpSp>
+      <p:grpSp>
+        <p:nvGrpSpPr>
+          <p:cNvPr id="74" name="Group 73"/>
+          <p:cNvGrpSpPr/>
+          <p:nvPr/>
+        </p:nvGrpSpPr>
+        <p:grpSpPr>
+          <a:xfrm>
+            <a:off x="0" y="2983156"/>
+            <a:ext cx="3629890" cy="1357745"/>
+            <a:chOff x="3767015" y="-18454"/>
+            <a:chExt cx="3629890" cy="1357745"/>
+          </a:xfrm>
+        </p:grpSpPr>
+        <p:sp>
+          <p:nvSpPr>
+            <p:cNvPr id="75" name="Rectangle 74"/>
+            <p:cNvSpPr/>
+            <p:nvPr/>
+          </p:nvSpPr>
+          <p:spPr>
+            <a:xfrm>
+              <a:off x="3767015" y="-18454"/>
+              <a:ext cx="3629890" cy="1357745"/>
+            </a:xfrm>
+            <a:prstGeom prst="rect">
+              <a:avLst/>
+            </a:prstGeom>
+            <a:solidFill>
+              <a:srgbClr val="FFC000"/>
+            </a:solidFill>
+            <a:ln>
+              <a:noFill/>
+            </a:ln>
+          </p:spPr>
+          <p:style>
+            <a:lnRef idx="2">
+              <a:schemeClr val="accent1">
+                <a:shade val="50000"/>
+              </a:schemeClr>
+            </a:lnRef>
+            <a:fillRef idx="1">
+              <a:schemeClr val="accent1"/>
+            </a:fillRef>
+            <a:effectRef idx="0">
+              <a:schemeClr val="accent1"/>
+            </a:effectRef>
+            <a:fontRef idx="minor">
+              <a:schemeClr val="lt1"/>
+            </a:fontRef>
+          </p:style>
+          <p:txBody>
+            <a:bodyPr rtlCol="0" anchor="ctr"/>
+            <a:lstStyle/>
+            <a:p>
+              <a:pPr algn="ctr"/>
+              <a:endParaRPr lang="en-US"/>
+            </a:p>
+          </p:txBody>
+        </p:sp>
+        <p:sp>
+          <p:nvSpPr>
+            <p:cNvPr id="76" name="TextBox 75"/>
+            <p:cNvSpPr txBox="1"/>
+            <p:nvPr/>
+          </p:nvSpPr>
+          <p:spPr>
+            <a:xfrm>
+              <a:off x="5404606" y="862128"/>
+              <a:ext cx="1459182" cy="461665"/>
+            </a:xfrm>
+            <a:prstGeom prst="rect">
+              <a:avLst/>
+            </a:prstGeom>
+            <a:noFill/>
+          </p:spPr>
+          <p:txBody>
+            <a:bodyPr wrap="none" rtlCol="0">
+              <a:spAutoFit/>
+            </a:bodyPr>
+            <a:lstStyle/>
+            <a:p>
+              <a:r>
+                <a:rPr lang="en-US" sz="2400" b="1" smtClean="0"/>
+                <a:t>JavaScript</a:t>
+              </a:r>
+              <a:endParaRPr lang="en-US" sz="2400" b="1" dirty="0"/>
+            </a:p>
+          </p:txBody>
+        </p:sp>
+        <p:pic>
+          <p:nvPicPr>
+            <p:cNvPr id="77" name="Picture 76"/>
+            <p:cNvPicPr>
+              <a:picLocks noChangeAspect="1"/>
+            </p:cNvPicPr>
+            <p:nvPr/>
+          </p:nvPicPr>
+          <p:blipFill>
+            <a:blip r:embed="rId3">
+              <a:extLst>
+                <a:ext uri="{28A0092B-C50C-407E-A947-70E740481C1C}">
+                  <a14:useLocalDpi xmlns:a14="http://schemas.microsoft.com/office/drawing/2010/main" val="0"/>
+                </a:ext>
+              </a:extLst>
+            </a:blip>
+            <a:stretch>
+              <a:fillRect/>
+            </a:stretch>
+          </p:blipFill>
+          <p:spPr>
+            <a:xfrm flipH="1" flipV="1">
+              <a:off x="6865074" y="1003710"/>
+              <a:ext cx="310119" cy="208223"/>
+            </a:xfrm>
+            <a:prstGeom prst="rect">
+              <a:avLst/>
+            </a:prstGeom>
+          </p:spPr>
+        </p:pic>
+        <p:sp>
+          <p:nvSpPr>
+            <p:cNvPr id="78" name="TextBox 77"/>
+            <p:cNvSpPr txBox="1"/>
+            <p:nvPr/>
+          </p:nvSpPr>
+          <p:spPr>
+            <a:xfrm>
+              <a:off x="3948140" y="15633"/>
+              <a:ext cx="2595582" cy="830997"/>
+            </a:xfrm>
+            <a:prstGeom prst="rect">
+              <a:avLst/>
+            </a:prstGeom>
+            <a:noFill/>
+          </p:spPr>
+          <p:txBody>
+            <a:bodyPr wrap="none" rtlCol="0">
+              <a:spAutoFit/>
+            </a:bodyPr>
+            <a:lstStyle/>
+            <a:p>
+              <a:r>
+                <a:rPr lang="en-US" sz="4800" b="1" i="1" dirty="0" smtClean="0"/>
+                <a:t>The DOM</a:t>
+              </a:r>
+              <a:endParaRPr lang="en-US" sz="4800" b="1" i="1" dirty="0"/>
+            </a:p>
+          </p:txBody>
+        </p:sp>
+        <p:pic>
+          <p:nvPicPr>
+            <p:cNvPr id="79" name="Picture 78"/>
+            <p:cNvPicPr>
+              <a:picLocks noChangeAspect="1"/>
+            </p:cNvPicPr>
+            <p:nvPr/>
+          </p:nvPicPr>
+          <p:blipFill>
+            <a:blip r:embed="rId4">
+              <a:extLst>
+                <a:ext uri="{28A0092B-C50C-407E-A947-70E740481C1C}">
+                  <a14:useLocalDpi xmlns:a14="http://schemas.microsoft.com/office/drawing/2010/main" val="0"/>
+                </a:ext>
+              </a:extLst>
+            </a:blip>
+            <a:stretch>
+              <a:fillRect/>
+            </a:stretch>
+          </p:blipFill>
+          <p:spPr>
+            <a:xfrm>
+              <a:off x="3962259" y="910345"/>
+              <a:ext cx="853562" cy="285399"/>
+            </a:xfrm>
+            <a:prstGeom prst="rect">
+              <a:avLst/>
+            </a:prstGeom>
+          </p:spPr>
+        </p:pic>
+      </p:grpSp>
+      <p:grpSp>
+        <p:nvGrpSpPr>
+          <p:cNvPr id="80" name="Group 79"/>
+          <p:cNvGrpSpPr/>
+          <p:nvPr/>
+        </p:nvGrpSpPr>
+        <p:grpSpPr>
+          <a:xfrm>
+            <a:off x="7534030" y="0"/>
+            <a:ext cx="3629890" cy="1357745"/>
+            <a:chOff x="3767015" y="-18454"/>
+            <a:chExt cx="3629890" cy="1357745"/>
+          </a:xfrm>
+        </p:grpSpPr>
+        <p:sp>
+          <p:nvSpPr>
+            <p:cNvPr id="81" name="Rectangle 80"/>
+            <p:cNvSpPr/>
+            <p:nvPr/>
+          </p:nvSpPr>
+          <p:spPr>
+            <a:xfrm>
+              <a:off x="3767015" y="-18454"/>
+              <a:ext cx="3629890" cy="1357745"/>
+            </a:xfrm>
+            <a:prstGeom prst="rect">
+              <a:avLst/>
+            </a:prstGeom>
+            <a:solidFill>
+              <a:srgbClr val="E1210A"/>
+            </a:solidFill>
+            <a:ln>
+              <a:noFill/>
+            </a:ln>
+          </p:spPr>
+          <p:style>
+            <a:lnRef idx="2">
+              <a:schemeClr val="accent1">
+                <a:shade val="50000"/>
+              </a:schemeClr>
+            </a:lnRef>
+            <a:fillRef idx="1">
+              <a:schemeClr val="accent1"/>
+            </a:fillRef>
+            <a:effectRef idx="0">
+              <a:schemeClr val="accent1"/>
+            </a:effectRef>
+            <a:fontRef idx="minor">
+              <a:schemeClr val="lt1"/>
+            </a:fontRef>
+          </p:style>
+          <p:txBody>
+            <a:bodyPr rtlCol="0" anchor="ctr"/>
+            <a:lstStyle/>
+            <a:p>
+              <a:pPr algn="ctr"/>
+              <a:endParaRPr lang="en-US"/>
+            </a:p>
+          </p:txBody>
+        </p:sp>
+        <p:sp>
+          <p:nvSpPr>
+            <p:cNvPr id="82" name="TextBox 81"/>
+            <p:cNvSpPr txBox="1"/>
+            <p:nvPr/>
+          </p:nvSpPr>
+          <p:spPr>
+            <a:xfrm>
+              <a:off x="6001700" y="891244"/>
+              <a:ext cx="867545" cy="430887"/>
+            </a:xfrm>
+            <a:prstGeom prst="rect">
+              <a:avLst/>
+            </a:prstGeom>
+            <a:noFill/>
+          </p:spPr>
+          <p:txBody>
+            <a:bodyPr wrap="none" rtlCol="0">
+              <a:spAutoFit/>
+            </a:bodyPr>
+            <a:lstStyle/>
+            <a:p>
+              <a:r>
+                <a:rPr lang="en-US" sz="2200" b="1" smtClean="0"/>
+                <a:t>HTML</a:t>
+              </a:r>
+              <a:endParaRPr lang="en-US" sz="2200" b="1" dirty="0"/>
+            </a:p>
+          </p:txBody>
+        </p:sp>
+        <p:pic>
+          <p:nvPicPr>
+            <p:cNvPr id="83" name="Picture 82"/>
+            <p:cNvPicPr>
+              <a:picLocks noChangeAspect="1"/>
+            </p:cNvPicPr>
+            <p:nvPr/>
+          </p:nvPicPr>
+          <p:blipFill>
+            <a:blip r:embed="rId3">
+              <a:extLst>
+                <a:ext uri="{28A0092B-C50C-407E-A947-70E740481C1C}">
+                  <a14:useLocalDpi xmlns:a14="http://schemas.microsoft.com/office/drawing/2010/main" val="0"/>
+                </a:ext>
+              </a:extLst>
+            </a:blip>
+            <a:stretch>
+              <a:fillRect/>
+            </a:stretch>
+          </p:blipFill>
+          <p:spPr>
+            <a:xfrm flipH="1" flipV="1">
+              <a:off x="6874960" y="993824"/>
+              <a:ext cx="310119" cy="208223"/>
+            </a:xfrm>
+            <a:prstGeom prst="rect">
+              <a:avLst/>
+            </a:prstGeom>
+          </p:spPr>
+        </p:pic>
+        <p:sp>
+          <p:nvSpPr>
+            <p:cNvPr id="84" name="TextBox 83"/>
+            <p:cNvSpPr txBox="1"/>
+            <p:nvPr/>
+          </p:nvSpPr>
+          <p:spPr>
+            <a:xfrm>
+              <a:off x="3948140" y="15633"/>
+              <a:ext cx="2046266" cy="830997"/>
+            </a:xfrm>
+            <a:prstGeom prst="rect">
+              <a:avLst/>
+            </a:prstGeom>
+            <a:noFill/>
+          </p:spPr>
+          <p:txBody>
+            <a:bodyPr wrap="none" rtlCol="0">
+              <a:spAutoFit/>
+            </a:bodyPr>
+            <a:lstStyle/>
+            <a:p>
+              <a:r>
+                <a:rPr lang="en-US" sz="4800" b="1" i="1" dirty="0" smtClean="0"/>
+                <a:t>FORMS</a:t>
+              </a:r>
+              <a:endParaRPr lang="en-US" sz="4800" b="1" i="1" dirty="0"/>
+            </a:p>
+          </p:txBody>
+        </p:sp>
+        <p:pic>
+          <p:nvPicPr>
+            <p:cNvPr id="85" name="Picture 84"/>
+            <p:cNvPicPr>
+              <a:picLocks noChangeAspect="1"/>
+            </p:cNvPicPr>
+            <p:nvPr/>
+          </p:nvPicPr>
+          <p:blipFill>
+            <a:blip r:embed="rId4">
+              <a:extLst>
+                <a:ext uri="{28A0092B-C50C-407E-A947-70E740481C1C}">
+                  <a14:useLocalDpi xmlns:a14="http://schemas.microsoft.com/office/drawing/2010/main" val="0"/>
+                </a:ext>
+              </a:extLst>
+            </a:blip>
+            <a:stretch>
+              <a:fillRect/>
+            </a:stretch>
+          </p:blipFill>
+          <p:spPr>
+            <a:xfrm>
+              <a:off x="3962259" y="910345"/>
+              <a:ext cx="853562" cy="285399"/>
+            </a:xfrm>
+            <a:prstGeom prst="rect">
+              <a:avLst/>
+            </a:prstGeom>
+          </p:spPr>
+        </p:pic>
+      </p:grpSp>
+      <p:grpSp>
+        <p:nvGrpSpPr>
+          <p:cNvPr id="86" name="Group 85"/>
+          <p:cNvGrpSpPr/>
+          <p:nvPr/>
+        </p:nvGrpSpPr>
+        <p:grpSpPr>
+          <a:xfrm>
+            <a:off x="11309740" y="-1"/>
+            <a:ext cx="3629890" cy="1357745"/>
+            <a:chOff x="3767015" y="-18454"/>
+            <a:chExt cx="3629890" cy="1357745"/>
+          </a:xfrm>
+          <a:solidFill>
+            <a:srgbClr val="9443DD"/>
+          </a:solidFill>
+        </p:grpSpPr>
+        <p:sp>
+          <p:nvSpPr>
+            <p:cNvPr id="87" name="Rectangle 86"/>
+            <p:cNvSpPr/>
+            <p:nvPr/>
+          </p:nvSpPr>
+          <p:spPr>
+            <a:xfrm>
+              <a:off x="3767015" y="-18454"/>
+              <a:ext cx="3629890" cy="1357745"/>
+            </a:xfrm>
+            <a:prstGeom prst="rect">
+              <a:avLst/>
+            </a:prstGeom>
+            <a:grpFill/>
+            <a:ln>
+              <a:noFill/>
+            </a:ln>
+          </p:spPr>
+          <p:style>
+            <a:lnRef idx="2">
+              <a:schemeClr val="accent1">
+                <a:shade val="50000"/>
+              </a:schemeClr>
+            </a:lnRef>
+            <a:fillRef idx="1">
+              <a:schemeClr val="accent1"/>
+            </a:fillRef>
+            <a:effectRef idx="0">
+              <a:schemeClr val="accent1"/>
+            </a:effectRef>
+            <a:fontRef idx="minor">
+              <a:schemeClr val="lt1"/>
+            </a:fontRef>
+          </p:style>
+          <p:txBody>
+            <a:bodyPr rtlCol="0" anchor="ctr"/>
+            <a:lstStyle/>
+            <a:p>
+              <a:pPr algn="ctr"/>
+              <a:endParaRPr lang="en-US"/>
+            </a:p>
+          </p:txBody>
+        </p:sp>
+        <p:sp>
+          <p:nvSpPr>
+            <p:cNvPr id="88" name="TextBox 87"/>
+            <p:cNvSpPr txBox="1"/>
+            <p:nvPr/>
+          </p:nvSpPr>
+          <p:spPr>
+            <a:xfrm>
+              <a:off x="5458979" y="876957"/>
+              <a:ext cx="1404552" cy="430887"/>
+            </a:xfrm>
+            <a:prstGeom prst="rect">
+              <a:avLst/>
+            </a:prstGeom>
+            <a:grpFill/>
+          </p:spPr>
+          <p:txBody>
+            <a:bodyPr wrap="none" rtlCol="0">
+              <a:spAutoFit/>
+            </a:bodyPr>
+            <a:lstStyle/>
+            <a:p>
+              <a:r>
+                <a:rPr lang="en-US" sz="2200" b="1" dirty="0" smtClean="0"/>
+                <a:t>HTML/CSS</a:t>
+              </a:r>
+              <a:endParaRPr lang="en-US" sz="2200" b="1" dirty="0"/>
+            </a:p>
+          </p:txBody>
+        </p:sp>
+        <p:pic>
+          <p:nvPicPr>
+            <p:cNvPr id="89" name="Picture 88"/>
+            <p:cNvPicPr>
+              <a:picLocks noChangeAspect="1"/>
+            </p:cNvPicPr>
+            <p:nvPr/>
+          </p:nvPicPr>
+          <p:blipFill>
+            <a:blip r:embed="rId3">
+              <a:extLst>
+                <a:ext uri="{28A0092B-C50C-407E-A947-70E740481C1C}">
+                  <a14:useLocalDpi xmlns:a14="http://schemas.microsoft.com/office/drawing/2010/main" val="0"/>
+                </a:ext>
+              </a:extLst>
+            </a:blip>
+            <a:stretch>
+              <a:fillRect/>
+            </a:stretch>
+          </p:blipFill>
+          <p:spPr>
+            <a:xfrm flipH="1" flipV="1">
+              <a:off x="6874960" y="993824"/>
+              <a:ext cx="310119" cy="208223"/>
+            </a:xfrm>
+            <a:prstGeom prst="rect">
+              <a:avLst/>
+            </a:prstGeom>
+            <a:grpFill/>
+          </p:spPr>
+        </p:pic>
+        <p:sp>
+          <p:nvSpPr>
+            <p:cNvPr id="90" name="TextBox 89"/>
+            <p:cNvSpPr txBox="1"/>
+            <p:nvPr/>
+          </p:nvSpPr>
+          <p:spPr>
+            <a:xfrm>
+              <a:off x="3948140" y="15633"/>
+              <a:ext cx="2709011" cy="830997"/>
+            </a:xfrm>
+            <a:prstGeom prst="rect">
+              <a:avLst/>
+            </a:prstGeom>
+            <a:grpFill/>
+          </p:spPr>
+          <p:txBody>
+            <a:bodyPr wrap="none" rtlCol="0">
+              <a:spAutoFit/>
+            </a:bodyPr>
+            <a:lstStyle/>
+            <a:p>
+              <a:r>
+                <a:rPr lang="en-US" sz="4800" b="1" i="1" dirty="0" smtClean="0"/>
+                <a:t>Bootstrap</a:t>
+              </a:r>
+              <a:endParaRPr lang="en-US" sz="4800" b="1" i="1" dirty="0"/>
+            </a:p>
+          </p:txBody>
+        </p:sp>
+        <p:pic>
+          <p:nvPicPr>
+            <p:cNvPr id="91" name="Picture 90"/>
+            <p:cNvPicPr>
+              <a:picLocks noChangeAspect="1"/>
+            </p:cNvPicPr>
+            <p:nvPr/>
+          </p:nvPicPr>
+          <p:blipFill>
+            <a:blip r:embed="rId4">
+              <a:extLst>
+                <a:ext uri="{28A0092B-C50C-407E-A947-70E740481C1C}">
+                  <a14:useLocalDpi xmlns:a14="http://schemas.microsoft.com/office/drawing/2010/main" val="0"/>
+                </a:ext>
+              </a:extLst>
+            </a:blip>
+            <a:stretch>
+              <a:fillRect/>
+            </a:stretch>
+          </p:blipFill>
+          <p:spPr>
+            <a:xfrm>
+              <a:off x="3962259" y="910345"/>
+              <a:ext cx="853562" cy="285399"/>
+            </a:xfrm>
+            <a:prstGeom prst="rect">
+              <a:avLst/>
+            </a:prstGeom>
+            <a:grpFill/>
+          </p:spPr>
+        </p:pic>
+      </p:grpSp>
+      <p:grpSp>
+        <p:nvGrpSpPr>
+          <p:cNvPr id="98" name="Group 97"/>
+          <p:cNvGrpSpPr/>
+          <p:nvPr/>
+        </p:nvGrpSpPr>
+        <p:grpSpPr>
+          <a:xfrm>
+            <a:off x="3794259" y="2989317"/>
+            <a:ext cx="3629890" cy="1357745"/>
+            <a:chOff x="3767015" y="-18454"/>
+            <a:chExt cx="3629890" cy="1357745"/>
+          </a:xfrm>
+        </p:grpSpPr>
+        <p:sp>
+          <p:nvSpPr>
+            <p:cNvPr id="99" name="Rectangle 98"/>
+            <p:cNvSpPr/>
+            <p:nvPr/>
+          </p:nvSpPr>
+          <p:spPr>
+            <a:xfrm>
+              <a:off x="3767015" y="-18454"/>
+              <a:ext cx="3629890" cy="1357745"/>
+            </a:xfrm>
+            <a:prstGeom prst="rect">
+              <a:avLst/>
+            </a:prstGeom>
+            <a:solidFill>
+              <a:srgbClr val="FFC000"/>
+            </a:solidFill>
+            <a:ln>
+              <a:noFill/>
+            </a:ln>
+          </p:spPr>
+          <p:style>
+            <a:lnRef idx="2">
+              <a:schemeClr val="accent1">
+                <a:shade val="50000"/>
+              </a:schemeClr>
+            </a:lnRef>
+            <a:fillRef idx="1">
+              <a:schemeClr val="accent1"/>
+            </a:fillRef>
+            <a:effectRef idx="0">
+              <a:schemeClr val="accent1"/>
+            </a:effectRef>
+            <a:fontRef idx="minor">
+              <a:schemeClr val="lt1"/>
+            </a:fontRef>
+          </p:style>
+          <p:txBody>
+            <a:bodyPr rtlCol="0" anchor="ctr"/>
+            <a:lstStyle/>
+            <a:p>
+              <a:pPr algn="ctr"/>
+              <a:endParaRPr lang="en-US"/>
+            </a:p>
+          </p:txBody>
+        </p:sp>
+        <p:sp>
+          <p:nvSpPr>
+            <p:cNvPr id="100" name="TextBox 99"/>
+            <p:cNvSpPr txBox="1"/>
+            <p:nvPr/>
+          </p:nvSpPr>
+          <p:spPr>
+            <a:xfrm>
+              <a:off x="5404606" y="862128"/>
+              <a:ext cx="1459182" cy="461665"/>
+            </a:xfrm>
+            <a:prstGeom prst="rect">
+              <a:avLst/>
+            </a:prstGeom>
+            <a:noFill/>
+          </p:spPr>
+          <p:txBody>
+            <a:bodyPr wrap="none" rtlCol="0">
+              <a:spAutoFit/>
+            </a:bodyPr>
+            <a:lstStyle/>
+            <a:p>
+              <a:r>
+                <a:rPr lang="en-US" sz="2400" b="1" smtClean="0"/>
+                <a:t>JavaScript</a:t>
+              </a:r>
+              <a:endParaRPr lang="en-US" sz="2400" b="1" dirty="0"/>
+            </a:p>
+          </p:txBody>
+        </p:sp>
+        <p:pic>
+          <p:nvPicPr>
+            <p:cNvPr id="101" name="Picture 100"/>
+            <p:cNvPicPr>
+              <a:picLocks noChangeAspect="1"/>
+            </p:cNvPicPr>
+            <p:nvPr/>
+          </p:nvPicPr>
+          <p:blipFill>
+            <a:blip r:embed="rId3">
+              <a:extLst>
+                <a:ext uri="{28A0092B-C50C-407E-A947-70E740481C1C}">
+                  <a14:useLocalDpi xmlns:a14="http://schemas.microsoft.com/office/drawing/2010/main" val="0"/>
+                </a:ext>
+              </a:extLst>
+            </a:blip>
+            <a:stretch>
+              <a:fillRect/>
+            </a:stretch>
+          </p:blipFill>
+          <p:spPr>
+            <a:xfrm flipH="1" flipV="1">
+              <a:off x="6865074" y="1003710"/>
+              <a:ext cx="310119" cy="208223"/>
+            </a:xfrm>
+            <a:prstGeom prst="rect">
+              <a:avLst/>
+            </a:prstGeom>
+          </p:spPr>
+        </p:pic>
+        <p:sp>
+          <p:nvSpPr>
+            <p:cNvPr id="102" name="TextBox 101"/>
+            <p:cNvSpPr txBox="1"/>
+            <p:nvPr/>
+          </p:nvSpPr>
+          <p:spPr>
+            <a:xfrm>
+              <a:off x="3948140" y="15633"/>
+              <a:ext cx="2622128" cy="830997"/>
+            </a:xfrm>
+            <a:prstGeom prst="rect">
+              <a:avLst/>
+            </a:prstGeom>
+            <a:noFill/>
+          </p:spPr>
+          <p:txBody>
+            <a:bodyPr wrap="none" rtlCol="0">
+              <a:spAutoFit/>
+            </a:bodyPr>
+            <a:lstStyle/>
+            <a:p>
+              <a:r>
+                <a:rPr lang="en-US" sz="4800" b="1" i="1" dirty="0" smtClean="0"/>
+                <a:t>Functions</a:t>
+              </a:r>
+              <a:endParaRPr lang="en-US" sz="4800" b="1" i="1" dirty="0"/>
+            </a:p>
+          </p:txBody>
+        </p:sp>
+        <p:pic>
+          <p:nvPicPr>
+            <p:cNvPr id="103" name="Picture 102"/>
+            <p:cNvPicPr>
+              <a:picLocks noChangeAspect="1"/>
+            </p:cNvPicPr>
+            <p:nvPr/>
+          </p:nvPicPr>
+          <p:blipFill>
+            <a:blip r:embed="rId4">
+              <a:extLst>
+                <a:ext uri="{28A0092B-C50C-407E-A947-70E740481C1C}">
+                  <a14:useLocalDpi xmlns:a14="http://schemas.microsoft.com/office/drawing/2010/main" val="0"/>
+                </a:ext>
+              </a:extLst>
+            </a:blip>
+            <a:stretch>
+              <a:fillRect/>
+            </a:stretch>
+          </p:blipFill>
+          <p:spPr>
+            <a:xfrm>
+              <a:off x="3962259" y="910345"/>
+              <a:ext cx="853562" cy="285399"/>
+            </a:xfrm>
+            <a:prstGeom prst="rect">
+              <a:avLst/>
+            </a:prstGeom>
+          </p:spPr>
+        </p:pic>
+      </p:grpSp>
+      <p:grpSp>
+        <p:nvGrpSpPr>
+          <p:cNvPr id="104" name="Group 103"/>
+          <p:cNvGrpSpPr/>
+          <p:nvPr/>
+        </p:nvGrpSpPr>
+        <p:grpSpPr>
+          <a:xfrm>
+            <a:off x="7534030" y="1496320"/>
+            <a:ext cx="3629890" cy="1357745"/>
+            <a:chOff x="3767015" y="-18454"/>
+            <a:chExt cx="3629890" cy="1357745"/>
+          </a:xfrm>
+        </p:grpSpPr>
+        <p:sp>
+          <p:nvSpPr>
+            <p:cNvPr id="105" name="Rectangle 104"/>
+            <p:cNvSpPr/>
+            <p:nvPr/>
+          </p:nvSpPr>
+          <p:spPr>
+            <a:xfrm>
+              <a:off x="3767015" y="-18454"/>
+              <a:ext cx="3629890" cy="1357745"/>
+            </a:xfrm>
+            <a:prstGeom prst="rect">
+              <a:avLst/>
+            </a:prstGeom>
+            <a:solidFill>
+              <a:srgbClr val="E1210A"/>
+            </a:solidFill>
+            <a:ln>
+              <a:noFill/>
+            </a:ln>
+          </p:spPr>
+          <p:style>
+            <a:lnRef idx="2">
+              <a:schemeClr val="accent1">
+                <a:shade val="50000"/>
+              </a:schemeClr>
+            </a:lnRef>
+            <a:fillRef idx="1">
+              <a:schemeClr val="accent1"/>
+            </a:fillRef>
+            <a:effectRef idx="0">
+              <a:schemeClr val="accent1"/>
+            </a:effectRef>
+            <a:fontRef idx="minor">
+              <a:schemeClr val="lt1"/>
+            </a:fontRef>
+          </p:style>
+          <p:txBody>
+            <a:bodyPr rtlCol="0" anchor="ctr"/>
+            <a:lstStyle/>
+            <a:p>
+              <a:pPr algn="ctr"/>
+              <a:endParaRPr lang="en-US"/>
+            </a:p>
+          </p:txBody>
+        </p:sp>
+        <p:sp>
+          <p:nvSpPr>
+            <p:cNvPr id="106" name="TextBox 105"/>
+            <p:cNvSpPr txBox="1"/>
+            <p:nvPr/>
+          </p:nvSpPr>
+          <p:spPr>
+            <a:xfrm>
+              <a:off x="5989675" y="895451"/>
+              <a:ext cx="867545" cy="430887"/>
+            </a:xfrm>
+            <a:prstGeom prst="rect">
+              <a:avLst/>
+            </a:prstGeom>
+            <a:noFill/>
+          </p:spPr>
+          <p:txBody>
+            <a:bodyPr wrap="none" rtlCol="0">
+              <a:spAutoFit/>
+            </a:bodyPr>
+            <a:lstStyle/>
+            <a:p>
+              <a:r>
+                <a:rPr lang="en-US" sz="2200" b="1" smtClean="0"/>
+                <a:t>HTML</a:t>
+              </a:r>
+              <a:endParaRPr lang="en-US" sz="2200" b="1" dirty="0"/>
+            </a:p>
+          </p:txBody>
+        </p:sp>
+        <p:pic>
+          <p:nvPicPr>
+            <p:cNvPr id="107" name="Picture 106"/>
+            <p:cNvPicPr>
+              <a:picLocks noChangeAspect="1"/>
+            </p:cNvPicPr>
+            <p:nvPr/>
+          </p:nvPicPr>
+          <p:blipFill>
+            <a:blip r:embed="rId3">
+              <a:extLst>
+                <a:ext uri="{28A0092B-C50C-407E-A947-70E740481C1C}">
+                  <a14:useLocalDpi xmlns:a14="http://schemas.microsoft.com/office/drawing/2010/main" val="0"/>
+                </a:ext>
+              </a:extLst>
+            </a:blip>
+            <a:stretch>
+              <a:fillRect/>
+            </a:stretch>
+          </p:blipFill>
+          <p:spPr>
+            <a:xfrm flipH="1" flipV="1">
+              <a:off x="6874960" y="993824"/>
+              <a:ext cx="310119" cy="208223"/>
+            </a:xfrm>
+            <a:prstGeom prst="rect">
+              <a:avLst/>
+            </a:prstGeom>
+          </p:spPr>
+        </p:pic>
+        <p:sp>
+          <p:nvSpPr>
+            <p:cNvPr id="108" name="TextBox 107"/>
+            <p:cNvSpPr txBox="1"/>
+            <p:nvPr/>
+          </p:nvSpPr>
+          <p:spPr>
+            <a:xfrm>
+              <a:off x="3948140" y="15633"/>
+              <a:ext cx="3130985" cy="830997"/>
+            </a:xfrm>
+            <a:prstGeom prst="rect">
+              <a:avLst/>
+            </a:prstGeom>
+            <a:noFill/>
+          </p:spPr>
+          <p:txBody>
+            <a:bodyPr wrap="none" rtlCol="0">
+              <a:spAutoFit/>
+            </a:bodyPr>
+            <a:lstStyle/>
+            <a:p>
+              <a:r>
+                <a:rPr lang="en-US" sz="4800" b="1" i="1" dirty="0" smtClean="0"/>
+                <a:t>HTML Basic</a:t>
+              </a:r>
+              <a:endParaRPr lang="en-US" sz="4800" b="1" i="1" dirty="0"/>
+            </a:p>
+          </p:txBody>
+        </p:sp>
+        <p:pic>
+          <p:nvPicPr>
+            <p:cNvPr id="109" name="Picture 108"/>
+            <p:cNvPicPr>
+              <a:picLocks noChangeAspect="1"/>
+            </p:cNvPicPr>
+            <p:nvPr/>
+          </p:nvPicPr>
+          <p:blipFill>
+            <a:blip r:embed="rId4">
+              <a:extLst>
+                <a:ext uri="{28A0092B-C50C-407E-A947-70E740481C1C}">
+                  <a14:useLocalDpi xmlns:a14="http://schemas.microsoft.com/office/drawing/2010/main" val="0"/>
+                </a:ext>
+              </a:extLst>
+            </a:blip>
+            <a:stretch>
+              <a:fillRect/>
+            </a:stretch>
+          </p:blipFill>
+          <p:spPr>
+            <a:xfrm>
+              <a:off x="3962259" y="910345"/>
+              <a:ext cx="853562" cy="285399"/>
+            </a:xfrm>
+            <a:prstGeom prst="rect">
+              <a:avLst/>
+            </a:prstGeom>
+          </p:spPr>
+        </p:pic>
+      </p:grpSp>
+      <p:grpSp>
+        <p:nvGrpSpPr>
+          <p:cNvPr id="110" name="Group 109"/>
+          <p:cNvGrpSpPr/>
+          <p:nvPr/>
+        </p:nvGrpSpPr>
+        <p:grpSpPr>
+          <a:xfrm>
+            <a:off x="11335549" y="1496320"/>
+            <a:ext cx="3629890" cy="1357745"/>
+            <a:chOff x="3767015" y="-18454"/>
+            <a:chExt cx="3629890" cy="1357745"/>
+          </a:xfrm>
+          <a:solidFill>
+            <a:srgbClr val="9443DD"/>
+          </a:solidFill>
+        </p:grpSpPr>
+        <p:sp>
+          <p:nvSpPr>
+            <p:cNvPr id="111" name="Rectangle 110"/>
+            <p:cNvSpPr/>
+            <p:nvPr/>
+          </p:nvSpPr>
+          <p:spPr>
+            <a:xfrm>
+              <a:off x="3767015" y="-18454"/>
+              <a:ext cx="3629890" cy="1357745"/>
+            </a:xfrm>
+            <a:prstGeom prst="rect">
+              <a:avLst/>
+            </a:prstGeom>
+            <a:grpFill/>
+            <a:ln>
+              <a:noFill/>
+            </a:ln>
+          </p:spPr>
+          <p:style>
+            <a:lnRef idx="2">
+              <a:schemeClr val="accent1">
+                <a:shade val="50000"/>
+              </a:schemeClr>
+            </a:lnRef>
+            <a:fillRef idx="1">
+              <a:schemeClr val="accent1"/>
+            </a:fillRef>
+            <a:effectRef idx="0">
+              <a:schemeClr val="accent1"/>
+            </a:effectRef>
+            <a:fontRef idx="minor">
+              <a:schemeClr val="lt1"/>
+            </a:fontRef>
+          </p:style>
+          <p:txBody>
+            <a:bodyPr rtlCol="0" anchor="ctr"/>
+            <a:lstStyle/>
+            <a:p>
+              <a:pPr algn="ctr"/>
+              <a:endParaRPr lang="en-US"/>
+            </a:p>
+          </p:txBody>
+        </p:sp>
+        <p:sp>
+          <p:nvSpPr>
+            <p:cNvPr id="112" name="TextBox 111"/>
+            <p:cNvSpPr txBox="1"/>
+            <p:nvPr/>
+          </p:nvSpPr>
+          <p:spPr>
+            <a:xfrm>
+              <a:off x="6273374" y="891245"/>
+              <a:ext cx="599844" cy="430887"/>
+            </a:xfrm>
+            <a:prstGeom prst="rect">
+              <a:avLst/>
+            </a:prstGeom>
+            <a:grpFill/>
+          </p:spPr>
+          <p:txBody>
+            <a:bodyPr wrap="none" rtlCol="0">
+              <a:spAutoFit/>
+            </a:bodyPr>
+            <a:lstStyle/>
+            <a:p>
+              <a:r>
+                <a:rPr lang="en-US" sz="2200" b="1" dirty="0" smtClean="0"/>
+                <a:t>CSS</a:t>
+              </a:r>
+              <a:endParaRPr lang="en-US" sz="2200" b="1" dirty="0"/>
+            </a:p>
+          </p:txBody>
+        </p:sp>
+        <p:pic>
+          <p:nvPicPr>
+            <p:cNvPr id="113" name="Picture 112"/>
+            <p:cNvPicPr>
+              <a:picLocks noChangeAspect="1"/>
+            </p:cNvPicPr>
+            <p:nvPr/>
+          </p:nvPicPr>
+          <p:blipFill>
+            <a:blip r:embed="rId3">
+              <a:extLst>
+                <a:ext uri="{28A0092B-C50C-407E-A947-70E740481C1C}">
+                  <a14:useLocalDpi xmlns:a14="http://schemas.microsoft.com/office/drawing/2010/main" val="0"/>
+                </a:ext>
+              </a:extLst>
+            </a:blip>
+            <a:stretch>
+              <a:fillRect/>
+            </a:stretch>
+          </p:blipFill>
+          <p:spPr>
+            <a:xfrm flipH="1" flipV="1">
+              <a:off x="6874960" y="993824"/>
+              <a:ext cx="310119" cy="208223"/>
+            </a:xfrm>
+            <a:prstGeom prst="rect">
+              <a:avLst/>
+            </a:prstGeom>
+            <a:grpFill/>
+          </p:spPr>
+        </p:pic>
+        <p:sp>
+          <p:nvSpPr>
+            <p:cNvPr id="114" name="TextBox 113"/>
+            <p:cNvSpPr txBox="1"/>
+            <p:nvPr/>
+          </p:nvSpPr>
+          <p:spPr>
+            <a:xfrm>
+              <a:off x="3948140" y="15633"/>
+              <a:ext cx="2165978" cy="830997"/>
+            </a:xfrm>
+            <a:prstGeom prst="rect">
+              <a:avLst/>
+            </a:prstGeom>
+            <a:grpFill/>
+          </p:spPr>
+          <p:txBody>
+            <a:bodyPr wrap="none" rtlCol="0">
+              <a:spAutoFit/>
+            </a:bodyPr>
+            <a:lstStyle/>
+            <a:p>
+              <a:r>
+                <a:rPr lang="en-US" sz="4800" b="1" i="1" dirty="0" smtClean="0"/>
+                <a:t>Layouts</a:t>
+              </a:r>
+              <a:endParaRPr lang="en-US" sz="4800" b="1" i="1" dirty="0"/>
+            </a:p>
+          </p:txBody>
+        </p:sp>
+        <p:pic>
+          <p:nvPicPr>
+            <p:cNvPr id="115" name="Picture 114"/>
+            <p:cNvPicPr>
+              <a:picLocks noChangeAspect="1"/>
+            </p:cNvPicPr>
+            <p:nvPr/>
+          </p:nvPicPr>
+          <p:blipFill>
+            <a:blip r:embed="rId4">
+              <a:extLst>
+                <a:ext uri="{28A0092B-C50C-407E-A947-70E740481C1C}">
+                  <a14:useLocalDpi xmlns:a14="http://schemas.microsoft.com/office/drawing/2010/main" val="0"/>
+                </a:ext>
+              </a:extLst>
+            </a:blip>
+            <a:stretch>
+              <a:fillRect/>
+            </a:stretch>
+          </p:blipFill>
+          <p:spPr>
+            <a:xfrm>
+              <a:off x="3962259" y="910345"/>
+              <a:ext cx="853562" cy="285399"/>
+            </a:xfrm>
+            <a:prstGeom prst="rect">
+              <a:avLst/>
+            </a:prstGeom>
+            <a:grpFill/>
+          </p:spPr>
+        </p:pic>
+      </p:grpSp>
+      <p:grpSp>
+        <p:nvGrpSpPr>
+          <p:cNvPr id="116" name="Group 115"/>
+          <p:cNvGrpSpPr/>
+          <p:nvPr/>
+        </p:nvGrpSpPr>
+        <p:grpSpPr>
+          <a:xfrm>
+            <a:off x="11373418" y="2999337"/>
+            <a:ext cx="3629890" cy="1357745"/>
+            <a:chOff x="3767015" y="-18454"/>
+            <a:chExt cx="3629890" cy="1357745"/>
+          </a:xfrm>
+          <a:solidFill>
+            <a:srgbClr val="9443DD"/>
+          </a:solidFill>
+        </p:grpSpPr>
+        <p:sp>
+          <p:nvSpPr>
+            <p:cNvPr id="117" name="Rectangle 116"/>
+            <p:cNvSpPr/>
+            <p:nvPr/>
+          </p:nvSpPr>
+          <p:spPr>
+            <a:xfrm>
+              <a:off x="3767015" y="-18454"/>
+              <a:ext cx="3629890" cy="1357745"/>
+            </a:xfrm>
+            <a:prstGeom prst="rect">
+              <a:avLst/>
+            </a:prstGeom>
+            <a:grpFill/>
+            <a:ln>
+              <a:noFill/>
+            </a:ln>
+          </p:spPr>
+          <p:style>
+            <a:lnRef idx="2">
+              <a:schemeClr val="accent1">
+                <a:shade val="50000"/>
+              </a:schemeClr>
+            </a:lnRef>
+            <a:fillRef idx="1">
+              <a:schemeClr val="accent1"/>
+            </a:fillRef>
+            <a:effectRef idx="0">
+              <a:schemeClr val="accent1"/>
+            </a:effectRef>
+            <a:fontRef idx="minor">
+              <a:schemeClr val="lt1"/>
+            </a:fontRef>
+          </p:style>
+          <p:txBody>
+            <a:bodyPr rtlCol="0" anchor="ctr"/>
+            <a:lstStyle/>
+            <a:p>
+              <a:pPr algn="ctr"/>
+              <a:endParaRPr lang="en-US"/>
+            </a:p>
+          </p:txBody>
+        </p:sp>
+        <p:sp>
+          <p:nvSpPr>
+            <p:cNvPr id="118" name="TextBox 117"/>
+            <p:cNvSpPr txBox="1"/>
+            <p:nvPr/>
+          </p:nvSpPr>
+          <p:spPr>
+            <a:xfrm>
+              <a:off x="6273374" y="891245"/>
+              <a:ext cx="599844" cy="430887"/>
+            </a:xfrm>
+            <a:prstGeom prst="rect">
+              <a:avLst/>
+            </a:prstGeom>
+            <a:grpFill/>
+          </p:spPr>
+          <p:txBody>
+            <a:bodyPr wrap="none" rtlCol="0">
+              <a:spAutoFit/>
+            </a:bodyPr>
+            <a:lstStyle/>
+            <a:p>
+              <a:r>
+                <a:rPr lang="en-US" sz="2200" b="1" dirty="0" smtClean="0"/>
+                <a:t>CSS</a:t>
+              </a:r>
+              <a:endParaRPr lang="en-US" sz="2200" b="1" dirty="0"/>
+            </a:p>
+          </p:txBody>
+        </p:sp>
+        <p:pic>
+          <p:nvPicPr>
+            <p:cNvPr id="119" name="Picture 118"/>
+            <p:cNvPicPr>
+              <a:picLocks noChangeAspect="1"/>
+            </p:cNvPicPr>
+            <p:nvPr/>
+          </p:nvPicPr>
+          <p:blipFill>
+            <a:blip r:embed="rId3">
+              <a:extLst>
+                <a:ext uri="{28A0092B-C50C-407E-A947-70E740481C1C}">
+                  <a14:useLocalDpi xmlns:a14="http://schemas.microsoft.com/office/drawing/2010/main" val="0"/>
+                </a:ext>
+              </a:extLst>
+            </a:blip>
+            <a:stretch>
+              <a:fillRect/>
+            </a:stretch>
+          </p:blipFill>
+          <p:spPr>
+            <a:xfrm flipH="1" flipV="1">
+              <a:off x="6874960" y="993824"/>
+              <a:ext cx="310119" cy="208223"/>
+            </a:xfrm>
+            <a:prstGeom prst="rect">
+              <a:avLst/>
+            </a:prstGeom>
+            <a:grpFill/>
+          </p:spPr>
+        </p:pic>
+        <p:sp>
+          <p:nvSpPr>
+            <p:cNvPr id="120" name="TextBox 119"/>
+            <p:cNvSpPr txBox="1"/>
+            <p:nvPr/>
+          </p:nvSpPr>
+          <p:spPr>
+            <a:xfrm>
+              <a:off x="3948140" y="15633"/>
+              <a:ext cx="2533066" cy="830997"/>
+            </a:xfrm>
+            <a:prstGeom prst="rect">
+              <a:avLst/>
+            </a:prstGeom>
+            <a:grpFill/>
+          </p:spPr>
+          <p:txBody>
+            <a:bodyPr wrap="none" rtlCol="0">
+              <a:spAutoFit/>
+            </a:bodyPr>
+            <a:lstStyle/>
+            <a:p>
+              <a:r>
+                <a:rPr lang="en-US" sz="4800" b="1" i="1" dirty="0" smtClean="0"/>
+                <a:t>CSS Basic</a:t>
+              </a:r>
+              <a:endParaRPr lang="en-US" sz="4800" b="1" i="1" dirty="0"/>
+            </a:p>
+          </p:txBody>
+        </p:sp>
+        <p:pic>
+          <p:nvPicPr>
+            <p:cNvPr id="121" name="Picture 120"/>
+            <p:cNvPicPr>
+              <a:picLocks noChangeAspect="1"/>
+            </p:cNvPicPr>
+            <p:nvPr/>
+          </p:nvPicPr>
+          <p:blipFill>
+            <a:blip r:embed="rId4">
+              <a:extLst>
+                <a:ext uri="{28A0092B-C50C-407E-A947-70E740481C1C}">
+                  <a14:useLocalDpi xmlns:a14="http://schemas.microsoft.com/office/drawing/2010/main" val="0"/>
+                </a:ext>
+              </a:extLst>
+            </a:blip>
+            <a:stretch>
+              <a:fillRect/>
+            </a:stretch>
+          </p:blipFill>
+          <p:spPr>
+            <a:xfrm>
+              <a:off x="3962259" y="910345"/>
+              <a:ext cx="853562" cy="285399"/>
+            </a:xfrm>
+            <a:prstGeom prst="rect">
+              <a:avLst/>
+            </a:prstGeom>
+            <a:grpFill/>
+          </p:spPr>
+        </p:pic>
+      </p:grpSp>
+      <p:grpSp>
+        <p:nvGrpSpPr>
+          <p:cNvPr id="122" name="Group 121"/>
+          <p:cNvGrpSpPr/>
+          <p:nvPr/>
+        </p:nvGrpSpPr>
+        <p:grpSpPr>
+          <a:xfrm>
+            <a:off x="11335549" y="4502354"/>
+            <a:ext cx="3629890" cy="1357745"/>
+            <a:chOff x="3767015" y="-18454"/>
+            <a:chExt cx="3629890" cy="1357745"/>
+          </a:xfrm>
+          <a:solidFill>
+            <a:srgbClr val="9443DD"/>
+          </a:solidFill>
+        </p:grpSpPr>
+        <p:sp>
+          <p:nvSpPr>
+            <p:cNvPr id="123" name="Rectangle 122"/>
+            <p:cNvSpPr/>
+            <p:nvPr/>
+          </p:nvSpPr>
+          <p:spPr>
+            <a:xfrm>
+              <a:off x="3767015" y="-18454"/>
+              <a:ext cx="3629890" cy="1357745"/>
+            </a:xfrm>
+            <a:prstGeom prst="rect">
+              <a:avLst/>
+            </a:prstGeom>
+            <a:grpFill/>
+            <a:ln>
+              <a:noFill/>
+            </a:ln>
+          </p:spPr>
+          <p:style>
+            <a:lnRef idx="2">
+              <a:schemeClr val="accent1">
+                <a:shade val="50000"/>
+              </a:schemeClr>
+            </a:lnRef>
+            <a:fillRef idx="1">
+              <a:schemeClr val="accent1"/>
+            </a:fillRef>
+            <a:effectRef idx="0">
+              <a:schemeClr val="accent1"/>
+            </a:effectRef>
+            <a:fontRef idx="minor">
+              <a:schemeClr val="lt1"/>
+            </a:fontRef>
+          </p:style>
+          <p:txBody>
+            <a:bodyPr rtlCol="0" anchor="ctr"/>
+            <a:lstStyle/>
+            <a:p>
+              <a:pPr algn="ctr"/>
+              <a:endParaRPr lang="en-US"/>
+            </a:p>
+          </p:txBody>
+        </p:sp>
+        <p:sp>
+          <p:nvSpPr>
+            <p:cNvPr id="124" name="TextBox 123"/>
+            <p:cNvSpPr txBox="1"/>
+            <p:nvPr/>
+          </p:nvSpPr>
+          <p:spPr>
+            <a:xfrm>
+              <a:off x="6273374" y="891245"/>
+              <a:ext cx="599844" cy="430887"/>
+            </a:xfrm>
+            <a:prstGeom prst="rect">
+              <a:avLst/>
+            </a:prstGeom>
+            <a:grpFill/>
+          </p:spPr>
+          <p:txBody>
+            <a:bodyPr wrap="none" rtlCol="0">
+              <a:spAutoFit/>
+            </a:bodyPr>
+            <a:lstStyle/>
+            <a:p>
+              <a:r>
+                <a:rPr lang="en-US" sz="2200" b="1" dirty="0" smtClean="0"/>
+                <a:t>CSS</a:t>
+              </a:r>
+              <a:endParaRPr lang="en-US" sz="2200" b="1" dirty="0"/>
+            </a:p>
+          </p:txBody>
+        </p:sp>
+        <p:pic>
+          <p:nvPicPr>
+            <p:cNvPr id="125" name="Picture 124"/>
+            <p:cNvPicPr>
+              <a:picLocks noChangeAspect="1"/>
+            </p:cNvPicPr>
+            <p:nvPr/>
+          </p:nvPicPr>
+          <p:blipFill>
+            <a:blip r:embed="rId3">
+              <a:extLst>
+                <a:ext uri="{28A0092B-C50C-407E-A947-70E740481C1C}">
+                  <a14:useLocalDpi xmlns:a14="http://schemas.microsoft.com/office/drawing/2010/main" val="0"/>
+                </a:ext>
+              </a:extLst>
+            </a:blip>
+            <a:stretch>
+              <a:fillRect/>
+            </a:stretch>
+          </p:blipFill>
+          <p:spPr>
+            <a:xfrm flipH="1" flipV="1">
+              <a:off x="6874960" y="993824"/>
+              <a:ext cx="310119" cy="208223"/>
+            </a:xfrm>
+            <a:prstGeom prst="rect">
+              <a:avLst/>
+            </a:prstGeom>
+            <a:grpFill/>
+          </p:spPr>
+        </p:pic>
+        <p:sp>
+          <p:nvSpPr>
+            <p:cNvPr id="126" name="TextBox 125"/>
+            <p:cNvSpPr txBox="1"/>
+            <p:nvPr/>
+          </p:nvSpPr>
+          <p:spPr>
+            <a:xfrm>
+              <a:off x="3948140" y="15633"/>
+              <a:ext cx="3040128" cy="830997"/>
+            </a:xfrm>
+            <a:prstGeom prst="rect">
+              <a:avLst/>
+            </a:prstGeom>
+            <a:grpFill/>
+          </p:spPr>
+          <p:txBody>
+            <a:bodyPr wrap="none" rtlCol="0">
+              <a:spAutoFit/>
+            </a:bodyPr>
+            <a:lstStyle/>
+            <a:p>
+              <a:r>
+                <a:rPr lang="en-US" sz="4800" b="1" i="1" dirty="0" smtClean="0"/>
+                <a:t>Scaffolding</a:t>
+              </a:r>
+              <a:endParaRPr lang="en-US" sz="4800" b="1" i="1" dirty="0"/>
+            </a:p>
+          </p:txBody>
+        </p:sp>
+        <p:pic>
+          <p:nvPicPr>
+            <p:cNvPr id="127" name="Picture 126"/>
+            <p:cNvPicPr>
+              <a:picLocks noChangeAspect="1"/>
+            </p:cNvPicPr>
+            <p:nvPr/>
+          </p:nvPicPr>
+          <p:blipFill>
+            <a:blip r:embed="rId4">
+              <a:extLst>
+                <a:ext uri="{28A0092B-C50C-407E-A947-70E740481C1C}">
+                  <a14:useLocalDpi xmlns:a14="http://schemas.microsoft.com/office/drawing/2010/main" val="0"/>
+                </a:ext>
+              </a:extLst>
+            </a:blip>
+            <a:stretch>
+              <a:fillRect/>
+            </a:stretch>
+          </p:blipFill>
+          <p:spPr>
+            <a:xfrm>
+              <a:off x="3962259" y="910345"/>
+              <a:ext cx="853562" cy="285399"/>
+            </a:xfrm>
+            <a:prstGeom prst="rect">
+              <a:avLst/>
+            </a:prstGeom>
+            <a:grpFill/>
+          </p:spPr>
+        </p:pic>
+      </p:grpSp>
+      <p:grpSp>
+        <p:nvGrpSpPr>
+          <p:cNvPr id="138" name="Group 137"/>
+          <p:cNvGrpSpPr/>
+          <p:nvPr/>
+        </p:nvGrpSpPr>
+        <p:grpSpPr>
+          <a:xfrm>
+            <a:off x="7534030" y="2991259"/>
+            <a:ext cx="3631633" cy="1373899"/>
+            <a:chOff x="2912944" y="5550787"/>
+            <a:chExt cx="3631633" cy="1373899"/>
+          </a:xfrm>
+        </p:grpSpPr>
+        <p:sp>
+          <p:nvSpPr>
+            <p:cNvPr id="136" name="Rectangle 135"/>
+            <p:cNvSpPr/>
+            <p:nvPr/>
+          </p:nvSpPr>
+          <p:spPr>
+            <a:xfrm rot="10800000">
+              <a:off x="2914687" y="5559047"/>
+              <a:ext cx="3629890" cy="1357745"/>
+            </a:xfrm>
+            <a:prstGeom prst="rect">
+              <a:avLst/>
+            </a:prstGeom>
+            <a:solidFill>
+              <a:srgbClr val="9443DD"/>
+            </a:solidFill>
+            <a:ln>
+              <a:noFill/>
+            </a:ln>
+          </p:spPr>
+          <p:style>
+            <a:lnRef idx="2">
+              <a:schemeClr val="accent1">
+                <a:shade val="50000"/>
+              </a:schemeClr>
+            </a:lnRef>
+            <a:fillRef idx="1">
+              <a:schemeClr val="accent1"/>
+            </a:fillRef>
+            <a:effectRef idx="0">
+              <a:schemeClr val="accent1"/>
+            </a:effectRef>
+            <a:fontRef idx="minor">
+              <a:schemeClr val="lt1"/>
+            </a:fontRef>
+          </p:style>
+          <p:txBody>
+            <a:bodyPr rtlCol="0" anchor="ctr"/>
+            <a:lstStyle/>
+            <a:p>
+              <a:pPr algn="ctr"/>
+              <a:endParaRPr lang="en-US"/>
+            </a:p>
+          </p:txBody>
+        </p:sp>
+        <p:sp>
+          <p:nvSpPr>
+            <p:cNvPr id="137" name="Right Triangle 136"/>
+            <p:cNvSpPr/>
+            <p:nvPr/>
+          </p:nvSpPr>
+          <p:spPr>
+            <a:xfrm rot="10800000">
+              <a:off x="2912944" y="5559046"/>
+              <a:ext cx="3631633" cy="1365640"/>
+            </a:xfrm>
+            <a:prstGeom prst="rtTriangle">
+              <a:avLst/>
+            </a:prstGeom>
+            <a:solidFill>
+              <a:srgbClr val="E1210A"/>
+            </a:solidFill>
+            <a:ln>
+              <a:noFill/>
+            </a:ln>
+          </p:spPr>
+          <p:style>
+            <a:lnRef idx="2">
+              <a:schemeClr val="accent1">
+                <a:shade val="50000"/>
+              </a:schemeClr>
+            </a:lnRef>
+            <a:fillRef idx="1">
+              <a:schemeClr val="accent1"/>
+            </a:fillRef>
+            <a:effectRef idx="0">
+              <a:schemeClr val="accent1"/>
+            </a:effectRef>
+            <a:fontRef idx="minor">
+              <a:schemeClr val="lt1"/>
+            </a:fontRef>
+          </p:style>
+          <p:txBody>
+            <a:bodyPr rtlCol="0" anchor="ctr"/>
+            <a:lstStyle/>
+            <a:p>
+              <a:pPr algn="ctr"/>
+              <a:endParaRPr lang="en-US"/>
+            </a:p>
+          </p:txBody>
+        </p:sp>
+        <p:sp>
+          <p:nvSpPr>
+            <p:cNvPr id="130" name="TextBox 129"/>
+            <p:cNvSpPr txBox="1"/>
+            <p:nvPr/>
+          </p:nvSpPr>
+          <p:spPr>
+            <a:xfrm>
+              <a:off x="4659586" y="6469263"/>
+              <a:ext cx="1404552" cy="430887"/>
+            </a:xfrm>
+            <a:prstGeom prst="rect">
+              <a:avLst/>
+            </a:prstGeom>
+            <a:noFill/>
+          </p:spPr>
+          <p:txBody>
+            <a:bodyPr wrap="none" rtlCol="0">
+              <a:spAutoFit/>
+            </a:bodyPr>
+            <a:lstStyle/>
+            <a:p>
+              <a:r>
+                <a:rPr lang="en-US" sz="2200" b="1" dirty="0" smtClean="0"/>
+                <a:t>HTML/CSS</a:t>
+              </a:r>
+              <a:endParaRPr lang="en-US" sz="2200" b="1" dirty="0"/>
+            </a:p>
+          </p:txBody>
+        </p:sp>
+        <p:pic>
+          <p:nvPicPr>
+            <p:cNvPr id="131" name="Picture 130"/>
+            <p:cNvPicPr>
+              <a:picLocks noChangeAspect="1"/>
+            </p:cNvPicPr>
+            <p:nvPr/>
+          </p:nvPicPr>
+          <p:blipFill>
+            <a:blip r:embed="rId3">
+              <a:extLst>
+                <a:ext uri="{28A0092B-C50C-407E-A947-70E740481C1C}">
+                  <a14:useLocalDpi xmlns:a14="http://schemas.microsoft.com/office/drawing/2010/main" val="0"/>
+                </a:ext>
+              </a:extLst>
+            </a:blip>
+            <a:stretch>
+              <a:fillRect/>
+            </a:stretch>
+          </p:blipFill>
+          <p:spPr>
+            <a:xfrm flipH="1" flipV="1">
+              <a:off x="6075567" y="6586130"/>
+              <a:ext cx="310119" cy="208223"/>
+            </a:xfrm>
+            <a:prstGeom prst="rect">
+              <a:avLst/>
+            </a:prstGeom>
+            <a:solidFill>
+              <a:srgbClr val="9443DD"/>
+            </a:solidFill>
+          </p:spPr>
+        </p:pic>
+        <p:sp>
+          <p:nvSpPr>
+            <p:cNvPr id="132" name="TextBox 131"/>
+            <p:cNvSpPr txBox="1"/>
+            <p:nvPr/>
+          </p:nvSpPr>
+          <p:spPr>
+            <a:xfrm>
+              <a:off x="3134459" y="5550787"/>
+              <a:ext cx="2709011" cy="830997"/>
+            </a:xfrm>
+            <a:prstGeom prst="rect">
+              <a:avLst/>
+            </a:prstGeom>
+            <a:noFill/>
+          </p:spPr>
+          <p:txBody>
+            <a:bodyPr wrap="none" rtlCol="0">
+              <a:spAutoFit/>
+            </a:bodyPr>
+            <a:lstStyle/>
+            <a:p>
+              <a:r>
+                <a:rPr lang="en-US" sz="4800" b="1" i="1" dirty="0" smtClean="0"/>
+                <a:t>Bootstrap</a:t>
+              </a:r>
+              <a:endParaRPr lang="en-US" sz="4800" b="1" i="1" dirty="0"/>
+            </a:p>
+          </p:txBody>
+        </p:sp>
+        <p:pic>
+          <p:nvPicPr>
+            <p:cNvPr id="133" name="Picture 132"/>
+            <p:cNvPicPr>
+              <a:picLocks noChangeAspect="1"/>
+            </p:cNvPicPr>
+            <p:nvPr/>
+          </p:nvPicPr>
+          <p:blipFill>
+            <a:blip r:embed="rId4">
+              <a:extLst>
+                <a:ext uri="{28A0092B-C50C-407E-A947-70E740481C1C}">
+                  <a14:useLocalDpi xmlns:a14="http://schemas.microsoft.com/office/drawing/2010/main" val="0"/>
+                </a:ext>
+              </a:extLst>
+            </a:blip>
+            <a:stretch>
+              <a:fillRect/>
+            </a:stretch>
+          </p:blipFill>
+          <p:spPr>
+            <a:xfrm>
+              <a:off x="3162866" y="6502651"/>
+              <a:ext cx="853562" cy="285399"/>
+            </a:xfrm>
+            <a:prstGeom prst="rect">
+              <a:avLst/>
+            </a:prstGeom>
+            <a:solidFill>
+              <a:srgbClr val="9443DD"/>
+            </a:solidFill>
+          </p:spPr>
+        </p:pic>
+      </p:grpSp>
+      <p:grpSp>
+        <p:nvGrpSpPr>
+          <p:cNvPr id="92" name="Group 91"/>
+          <p:cNvGrpSpPr/>
+          <p:nvPr/>
+        </p:nvGrpSpPr>
+        <p:grpSpPr>
+          <a:xfrm>
+            <a:off x="15051059" y="0"/>
+            <a:ext cx="3629890" cy="1357745"/>
+            <a:chOff x="3767015" y="-18454"/>
+            <a:chExt cx="3629890" cy="1357745"/>
+          </a:xfrm>
+          <a:solidFill>
+            <a:srgbClr val="9443DD"/>
+          </a:solidFill>
+        </p:grpSpPr>
+        <p:sp>
+          <p:nvSpPr>
+            <p:cNvPr id="93" name="Rectangle 92"/>
+            <p:cNvSpPr/>
+            <p:nvPr/>
+          </p:nvSpPr>
+          <p:spPr>
+            <a:xfrm>
+              <a:off x="3767015" y="-18454"/>
+              <a:ext cx="3629890" cy="1357745"/>
+            </a:xfrm>
+            <a:prstGeom prst="rect">
+              <a:avLst/>
+            </a:prstGeom>
+            <a:solidFill>
+              <a:srgbClr val="00B0F0"/>
+            </a:solidFill>
+            <a:ln>
+              <a:noFill/>
+            </a:ln>
+          </p:spPr>
+          <p:style>
+            <a:lnRef idx="2">
+              <a:schemeClr val="accent1">
+                <a:shade val="50000"/>
+              </a:schemeClr>
+            </a:lnRef>
+            <a:fillRef idx="1">
+              <a:schemeClr val="accent1"/>
+            </a:fillRef>
+            <a:effectRef idx="0">
+              <a:schemeClr val="accent1"/>
+            </a:effectRef>
+            <a:fontRef idx="minor">
+              <a:schemeClr val="lt1"/>
+            </a:fontRef>
+          </p:style>
+          <p:txBody>
+            <a:bodyPr rtlCol="0" anchor="ctr"/>
+            <a:lstStyle/>
+            <a:p>
+              <a:pPr algn="ctr"/>
+              <a:endParaRPr lang="en-US"/>
+            </a:p>
+          </p:txBody>
+        </p:sp>
+        <p:sp>
+          <p:nvSpPr>
+            <p:cNvPr id="94" name="TextBox 93"/>
+            <p:cNvSpPr txBox="1"/>
+            <p:nvPr/>
+          </p:nvSpPr>
+          <p:spPr>
+            <a:xfrm>
+              <a:off x="6201934" y="891245"/>
+              <a:ext cx="663964" cy="430887"/>
+            </a:xfrm>
+            <a:prstGeom prst="rect">
+              <a:avLst/>
+            </a:prstGeom>
+            <a:noFill/>
+          </p:spPr>
+          <p:txBody>
+            <a:bodyPr wrap="none" rtlCol="0">
+              <a:spAutoFit/>
+            </a:bodyPr>
+            <a:lstStyle/>
+            <a:p>
+              <a:r>
+                <a:rPr lang="en-US" sz="2200" b="1" dirty="0" smtClean="0"/>
+                <a:t>PHP</a:t>
+              </a:r>
+              <a:endParaRPr lang="en-US" sz="2200" b="1" dirty="0"/>
+            </a:p>
+          </p:txBody>
+        </p:sp>
+        <p:pic>
+          <p:nvPicPr>
+            <p:cNvPr id="95" name="Picture 94"/>
+            <p:cNvPicPr>
+              <a:picLocks noChangeAspect="1"/>
+            </p:cNvPicPr>
+            <p:nvPr/>
+          </p:nvPicPr>
+          <p:blipFill>
+            <a:blip r:embed="rId3">
+              <a:extLst>
+                <a:ext uri="{28A0092B-C50C-407E-A947-70E740481C1C}">
+                  <a14:useLocalDpi xmlns:a14="http://schemas.microsoft.com/office/drawing/2010/main" val="0"/>
+                </a:ext>
+              </a:extLst>
+            </a:blip>
+            <a:stretch>
+              <a:fillRect/>
+            </a:stretch>
+          </p:blipFill>
+          <p:spPr>
+            <a:xfrm flipH="1" flipV="1">
+              <a:off x="6874960" y="993824"/>
+              <a:ext cx="310119" cy="208223"/>
+            </a:xfrm>
+            <a:prstGeom prst="rect">
+              <a:avLst/>
+            </a:prstGeom>
+            <a:grpFill/>
+          </p:spPr>
+        </p:pic>
+        <p:sp>
+          <p:nvSpPr>
+            <p:cNvPr id="96" name="TextBox 95"/>
+            <p:cNvSpPr txBox="1"/>
+            <p:nvPr/>
+          </p:nvSpPr>
+          <p:spPr>
+            <a:xfrm>
+              <a:off x="3905276" y="15633"/>
+              <a:ext cx="3347263" cy="707886"/>
+            </a:xfrm>
+            <a:prstGeom prst="rect">
+              <a:avLst/>
+            </a:prstGeom>
+            <a:noFill/>
+          </p:spPr>
+          <p:txBody>
+            <a:bodyPr wrap="none" rtlCol="0">
+              <a:spAutoFit/>
+            </a:bodyPr>
+            <a:lstStyle/>
+            <a:p>
+              <a:r>
+                <a:rPr lang="en-US" sz="4000" b="1" i="1" smtClean="0"/>
+                <a:t>From JS </a:t>
+              </a:r>
+              <a:r>
+                <a:rPr lang="en-US" sz="4000" b="1" i="1" dirty="0" smtClean="0"/>
+                <a:t>to PHP</a:t>
+              </a:r>
+              <a:endParaRPr lang="en-US" sz="4000" b="1" i="1" dirty="0"/>
+            </a:p>
+          </p:txBody>
+        </p:sp>
+        <p:pic>
+          <p:nvPicPr>
+            <p:cNvPr id="97" name="Picture 96"/>
+            <p:cNvPicPr>
+              <a:picLocks noChangeAspect="1"/>
+            </p:cNvPicPr>
+            <p:nvPr/>
+          </p:nvPicPr>
+          <p:blipFill>
+            <a:blip r:embed="rId4">
+              <a:extLst>
+                <a:ext uri="{28A0092B-C50C-407E-A947-70E740481C1C}">
+                  <a14:useLocalDpi xmlns:a14="http://schemas.microsoft.com/office/drawing/2010/main" val="0"/>
+                </a:ext>
+              </a:extLst>
+            </a:blip>
+            <a:stretch>
+              <a:fillRect/>
+            </a:stretch>
+          </p:blipFill>
+          <p:spPr>
+            <a:xfrm>
+              <a:off x="3962259" y="910345"/>
+              <a:ext cx="853562" cy="285399"/>
+            </a:xfrm>
+            <a:prstGeom prst="rect">
+              <a:avLst/>
+            </a:prstGeom>
+            <a:noFill/>
+          </p:spPr>
+        </p:pic>
+      </p:grpSp>
+      <p:grpSp>
+        <p:nvGrpSpPr>
+          <p:cNvPr id="128" name="Group 127"/>
+          <p:cNvGrpSpPr/>
+          <p:nvPr/>
+        </p:nvGrpSpPr>
+        <p:grpSpPr>
+          <a:xfrm>
+            <a:off x="15075312" y="1496319"/>
+            <a:ext cx="3629890" cy="1357745"/>
+            <a:chOff x="3767015" y="-18454"/>
+            <a:chExt cx="3629890" cy="1357745"/>
+          </a:xfrm>
+          <a:solidFill>
+            <a:srgbClr val="9443DD"/>
+          </a:solidFill>
+        </p:grpSpPr>
+        <p:sp>
+          <p:nvSpPr>
+            <p:cNvPr id="129" name="Rectangle 128"/>
+            <p:cNvSpPr/>
+            <p:nvPr/>
+          </p:nvSpPr>
+          <p:spPr>
+            <a:xfrm>
+              <a:off x="3767015" y="-18454"/>
+              <a:ext cx="3629890" cy="1357745"/>
+            </a:xfrm>
+            <a:prstGeom prst="rect">
+              <a:avLst/>
+            </a:prstGeom>
+            <a:solidFill>
+              <a:srgbClr val="00B0F0"/>
+            </a:solidFill>
+            <a:ln>
+              <a:noFill/>
+            </a:ln>
+          </p:spPr>
+          <p:style>
+            <a:lnRef idx="2">
+              <a:schemeClr val="accent1">
+                <a:shade val="50000"/>
+              </a:schemeClr>
+            </a:lnRef>
+            <a:fillRef idx="1">
+              <a:schemeClr val="accent1"/>
+            </a:fillRef>
+            <a:effectRef idx="0">
+              <a:schemeClr val="accent1"/>
+            </a:effectRef>
+            <a:fontRef idx="minor">
+              <a:schemeClr val="lt1"/>
+            </a:fontRef>
+          </p:style>
+          <p:txBody>
+            <a:bodyPr rtlCol="0" anchor="ctr"/>
+            <a:lstStyle/>
+            <a:p>
+              <a:pPr algn="ctr"/>
+              <a:endParaRPr lang="en-US"/>
+            </a:p>
+          </p:txBody>
+        </p:sp>
+        <p:sp>
+          <p:nvSpPr>
+            <p:cNvPr id="134" name="TextBox 133"/>
+            <p:cNvSpPr txBox="1"/>
+            <p:nvPr/>
+          </p:nvSpPr>
+          <p:spPr>
+            <a:xfrm>
+              <a:off x="6201934" y="891245"/>
+              <a:ext cx="663964" cy="430887"/>
+            </a:xfrm>
+            <a:prstGeom prst="rect">
+              <a:avLst/>
+            </a:prstGeom>
+            <a:noFill/>
+          </p:spPr>
+          <p:txBody>
+            <a:bodyPr wrap="none" rtlCol="0">
+              <a:spAutoFit/>
+            </a:bodyPr>
+            <a:lstStyle/>
+            <a:p>
+              <a:r>
+                <a:rPr lang="en-US" sz="2200" b="1" dirty="0" smtClean="0"/>
+                <a:t>PHP</a:t>
+              </a:r>
+              <a:endParaRPr lang="en-US" sz="2200" b="1" dirty="0"/>
+            </a:p>
+          </p:txBody>
+        </p:sp>
+        <p:pic>
+          <p:nvPicPr>
+            <p:cNvPr id="135" name="Picture 134"/>
+            <p:cNvPicPr>
+              <a:picLocks noChangeAspect="1"/>
+            </p:cNvPicPr>
+            <p:nvPr/>
+          </p:nvPicPr>
+          <p:blipFill>
+            <a:blip r:embed="rId3">
+              <a:extLst>
+                <a:ext uri="{28A0092B-C50C-407E-A947-70E740481C1C}">
+                  <a14:useLocalDpi xmlns:a14="http://schemas.microsoft.com/office/drawing/2010/main" val="0"/>
+                </a:ext>
+              </a:extLst>
+            </a:blip>
+            <a:stretch>
+              <a:fillRect/>
+            </a:stretch>
+          </p:blipFill>
+          <p:spPr>
+            <a:xfrm flipH="1" flipV="1">
+              <a:off x="6874960" y="993824"/>
+              <a:ext cx="310119" cy="208223"/>
+            </a:xfrm>
+            <a:prstGeom prst="rect">
+              <a:avLst/>
+            </a:prstGeom>
+            <a:grpFill/>
+          </p:spPr>
+        </p:pic>
+        <p:sp>
+          <p:nvSpPr>
+            <p:cNvPr id="139" name="TextBox 138"/>
+            <p:cNvSpPr txBox="1"/>
+            <p:nvPr/>
+          </p:nvSpPr>
+          <p:spPr>
+            <a:xfrm>
+              <a:off x="3905276" y="115649"/>
+              <a:ext cx="3387915" cy="400110"/>
+            </a:xfrm>
+            <a:prstGeom prst="rect">
+              <a:avLst/>
+            </a:prstGeom>
+            <a:noFill/>
+          </p:spPr>
+          <p:txBody>
+            <a:bodyPr wrap="none" rtlCol="0">
+              <a:spAutoFit/>
+            </a:bodyPr>
+            <a:lstStyle/>
+            <a:p>
+              <a:r>
+                <a:rPr lang="en-US" sz="2000" b="1" i="1" dirty="0" smtClean="0"/>
+                <a:t>Object Oriented Programming</a:t>
+              </a:r>
+              <a:endParaRPr lang="en-US" sz="2000" b="1" i="1" dirty="0"/>
+            </a:p>
+          </p:txBody>
+        </p:sp>
+        <p:pic>
+          <p:nvPicPr>
+            <p:cNvPr id="140" name="Picture 139"/>
+            <p:cNvPicPr>
+              <a:picLocks noChangeAspect="1"/>
+            </p:cNvPicPr>
+            <p:nvPr/>
+          </p:nvPicPr>
+          <p:blipFill>
+            <a:blip r:embed="rId4">
+              <a:extLst>
+                <a:ext uri="{28A0092B-C50C-407E-A947-70E740481C1C}">
+                  <a14:useLocalDpi xmlns:a14="http://schemas.microsoft.com/office/drawing/2010/main" val="0"/>
+                </a:ext>
+              </a:extLst>
+            </a:blip>
+            <a:stretch>
+              <a:fillRect/>
+            </a:stretch>
+          </p:blipFill>
+          <p:spPr>
+            <a:xfrm>
+              <a:off x="3962259" y="910345"/>
+              <a:ext cx="853562" cy="285399"/>
+            </a:xfrm>
+            <a:prstGeom prst="rect">
+              <a:avLst/>
+            </a:prstGeom>
+            <a:noFill/>
+          </p:spPr>
+        </p:pic>
+      </p:grpSp>
     </p:spTree>
     <p:extLst>
       <p:ext uri="{BB962C8B-B14F-4D97-AF65-F5344CB8AC3E}">
@@ -3146,7 +5812,7 @@
 <file path=ppt/theme/theme1.xml><?xml version="1.0" encoding="utf-8"?>
 <a:theme xmlns:a="http://schemas.openxmlformats.org/drawingml/2006/main" name="Office Theme">
   <a:themeElements>
-    <a:clrScheme name="Office">
+    <a:clrScheme name="Office Theme">
       <a:dk1>
         <a:sysClr val="windowText" lastClr="000000"/>
       </a:dk1>
@@ -3184,7 +5850,7 @@
         <a:srgbClr val="954F72"/>
       </a:folHlink>
     </a:clrScheme>
-    <a:fontScheme name="Office">
+    <a:fontScheme name="Office Theme">
       <a:majorFont>
         <a:latin typeface="Calibri Light" panose="020F0302020204030204"/>
         <a:ea typeface=""/>
@@ -3256,7 +5922,7 @@
         <a:font script="Geor" typeface="Sylfaen"/>
       </a:minorFont>
     </a:fontScheme>
-    <a:fmtScheme name="Office">
+    <a:fmtScheme name="Office Theme">
       <a:fillStyleLst>
         <a:solidFill>
           <a:schemeClr val="phClr"/>

--- a/img/replit/replit-flags.pptx
+++ b/img/replit/replit-flags.pptx
@@ -243,7 +243,7 @@
           <a:p>
             <a:fld id="{8BDB88F8-1C93-D54D-AD05-1B21AE4535CB}" type="datetimeFigureOut">
               <a:rPr lang="en-US" smtClean="0"/>
-              <a:t>3/19/17</a:t>
+              <a:t>4/8/17</a:t>
             </a:fld>
             <a:endParaRPr lang="en-US"/>
           </a:p>
@@ -413,7 +413,7 @@
           <a:p>
             <a:fld id="{8BDB88F8-1C93-D54D-AD05-1B21AE4535CB}" type="datetimeFigureOut">
               <a:rPr lang="en-US" smtClean="0"/>
-              <a:t>3/19/17</a:t>
+              <a:t>4/8/17</a:t>
             </a:fld>
             <a:endParaRPr lang="en-US"/>
           </a:p>
@@ -593,7 +593,7 @@
           <a:p>
             <a:fld id="{8BDB88F8-1C93-D54D-AD05-1B21AE4535CB}" type="datetimeFigureOut">
               <a:rPr lang="en-US" smtClean="0"/>
-              <a:t>3/19/17</a:t>
+              <a:t>4/8/17</a:t>
             </a:fld>
             <a:endParaRPr lang="en-US"/>
           </a:p>
@@ -763,7 +763,7 @@
           <a:p>
             <a:fld id="{8BDB88F8-1C93-D54D-AD05-1B21AE4535CB}" type="datetimeFigureOut">
               <a:rPr lang="en-US" smtClean="0"/>
-              <a:t>3/19/17</a:t>
+              <a:t>4/8/17</a:t>
             </a:fld>
             <a:endParaRPr lang="en-US"/>
           </a:p>
@@ -1009,7 +1009,7 @@
           <a:p>
             <a:fld id="{8BDB88F8-1C93-D54D-AD05-1B21AE4535CB}" type="datetimeFigureOut">
               <a:rPr lang="en-US" smtClean="0"/>
-              <a:t>3/19/17</a:t>
+              <a:t>4/8/17</a:t>
             </a:fld>
             <a:endParaRPr lang="en-US"/>
           </a:p>
@@ -1241,7 +1241,7 @@
           <a:p>
             <a:fld id="{8BDB88F8-1C93-D54D-AD05-1B21AE4535CB}" type="datetimeFigureOut">
               <a:rPr lang="en-US" smtClean="0"/>
-              <a:t>3/19/17</a:t>
+              <a:t>4/8/17</a:t>
             </a:fld>
             <a:endParaRPr lang="en-US"/>
           </a:p>
@@ -1608,7 +1608,7 @@
           <a:p>
             <a:fld id="{8BDB88F8-1C93-D54D-AD05-1B21AE4535CB}" type="datetimeFigureOut">
               <a:rPr lang="en-US" smtClean="0"/>
-              <a:t>3/19/17</a:t>
+              <a:t>4/8/17</a:t>
             </a:fld>
             <a:endParaRPr lang="en-US"/>
           </a:p>
@@ -1726,7 +1726,7 @@
           <a:p>
             <a:fld id="{8BDB88F8-1C93-D54D-AD05-1B21AE4535CB}" type="datetimeFigureOut">
               <a:rPr lang="en-US" smtClean="0"/>
-              <a:t>3/19/17</a:t>
+              <a:t>4/8/17</a:t>
             </a:fld>
             <a:endParaRPr lang="en-US"/>
           </a:p>
@@ -1821,7 +1821,7 @@
           <a:p>
             <a:fld id="{8BDB88F8-1C93-D54D-AD05-1B21AE4535CB}" type="datetimeFigureOut">
               <a:rPr lang="en-US" smtClean="0"/>
-              <a:t>3/19/17</a:t>
+              <a:t>4/8/17</a:t>
             </a:fld>
             <a:endParaRPr lang="en-US"/>
           </a:p>
@@ -2098,7 +2098,7 @@
           <a:p>
             <a:fld id="{8BDB88F8-1C93-D54D-AD05-1B21AE4535CB}" type="datetimeFigureOut">
               <a:rPr lang="en-US" smtClean="0"/>
-              <a:t>3/19/17</a:t>
+              <a:t>4/8/17</a:t>
             </a:fld>
             <a:endParaRPr lang="en-US"/>
           </a:p>
@@ -2355,7 +2355,7 @@
           <a:p>
             <a:fld id="{8BDB88F8-1C93-D54D-AD05-1B21AE4535CB}" type="datetimeFigureOut">
               <a:rPr lang="en-US" smtClean="0"/>
-              <a:t>3/19/17</a:t>
+              <a:t>4/8/17</a:t>
             </a:fld>
             <a:endParaRPr lang="en-US"/>
           </a:p>
@@ -2568,7 +2568,7 @@
           <a:p>
             <a:fld id="{8BDB88F8-1C93-D54D-AD05-1B21AE4535CB}" type="datetimeFigureOut">
               <a:rPr lang="en-US" smtClean="0"/>
-              <a:t>3/19/17</a:t>
+              <a:t>4/8/17</a:t>
             </a:fld>
             <a:endParaRPr lang="en-US"/>
           </a:p>
@@ -2973,9 +2973,1722 @@
           <a:chExt cx="0" cy="0"/>
         </a:xfrm>
       </p:grpSpPr>
+      <p:sp>
+        <p:nvSpPr>
+          <p:cNvPr id="6" name="Rectangle 5"/>
+          <p:cNvSpPr/>
+          <p:nvPr/>
+        </p:nvSpPr>
+        <p:spPr>
+          <a:xfrm>
+            <a:off x="3204364" y="-911905"/>
+            <a:ext cx="1757380" cy="530352"/>
+          </a:xfrm>
+          <a:prstGeom prst="rect">
+            <a:avLst/>
+          </a:prstGeom>
+        </p:spPr>
+        <p:style>
+          <a:lnRef idx="2">
+            <a:schemeClr val="accent1">
+              <a:shade val="50000"/>
+            </a:schemeClr>
+          </a:lnRef>
+          <a:fillRef idx="1">
+            <a:schemeClr val="accent1"/>
+          </a:fillRef>
+          <a:effectRef idx="0">
+            <a:schemeClr val="accent1"/>
+          </a:effectRef>
+          <a:fontRef idx="minor">
+            <a:schemeClr val="lt1"/>
+          </a:fontRef>
+        </p:style>
+        <p:txBody>
+          <a:bodyPr rtlCol="0" anchor="ctr"/>
+          <a:lstStyle/>
+          <a:p>
+            <a:pPr algn="ctr"/>
+            <a:endParaRPr lang="en-US"/>
+          </a:p>
+        </p:txBody>
+      </p:sp>
+      <p:sp>
+        <p:nvSpPr>
+          <p:cNvPr id="51" name="Rectangle 50"/>
+          <p:cNvSpPr/>
+          <p:nvPr/>
+        </p:nvSpPr>
+        <p:spPr>
+          <a:xfrm>
+            <a:off x="0" y="0"/>
+            <a:ext cx="3629890" cy="1357745"/>
+          </a:xfrm>
+          <a:prstGeom prst="rect">
+            <a:avLst/>
+          </a:prstGeom>
+          <a:solidFill>
+            <a:srgbClr val="FFC000"/>
+          </a:solidFill>
+          <a:ln>
+            <a:noFill/>
+          </a:ln>
+        </p:spPr>
+        <p:style>
+          <a:lnRef idx="2">
+            <a:schemeClr val="accent1">
+              <a:shade val="50000"/>
+            </a:schemeClr>
+          </a:lnRef>
+          <a:fillRef idx="1">
+            <a:schemeClr val="accent1"/>
+          </a:fillRef>
+          <a:effectRef idx="0">
+            <a:schemeClr val="accent1"/>
+          </a:effectRef>
+          <a:fontRef idx="minor">
+            <a:schemeClr val="lt1"/>
+          </a:fontRef>
+        </p:style>
+        <p:txBody>
+          <a:bodyPr rtlCol="0" anchor="ctr"/>
+          <a:lstStyle/>
+          <a:p>
+            <a:pPr algn="ctr"/>
+            <a:endParaRPr lang="en-US"/>
+          </a:p>
+        </p:txBody>
+      </p:sp>
+      <p:sp>
+        <p:nvSpPr>
+          <p:cNvPr id="52" name="TextBox 51"/>
+          <p:cNvSpPr txBox="1"/>
+          <p:nvPr/>
+        </p:nvSpPr>
+        <p:spPr>
+          <a:xfrm>
+            <a:off x="1800802" y="894870"/>
+            <a:ext cx="1137747" cy="369332"/>
+          </a:xfrm>
+          <a:prstGeom prst="rect">
+            <a:avLst/>
+          </a:prstGeom>
+          <a:noFill/>
+        </p:spPr>
+        <p:txBody>
+          <a:bodyPr wrap="none" rtlCol="0">
+            <a:spAutoFit/>
+          </a:bodyPr>
+          <a:lstStyle/>
+          <a:p>
+            <a:r>
+              <a:rPr lang="en-US" sz="1800" b="1" dirty="0" smtClean="0"/>
+              <a:t>JavaScript</a:t>
+            </a:r>
+            <a:endParaRPr lang="en-US" sz="1800" b="1" dirty="0"/>
+          </a:p>
+        </p:txBody>
+      </p:sp>
+      <p:sp>
+        <p:nvSpPr>
+          <p:cNvPr id="54" name="TextBox 53"/>
+          <p:cNvSpPr txBox="1"/>
+          <p:nvPr/>
+        </p:nvSpPr>
+        <p:spPr>
+          <a:xfrm>
+            <a:off x="218153" y="179880"/>
+            <a:ext cx="3086460" cy="646331"/>
+          </a:xfrm>
+          <a:prstGeom prst="rect">
+            <a:avLst/>
+          </a:prstGeom>
+          <a:noFill/>
+        </p:spPr>
+        <p:txBody>
+          <a:bodyPr wrap="square" rtlCol="0">
+            <a:spAutoFit/>
+          </a:bodyPr>
+          <a:lstStyle/>
+          <a:p>
+            <a:pPr algn="ctr"/>
+            <a:r>
+              <a:rPr lang="en-US" sz="3600" b="1" i="1" dirty="0" smtClean="0"/>
+              <a:t>Arrays</a:t>
+            </a:r>
+            <a:endParaRPr lang="en-US" sz="3600" b="1" i="1" dirty="0"/>
+          </a:p>
+        </p:txBody>
+      </p:sp>
+      <p:sp>
+        <p:nvSpPr>
+          <p:cNvPr id="57" name="Rectangle 56"/>
+          <p:cNvSpPr/>
+          <p:nvPr/>
+        </p:nvSpPr>
+        <p:spPr>
+          <a:xfrm>
+            <a:off x="0" y="4513837"/>
+            <a:ext cx="3629890" cy="1357745"/>
+          </a:xfrm>
+          <a:prstGeom prst="rect">
+            <a:avLst/>
+          </a:prstGeom>
+          <a:solidFill>
+            <a:srgbClr val="FFC000"/>
+          </a:solidFill>
+          <a:ln>
+            <a:noFill/>
+          </a:ln>
+        </p:spPr>
+        <p:style>
+          <a:lnRef idx="2">
+            <a:schemeClr val="accent1">
+              <a:shade val="50000"/>
+            </a:schemeClr>
+          </a:lnRef>
+          <a:fillRef idx="1">
+            <a:schemeClr val="accent1"/>
+          </a:fillRef>
+          <a:effectRef idx="0">
+            <a:schemeClr val="accent1"/>
+          </a:effectRef>
+          <a:fontRef idx="minor">
+            <a:schemeClr val="lt1"/>
+          </a:fontRef>
+        </p:style>
+        <p:txBody>
+          <a:bodyPr rtlCol="0" anchor="ctr"/>
+          <a:lstStyle/>
+          <a:p>
+            <a:pPr algn="ctr"/>
+            <a:endParaRPr lang="en-US"/>
+          </a:p>
+        </p:txBody>
+      </p:sp>
+      <p:sp>
+        <p:nvSpPr>
+          <p:cNvPr id="58" name="TextBox 57"/>
+          <p:cNvSpPr txBox="1"/>
+          <p:nvPr/>
+        </p:nvSpPr>
+        <p:spPr>
+          <a:xfrm>
+            <a:off x="1800802" y="5394419"/>
+            <a:ext cx="1137747" cy="369332"/>
+          </a:xfrm>
+          <a:prstGeom prst="rect">
+            <a:avLst/>
+          </a:prstGeom>
+          <a:noFill/>
+        </p:spPr>
+        <p:txBody>
+          <a:bodyPr wrap="none" rtlCol="0">
+            <a:spAutoFit/>
+          </a:bodyPr>
+          <a:lstStyle/>
+          <a:p>
+            <a:r>
+              <a:rPr lang="en-US" sz="1800" b="1" smtClean="0"/>
+              <a:t>JavaScript</a:t>
+            </a:r>
+            <a:endParaRPr lang="en-US" sz="1800" b="1" dirty="0"/>
+          </a:p>
+        </p:txBody>
+      </p:sp>
+      <p:sp>
+        <p:nvSpPr>
+          <p:cNvPr id="60" name="TextBox 59"/>
+          <p:cNvSpPr txBox="1"/>
+          <p:nvPr/>
+        </p:nvSpPr>
+        <p:spPr>
+          <a:xfrm>
+            <a:off x="140013" y="4633757"/>
+            <a:ext cx="3304610" cy="646331"/>
+          </a:xfrm>
+          <a:prstGeom prst="rect">
+            <a:avLst/>
+          </a:prstGeom>
+          <a:noFill/>
+        </p:spPr>
+        <p:txBody>
+          <a:bodyPr wrap="square" rtlCol="0">
+            <a:spAutoFit/>
+          </a:bodyPr>
+          <a:lstStyle/>
+          <a:p>
+            <a:pPr algn="ctr"/>
+            <a:r>
+              <a:rPr lang="en-US" sz="3600" b="1" i="1" dirty="0" smtClean="0"/>
+              <a:t>Events</a:t>
+            </a:r>
+            <a:endParaRPr lang="en-US" sz="3600" b="1" i="1" dirty="0"/>
+          </a:p>
+        </p:txBody>
+      </p:sp>
+      <p:sp>
+        <p:nvSpPr>
+          <p:cNvPr id="63" name="Rectangle 62"/>
+          <p:cNvSpPr/>
+          <p:nvPr/>
+        </p:nvSpPr>
+        <p:spPr>
+          <a:xfrm>
+            <a:off x="0" y="1499327"/>
+            <a:ext cx="3629890" cy="1357745"/>
+          </a:xfrm>
+          <a:prstGeom prst="rect">
+            <a:avLst/>
+          </a:prstGeom>
+          <a:solidFill>
+            <a:srgbClr val="FFC000"/>
+          </a:solidFill>
+          <a:ln>
+            <a:noFill/>
+          </a:ln>
+        </p:spPr>
+        <p:style>
+          <a:lnRef idx="2">
+            <a:schemeClr val="accent1">
+              <a:shade val="50000"/>
+            </a:schemeClr>
+          </a:lnRef>
+          <a:fillRef idx="1">
+            <a:schemeClr val="accent1"/>
+          </a:fillRef>
+          <a:effectRef idx="0">
+            <a:schemeClr val="accent1"/>
+          </a:effectRef>
+          <a:fontRef idx="minor">
+            <a:schemeClr val="lt1"/>
+          </a:fontRef>
+        </p:style>
+        <p:txBody>
+          <a:bodyPr rtlCol="0" anchor="ctr"/>
+          <a:lstStyle/>
+          <a:p>
+            <a:pPr algn="ctr"/>
+            <a:endParaRPr lang="en-US"/>
+          </a:p>
+        </p:txBody>
+      </p:sp>
+      <p:sp>
+        <p:nvSpPr>
+          <p:cNvPr id="64" name="TextBox 63"/>
+          <p:cNvSpPr txBox="1"/>
+          <p:nvPr/>
+        </p:nvSpPr>
+        <p:spPr>
+          <a:xfrm>
+            <a:off x="1800802" y="2435202"/>
+            <a:ext cx="1137747" cy="369332"/>
+          </a:xfrm>
+          <a:prstGeom prst="rect">
+            <a:avLst/>
+          </a:prstGeom>
+          <a:noFill/>
+        </p:spPr>
+        <p:txBody>
+          <a:bodyPr wrap="none" rtlCol="0">
+            <a:spAutoFit/>
+          </a:bodyPr>
+          <a:lstStyle/>
+          <a:p>
+            <a:r>
+              <a:rPr lang="en-US" sz="1800" b="1" dirty="0" smtClean="0"/>
+              <a:t>JavaScript</a:t>
+            </a:r>
+            <a:endParaRPr lang="en-US" sz="1800" b="1" dirty="0"/>
+          </a:p>
+        </p:txBody>
+      </p:sp>
+      <p:sp>
+        <p:nvSpPr>
+          <p:cNvPr id="66" name="TextBox 65"/>
+          <p:cNvSpPr txBox="1"/>
+          <p:nvPr/>
+        </p:nvSpPr>
+        <p:spPr>
+          <a:xfrm>
+            <a:off x="218153" y="1662787"/>
+            <a:ext cx="3226471" cy="646331"/>
+          </a:xfrm>
+          <a:prstGeom prst="rect">
+            <a:avLst/>
+          </a:prstGeom>
+          <a:noFill/>
+        </p:spPr>
+        <p:txBody>
+          <a:bodyPr wrap="square" rtlCol="0">
+            <a:spAutoFit/>
+          </a:bodyPr>
+          <a:lstStyle/>
+          <a:p>
+            <a:pPr algn="ctr"/>
+            <a:r>
+              <a:rPr lang="en-US" sz="3600" b="1" i="1" dirty="0" smtClean="0"/>
+              <a:t>jQuery DOM</a:t>
+            </a:r>
+            <a:endParaRPr lang="en-US" sz="3600" b="1" i="1" dirty="0"/>
+          </a:p>
+        </p:txBody>
+      </p:sp>
+      <p:sp>
+        <p:nvSpPr>
+          <p:cNvPr id="69" name="Rectangle 68"/>
+          <p:cNvSpPr/>
+          <p:nvPr/>
+        </p:nvSpPr>
+        <p:spPr>
+          <a:xfrm>
+            <a:off x="0" y="6031617"/>
+            <a:ext cx="3629890" cy="1357745"/>
+          </a:xfrm>
+          <a:prstGeom prst="rect">
+            <a:avLst/>
+          </a:prstGeom>
+          <a:solidFill>
+            <a:srgbClr val="FFC000"/>
+          </a:solidFill>
+          <a:ln>
+            <a:noFill/>
+          </a:ln>
+        </p:spPr>
+        <p:style>
+          <a:lnRef idx="2">
+            <a:schemeClr val="accent1">
+              <a:shade val="50000"/>
+            </a:schemeClr>
+          </a:lnRef>
+          <a:fillRef idx="1">
+            <a:schemeClr val="accent1"/>
+          </a:fillRef>
+          <a:effectRef idx="0">
+            <a:schemeClr val="accent1"/>
+          </a:effectRef>
+          <a:fontRef idx="minor">
+            <a:schemeClr val="lt1"/>
+          </a:fontRef>
+        </p:style>
+        <p:txBody>
+          <a:bodyPr rtlCol="0" anchor="ctr"/>
+          <a:lstStyle/>
+          <a:p>
+            <a:pPr algn="ctr"/>
+            <a:endParaRPr lang="en-US"/>
+          </a:p>
+        </p:txBody>
+      </p:sp>
+      <p:sp>
+        <p:nvSpPr>
+          <p:cNvPr id="70" name="TextBox 69"/>
+          <p:cNvSpPr txBox="1"/>
+          <p:nvPr/>
+        </p:nvSpPr>
+        <p:spPr>
+          <a:xfrm>
+            <a:off x="1800802" y="6912199"/>
+            <a:ext cx="1137747" cy="369332"/>
+          </a:xfrm>
+          <a:prstGeom prst="rect">
+            <a:avLst/>
+          </a:prstGeom>
+          <a:noFill/>
+        </p:spPr>
+        <p:txBody>
+          <a:bodyPr wrap="none" rtlCol="0">
+            <a:spAutoFit/>
+          </a:bodyPr>
+          <a:lstStyle/>
+          <a:p>
+            <a:r>
+              <a:rPr lang="en-US" sz="1800" b="1" smtClean="0"/>
+              <a:t>JavaScript</a:t>
+            </a:r>
+            <a:endParaRPr lang="en-US" sz="1800" b="1" dirty="0"/>
+          </a:p>
+        </p:txBody>
+      </p:sp>
+      <p:sp>
+        <p:nvSpPr>
+          <p:cNvPr id="72" name="TextBox 71"/>
+          <p:cNvSpPr txBox="1"/>
+          <p:nvPr/>
+        </p:nvSpPr>
+        <p:spPr>
+          <a:xfrm>
+            <a:off x="181124" y="6185624"/>
+            <a:ext cx="3263499" cy="646331"/>
+          </a:xfrm>
+          <a:prstGeom prst="rect">
+            <a:avLst/>
+          </a:prstGeom>
+          <a:noFill/>
+        </p:spPr>
+        <p:txBody>
+          <a:bodyPr wrap="square" rtlCol="0">
+            <a:spAutoFit/>
+          </a:bodyPr>
+          <a:lstStyle/>
+          <a:p>
+            <a:pPr algn="ctr"/>
+            <a:r>
+              <a:rPr lang="en-US" sz="3600" b="1" i="1" dirty="0" smtClean="0"/>
+              <a:t>jQuery AJAX</a:t>
+            </a:r>
+            <a:endParaRPr lang="en-US" sz="3600" b="1" i="1" dirty="0"/>
+          </a:p>
+        </p:txBody>
+      </p:sp>
+      <p:sp>
+        <p:nvSpPr>
+          <p:cNvPr id="75" name="Rectangle 74"/>
+          <p:cNvSpPr/>
+          <p:nvPr/>
+        </p:nvSpPr>
+        <p:spPr>
+          <a:xfrm>
+            <a:off x="0" y="2983156"/>
+            <a:ext cx="3629890" cy="1357745"/>
+          </a:xfrm>
+          <a:prstGeom prst="rect">
+            <a:avLst/>
+          </a:prstGeom>
+          <a:solidFill>
+            <a:srgbClr val="FFC000"/>
+          </a:solidFill>
+          <a:ln>
+            <a:noFill/>
+          </a:ln>
+        </p:spPr>
+        <p:style>
+          <a:lnRef idx="2">
+            <a:schemeClr val="accent1">
+              <a:shade val="50000"/>
+            </a:schemeClr>
+          </a:lnRef>
+          <a:fillRef idx="1">
+            <a:schemeClr val="accent1"/>
+          </a:fillRef>
+          <a:effectRef idx="0">
+            <a:schemeClr val="accent1"/>
+          </a:effectRef>
+          <a:fontRef idx="minor">
+            <a:schemeClr val="lt1"/>
+          </a:fontRef>
+        </p:style>
+        <p:txBody>
+          <a:bodyPr rtlCol="0" anchor="ctr"/>
+          <a:lstStyle/>
+          <a:p>
+            <a:pPr algn="ctr"/>
+            <a:endParaRPr lang="en-US"/>
+          </a:p>
+        </p:txBody>
+      </p:sp>
+      <p:sp>
+        <p:nvSpPr>
+          <p:cNvPr id="76" name="TextBox 75"/>
+          <p:cNvSpPr txBox="1"/>
+          <p:nvPr/>
+        </p:nvSpPr>
+        <p:spPr>
+          <a:xfrm>
+            <a:off x="1800802" y="3863738"/>
+            <a:ext cx="1137747" cy="369332"/>
+          </a:xfrm>
+          <a:prstGeom prst="rect">
+            <a:avLst/>
+          </a:prstGeom>
+          <a:noFill/>
+        </p:spPr>
+        <p:txBody>
+          <a:bodyPr wrap="none" rtlCol="0">
+            <a:spAutoFit/>
+          </a:bodyPr>
+          <a:lstStyle/>
+          <a:p>
+            <a:r>
+              <a:rPr lang="en-US" sz="1800" b="1" smtClean="0"/>
+              <a:t>JavaScript</a:t>
+            </a:r>
+            <a:endParaRPr lang="en-US" sz="1800" b="1" dirty="0"/>
+          </a:p>
+        </p:txBody>
+      </p:sp>
+      <p:sp>
+        <p:nvSpPr>
+          <p:cNvPr id="78" name="TextBox 77"/>
+          <p:cNvSpPr txBox="1"/>
+          <p:nvPr/>
+        </p:nvSpPr>
+        <p:spPr>
+          <a:xfrm>
+            <a:off x="181125" y="3167045"/>
+            <a:ext cx="3169809" cy="646331"/>
+          </a:xfrm>
+          <a:prstGeom prst="rect">
+            <a:avLst/>
+          </a:prstGeom>
+          <a:noFill/>
+        </p:spPr>
+        <p:txBody>
+          <a:bodyPr wrap="square" rtlCol="0">
+            <a:spAutoFit/>
+          </a:bodyPr>
+          <a:lstStyle/>
+          <a:p>
+            <a:pPr algn="ctr"/>
+            <a:r>
+              <a:rPr lang="en-US" sz="3600" b="1" i="1" dirty="0" smtClean="0"/>
+              <a:t>The DOM</a:t>
+            </a:r>
+            <a:endParaRPr lang="en-US" sz="3600" b="1" i="1" dirty="0"/>
+          </a:p>
+        </p:txBody>
+      </p:sp>
+      <p:sp>
+        <p:nvSpPr>
+          <p:cNvPr id="81" name="Rectangle 80"/>
+          <p:cNvSpPr/>
+          <p:nvPr/>
+        </p:nvSpPr>
+        <p:spPr>
+          <a:xfrm>
+            <a:off x="4173080" y="0"/>
+            <a:ext cx="3629890" cy="1357745"/>
+          </a:xfrm>
+          <a:prstGeom prst="rect">
+            <a:avLst/>
+          </a:prstGeom>
+          <a:solidFill>
+            <a:srgbClr val="E1210A"/>
+          </a:solidFill>
+          <a:ln>
+            <a:noFill/>
+          </a:ln>
+        </p:spPr>
+        <p:style>
+          <a:lnRef idx="2">
+            <a:schemeClr val="accent1">
+              <a:shade val="50000"/>
+            </a:schemeClr>
+          </a:lnRef>
+          <a:fillRef idx="1">
+            <a:schemeClr val="accent1"/>
+          </a:fillRef>
+          <a:effectRef idx="0">
+            <a:schemeClr val="accent1"/>
+          </a:effectRef>
+          <a:fontRef idx="minor">
+            <a:schemeClr val="lt1"/>
+          </a:fontRef>
+        </p:style>
+        <p:txBody>
+          <a:bodyPr rtlCol="0" anchor="ctr"/>
+          <a:lstStyle/>
+          <a:p>
+            <a:pPr algn="ctr"/>
+            <a:endParaRPr lang="en-US"/>
+          </a:p>
+        </p:txBody>
+      </p:sp>
+      <p:sp>
+        <p:nvSpPr>
+          <p:cNvPr id="82" name="TextBox 81"/>
+          <p:cNvSpPr txBox="1"/>
+          <p:nvPr/>
+        </p:nvSpPr>
+        <p:spPr>
+          <a:xfrm>
+            <a:off x="6398546" y="894708"/>
+            <a:ext cx="744114" cy="369332"/>
+          </a:xfrm>
+          <a:prstGeom prst="rect">
+            <a:avLst/>
+          </a:prstGeom>
+          <a:noFill/>
+        </p:spPr>
+        <p:txBody>
+          <a:bodyPr wrap="none" rtlCol="0">
+            <a:spAutoFit/>
+          </a:bodyPr>
+          <a:lstStyle/>
+          <a:p>
+            <a:r>
+              <a:rPr lang="en-US" sz="1800" b="1" dirty="0" smtClean="0"/>
+              <a:t>HTML</a:t>
+            </a:r>
+            <a:endParaRPr lang="en-US" sz="1800" b="1" dirty="0"/>
+          </a:p>
+        </p:txBody>
+      </p:sp>
+      <p:sp>
+        <p:nvSpPr>
+          <p:cNvPr id="84" name="TextBox 83"/>
+          <p:cNvSpPr txBox="1"/>
+          <p:nvPr/>
+        </p:nvSpPr>
+        <p:spPr>
+          <a:xfrm>
+            <a:off x="4230221" y="183987"/>
+            <a:ext cx="3566160" cy="646331"/>
+          </a:xfrm>
+          <a:prstGeom prst="rect">
+            <a:avLst/>
+          </a:prstGeom>
+          <a:noFill/>
+        </p:spPr>
+        <p:txBody>
+          <a:bodyPr wrap="square" rtlCol="0">
+            <a:spAutoFit/>
+          </a:bodyPr>
+          <a:lstStyle/>
+          <a:p>
+            <a:pPr algn="ctr"/>
+            <a:r>
+              <a:rPr lang="en-US" sz="3600" b="1" i="1" dirty="0" smtClean="0"/>
+              <a:t>FORMS</a:t>
+            </a:r>
+            <a:endParaRPr lang="en-US" sz="3600" b="1" i="1" dirty="0"/>
+          </a:p>
+        </p:txBody>
+      </p:sp>
+      <p:sp>
+        <p:nvSpPr>
+          <p:cNvPr id="87" name="Rectangle 86"/>
+          <p:cNvSpPr/>
+          <p:nvPr/>
+        </p:nvSpPr>
+        <p:spPr>
+          <a:xfrm>
+            <a:off x="4198020" y="4527926"/>
+            <a:ext cx="3629890" cy="1357745"/>
+          </a:xfrm>
+          <a:prstGeom prst="rect">
+            <a:avLst/>
+          </a:prstGeom>
+          <a:solidFill>
+            <a:srgbClr val="9443DD"/>
+          </a:solidFill>
+          <a:ln>
+            <a:noFill/>
+          </a:ln>
+        </p:spPr>
+        <p:style>
+          <a:lnRef idx="2">
+            <a:schemeClr val="accent1">
+              <a:shade val="50000"/>
+            </a:schemeClr>
+          </a:lnRef>
+          <a:fillRef idx="1">
+            <a:schemeClr val="accent1"/>
+          </a:fillRef>
+          <a:effectRef idx="0">
+            <a:schemeClr val="accent1"/>
+          </a:effectRef>
+          <a:fontRef idx="minor">
+            <a:schemeClr val="lt1"/>
+          </a:fontRef>
+        </p:style>
+        <p:txBody>
+          <a:bodyPr rtlCol="0" anchor="ctr"/>
+          <a:lstStyle/>
+          <a:p>
+            <a:pPr algn="ctr"/>
+            <a:endParaRPr lang="en-US"/>
+          </a:p>
+        </p:txBody>
+      </p:sp>
+      <p:sp>
+        <p:nvSpPr>
+          <p:cNvPr id="88" name="TextBox 87"/>
+          <p:cNvSpPr txBox="1"/>
+          <p:nvPr/>
+        </p:nvSpPr>
+        <p:spPr>
+          <a:xfrm>
+            <a:off x="5959323" y="5408347"/>
+            <a:ext cx="1183337" cy="369332"/>
+          </a:xfrm>
+          <a:prstGeom prst="rect">
+            <a:avLst/>
+          </a:prstGeom>
+          <a:solidFill>
+            <a:srgbClr val="9443DD"/>
+          </a:solidFill>
+        </p:spPr>
+        <p:txBody>
+          <a:bodyPr wrap="none" rtlCol="0">
+            <a:spAutoFit/>
+          </a:bodyPr>
+          <a:lstStyle/>
+          <a:p>
+            <a:r>
+              <a:rPr lang="en-US" sz="1800" b="1" dirty="0" smtClean="0"/>
+              <a:t>HTML/CSS</a:t>
+            </a:r>
+            <a:endParaRPr lang="en-US" sz="1800" b="1" dirty="0"/>
+          </a:p>
+        </p:txBody>
+      </p:sp>
+      <p:sp>
+        <p:nvSpPr>
+          <p:cNvPr id="90" name="TextBox 89"/>
+          <p:cNvSpPr txBox="1"/>
+          <p:nvPr/>
+        </p:nvSpPr>
+        <p:spPr>
+          <a:xfrm>
+            <a:off x="4230221" y="4562013"/>
+            <a:ext cx="3566160" cy="646331"/>
+          </a:xfrm>
+          <a:prstGeom prst="rect">
+            <a:avLst/>
+          </a:prstGeom>
+          <a:solidFill>
+            <a:srgbClr val="9443DD"/>
+          </a:solidFill>
+        </p:spPr>
+        <p:txBody>
+          <a:bodyPr wrap="square" rtlCol="0">
+            <a:spAutoFit/>
+          </a:bodyPr>
+          <a:lstStyle/>
+          <a:p>
+            <a:pPr algn="ctr"/>
+            <a:r>
+              <a:rPr lang="en-US" sz="3600" b="1" i="1" dirty="0" smtClean="0"/>
+              <a:t>Bootstrap</a:t>
+            </a:r>
+            <a:endParaRPr lang="en-US" sz="3600" b="1" i="1" dirty="0"/>
+          </a:p>
+        </p:txBody>
+      </p:sp>
+      <p:sp>
+        <p:nvSpPr>
+          <p:cNvPr id="99" name="Rectangle 98"/>
+          <p:cNvSpPr/>
+          <p:nvPr/>
+        </p:nvSpPr>
+        <p:spPr>
+          <a:xfrm>
+            <a:off x="27244" y="7521608"/>
+            <a:ext cx="3629890" cy="1357745"/>
+          </a:xfrm>
+          <a:prstGeom prst="rect">
+            <a:avLst/>
+          </a:prstGeom>
+          <a:solidFill>
+            <a:srgbClr val="FFC000"/>
+          </a:solidFill>
+          <a:ln>
+            <a:noFill/>
+          </a:ln>
+        </p:spPr>
+        <p:style>
+          <a:lnRef idx="2">
+            <a:schemeClr val="accent1">
+              <a:shade val="50000"/>
+            </a:schemeClr>
+          </a:lnRef>
+          <a:fillRef idx="1">
+            <a:schemeClr val="accent1"/>
+          </a:fillRef>
+          <a:effectRef idx="0">
+            <a:schemeClr val="accent1"/>
+          </a:effectRef>
+          <a:fontRef idx="minor">
+            <a:schemeClr val="lt1"/>
+          </a:fontRef>
+        </p:style>
+        <p:txBody>
+          <a:bodyPr rtlCol="0" anchor="ctr"/>
+          <a:lstStyle/>
+          <a:p>
+            <a:pPr algn="ctr"/>
+            <a:endParaRPr lang="en-US"/>
+          </a:p>
+        </p:txBody>
+      </p:sp>
+      <p:sp>
+        <p:nvSpPr>
+          <p:cNvPr id="100" name="TextBox 99"/>
+          <p:cNvSpPr txBox="1"/>
+          <p:nvPr/>
+        </p:nvSpPr>
+        <p:spPr>
+          <a:xfrm>
+            <a:off x="1800802" y="8402190"/>
+            <a:ext cx="1137747" cy="369332"/>
+          </a:xfrm>
+          <a:prstGeom prst="rect">
+            <a:avLst/>
+          </a:prstGeom>
+          <a:noFill/>
+        </p:spPr>
+        <p:txBody>
+          <a:bodyPr wrap="none" rtlCol="0">
+            <a:spAutoFit/>
+          </a:bodyPr>
+          <a:lstStyle/>
+          <a:p>
+            <a:r>
+              <a:rPr lang="en-US" sz="1800" b="1" dirty="0" smtClean="0"/>
+              <a:t>JavaScript</a:t>
+            </a:r>
+            <a:endParaRPr lang="en-US" sz="1800" b="1" dirty="0"/>
+          </a:p>
+        </p:txBody>
+      </p:sp>
+      <p:sp>
+        <p:nvSpPr>
+          <p:cNvPr id="102" name="TextBox 101"/>
+          <p:cNvSpPr txBox="1"/>
+          <p:nvPr/>
+        </p:nvSpPr>
+        <p:spPr>
+          <a:xfrm>
+            <a:off x="208368" y="7690605"/>
+            <a:ext cx="3236255" cy="646331"/>
+          </a:xfrm>
+          <a:prstGeom prst="rect">
+            <a:avLst/>
+          </a:prstGeom>
+          <a:noFill/>
+        </p:spPr>
+        <p:txBody>
+          <a:bodyPr wrap="square" rtlCol="0">
+            <a:spAutoFit/>
+          </a:bodyPr>
+          <a:lstStyle/>
+          <a:p>
+            <a:pPr algn="ctr"/>
+            <a:r>
+              <a:rPr lang="en-US" sz="3600" b="1" i="1" dirty="0" smtClean="0"/>
+              <a:t>Functions</a:t>
+            </a:r>
+            <a:endParaRPr lang="en-US" sz="3600" b="1" i="1" dirty="0"/>
+          </a:p>
+        </p:txBody>
+      </p:sp>
+      <p:sp>
+        <p:nvSpPr>
+          <p:cNvPr id="105" name="Rectangle 104"/>
+          <p:cNvSpPr/>
+          <p:nvPr/>
+        </p:nvSpPr>
+        <p:spPr>
+          <a:xfrm>
+            <a:off x="4173080" y="1496320"/>
+            <a:ext cx="3629890" cy="1357745"/>
+          </a:xfrm>
+          <a:prstGeom prst="rect">
+            <a:avLst/>
+          </a:prstGeom>
+          <a:solidFill>
+            <a:srgbClr val="E1210A"/>
+          </a:solidFill>
+          <a:ln>
+            <a:noFill/>
+          </a:ln>
+        </p:spPr>
+        <p:style>
+          <a:lnRef idx="2">
+            <a:schemeClr val="accent1">
+              <a:shade val="50000"/>
+            </a:schemeClr>
+          </a:lnRef>
+          <a:fillRef idx="1">
+            <a:schemeClr val="accent1"/>
+          </a:fillRef>
+          <a:effectRef idx="0">
+            <a:schemeClr val="accent1"/>
+          </a:effectRef>
+          <a:fontRef idx="minor">
+            <a:schemeClr val="lt1"/>
+          </a:fontRef>
+        </p:style>
+        <p:txBody>
+          <a:bodyPr rtlCol="0" anchor="ctr"/>
+          <a:lstStyle/>
+          <a:p>
+            <a:pPr algn="ctr"/>
+            <a:endParaRPr lang="en-US"/>
+          </a:p>
+        </p:txBody>
+      </p:sp>
+      <p:sp>
+        <p:nvSpPr>
+          <p:cNvPr id="106" name="TextBox 105"/>
+          <p:cNvSpPr txBox="1"/>
+          <p:nvPr/>
+        </p:nvSpPr>
+        <p:spPr>
+          <a:xfrm>
+            <a:off x="6398546" y="2410225"/>
+            <a:ext cx="744114" cy="369332"/>
+          </a:xfrm>
+          <a:prstGeom prst="rect">
+            <a:avLst/>
+          </a:prstGeom>
+          <a:noFill/>
+        </p:spPr>
+        <p:txBody>
+          <a:bodyPr wrap="none" rtlCol="0">
+            <a:spAutoFit/>
+          </a:bodyPr>
+          <a:lstStyle/>
+          <a:p>
+            <a:r>
+              <a:rPr lang="en-US" sz="1800" b="1" smtClean="0"/>
+              <a:t>HTML</a:t>
+            </a:r>
+            <a:endParaRPr lang="en-US" sz="1800" b="1" dirty="0"/>
+          </a:p>
+        </p:txBody>
+      </p:sp>
+      <p:sp>
+        <p:nvSpPr>
+          <p:cNvPr id="108" name="TextBox 107"/>
+          <p:cNvSpPr txBox="1"/>
+          <p:nvPr/>
+        </p:nvSpPr>
+        <p:spPr>
+          <a:xfrm>
+            <a:off x="4230221" y="1530407"/>
+            <a:ext cx="3566160" cy="646331"/>
+          </a:xfrm>
+          <a:prstGeom prst="rect">
+            <a:avLst/>
+          </a:prstGeom>
+          <a:noFill/>
+        </p:spPr>
+        <p:txBody>
+          <a:bodyPr wrap="square" rtlCol="0">
+            <a:spAutoFit/>
+          </a:bodyPr>
+          <a:lstStyle/>
+          <a:p>
+            <a:pPr algn="ctr"/>
+            <a:r>
+              <a:rPr lang="en-US" sz="3600" b="1" i="1" dirty="0" smtClean="0"/>
+              <a:t>HTML Basic</a:t>
+            </a:r>
+            <a:endParaRPr lang="en-US" sz="3600" b="1" i="1" dirty="0"/>
+          </a:p>
+        </p:txBody>
+      </p:sp>
+      <p:sp>
+        <p:nvSpPr>
+          <p:cNvPr id="111" name="Rectangle 110"/>
+          <p:cNvSpPr/>
+          <p:nvPr/>
+        </p:nvSpPr>
+        <p:spPr>
+          <a:xfrm>
+            <a:off x="4223829" y="6024247"/>
+            <a:ext cx="3629890" cy="1357745"/>
+          </a:xfrm>
+          <a:prstGeom prst="rect">
+            <a:avLst/>
+          </a:prstGeom>
+          <a:solidFill>
+            <a:srgbClr val="9443DD"/>
+          </a:solidFill>
+          <a:ln>
+            <a:noFill/>
+          </a:ln>
+        </p:spPr>
+        <p:style>
+          <a:lnRef idx="2">
+            <a:schemeClr val="accent1">
+              <a:shade val="50000"/>
+            </a:schemeClr>
+          </a:lnRef>
+          <a:fillRef idx="1">
+            <a:schemeClr val="accent1"/>
+          </a:fillRef>
+          <a:effectRef idx="0">
+            <a:schemeClr val="accent1"/>
+          </a:effectRef>
+          <a:fontRef idx="minor">
+            <a:schemeClr val="lt1"/>
+          </a:fontRef>
+        </p:style>
+        <p:txBody>
+          <a:bodyPr rtlCol="0" anchor="ctr"/>
+          <a:lstStyle/>
+          <a:p>
+            <a:pPr algn="ctr"/>
+            <a:endParaRPr lang="en-US"/>
+          </a:p>
+        </p:txBody>
+      </p:sp>
+      <p:sp>
+        <p:nvSpPr>
+          <p:cNvPr id="112" name="TextBox 111"/>
+          <p:cNvSpPr txBox="1"/>
+          <p:nvPr/>
+        </p:nvSpPr>
+        <p:spPr>
+          <a:xfrm>
+            <a:off x="6618157" y="6903966"/>
+            <a:ext cx="524503" cy="369332"/>
+          </a:xfrm>
+          <a:prstGeom prst="rect">
+            <a:avLst/>
+          </a:prstGeom>
+          <a:solidFill>
+            <a:srgbClr val="9443DD"/>
+          </a:solidFill>
+        </p:spPr>
+        <p:txBody>
+          <a:bodyPr wrap="none" rtlCol="0">
+            <a:spAutoFit/>
+          </a:bodyPr>
+          <a:lstStyle/>
+          <a:p>
+            <a:r>
+              <a:rPr lang="en-US" sz="1800" b="1" dirty="0" smtClean="0"/>
+              <a:t>CSS</a:t>
+            </a:r>
+            <a:endParaRPr lang="en-US" sz="1800" b="1" dirty="0"/>
+          </a:p>
+        </p:txBody>
+      </p:sp>
+      <p:sp>
+        <p:nvSpPr>
+          <p:cNvPr id="114" name="TextBox 113"/>
+          <p:cNvSpPr txBox="1"/>
+          <p:nvPr/>
+        </p:nvSpPr>
+        <p:spPr>
+          <a:xfrm>
+            <a:off x="4230221" y="6058334"/>
+            <a:ext cx="3566160" cy="646331"/>
+          </a:xfrm>
+          <a:prstGeom prst="rect">
+            <a:avLst/>
+          </a:prstGeom>
+          <a:solidFill>
+            <a:srgbClr val="9443DD"/>
+          </a:solidFill>
+        </p:spPr>
+        <p:txBody>
+          <a:bodyPr wrap="square" rtlCol="0">
+            <a:spAutoFit/>
+          </a:bodyPr>
+          <a:lstStyle/>
+          <a:p>
+            <a:pPr algn="ctr"/>
+            <a:r>
+              <a:rPr lang="en-US" sz="3600" b="1" i="1" dirty="0" smtClean="0"/>
+              <a:t>Layouts</a:t>
+            </a:r>
+            <a:endParaRPr lang="en-US" sz="3600" b="1" i="1" dirty="0"/>
+          </a:p>
+        </p:txBody>
+      </p:sp>
+      <p:sp>
+        <p:nvSpPr>
+          <p:cNvPr id="117" name="Rectangle 116"/>
+          <p:cNvSpPr/>
+          <p:nvPr/>
+        </p:nvSpPr>
+        <p:spPr>
+          <a:xfrm>
+            <a:off x="4246708" y="7542254"/>
+            <a:ext cx="3629890" cy="1357745"/>
+          </a:xfrm>
+          <a:prstGeom prst="rect">
+            <a:avLst/>
+          </a:prstGeom>
+          <a:solidFill>
+            <a:srgbClr val="9443DD"/>
+          </a:solidFill>
+          <a:ln>
+            <a:noFill/>
+          </a:ln>
+        </p:spPr>
+        <p:style>
+          <a:lnRef idx="2">
+            <a:schemeClr val="accent1">
+              <a:shade val="50000"/>
+            </a:schemeClr>
+          </a:lnRef>
+          <a:fillRef idx="1">
+            <a:schemeClr val="accent1"/>
+          </a:fillRef>
+          <a:effectRef idx="0">
+            <a:schemeClr val="accent1"/>
+          </a:effectRef>
+          <a:fontRef idx="minor">
+            <a:schemeClr val="lt1"/>
+          </a:fontRef>
+        </p:style>
+        <p:txBody>
+          <a:bodyPr rtlCol="0" anchor="ctr"/>
+          <a:lstStyle/>
+          <a:p>
+            <a:pPr algn="ctr"/>
+            <a:endParaRPr lang="en-US"/>
+          </a:p>
+        </p:txBody>
+      </p:sp>
+      <p:sp>
+        <p:nvSpPr>
+          <p:cNvPr id="118" name="TextBox 117"/>
+          <p:cNvSpPr txBox="1"/>
+          <p:nvPr/>
+        </p:nvSpPr>
+        <p:spPr>
+          <a:xfrm>
+            <a:off x="6603167" y="8406983"/>
+            <a:ext cx="524503" cy="369332"/>
+          </a:xfrm>
+          <a:prstGeom prst="rect">
+            <a:avLst/>
+          </a:prstGeom>
+          <a:solidFill>
+            <a:srgbClr val="9443DD"/>
+          </a:solidFill>
+        </p:spPr>
+        <p:txBody>
+          <a:bodyPr wrap="none" rtlCol="0">
+            <a:spAutoFit/>
+          </a:bodyPr>
+          <a:lstStyle/>
+          <a:p>
+            <a:r>
+              <a:rPr lang="en-US" sz="1800" b="1" dirty="0" smtClean="0"/>
+              <a:t>CSS</a:t>
+            </a:r>
+            <a:endParaRPr lang="en-US" sz="1800" b="1" dirty="0"/>
+          </a:p>
+        </p:txBody>
+      </p:sp>
+      <p:sp>
+        <p:nvSpPr>
+          <p:cNvPr id="120" name="TextBox 119"/>
+          <p:cNvSpPr txBox="1"/>
+          <p:nvPr/>
+        </p:nvSpPr>
+        <p:spPr>
+          <a:xfrm>
+            <a:off x="4215231" y="7576341"/>
+            <a:ext cx="3566160" cy="646331"/>
+          </a:xfrm>
+          <a:prstGeom prst="rect">
+            <a:avLst/>
+          </a:prstGeom>
+          <a:noFill/>
+          <a:ln>
+            <a:noFill/>
+          </a:ln>
+        </p:spPr>
+        <p:txBody>
+          <a:bodyPr wrap="square" rtlCol="0">
+            <a:spAutoFit/>
+          </a:bodyPr>
+          <a:lstStyle/>
+          <a:p>
+            <a:pPr algn="ctr"/>
+            <a:r>
+              <a:rPr lang="en-US" sz="3600" b="1" i="1" dirty="0" smtClean="0"/>
+              <a:t>CSS Basic</a:t>
+            </a:r>
+            <a:endParaRPr lang="en-US" sz="3600" b="1" i="1" dirty="0"/>
+          </a:p>
+        </p:txBody>
+      </p:sp>
+      <p:sp>
+        <p:nvSpPr>
+          <p:cNvPr id="123" name="Rectangle 122"/>
+          <p:cNvSpPr/>
+          <p:nvPr/>
+        </p:nvSpPr>
+        <p:spPr>
+          <a:xfrm>
+            <a:off x="4245408" y="9032744"/>
+            <a:ext cx="3629890" cy="1357745"/>
+          </a:xfrm>
+          <a:prstGeom prst="rect">
+            <a:avLst/>
+          </a:prstGeom>
+          <a:solidFill>
+            <a:srgbClr val="9443DD"/>
+          </a:solidFill>
+          <a:ln>
+            <a:noFill/>
+          </a:ln>
+        </p:spPr>
+        <p:style>
+          <a:lnRef idx="2">
+            <a:schemeClr val="accent1">
+              <a:shade val="50000"/>
+            </a:schemeClr>
+          </a:lnRef>
+          <a:fillRef idx="1">
+            <a:schemeClr val="accent1"/>
+          </a:fillRef>
+          <a:effectRef idx="0">
+            <a:schemeClr val="accent1"/>
+          </a:effectRef>
+          <a:fontRef idx="minor">
+            <a:schemeClr val="lt1"/>
+          </a:fontRef>
+        </p:style>
+        <p:txBody>
+          <a:bodyPr rtlCol="0" anchor="ctr"/>
+          <a:lstStyle/>
+          <a:p>
+            <a:pPr algn="ctr"/>
+            <a:endParaRPr lang="en-US"/>
+          </a:p>
+        </p:txBody>
+      </p:sp>
+      <p:sp>
+        <p:nvSpPr>
+          <p:cNvPr id="124" name="TextBox 123"/>
+          <p:cNvSpPr txBox="1"/>
+          <p:nvPr/>
+        </p:nvSpPr>
+        <p:spPr>
+          <a:xfrm>
+            <a:off x="6609756" y="9897473"/>
+            <a:ext cx="524503" cy="369332"/>
+          </a:xfrm>
+          <a:prstGeom prst="rect">
+            <a:avLst/>
+          </a:prstGeom>
+          <a:solidFill>
+            <a:srgbClr val="9443DD"/>
+          </a:solidFill>
+        </p:spPr>
+        <p:txBody>
+          <a:bodyPr wrap="none" rtlCol="0">
+            <a:spAutoFit/>
+          </a:bodyPr>
+          <a:lstStyle/>
+          <a:p>
+            <a:r>
+              <a:rPr lang="en-US" sz="1800" b="1" dirty="0" smtClean="0"/>
+              <a:t>CSS</a:t>
+            </a:r>
+            <a:endParaRPr lang="en-US" sz="1800" b="1" dirty="0"/>
+          </a:p>
+        </p:txBody>
+      </p:sp>
+      <p:sp>
+        <p:nvSpPr>
+          <p:cNvPr id="126" name="TextBox 125"/>
+          <p:cNvSpPr txBox="1"/>
+          <p:nvPr/>
+        </p:nvSpPr>
+        <p:spPr>
+          <a:xfrm>
+            <a:off x="4221820" y="9066831"/>
+            <a:ext cx="3566160" cy="646331"/>
+          </a:xfrm>
+          <a:prstGeom prst="rect">
+            <a:avLst/>
+          </a:prstGeom>
+          <a:noFill/>
+          <a:ln>
+            <a:noFill/>
+          </a:ln>
+        </p:spPr>
+        <p:txBody>
+          <a:bodyPr wrap="square" rtlCol="0">
+            <a:spAutoFit/>
+          </a:bodyPr>
+          <a:lstStyle/>
+          <a:p>
+            <a:pPr algn="ctr"/>
+            <a:r>
+              <a:rPr lang="en-US" sz="3600" b="1" i="1" dirty="0" smtClean="0"/>
+              <a:t>Scaffolding</a:t>
+            </a:r>
+            <a:endParaRPr lang="en-US" sz="3600" b="1" i="1" dirty="0"/>
+          </a:p>
+        </p:txBody>
+      </p:sp>
+      <p:sp>
+        <p:nvSpPr>
+          <p:cNvPr id="136" name="Rectangle 135"/>
+          <p:cNvSpPr/>
+          <p:nvPr/>
+        </p:nvSpPr>
+        <p:spPr>
+          <a:xfrm rot="10800000">
+            <a:off x="4174823" y="2999519"/>
+            <a:ext cx="3629890" cy="1357745"/>
+          </a:xfrm>
+          <a:prstGeom prst="rect">
+            <a:avLst/>
+          </a:prstGeom>
+          <a:solidFill>
+            <a:srgbClr val="9443DD"/>
+          </a:solidFill>
+          <a:ln>
+            <a:noFill/>
+          </a:ln>
+        </p:spPr>
+        <p:style>
+          <a:lnRef idx="2">
+            <a:schemeClr val="accent1">
+              <a:shade val="50000"/>
+            </a:schemeClr>
+          </a:lnRef>
+          <a:fillRef idx="1">
+            <a:schemeClr val="accent1"/>
+          </a:fillRef>
+          <a:effectRef idx="0">
+            <a:schemeClr val="accent1"/>
+          </a:effectRef>
+          <a:fontRef idx="minor">
+            <a:schemeClr val="lt1"/>
+          </a:fontRef>
+        </p:style>
+        <p:txBody>
+          <a:bodyPr rtlCol="0" anchor="ctr"/>
+          <a:lstStyle/>
+          <a:p>
+            <a:pPr algn="ctr"/>
+            <a:endParaRPr lang="en-US"/>
+          </a:p>
+        </p:txBody>
+      </p:sp>
+      <p:sp>
+        <p:nvSpPr>
+          <p:cNvPr id="137" name="Right Triangle 136"/>
+          <p:cNvSpPr/>
+          <p:nvPr/>
+        </p:nvSpPr>
+        <p:spPr>
+          <a:xfrm rot="10800000">
+            <a:off x="4173080" y="2999518"/>
+            <a:ext cx="3631633" cy="1365640"/>
+          </a:xfrm>
+          <a:prstGeom prst="rtTriangle">
+            <a:avLst/>
+          </a:prstGeom>
+          <a:solidFill>
+            <a:srgbClr val="E1210A"/>
+          </a:solidFill>
+          <a:ln>
+            <a:noFill/>
+          </a:ln>
+        </p:spPr>
+        <p:style>
+          <a:lnRef idx="2">
+            <a:schemeClr val="accent1">
+              <a:shade val="50000"/>
+            </a:schemeClr>
+          </a:lnRef>
+          <a:fillRef idx="1">
+            <a:schemeClr val="accent1"/>
+          </a:fillRef>
+          <a:effectRef idx="0">
+            <a:schemeClr val="accent1"/>
+          </a:effectRef>
+          <a:fontRef idx="minor">
+            <a:schemeClr val="lt1"/>
+          </a:fontRef>
+        </p:style>
+        <p:txBody>
+          <a:bodyPr rtlCol="0" anchor="ctr"/>
+          <a:lstStyle/>
+          <a:p>
+            <a:pPr algn="ctr"/>
+            <a:endParaRPr lang="en-US"/>
+          </a:p>
+        </p:txBody>
+      </p:sp>
+      <p:sp>
+        <p:nvSpPr>
+          <p:cNvPr id="130" name="TextBox 129"/>
+          <p:cNvSpPr txBox="1"/>
+          <p:nvPr/>
+        </p:nvSpPr>
+        <p:spPr>
+          <a:xfrm>
+            <a:off x="5959323" y="3864765"/>
+            <a:ext cx="1183337" cy="369332"/>
+          </a:xfrm>
+          <a:prstGeom prst="rect">
+            <a:avLst/>
+          </a:prstGeom>
+          <a:noFill/>
+        </p:spPr>
+        <p:txBody>
+          <a:bodyPr wrap="none" rtlCol="0">
+            <a:spAutoFit/>
+          </a:bodyPr>
+          <a:lstStyle/>
+          <a:p>
+            <a:r>
+              <a:rPr lang="en-US" sz="1800" b="1" dirty="0" smtClean="0"/>
+              <a:t>HTML/CSS</a:t>
+            </a:r>
+            <a:endParaRPr lang="en-US" sz="1800" b="1" dirty="0"/>
+          </a:p>
+        </p:txBody>
+      </p:sp>
+      <p:sp>
+        <p:nvSpPr>
+          <p:cNvPr id="132" name="TextBox 131"/>
+          <p:cNvSpPr txBox="1"/>
+          <p:nvPr/>
+        </p:nvSpPr>
+        <p:spPr>
+          <a:xfrm>
+            <a:off x="4230221" y="2991259"/>
+            <a:ext cx="3566160" cy="646331"/>
+          </a:xfrm>
+          <a:prstGeom prst="rect">
+            <a:avLst/>
+          </a:prstGeom>
+          <a:noFill/>
+        </p:spPr>
+        <p:txBody>
+          <a:bodyPr wrap="square" rtlCol="0">
+            <a:spAutoFit/>
+          </a:bodyPr>
+          <a:lstStyle/>
+          <a:p>
+            <a:pPr algn="ctr"/>
+            <a:r>
+              <a:rPr lang="en-US" sz="3600" b="1" i="1" dirty="0" smtClean="0"/>
+              <a:t>Bootstrap</a:t>
+            </a:r>
+            <a:endParaRPr lang="en-US" sz="3600" b="1" i="1" dirty="0"/>
+          </a:p>
+        </p:txBody>
+      </p:sp>
+      <p:sp>
+        <p:nvSpPr>
+          <p:cNvPr id="93" name="Rectangle 92"/>
+          <p:cNvSpPr/>
+          <p:nvPr/>
+        </p:nvSpPr>
+        <p:spPr>
+          <a:xfrm>
+            <a:off x="8019555" y="16827"/>
+            <a:ext cx="3629890" cy="1357745"/>
+          </a:xfrm>
+          <a:prstGeom prst="rect">
+            <a:avLst/>
+          </a:prstGeom>
+          <a:solidFill>
+            <a:srgbClr val="00B0F0"/>
+          </a:solidFill>
+          <a:ln>
+            <a:noFill/>
+          </a:ln>
+        </p:spPr>
+        <p:style>
+          <a:lnRef idx="2">
+            <a:schemeClr val="accent1">
+              <a:shade val="50000"/>
+            </a:schemeClr>
+          </a:lnRef>
+          <a:fillRef idx="1">
+            <a:schemeClr val="accent1"/>
+          </a:fillRef>
+          <a:effectRef idx="0">
+            <a:schemeClr val="accent1"/>
+          </a:effectRef>
+          <a:fontRef idx="minor">
+            <a:schemeClr val="lt1"/>
+          </a:fontRef>
+        </p:style>
+        <p:txBody>
+          <a:bodyPr rtlCol="0" anchor="ctr"/>
+          <a:lstStyle/>
+          <a:p>
+            <a:pPr algn="ctr"/>
+            <a:endParaRPr lang="en-US"/>
+          </a:p>
+        </p:txBody>
+      </p:sp>
+      <p:sp>
+        <p:nvSpPr>
+          <p:cNvPr id="94" name="TextBox 93"/>
+          <p:cNvSpPr txBox="1"/>
+          <p:nvPr/>
+        </p:nvSpPr>
+        <p:spPr>
+          <a:xfrm>
+            <a:off x="10403777" y="896546"/>
+            <a:ext cx="577402" cy="369332"/>
+          </a:xfrm>
+          <a:prstGeom prst="rect">
+            <a:avLst/>
+          </a:prstGeom>
+          <a:noFill/>
+        </p:spPr>
+        <p:txBody>
+          <a:bodyPr wrap="none" rtlCol="0">
+            <a:spAutoFit/>
+          </a:bodyPr>
+          <a:lstStyle/>
+          <a:p>
+            <a:r>
+              <a:rPr lang="en-US" sz="1800" b="1" dirty="0" smtClean="0"/>
+              <a:t>PHP</a:t>
+            </a:r>
+            <a:endParaRPr lang="en-US" sz="1800" b="1" dirty="0"/>
+          </a:p>
+        </p:txBody>
+      </p:sp>
+      <p:sp>
+        <p:nvSpPr>
+          <p:cNvPr id="96" name="TextBox 95"/>
+          <p:cNvSpPr txBox="1"/>
+          <p:nvPr/>
+        </p:nvSpPr>
+        <p:spPr>
+          <a:xfrm>
+            <a:off x="8019555" y="148511"/>
+            <a:ext cx="3629890" cy="646331"/>
+          </a:xfrm>
+          <a:prstGeom prst="rect">
+            <a:avLst/>
+          </a:prstGeom>
+          <a:noFill/>
+        </p:spPr>
+        <p:txBody>
+          <a:bodyPr wrap="square" rtlCol="0">
+            <a:spAutoFit/>
+          </a:bodyPr>
+          <a:lstStyle/>
+          <a:p>
+            <a:pPr algn="ctr"/>
+            <a:r>
+              <a:rPr lang="en-US" sz="3600" b="1" i="1" smtClean="0"/>
+              <a:t>From JS </a:t>
+            </a:r>
+            <a:r>
+              <a:rPr lang="en-US" sz="3600" b="1" i="1" dirty="0" smtClean="0"/>
+              <a:t>to PHP</a:t>
+            </a:r>
+            <a:endParaRPr lang="en-US" sz="3600" b="1" i="1" dirty="0"/>
+          </a:p>
+        </p:txBody>
+      </p:sp>
+      <p:sp>
+        <p:nvSpPr>
+          <p:cNvPr id="129" name="Rectangle 128"/>
+          <p:cNvSpPr/>
+          <p:nvPr/>
+        </p:nvSpPr>
+        <p:spPr>
+          <a:xfrm>
+            <a:off x="8043808" y="1513146"/>
+            <a:ext cx="3629890" cy="1357745"/>
+          </a:xfrm>
+          <a:prstGeom prst="rect">
+            <a:avLst/>
+          </a:prstGeom>
+          <a:solidFill>
+            <a:srgbClr val="00B0F0"/>
+          </a:solidFill>
+          <a:ln>
+            <a:noFill/>
+          </a:ln>
+        </p:spPr>
+        <p:style>
+          <a:lnRef idx="2">
+            <a:schemeClr val="accent1">
+              <a:shade val="50000"/>
+            </a:schemeClr>
+          </a:lnRef>
+          <a:fillRef idx="1">
+            <a:schemeClr val="accent1"/>
+          </a:fillRef>
+          <a:effectRef idx="0">
+            <a:schemeClr val="accent1"/>
+          </a:effectRef>
+          <a:fontRef idx="minor">
+            <a:schemeClr val="lt1"/>
+          </a:fontRef>
+        </p:style>
+        <p:txBody>
+          <a:bodyPr rtlCol="0" anchor="ctr"/>
+          <a:lstStyle/>
+          <a:p>
+            <a:pPr algn="ctr"/>
+            <a:endParaRPr lang="en-US"/>
+          </a:p>
+        </p:txBody>
+      </p:sp>
+      <p:sp>
+        <p:nvSpPr>
+          <p:cNvPr id="134" name="TextBox 133"/>
+          <p:cNvSpPr txBox="1"/>
+          <p:nvPr/>
+        </p:nvSpPr>
+        <p:spPr>
+          <a:xfrm>
+            <a:off x="10403777" y="2392865"/>
+            <a:ext cx="577402" cy="369332"/>
+          </a:xfrm>
+          <a:prstGeom prst="rect">
+            <a:avLst/>
+          </a:prstGeom>
+          <a:noFill/>
+        </p:spPr>
+        <p:txBody>
+          <a:bodyPr wrap="none" rtlCol="0">
+            <a:spAutoFit/>
+          </a:bodyPr>
+          <a:lstStyle/>
+          <a:p>
+            <a:r>
+              <a:rPr lang="en-US" sz="1800" b="1" dirty="0" smtClean="0"/>
+              <a:t>PHP</a:t>
+            </a:r>
+            <a:endParaRPr lang="en-US" sz="1800" b="1" dirty="0"/>
+          </a:p>
+        </p:txBody>
+      </p:sp>
+      <p:sp>
+        <p:nvSpPr>
+          <p:cNvPr id="139" name="TextBox 138"/>
+          <p:cNvSpPr txBox="1"/>
+          <p:nvPr/>
+        </p:nvSpPr>
+        <p:spPr>
+          <a:xfrm>
+            <a:off x="8037219" y="1647249"/>
+            <a:ext cx="3636479" cy="369332"/>
+          </a:xfrm>
+          <a:prstGeom prst="rect">
+            <a:avLst/>
+          </a:prstGeom>
+          <a:noFill/>
+        </p:spPr>
+        <p:txBody>
+          <a:bodyPr wrap="square" rtlCol="0">
+            <a:spAutoFit/>
+          </a:bodyPr>
+          <a:lstStyle/>
+          <a:p>
+            <a:pPr algn="ctr"/>
+            <a:r>
+              <a:rPr lang="en-US" sz="1800" b="1" i="1" dirty="0" smtClean="0"/>
+              <a:t>Object Oriented Programming</a:t>
+            </a:r>
+            <a:endParaRPr lang="en-US" sz="1800" b="1" i="1" dirty="0"/>
+          </a:p>
+        </p:txBody>
+      </p:sp>
       <p:pic>
         <p:nvPicPr>
-          <p:cNvPr id="7" name="Picture 6"/>
+          <p:cNvPr id="2" name="Picture 1"/>
           <p:cNvPicPr>
             <a:picLocks noChangeAspect="1"/>
           </p:cNvPicPr>
@@ -2995,2807 +4708,1911 @@
         </p:blipFill>
         <p:spPr>
           <a:xfrm>
-            <a:off x="8748870" y="5842940"/>
-            <a:ext cx="889000" cy="596900"/>
+            <a:off x="2935451" y="-878874"/>
+            <a:ext cx="1895856" cy="530352"/>
           </a:xfrm>
           <a:prstGeom prst="rect">
             <a:avLst/>
           </a:prstGeom>
         </p:spPr>
       </p:pic>
-      <p:grpSp>
-        <p:nvGrpSpPr>
-          <p:cNvPr id="50" name="Group 49"/>
-          <p:cNvGrpSpPr/>
-          <p:nvPr/>
-        </p:nvGrpSpPr>
-        <p:grpSpPr>
-          <a:xfrm>
-            <a:off x="0" y="0"/>
+      <p:pic>
+        <p:nvPicPr>
+          <p:cNvPr id="4" name="Picture 3"/>
+          <p:cNvPicPr>
+            <a:picLocks noChangeAspect="1"/>
+          </p:cNvPicPr>
+          <p:nvPr/>
+        </p:nvPicPr>
+        <p:blipFill>
+          <a:blip r:embed="rId3">
+            <a:extLst>
+              <a:ext uri="{28A0092B-C50C-407E-A947-70E740481C1C}">
+                <a14:useLocalDpi xmlns:a14="http://schemas.microsoft.com/office/drawing/2010/main" val="0"/>
+              </a:ext>
+            </a:extLst>
+          </a:blip>
+          <a:stretch>
+            <a:fillRect/>
+          </a:stretch>
+        </p:blipFill>
+        <p:spPr>
+          <a:xfrm>
+            <a:off x="2938549" y="1014345"/>
+            <a:ext cx="203200" cy="139700"/>
+          </a:xfrm>
+          <a:prstGeom prst="rect">
+            <a:avLst/>
+          </a:prstGeom>
+        </p:spPr>
+      </p:pic>
+      <p:pic>
+        <p:nvPicPr>
+          <p:cNvPr id="5" name="Picture 4"/>
+          <p:cNvPicPr>
+            <a:picLocks noChangeAspect="1"/>
+          </p:cNvPicPr>
+          <p:nvPr/>
+        </p:nvPicPr>
+        <p:blipFill>
+          <a:blip r:embed="rId4">
+            <a:extLst>
+              <a:ext uri="{28A0092B-C50C-407E-A947-70E740481C1C}">
+                <a14:useLocalDpi xmlns:a14="http://schemas.microsoft.com/office/drawing/2010/main" val="0"/>
+              </a:ext>
+            </a:extLst>
+          </a:blip>
+          <a:stretch>
+            <a:fillRect/>
+          </a:stretch>
+        </p:blipFill>
+        <p:spPr>
+          <a:xfrm>
+            <a:off x="5456388" y="-646729"/>
+            <a:ext cx="203200" cy="139700"/>
+          </a:xfrm>
+          <a:prstGeom prst="rect">
+            <a:avLst/>
+          </a:prstGeom>
+        </p:spPr>
+      </p:pic>
+      <p:pic>
+        <p:nvPicPr>
+          <p:cNvPr id="141" name="Picture 140"/>
+          <p:cNvPicPr>
+            <a:picLocks noChangeAspect="1"/>
+          </p:cNvPicPr>
+          <p:nvPr/>
+        </p:nvPicPr>
+        <p:blipFill>
+          <a:blip r:embed="rId5">
+            <a:extLst>
+              <a:ext uri="{28A0092B-C50C-407E-A947-70E740481C1C}">
+                <a14:useLocalDpi xmlns:a14="http://schemas.microsoft.com/office/drawing/2010/main" val="0"/>
+              </a:ext>
+            </a:extLst>
+          </a:blip>
+          <a:stretch>
+            <a:fillRect/>
+          </a:stretch>
+        </p:blipFill>
+        <p:spPr>
+          <a:xfrm>
+            <a:off x="271045" y="892273"/>
+            <a:ext cx="1596885" cy="446717"/>
+          </a:xfrm>
+          <a:prstGeom prst="rect">
+            <a:avLst/>
+          </a:prstGeom>
+        </p:spPr>
+      </p:pic>
+      <p:pic>
+        <p:nvPicPr>
+          <p:cNvPr id="142" name="Picture 141"/>
+          <p:cNvPicPr>
+            <a:picLocks noChangeAspect="1"/>
+          </p:cNvPicPr>
+          <p:nvPr/>
+        </p:nvPicPr>
+        <p:blipFill>
+          <a:blip r:embed="rId5">
+            <a:extLst>
+              <a:ext uri="{28A0092B-C50C-407E-A947-70E740481C1C}">
+                <a14:useLocalDpi xmlns:a14="http://schemas.microsoft.com/office/drawing/2010/main" val="0"/>
+              </a:ext>
+            </a:extLst>
+          </a:blip>
+          <a:stretch>
+            <a:fillRect/>
+          </a:stretch>
+        </p:blipFill>
+        <p:spPr>
+          <a:xfrm>
+            <a:off x="271045" y="2424174"/>
+            <a:ext cx="1596885" cy="446717"/>
+          </a:xfrm>
+          <a:prstGeom prst="rect">
+            <a:avLst/>
+          </a:prstGeom>
+        </p:spPr>
+      </p:pic>
+      <p:pic>
+        <p:nvPicPr>
+          <p:cNvPr id="143" name="Picture 142"/>
+          <p:cNvPicPr>
+            <a:picLocks noChangeAspect="1"/>
+          </p:cNvPicPr>
+          <p:nvPr/>
+        </p:nvPicPr>
+        <p:blipFill>
+          <a:blip r:embed="rId5">
+            <a:extLst>
+              <a:ext uri="{28A0092B-C50C-407E-A947-70E740481C1C}">
+                <a14:useLocalDpi xmlns:a14="http://schemas.microsoft.com/office/drawing/2010/main" val="0"/>
+              </a:ext>
+            </a:extLst>
+          </a:blip>
+          <a:stretch>
+            <a:fillRect/>
+          </a:stretch>
+        </p:blipFill>
+        <p:spPr>
+          <a:xfrm>
+            <a:off x="271045" y="3863738"/>
+            <a:ext cx="1596885" cy="446717"/>
+          </a:xfrm>
+          <a:prstGeom prst="rect">
+            <a:avLst/>
+          </a:prstGeom>
+        </p:spPr>
+      </p:pic>
+      <p:pic>
+        <p:nvPicPr>
+          <p:cNvPr id="144" name="Picture 143"/>
+          <p:cNvPicPr>
+            <a:picLocks noChangeAspect="1"/>
+          </p:cNvPicPr>
+          <p:nvPr/>
+        </p:nvPicPr>
+        <p:blipFill>
+          <a:blip r:embed="rId3">
+            <a:extLst>
+              <a:ext uri="{28A0092B-C50C-407E-A947-70E740481C1C}">
+                <a14:useLocalDpi xmlns:a14="http://schemas.microsoft.com/office/drawing/2010/main" val="0"/>
+              </a:ext>
+            </a:extLst>
+          </a:blip>
+          <a:stretch>
+            <a:fillRect/>
+          </a:stretch>
+        </p:blipFill>
+        <p:spPr>
+          <a:xfrm>
+            <a:off x="2938549" y="2565008"/>
+            <a:ext cx="203200" cy="139700"/>
+          </a:xfrm>
+          <a:prstGeom prst="rect">
+            <a:avLst/>
+          </a:prstGeom>
+        </p:spPr>
+      </p:pic>
+      <p:pic>
+        <p:nvPicPr>
+          <p:cNvPr id="145" name="Picture 144"/>
+          <p:cNvPicPr>
+            <a:picLocks noChangeAspect="1"/>
+          </p:cNvPicPr>
+          <p:nvPr/>
+        </p:nvPicPr>
+        <p:blipFill>
+          <a:blip r:embed="rId3">
+            <a:extLst>
+              <a:ext uri="{28A0092B-C50C-407E-A947-70E740481C1C}">
+                <a14:useLocalDpi xmlns:a14="http://schemas.microsoft.com/office/drawing/2010/main" val="0"/>
+              </a:ext>
+            </a:extLst>
+          </a:blip>
+          <a:stretch>
+            <a:fillRect/>
+          </a:stretch>
+        </p:blipFill>
+        <p:spPr>
+          <a:xfrm>
+            <a:off x="2938549" y="3986312"/>
+            <a:ext cx="203200" cy="139700"/>
+          </a:xfrm>
+          <a:prstGeom prst="rect">
+            <a:avLst/>
+          </a:prstGeom>
+        </p:spPr>
+      </p:pic>
+      <p:pic>
+        <p:nvPicPr>
+          <p:cNvPr id="146" name="Picture 145"/>
+          <p:cNvPicPr>
+            <a:picLocks noChangeAspect="1"/>
+          </p:cNvPicPr>
+          <p:nvPr/>
+        </p:nvPicPr>
+        <p:blipFill>
+          <a:blip r:embed="rId5">
+            <a:extLst>
+              <a:ext uri="{28A0092B-C50C-407E-A947-70E740481C1C}">
+                <a14:useLocalDpi xmlns:a14="http://schemas.microsoft.com/office/drawing/2010/main" val="0"/>
+              </a:ext>
+            </a:extLst>
+          </a:blip>
+          <a:stretch>
+            <a:fillRect/>
+          </a:stretch>
+        </p:blipFill>
+        <p:spPr>
+          <a:xfrm>
+            <a:off x="271045" y="5394416"/>
+            <a:ext cx="1596885" cy="446717"/>
+          </a:xfrm>
+          <a:prstGeom prst="rect">
+            <a:avLst/>
+          </a:prstGeom>
+        </p:spPr>
+      </p:pic>
+      <p:pic>
+        <p:nvPicPr>
+          <p:cNvPr id="147" name="Picture 146"/>
+          <p:cNvPicPr>
+            <a:picLocks noChangeAspect="1"/>
+          </p:cNvPicPr>
+          <p:nvPr/>
+        </p:nvPicPr>
+        <p:blipFill>
+          <a:blip r:embed="rId5">
+            <a:extLst>
+              <a:ext uri="{28A0092B-C50C-407E-A947-70E740481C1C}">
+                <a14:useLocalDpi xmlns:a14="http://schemas.microsoft.com/office/drawing/2010/main" val="0"/>
+              </a:ext>
+            </a:extLst>
+          </a:blip>
+          <a:stretch>
+            <a:fillRect/>
+          </a:stretch>
+        </p:blipFill>
+        <p:spPr>
+          <a:xfrm>
+            <a:off x="271045" y="6926317"/>
+            <a:ext cx="1596885" cy="446717"/>
+          </a:xfrm>
+          <a:prstGeom prst="rect">
+            <a:avLst/>
+          </a:prstGeom>
+        </p:spPr>
+      </p:pic>
+      <p:pic>
+        <p:nvPicPr>
+          <p:cNvPr id="148" name="Picture 147"/>
+          <p:cNvPicPr>
+            <a:picLocks noChangeAspect="1"/>
+          </p:cNvPicPr>
+          <p:nvPr/>
+        </p:nvPicPr>
+        <p:blipFill>
+          <a:blip r:embed="rId5">
+            <a:extLst>
+              <a:ext uri="{28A0092B-C50C-407E-A947-70E740481C1C}">
+                <a14:useLocalDpi xmlns:a14="http://schemas.microsoft.com/office/drawing/2010/main" val="0"/>
+              </a:ext>
+            </a:extLst>
+          </a:blip>
+          <a:stretch>
+            <a:fillRect/>
+          </a:stretch>
+        </p:blipFill>
+        <p:spPr>
+          <a:xfrm>
+            <a:off x="271045" y="8365881"/>
+            <a:ext cx="1596885" cy="446717"/>
+          </a:xfrm>
+          <a:prstGeom prst="rect">
+            <a:avLst/>
+          </a:prstGeom>
+        </p:spPr>
+      </p:pic>
+      <p:pic>
+        <p:nvPicPr>
+          <p:cNvPr id="149" name="Picture 148"/>
+          <p:cNvPicPr>
+            <a:picLocks noChangeAspect="1"/>
+          </p:cNvPicPr>
+          <p:nvPr/>
+        </p:nvPicPr>
+        <p:blipFill>
+          <a:blip r:embed="rId3">
+            <a:extLst>
+              <a:ext uri="{28A0092B-C50C-407E-A947-70E740481C1C}">
+                <a14:useLocalDpi xmlns:a14="http://schemas.microsoft.com/office/drawing/2010/main" val="0"/>
+              </a:ext>
+            </a:extLst>
+          </a:blip>
+          <a:stretch>
+            <a:fillRect/>
+          </a:stretch>
+        </p:blipFill>
+        <p:spPr>
+          <a:xfrm>
+            <a:off x="2938549" y="8534768"/>
+            <a:ext cx="203200" cy="139700"/>
+          </a:xfrm>
+          <a:prstGeom prst="rect">
+            <a:avLst/>
+          </a:prstGeom>
+        </p:spPr>
+      </p:pic>
+      <p:pic>
+        <p:nvPicPr>
+          <p:cNvPr id="150" name="Picture 149"/>
+          <p:cNvPicPr>
+            <a:picLocks noChangeAspect="1"/>
+          </p:cNvPicPr>
+          <p:nvPr/>
+        </p:nvPicPr>
+        <p:blipFill>
+          <a:blip r:embed="rId3">
+            <a:extLst>
+              <a:ext uri="{28A0092B-C50C-407E-A947-70E740481C1C}">
+                <a14:useLocalDpi xmlns:a14="http://schemas.microsoft.com/office/drawing/2010/main" val="0"/>
+              </a:ext>
+            </a:extLst>
+          </a:blip>
+          <a:stretch>
+            <a:fillRect/>
+          </a:stretch>
+        </p:blipFill>
+        <p:spPr>
+          <a:xfrm>
+            <a:off x="2938549" y="7048486"/>
+            <a:ext cx="203200" cy="139700"/>
+          </a:xfrm>
+          <a:prstGeom prst="rect">
+            <a:avLst/>
+          </a:prstGeom>
+        </p:spPr>
+      </p:pic>
+      <p:pic>
+        <p:nvPicPr>
+          <p:cNvPr id="151" name="Picture 150"/>
+          <p:cNvPicPr>
+            <a:picLocks noChangeAspect="1"/>
+          </p:cNvPicPr>
+          <p:nvPr/>
+        </p:nvPicPr>
+        <p:blipFill>
+          <a:blip r:embed="rId3">
+            <a:extLst>
+              <a:ext uri="{28A0092B-C50C-407E-A947-70E740481C1C}">
+                <a14:useLocalDpi xmlns:a14="http://schemas.microsoft.com/office/drawing/2010/main" val="0"/>
+              </a:ext>
+            </a:extLst>
+          </a:blip>
+          <a:stretch>
+            <a:fillRect/>
+          </a:stretch>
+        </p:blipFill>
+        <p:spPr>
+          <a:xfrm>
+            <a:off x="2938549" y="5548477"/>
+            <a:ext cx="203200" cy="139700"/>
+          </a:xfrm>
+          <a:prstGeom prst="rect">
+            <a:avLst/>
+          </a:prstGeom>
+        </p:spPr>
+      </p:pic>
+      <p:pic>
+        <p:nvPicPr>
+          <p:cNvPr id="153" name="Picture 152"/>
+          <p:cNvPicPr>
+            <a:picLocks noChangeAspect="1"/>
+          </p:cNvPicPr>
+          <p:nvPr/>
+        </p:nvPicPr>
+        <p:blipFill>
+          <a:blip r:embed="rId3">
+            <a:extLst>
+              <a:ext uri="{28A0092B-C50C-407E-A947-70E740481C1C}">
+                <a14:useLocalDpi xmlns:a14="http://schemas.microsoft.com/office/drawing/2010/main" val="0"/>
+              </a:ext>
+            </a:extLst>
+          </a:blip>
+          <a:stretch>
+            <a:fillRect/>
+          </a:stretch>
+        </p:blipFill>
+        <p:spPr>
+          <a:xfrm>
+            <a:off x="7108307" y="1001855"/>
+            <a:ext cx="203200" cy="139700"/>
+          </a:xfrm>
+          <a:prstGeom prst="rect">
+            <a:avLst/>
+          </a:prstGeom>
+        </p:spPr>
+      </p:pic>
+      <p:pic>
+        <p:nvPicPr>
+          <p:cNvPr id="154" name="Picture 153"/>
+          <p:cNvPicPr>
+            <a:picLocks noChangeAspect="1"/>
+          </p:cNvPicPr>
+          <p:nvPr/>
+        </p:nvPicPr>
+        <p:blipFill>
+          <a:blip r:embed="rId3">
+            <a:extLst>
+              <a:ext uri="{28A0092B-C50C-407E-A947-70E740481C1C}">
+                <a14:useLocalDpi xmlns:a14="http://schemas.microsoft.com/office/drawing/2010/main" val="0"/>
+              </a:ext>
+            </a:extLst>
+          </a:blip>
+          <a:stretch>
+            <a:fillRect/>
+          </a:stretch>
+        </p:blipFill>
+        <p:spPr>
+          <a:xfrm>
+            <a:off x="7108307" y="2522538"/>
+            <a:ext cx="203200" cy="139700"/>
+          </a:xfrm>
+          <a:prstGeom prst="rect">
+            <a:avLst/>
+          </a:prstGeom>
+        </p:spPr>
+      </p:pic>
+      <p:pic>
+        <p:nvPicPr>
+          <p:cNvPr id="155" name="Picture 154"/>
+          <p:cNvPicPr>
+            <a:picLocks noChangeAspect="1"/>
+          </p:cNvPicPr>
+          <p:nvPr/>
+        </p:nvPicPr>
+        <p:blipFill>
+          <a:blip r:embed="rId3">
+            <a:extLst>
+              <a:ext uri="{28A0092B-C50C-407E-A947-70E740481C1C}">
+                <a14:useLocalDpi xmlns:a14="http://schemas.microsoft.com/office/drawing/2010/main" val="0"/>
+              </a:ext>
+            </a:extLst>
+          </a:blip>
+          <a:stretch>
+            <a:fillRect/>
+          </a:stretch>
+        </p:blipFill>
+        <p:spPr>
+          <a:xfrm>
+            <a:off x="7108307" y="3973822"/>
+            <a:ext cx="203200" cy="139700"/>
+          </a:xfrm>
+          <a:prstGeom prst="rect">
+            <a:avLst/>
+          </a:prstGeom>
+        </p:spPr>
+      </p:pic>
+      <p:pic>
+        <p:nvPicPr>
+          <p:cNvPr id="156" name="Picture 155"/>
+          <p:cNvPicPr>
+            <a:picLocks noChangeAspect="1"/>
+          </p:cNvPicPr>
+          <p:nvPr/>
+        </p:nvPicPr>
+        <p:blipFill>
+          <a:blip r:embed="rId3">
+            <a:extLst>
+              <a:ext uri="{28A0092B-C50C-407E-A947-70E740481C1C}">
+                <a14:useLocalDpi xmlns:a14="http://schemas.microsoft.com/office/drawing/2010/main" val="0"/>
+              </a:ext>
+            </a:extLst>
+          </a:blip>
+          <a:stretch>
+            <a:fillRect/>
+          </a:stretch>
+        </p:blipFill>
+        <p:spPr>
+          <a:xfrm>
+            <a:off x="7093317" y="8522278"/>
+            <a:ext cx="203200" cy="139700"/>
+          </a:xfrm>
+          <a:prstGeom prst="rect">
+            <a:avLst/>
+          </a:prstGeom>
+        </p:spPr>
+      </p:pic>
+      <p:pic>
+        <p:nvPicPr>
+          <p:cNvPr id="157" name="Picture 156"/>
+          <p:cNvPicPr>
+            <a:picLocks noChangeAspect="1"/>
+          </p:cNvPicPr>
+          <p:nvPr/>
+        </p:nvPicPr>
+        <p:blipFill>
+          <a:blip r:embed="rId3">
+            <a:extLst>
+              <a:ext uri="{28A0092B-C50C-407E-A947-70E740481C1C}">
+                <a14:useLocalDpi xmlns:a14="http://schemas.microsoft.com/office/drawing/2010/main" val="0"/>
+              </a:ext>
+            </a:extLst>
+          </a:blip>
+          <a:stretch>
+            <a:fillRect/>
+          </a:stretch>
+        </p:blipFill>
+        <p:spPr>
+          <a:xfrm>
+            <a:off x="7108307" y="7035996"/>
+            <a:ext cx="203200" cy="139700"/>
+          </a:xfrm>
+          <a:prstGeom prst="rect">
+            <a:avLst/>
+          </a:prstGeom>
+        </p:spPr>
+      </p:pic>
+      <p:pic>
+        <p:nvPicPr>
+          <p:cNvPr id="158" name="Picture 157"/>
+          <p:cNvPicPr>
+            <a:picLocks noChangeAspect="1"/>
+          </p:cNvPicPr>
+          <p:nvPr/>
+        </p:nvPicPr>
+        <p:blipFill>
+          <a:blip r:embed="rId3">
+            <a:extLst>
+              <a:ext uri="{28A0092B-C50C-407E-A947-70E740481C1C}">
+                <a14:useLocalDpi xmlns:a14="http://schemas.microsoft.com/office/drawing/2010/main" val="0"/>
+              </a:ext>
+            </a:extLst>
+          </a:blip>
+          <a:stretch>
+            <a:fillRect/>
+          </a:stretch>
+        </p:blipFill>
+        <p:spPr>
+          <a:xfrm>
+            <a:off x="7108307" y="5535987"/>
+            <a:ext cx="203200" cy="139700"/>
+          </a:xfrm>
+          <a:prstGeom prst="rect">
+            <a:avLst/>
+          </a:prstGeom>
+        </p:spPr>
+      </p:pic>
+      <p:pic>
+        <p:nvPicPr>
+          <p:cNvPr id="160" name="Picture 159"/>
+          <p:cNvPicPr>
+            <a:picLocks noChangeAspect="1"/>
+          </p:cNvPicPr>
+          <p:nvPr/>
+        </p:nvPicPr>
+        <p:blipFill>
+          <a:blip r:embed="rId5">
+            <a:extLst>
+              <a:ext uri="{28A0092B-C50C-407E-A947-70E740481C1C}">
+                <a14:useLocalDpi xmlns:a14="http://schemas.microsoft.com/office/drawing/2010/main" val="0"/>
+              </a:ext>
+            </a:extLst>
+          </a:blip>
+          <a:stretch>
+            <a:fillRect/>
+          </a:stretch>
+        </p:blipFill>
+        <p:spPr>
+          <a:xfrm>
+            <a:off x="4409301" y="894385"/>
+            <a:ext cx="1596885" cy="446717"/>
+          </a:xfrm>
+          <a:prstGeom prst="rect">
+            <a:avLst/>
+          </a:prstGeom>
+        </p:spPr>
+      </p:pic>
+      <p:pic>
+        <p:nvPicPr>
+          <p:cNvPr id="161" name="Picture 160"/>
+          <p:cNvPicPr>
+            <a:picLocks noChangeAspect="1"/>
+          </p:cNvPicPr>
+          <p:nvPr/>
+        </p:nvPicPr>
+        <p:blipFill>
+          <a:blip r:embed="rId5">
+            <a:extLst>
+              <a:ext uri="{28A0092B-C50C-407E-A947-70E740481C1C}">
+                <a14:useLocalDpi xmlns:a14="http://schemas.microsoft.com/office/drawing/2010/main" val="0"/>
+              </a:ext>
+            </a:extLst>
+          </a:blip>
+          <a:stretch>
+            <a:fillRect/>
+          </a:stretch>
+        </p:blipFill>
+        <p:spPr>
+          <a:xfrm>
+            <a:off x="4409301" y="2411296"/>
+            <a:ext cx="1596885" cy="446717"/>
+          </a:xfrm>
+          <a:prstGeom prst="rect">
+            <a:avLst/>
+          </a:prstGeom>
+        </p:spPr>
+      </p:pic>
+      <p:pic>
+        <p:nvPicPr>
+          <p:cNvPr id="162" name="Picture 161"/>
+          <p:cNvPicPr>
+            <a:picLocks noChangeAspect="1"/>
+          </p:cNvPicPr>
+          <p:nvPr/>
+        </p:nvPicPr>
+        <p:blipFill>
+          <a:blip r:embed="rId5">
+            <a:extLst>
+              <a:ext uri="{28A0092B-C50C-407E-A947-70E740481C1C}">
+                <a14:useLocalDpi xmlns:a14="http://schemas.microsoft.com/office/drawing/2010/main" val="0"/>
+              </a:ext>
+            </a:extLst>
+          </a:blip>
+          <a:stretch>
+            <a:fillRect/>
+          </a:stretch>
+        </p:blipFill>
+        <p:spPr>
+          <a:xfrm>
+            <a:off x="4409301" y="3865850"/>
+            <a:ext cx="1596885" cy="446717"/>
+          </a:xfrm>
+          <a:prstGeom prst="rect">
+            <a:avLst/>
+          </a:prstGeom>
+        </p:spPr>
+      </p:pic>
+      <p:pic>
+        <p:nvPicPr>
+          <p:cNvPr id="163" name="Picture 162"/>
+          <p:cNvPicPr>
+            <a:picLocks noChangeAspect="1"/>
+          </p:cNvPicPr>
+          <p:nvPr/>
+        </p:nvPicPr>
+        <p:blipFill>
+          <a:blip r:embed="rId5">
+            <a:extLst>
+              <a:ext uri="{28A0092B-C50C-407E-A947-70E740481C1C}">
+                <a14:useLocalDpi xmlns:a14="http://schemas.microsoft.com/office/drawing/2010/main" val="0"/>
+              </a:ext>
+            </a:extLst>
+          </a:blip>
+          <a:stretch>
+            <a:fillRect/>
+          </a:stretch>
+        </p:blipFill>
+        <p:spPr>
+          <a:xfrm>
+            <a:off x="4409301" y="5396528"/>
+            <a:ext cx="1596885" cy="446717"/>
+          </a:xfrm>
+          <a:prstGeom prst="rect">
+            <a:avLst/>
+          </a:prstGeom>
+        </p:spPr>
+      </p:pic>
+      <p:pic>
+        <p:nvPicPr>
+          <p:cNvPr id="164" name="Picture 163"/>
+          <p:cNvPicPr>
+            <a:picLocks noChangeAspect="1"/>
+          </p:cNvPicPr>
+          <p:nvPr/>
+        </p:nvPicPr>
+        <p:blipFill>
+          <a:blip r:embed="rId5">
+            <a:extLst>
+              <a:ext uri="{28A0092B-C50C-407E-A947-70E740481C1C}">
+                <a14:useLocalDpi xmlns:a14="http://schemas.microsoft.com/office/drawing/2010/main" val="0"/>
+              </a:ext>
+            </a:extLst>
+          </a:blip>
+          <a:stretch>
+            <a:fillRect/>
+          </a:stretch>
+        </p:blipFill>
+        <p:spPr>
+          <a:xfrm>
+            <a:off x="4469261" y="6928429"/>
+            <a:ext cx="1596885" cy="446717"/>
+          </a:xfrm>
+          <a:prstGeom prst="rect">
+            <a:avLst/>
+          </a:prstGeom>
+        </p:spPr>
+      </p:pic>
+      <p:pic>
+        <p:nvPicPr>
+          <p:cNvPr id="165" name="Picture 164"/>
+          <p:cNvPicPr>
+            <a:picLocks noChangeAspect="1"/>
+          </p:cNvPicPr>
+          <p:nvPr/>
+        </p:nvPicPr>
+        <p:blipFill>
+          <a:blip r:embed="rId5">
+            <a:extLst>
+              <a:ext uri="{28A0092B-C50C-407E-A947-70E740481C1C}">
+                <a14:useLocalDpi xmlns:a14="http://schemas.microsoft.com/office/drawing/2010/main" val="0"/>
+              </a:ext>
+            </a:extLst>
+          </a:blip>
+          <a:stretch>
+            <a:fillRect/>
+          </a:stretch>
+        </p:blipFill>
+        <p:spPr>
+          <a:xfrm>
+            <a:off x="4454271" y="8367993"/>
+            <a:ext cx="1596885" cy="446717"/>
+          </a:xfrm>
+          <a:prstGeom prst="rect">
+            <a:avLst/>
+          </a:prstGeom>
+        </p:spPr>
+      </p:pic>
+      <p:pic>
+        <p:nvPicPr>
+          <p:cNvPr id="166" name="Picture 165"/>
+          <p:cNvPicPr>
+            <a:picLocks noChangeAspect="1"/>
+          </p:cNvPicPr>
+          <p:nvPr/>
+        </p:nvPicPr>
+        <p:blipFill>
+          <a:blip r:embed="rId3">
+            <a:extLst>
+              <a:ext uri="{28A0092B-C50C-407E-A947-70E740481C1C}">
+                <a14:useLocalDpi xmlns:a14="http://schemas.microsoft.com/office/drawing/2010/main" val="0"/>
+              </a:ext>
+            </a:extLst>
+          </a:blip>
+          <a:stretch>
+            <a:fillRect/>
+          </a:stretch>
+        </p:blipFill>
+        <p:spPr>
+          <a:xfrm>
+            <a:off x="7099906" y="10011955"/>
+            <a:ext cx="203200" cy="139700"/>
+          </a:xfrm>
+          <a:prstGeom prst="rect">
+            <a:avLst/>
+          </a:prstGeom>
+        </p:spPr>
+      </p:pic>
+      <p:pic>
+        <p:nvPicPr>
+          <p:cNvPr id="167" name="Picture 166"/>
+          <p:cNvPicPr>
+            <a:picLocks noChangeAspect="1"/>
+          </p:cNvPicPr>
+          <p:nvPr/>
+        </p:nvPicPr>
+        <p:blipFill>
+          <a:blip r:embed="rId5">
+            <a:extLst>
+              <a:ext uri="{28A0092B-C50C-407E-A947-70E740481C1C}">
+                <a14:useLocalDpi xmlns:a14="http://schemas.microsoft.com/office/drawing/2010/main" val="0"/>
+              </a:ext>
+            </a:extLst>
+          </a:blip>
+          <a:stretch>
+            <a:fillRect/>
+          </a:stretch>
+        </p:blipFill>
+        <p:spPr>
+          <a:xfrm>
+            <a:off x="4460860" y="9888414"/>
+            <a:ext cx="1596885" cy="446717"/>
+          </a:xfrm>
+          <a:prstGeom prst="rect">
+            <a:avLst/>
+          </a:prstGeom>
+        </p:spPr>
+      </p:pic>
+      <p:pic>
+        <p:nvPicPr>
+          <p:cNvPr id="168" name="Picture 167"/>
+          <p:cNvPicPr>
+            <a:picLocks noChangeAspect="1"/>
+          </p:cNvPicPr>
+          <p:nvPr/>
+        </p:nvPicPr>
+        <p:blipFill>
+          <a:blip r:embed="rId3">
+            <a:extLst>
+              <a:ext uri="{28A0092B-C50C-407E-A947-70E740481C1C}">
+                <a14:useLocalDpi xmlns:a14="http://schemas.microsoft.com/office/drawing/2010/main" val="0"/>
+              </a:ext>
+            </a:extLst>
+          </a:blip>
+          <a:stretch>
+            <a:fillRect/>
+          </a:stretch>
+        </p:blipFill>
+        <p:spPr>
+          <a:xfrm>
+            <a:off x="10936209" y="1009524"/>
+            <a:ext cx="203200" cy="139700"/>
+          </a:xfrm>
+          <a:prstGeom prst="rect">
+            <a:avLst/>
+          </a:prstGeom>
+        </p:spPr>
+      </p:pic>
+      <p:pic>
+        <p:nvPicPr>
+          <p:cNvPr id="169" name="Picture 168"/>
+          <p:cNvPicPr>
+            <a:picLocks noChangeAspect="1"/>
+          </p:cNvPicPr>
+          <p:nvPr/>
+        </p:nvPicPr>
+        <p:blipFill>
+          <a:blip r:embed="rId3">
+            <a:extLst>
+              <a:ext uri="{28A0092B-C50C-407E-A947-70E740481C1C}">
+                <a14:useLocalDpi xmlns:a14="http://schemas.microsoft.com/office/drawing/2010/main" val="0"/>
+              </a:ext>
+            </a:extLst>
+          </a:blip>
+          <a:stretch>
+            <a:fillRect/>
+          </a:stretch>
+        </p:blipFill>
+        <p:spPr>
+          <a:xfrm>
+            <a:off x="10936209" y="2520038"/>
+            <a:ext cx="203200" cy="139700"/>
+          </a:xfrm>
+          <a:prstGeom prst="rect">
+            <a:avLst/>
+          </a:prstGeom>
+        </p:spPr>
+      </p:pic>
+      <p:pic>
+        <p:nvPicPr>
+          <p:cNvPr id="170" name="Picture 169"/>
+          <p:cNvPicPr>
+            <a:picLocks noChangeAspect="1"/>
+          </p:cNvPicPr>
+          <p:nvPr/>
+        </p:nvPicPr>
+        <p:blipFill>
+          <a:blip r:embed="rId5">
+            <a:extLst>
+              <a:ext uri="{28A0092B-C50C-407E-A947-70E740481C1C}">
+                <a14:useLocalDpi xmlns:a14="http://schemas.microsoft.com/office/drawing/2010/main" val="0"/>
+              </a:ext>
+            </a:extLst>
+          </a:blip>
+          <a:stretch>
+            <a:fillRect/>
+          </a:stretch>
+        </p:blipFill>
+        <p:spPr>
+          <a:xfrm>
+            <a:off x="8258573" y="866213"/>
+            <a:ext cx="1596885" cy="446717"/>
+          </a:xfrm>
+          <a:prstGeom prst="rect">
+            <a:avLst/>
+          </a:prstGeom>
+        </p:spPr>
+      </p:pic>
+      <p:pic>
+        <p:nvPicPr>
+          <p:cNvPr id="171" name="Picture 170"/>
+          <p:cNvPicPr>
+            <a:picLocks noChangeAspect="1"/>
+          </p:cNvPicPr>
+          <p:nvPr/>
+        </p:nvPicPr>
+        <p:blipFill>
+          <a:blip r:embed="rId5">
+            <a:extLst>
+              <a:ext uri="{28A0092B-C50C-407E-A947-70E740481C1C}">
+                <a14:useLocalDpi xmlns:a14="http://schemas.microsoft.com/office/drawing/2010/main" val="0"/>
+              </a:ext>
+            </a:extLst>
+          </a:blip>
+          <a:stretch>
+            <a:fillRect/>
+          </a:stretch>
+        </p:blipFill>
+        <p:spPr>
+          <a:xfrm>
+            <a:off x="8258573" y="2396509"/>
+            <a:ext cx="1596885" cy="446717"/>
+          </a:xfrm>
+          <a:prstGeom prst="rect">
+            <a:avLst/>
+          </a:prstGeom>
+        </p:spPr>
+      </p:pic>
+      <p:sp>
+        <p:nvSpPr>
+          <p:cNvPr id="9" name="Rectangle 8"/>
+          <p:cNvSpPr/>
+          <p:nvPr/>
+        </p:nvSpPr>
+        <p:spPr>
+          <a:xfrm>
+            <a:off x="1349192" y="2390"/>
+            <a:ext cx="893654" cy="137368"/>
+          </a:xfrm>
+          <a:prstGeom prst="rect">
+            <a:avLst/>
+          </a:prstGeom>
+          <a:solidFill>
+            <a:schemeClr val="tx1"/>
+          </a:solidFill>
+          <a:ln>
+            <a:noFill/>
+          </a:ln>
+        </p:spPr>
+        <p:style>
+          <a:lnRef idx="2">
+            <a:schemeClr val="accent1">
+              <a:shade val="50000"/>
+            </a:schemeClr>
+          </a:lnRef>
+          <a:fillRef idx="1">
+            <a:schemeClr val="accent1"/>
+          </a:fillRef>
+          <a:effectRef idx="0">
+            <a:schemeClr val="accent1"/>
+          </a:effectRef>
+          <a:fontRef idx="minor">
+            <a:schemeClr val="lt1"/>
+          </a:fontRef>
+        </p:style>
+        <p:txBody>
+          <a:bodyPr rtlCol="0" anchor="ctr"/>
+          <a:lstStyle/>
+          <a:p>
+            <a:pPr algn="ctr"/>
+            <a:r>
+              <a:rPr lang="en-US" sz="1050" dirty="0" smtClean="0"/>
+              <a:t>Beginner</a:t>
+            </a:r>
+            <a:endParaRPr lang="en-US" sz="1050" dirty="0"/>
+          </a:p>
+        </p:txBody>
+      </p:sp>
+      <p:sp>
+        <p:nvSpPr>
+          <p:cNvPr id="172" name="Rectangle 171"/>
+          <p:cNvSpPr/>
+          <p:nvPr/>
+        </p:nvSpPr>
+        <p:spPr>
+          <a:xfrm>
+            <a:off x="1349192" y="1502408"/>
+            <a:ext cx="893654" cy="137368"/>
+          </a:xfrm>
+          <a:prstGeom prst="rect">
+            <a:avLst/>
+          </a:prstGeom>
+          <a:solidFill>
+            <a:schemeClr val="tx1"/>
+          </a:solidFill>
+          <a:ln>
+            <a:noFill/>
+          </a:ln>
+        </p:spPr>
+        <p:style>
+          <a:lnRef idx="2">
+            <a:schemeClr val="accent1">
+              <a:shade val="50000"/>
+            </a:schemeClr>
+          </a:lnRef>
+          <a:fillRef idx="1">
+            <a:schemeClr val="accent1"/>
+          </a:fillRef>
+          <a:effectRef idx="0">
+            <a:schemeClr val="accent1"/>
+          </a:effectRef>
+          <a:fontRef idx="minor">
+            <a:schemeClr val="lt1"/>
+          </a:fontRef>
+        </p:style>
+        <p:txBody>
+          <a:bodyPr rtlCol="0" anchor="ctr"/>
+          <a:lstStyle/>
+          <a:p>
+            <a:pPr algn="ctr"/>
+            <a:r>
+              <a:rPr lang="en-US" sz="1050" dirty="0" smtClean="0"/>
+              <a:t>Beginner</a:t>
+            </a:r>
+            <a:endParaRPr lang="en-US" sz="1050" dirty="0"/>
+          </a:p>
+        </p:txBody>
+      </p:sp>
+      <p:sp>
+        <p:nvSpPr>
+          <p:cNvPr id="173" name="Rectangle 172"/>
+          <p:cNvSpPr/>
+          <p:nvPr/>
+        </p:nvSpPr>
+        <p:spPr>
+          <a:xfrm>
+            <a:off x="1349192" y="2988601"/>
+            <a:ext cx="893654" cy="137368"/>
+          </a:xfrm>
+          <a:prstGeom prst="rect">
+            <a:avLst/>
+          </a:prstGeom>
+          <a:solidFill>
+            <a:schemeClr val="tx1"/>
+          </a:solidFill>
+          <a:ln>
+            <a:noFill/>
+          </a:ln>
+        </p:spPr>
+        <p:style>
+          <a:lnRef idx="2">
+            <a:schemeClr val="accent1">
+              <a:shade val="50000"/>
+            </a:schemeClr>
+          </a:lnRef>
+          <a:fillRef idx="1">
+            <a:schemeClr val="accent1"/>
+          </a:fillRef>
+          <a:effectRef idx="0">
+            <a:schemeClr val="accent1"/>
+          </a:effectRef>
+          <a:fontRef idx="minor">
+            <a:schemeClr val="lt1"/>
+          </a:fontRef>
+        </p:style>
+        <p:txBody>
+          <a:bodyPr rtlCol="0" anchor="ctr"/>
+          <a:lstStyle/>
+          <a:p>
+            <a:pPr algn="ctr"/>
+            <a:r>
+              <a:rPr lang="en-US" sz="1050" dirty="0" smtClean="0"/>
+              <a:t>Beginner</a:t>
+            </a:r>
+            <a:endParaRPr lang="en-US" sz="1050" dirty="0"/>
+          </a:p>
+        </p:txBody>
+      </p:sp>
+      <p:sp>
+        <p:nvSpPr>
+          <p:cNvPr id="174" name="Rectangle 173"/>
+          <p:cNvSpPr/>
+          <p:nvPr/>
+        </p:nvSpPr>
+        <p:spPr>
+          <a:xfrm>
+            <a:off x="1349192" y="4506965"/>
+            <a:ext cx="893654" cy="137368"/>
+          </a:xfrm>
+          <a:prstGeom prst="rect">
+            <a:avLst/>
+          </a:prstGeom>
+          <a:solidFill>
+            <a:schemeClr val="tx1"/>
+          </a:solidFill>
+          <a:ln>
+            <a:noFill/>
+          </a:ln>
+        </p:spPr>
+        <p:style>
+          <a:lnRef idx="2">
+            <a:schemeClr val="accent1">
+              <a:shade val="50000"/>
+            </a:schemeClr>
+          </a:lnRef>
+          <a:fillRef idx="1">
+            <a:schemeClr val="accent1"/>
+          </a:fillRef>
+          <a:effectRef idx="0">
+            <a:schemeClr val="accent1"/>
+          </a:effectRef>
+          <a:fontRef idx="minor">
+            <a:schemeClr val="lt1"/>
+          </a:fontRef>
+        </p:style>
+        <p:txBody>
+          <a:bodyPr rtlCol="0" anchor="ctr"/>
+          <a:lstStyle/>
+          <a:p>
+            <a:pPr algn="ctr"/>
+            <a:r>
+              <a:rPr lang="en-US" sz="1050" dirty="0" smtClean="0"/>
+              <a:t>Beginner</a:t>
+            </a:r>
+            <a:endParaRPr lang="en-US" sz="1050" dirty="0"/>
+          </a:p>
+        </p:txBody>
+      </p:sp>
+      <p:sp>
+        <p:nvSpPr>
+          <p:cNvPr id="175" name="Rectangle 174"/>
+          <p:cNvSpPr/>
+          <p:nvPr/>
+        </p:nvSpPr>
+        <p:spPr>
+          <a:xfrm>
+            <a:off x="1349192" y="6023124"/>
+            <a:ext cx="893654" cy="137368"/>
+          </a:xfrm>
+          <a:prstGeom prst="rect">
+            <a:avLst/>
+          </a:prstGeom>
+          <a:solidFill>
+            <a:schemeClr val="tx1"/>
+          </a:solidFill>
+          <a:ln>
+            <a:noFill/>
+          </a:ln>
+        </p:spPr>
+        <p:style>
+          <a:lnRef idx="2">
+            <a:schemeClr val="accent1">
+              <a:shade val="50000"/>
+            </a:schemeClr>
+          </a:lnRef>
+          <a:fillRef idx="1">
+            <a:schemeClr val="accent1"/>
+          </a:fillRef>
+          <a:effectRef idx="0">
+            <a:schemeClr val="accent1"/>
+          </a:effectRef>
+          <a:fontRef idx="minor">
+            <a:schemeClr val="lt1"/>
+          </a:fontRef>
+        </p:style>
+        <p:txBody>
+          <a:bodyPr rtlCol="0" anchor="ctr"/>
+          <a:lstStyle/>
+          <a:p>
+            <a:pPr algn="ctr"/>
+            <a:r>
+              <a:rPr lang="en-US" sz="1050" dirty="0" smtClean="0"/>
+              <a:t>Beginner</a:t>
+            </a:r>
+            <a:endParaRPr lang="en-US" sz="1050" dirty="0"/>
+          </a:p>
+        </p:txBody>
+      </p:sp>
+      <p:sp>
+        <p:nvSpPr>
+          <p:cNvPr id="176" name="Rectangle 175"/>
+          <p:cNvSpPr/>
+          <p:nvPr/>
+        </p:nvSpPr>
+        <p:spPr>
+          <a:xfrm>
+            <a:off x="1349192" y="7524292"/>
+            <a:ext cx="893654" cy="137368"/>
+          </a:xfrm>
+          <a:prstGeom prst="rect">
+            <a:avLst/>
+          </a:prstGeom>
+          <a:solidFill>
+            <a:schemeClr val="tx1"/>
+          </a:solidFill>
+          <a:ln>
+            <a:noFill/>
+          </a:ln>
+        </p:spPr>
+        <p:style>
+          <a:lnRef idx="2">
+            <a:schemeClr val="accent1">
+              <a:shade val="50000"/>
+            </a:schemeClr>
+          </a:lnRef>
+          <a:fillRef idx="1">
+            <a:schemeClr val="accent1"/>
+          </a:fillRef>
+          <a:effectRef idx="0">
+            <a:schemeClr val="accent1"/>
+          </a:effectRef>
+          <a:fontRef idx="minor">
+            <a:schemeClr val="lt1"/>
+          </a:fontRef>
+        </p:style>
+        <p:txBody>
+          <a:bodyPr rtlCol="0" anchor="ctr"/>
+          <a:lstStyle/>
+          <a:p>
+            <a:pPr algn="ctr"/>
+            <a:r>
+              <a:rPr lang="en-US" sz="1050" dirty="0" smtClean="0"/>
+              <a:t>Beginner</a:t>
+            </a:r>
+            <a:endParaRPr lang="en-US" sz="1050" dirty="0"/>
+          </a:p>
+        </p:txBody>
+      </p:sp>
+      <p:sp>
+        <p:nvSpPr>
+          <p:cNvPr id="177" name="Rectangle 176"/>
+          <p:cNvSpPr/>
+          <p:nvPr/>
+        </p:nvSpPr>
+        <p:spPr>
+          <a:xfrm>
+            <a:off x="5609822" y="2390"/>
+            <a:ext cx="893654" cy="137368"/>
+          </a:xfrm>
+          <a:prstGeom prst="rect">
+            <a:avLst/>
+          </a:prstGeom>
+          <a:solidFill>
+            <a:schemeClr val="tx1"/>
+          </a:solidFill>
+          <a:ln>
+            <a:noFill/>
+          </a:ln>
+        </p:spPr>
+        <p:style>
+          <a:lnRef idx="2">
+            <a:schemeClr val="accent1">
+              <a:shade val="50000"/>
+            </a:schemeClr>
+          </a:lnRef>
+          <a:fillRef idx="1">
+            <a:schemeClr val="accent1"/>
+          </a:fillRef>
+          <a:effectRef idx="0">
+            <a:schemeClr val="accent1"/>
+          </a:effectRef>
+          <a:fontRef idx="minor">
+            <a:schemeClr val="lt1"/>
+          </a:fontRef>
+        </p:style>
+        <p:txBody>
+          <a:bodyPr rtlCol="0" anchor="ctr"/>
+          <a:lstStyle/>
+          <a:p>
+            <a:pPr algn="ctr"/>
+            <a:r>
+              <a:rPr lang="en-US" sz="1050" dirty="0" smtClean="0"/>
+              <a:t>Beginner</a:t>
+            </a:r>
+            <a:endParaRPr lang="en-US" sz="1050" dirty="0"/>
+          </a:p>
+        </p:txBody>
+      </p:sp>
+      <p:sp>
+        <p:nvSpPr>
+          <p:cNvPr id="178" name="Rectangle 177"/>
+          <p:cNvSpPr/>
+          <p:nvPr/>
+        </p:nvSpPr>
+        <p:spPr>
+          <a:xfrm>
+            <a:off x="5609822" y="1502408"/>
+            <a:ext cx="893654" cy="137368"/>
+          </a:xfrm>
+          <a:prstGeom prst="rect">
+            <a:avLst/>
+          </a:prstGeom>
+          <a:solidFill>
+            <a:schemeClr val="tx1"/>
+          </a:solidFill>
+          <a:ln>
+            <a:noFill/>
+          </a:ln>
+        </p:spPr>
+        <p:style>
+          <a:lnRef idx="2">
+            <a:schemeClr val="accent1">
+              <a:shade val="50000"/>
+            </a:schemeClr>
+          </a:lnRef>
+          <a:fillRef idx="1">
+            <a:schemeClr val="accent1"/>
+          </a:fillRef>
+          <a:effectRef idx="0">
+            <a:schemeClr val="accent1"/>
+          </a:effectRef>
+          <a:fontRef idx="minor">
+            <a:schemeClr val="lt1"/>
+          </a:fontRef>
+        </p:style>
+        <p:txBody>
+          <a:bodyPr rtlCol="0" anchor="ctr"/>
+          <a:lstStyle/>
+          <a:p>
+            <a:pPr algn="ctr"/>
+            <a:r>
+              <a:rPr lang="en-US" sz="1050" dirty="0" smtClean="0"/>
+              <a:t>Beginner</a:t>
+            </a:r>
+            <a:endParaRPr lang="en-US" sz="1050" dirty="0"/>
+          </a:p>
+        </p:txBody>
+      </p:sp>
+      <p:sp>
+        <p:nvSpPr>
+          <p:cNvPr id="179" name="Rectangle 178"/>
+          <p:cNvSpPr/>
+          <p:nvPr/>
+        </p:nvSpPr>
+        <p:spPr>
+          <a:xfrm>
+            <a:off x="5609822" y="2988601"/>
+            <a:ext cx="893654" cy="137368"/>
+          </a:xfrm>
+          <a:prstGeom prst="rect">
+            <a:avLst/>
+          </a:prstGeom>
+          <a:solidFill>
+            <a:schemeClr val="tx1"/>
+          </a:solidFill>
+          <a:ln>
+            <a:noFill/>
+          </a:ln>
+        </p:spPr>
+        <p:style>
+          <a:lnRef idx="2">
+            <a:schemeClr val="accent1">
+              <a:shade val="50000"/>
+            </a:schemeClr>
+          </a:lnRef>
+          <a:fillRef idx="1">
+            <a:schemeClr val="accent1"/>
+          </a:fillRef>
+          <a:effectRef idx="0">
+            <a:schemeClr val="accent1"/>
+          </a:effectRef>
+          <a:fontRef idx="minor">
+            <a:schemeClr val="lt1"/>
+          </a:fontRef>
+        </p:style>
+        <p:txBody>
+          <a:bodyPr rtlCol="0" anchor="ctr"/>
+          <a:lstStyle/>
+          <a:p>
+            <a:pPr algn="ctr"/>
+            <a:r>
+              <a:rPr lang="en-US" sz="1050" dirty="0" smtClean="0"/>
+              <a:t>Beginner</a:t>
+            </a:r>
+            <a:endParaRPr lang="en-US" sz="1050" dirty="0"/>
+          </a:p>
+        </p:txBody>
+      </p:sp>
+      <p:sp>
+        <p:nvSpPr>
+          <p:cNvPr id="180" name="Rectangle 179"/>
+          <p:cNvSpPr/>
+          <p:nvPr/>
+        </p:nvSpPr>
+        <p:spPr>
+          <a:xfrm>
+            <a:off x="5609822" y="4506965"/>
+            <a:ext cx="893654" cy="137368"/>
+          </a:xfrm>
+          <a:prstGeom prst="rect">
+            <a:avLst/>
+          </a:prstGeom>
+          <a:solidFill>
+            <a:schemeClr val="tx1"/>
+          </a:solidFill>
+          <a:ln>
+            <a:noFill/>
+          </a:ln>
+        </p:spPr>
+        <p:style>
+          <a:lnRef idx="2">
+            <a:schemeClr val="accent1">
+              <a:shade val="50000"/>
+            </a:schemeClr>
+          </a:lnRef>
+          <a:fillRef idx="1">
+            <a:schemeClr val="accent1"/>
+          </a:fillRef>
+          <a:effectRef idx="0">
+            <a:schemeClr val="accent1"/>
+          </a:effectRef>
+          <a:fontRef idx="minor">
+            <a:schemeClr val="lt1"/>
+          </a:fontRef>
+        </p:style>
+        <p:txBody>
+          <a:bodyPr rtlCol="0" anchor="ctr"/>
+          <a:lstStyle/>
+          <a:p>
+            <a:pPr algn="ctr"/>
+            <a:r>
+              <a:rPr lang="en-US" sz="1050" dirty="0" smtClean="0"/>
+              <a:t>Beginner</a:t>
+            </a:r>
+            <a:endParaRPr lang="en-US" sz="1050" dirty="0"/>
+          </a:p>
+        </p:txBody>
+      </p:sp>
+      <p:sp>
+        <p:nvSpPr>
+          <p:cNvPr id="181" name="Rectangle 180"/>
+          <p:cNvSpPr/>
+          <p:nvPr/>
+        </p:nvSpPr>
+        <p:spPr>
+          <a:xfrm>
+            <a:off x="5609822" y="6023124"/>
+            <a:ext cx="893654" cy="137368"/>
+          </a:xfrm>
+          <a:prstGeom prst="rect">
+            <a:avLst/>
+          </a:prstGeom>
+          <a:solidFill>
+            <a:schemeClr val="tx1"/>
+          </a:solidFill>
+          <a:ln>
+            <a:noFill/>
+          </a:ln>
+        </p:spPr>
+        <p:style>
+          <a:lnRef idx="2">
+            <a:schemeClr val="accent1">
+              <a:shade val="50000"/>
+            </a:schemeClr>
+          </a:lnRef>
+          <a:fillRef idx="1">
+            <a:schemeClr val="accent1"/>
+          </a:fillRef>
+          <a:effectRef idx="0">
+            <a:schemeClr val="accent1"/>
+          </a:effectRef>
+          <a:fontRef idx="minor">
+            <a:schemeClr val="lt1"/>
+          </a:fontRef>
+        </p:style>
+        <p:txBody>
+          <a:bodyPr rtlCol="0" anchor="ctr"/>
+          <a:lstStyle/>
+          <a:p>
+            <a:pPr algn="ctr"/>
+            <a:r>
+              <a:rPr lang="en-US" sz="1050" dirty="0" smtClean="0"/>
+              <a:t>Beginner</a:t>
+            </a:r>
+            <a:endParaRPr lang="en-US" sz="1050" dirty="0"/>
+          </a:p>
+        </p:txBody>
+      </p:sp>
+      <p:sp>
+        <p:nvSpPr>
+          <p:cNvPr id="182" name="Rectangle 181"/>
+          <p:cNvSpPr/>
+          <p:nvPr/>
+        </p:nvSpPr>
+        <p:spPr>
+          <a:xfrm>
+            <a:off x="5594832" y="7524292"/>
+            <a:ext cx="893654" cy="137368"/>
+          </a:xfrm>
+          <a:prstGeom prst="rect">
+            <a:avLst/>
+          </a:prstGeom>
+          <a:solidFill>
+            <a:schemeClr val="tx1"/>
+          </a:solidFill>
+          <a:ln>
+            <a:noFill/>
+          </a:ln>
+        </p:spPr>
+        <p:style>
+          <a:lnRef idx="2">
+            <a:schemeClr val="accent1">
+              <a:shade val="50000"/>
+            </a:schemeClr>
+          </a:lnRef>
+          <a:fillRef idx="1">
+            <a:schemeClr val="accent1"/>
+          </a:fillRef>
+          <a:effectRef idx="0">
+            <a:schemeClr val="accent1"/>
+          </a:effectRef>
+          <a:fontRef idx="minor">
+            <a:schemeClr val="lt1"/>
+          </a:fontRef>
+        </p:style>
+        <p:txBody>
+          <a:bodyPr rtlCol="0" anchor="ctr"/>
+          <a:lstStyle/>
+          <a:p>
+            <a:pPr algn="ctr"/>
+            <a:r>
+              <a:rPr lang="en-US" sz="1050" dirty="0" smtClean="0"/>
+              <a:t>Beginner</a:t>
+            </a:r>
+            <a:endParaRPr lang="en-US" sz="1050" dirty="0"/>
+          </a:p>
+        </p:txBody>
+      </p:sp>
+      <p:sp>
+        <p:nvSpPr>
+          <p:cNvPr id="183" name="Rectangle 182"/>
+          <p:cNvSpPr/>
+          <p:nvPr/>
+        </p:nvSpPr>
+        <p:spPr>
+          <a:xfrm>
+            <a:off x="9446801" y="21674"/>
+            <a:ext cx="893654" cy="137368"/>
+          </a:xfrm>
+          <a:prstGeom prst="rect">
+            <a:avLst/>
+          </a:prstGeom>
+          <a:solidFill>
+            <a:schemeClr val="tx1"/>
+          </a:solidFill>
+          <a:ln>
+            <a:noFill/>
+          </a:ln>
+        </p:spPr>
+        <p:style>
+          <a:lnRef idx="2">
+            <a:schemeClr val="accent1">
+              <a:shade val="50000"/>
+            </a:schemeClr>
+          </a:lnRef>
+          <a:fillRef idx="1">
+            <a:schemeClr val="accent1"/>
+          </a:fillRef>
+          <a:effectRef idx="0">
+            <a:schemeClr val="accent1"/>
+          </a:effectRef>
+          <a:fontRef idx="minor">
+            <a:schemeClr val="lt1"/>
+          </a:fontRef>
+        </p:style>
+        <p:txBody>
+          <a:bodyPr rtlCol="0" anchor="ctr"/>
+          <a:lstStyle/>
+          <a:p>
+            <a:pPr algn="ctr"/>
+            <a:r>
+              <a:rPr lang="en-US" sz="1050" dirty="0" smtClean="0"/>
+              <a:t>Junior</a:t>
+            </a:r>
+            <a:endParaRPr lang="en-US" sz="1050" dirty="0"/>
+          </a:p>
+        </p:txBody>
+      </p:sp>
+      <p:sp>
+        <p:nvSpPr>
+          <p:cNvPr id="184" name="Rectangle 183"/>
+          <p:cNvSpPr/>
+          <p:nvPr/>
+        </p:nvSpPr>
+        <p:spPr>
+          <a:xfrm>
+            <a:off x="9446801" y="1521692"/>
+            <a:ext cx="893654" cy="137368"/>
+          </a:xfrm>
+          <a:prstGeom prst="rect">
+            <a:avLst/>
+          </a:prstGeom>
+          <a:solidFill>
+            <a:schemeClr val="tx1"/>
+          </a:solidFill>
+          <a:ln>
+            <a:noFill/>
+          </a:ln>
+        </p:spPr>
+        <p:style>
+          <a:lnRef idx="2">
+            <a:schemeClr val="accent1">
+              <a:shade val="50000"/>
+            </a:schemeClr>
+          </a:lnRef>
+          <a:fillRef idx="1">
+            <a:schemeClr val="accent1"/>
+          </a:fillRef>
+          <a:effectRef idx="0">
+            <a:schemeClr val="accent1"/>
+          </a:effectRef>
+          <a:fontRef idx="minor">
+            <a:schemeClr val="lt1"/>
+          </a:fontRef>
+        </p:style>
+        <p:txBody>
+          <a:bodyPr rtlCol="0" anchor="ctr"/>
+          <a:lstStyle/>
+          <a:p>
+            <a:pPr algn="ctr"/>
+            <a:r>
+              <a:rPr lang="en-US" sz="1050" dirty="0" smtClean="0"/>
+              <a:t>Beginner</a:t>
+            </a:r>
+            <a:endParaRPr lang="en-US" sz="1050" dirty="0"/>
+          </a:p>
+        </p:txBody>
+      </p:sp>
+      <p:sp>
+        <p:nvSpPr>
+          <p:cNvPr id="189" name="Rectangle 188"/>
+          <p:cNvSpPr/>
+          <p:nvPr/>
+        </p:nvSpPr>
+        <p:spPr>
+          <a:xfrm>
+            <a:off x="5594832" y="9045320"/>
+            <a:ext cx="893654" cy="137368"/>
+          </a:xfrm>
+          <a:prstGeom prst="rect">
+            <a:avLst/>
+          </a:prstGeom>
+          <a:solidFill>
+            <a:schemeClr val="tx1"/>
+          </a:solidFill>
+          <a:ln>
+            <a:noFill/>
+          </a:ln>
+        </p:spPr>
+        <p:style>
+          <a:lnRef idx="2">
+            <a:schemeClr val="accent1">
+              <a:shade val="50000"/>
+            </a:schemeClr>
+          </a:lnRef>
+          <a:fillRef idx="1">
+            <a:schemeClr val="accent1"/>
+          </a:fillRef>
+          <a:effectRef idx="0">
+            <a:schemeClr val="accent1"/>
+          </a:effectRef>
+          <a:fontRef idx="minor">
+            <a:schemeClr val="lt1"/>
+          </a:fontRef>
+        </p:style>
+        <p:txBody>
+          <a:bodyPr rtlCol="0" anchor="ctr"/>
+          <a:lstStyle/>
+          <a:p>
+            <a:pPr algn="ctr"/>
+            <a:r>
+              <a:rPr lang="en-US" sz="1050" dirty="0" smtClean="0"/>
+              <a:t>Beginner</a:t>
+            </a:r>
+            <a:endParaRPr lang="en-US" sz="1050" dirty="0"/>
+          </a:p>
+        </p:txBody>
+      </p:sp>
+      <p:sp>
+        <p:nvSpPr>
+          <p:cNvPr id="190" name="Rectangle 189"/>
+          <p:cNvSpPr/>
+          <p:nvPr/>
+        </p:nvSpPr>
+        <p:spPr>
+          <a:xfrm>
+            <a:off x="19738" y="9049001"/>
             <a:ext cx="3629890" cy="1357745"/>
-            <a:chOff x="0" y="0"/>
-            <a:chExt cx="3629890" cy="1357745"/>
-          </a:xfrm>
-        </p:grpSpPr>
-        <p:sp>
-          <p:nvSpPr>
-            <p:cNvPr id="51" name="Rectangle 50"/>
-            <p:cNvSpPr/>
-            <p:nvPr/>
-          </p:nvSpPr>
-          <p:spPr>
-            <a:xfrm>
-              <a:off x="0" y="0"/>
-              <a:ext cx="3629890" cy="1357745"/>
-            </a:xfrm>
-            <a:prstGeom prst="rect">
-              <a:avLst/>
-            </a:prstGeom>
-            <a:solidFill>
-              <a:srgbClr val="FFC000"/>
-            </a:solidFill>
-            <a:ln>
-              <a:noFill/>
-            </a:ln>
-          </p:spPr>
-          <p:style>
-            <a:lnRef idx="2">
-              <a:schemeClr val="accent1">
-                <a:shade val="50000"/>
-              </a:schemeClr>
-            </a:lnRef>
-            <a:fillRef idx="1">
-              <a:schemeClr val="accent1"/>
-            </a:fillRef>
-            <a:effectRef idx="0">
-              <a:schemeClr val="accent1"/>
-            </a:effectRef>
-            <a:fontRef idx="minor">
-              <a:schemeClr val="lt1"/>
-            </a:fontRef>
-          </p:style>
-          <p:txBody>
-            <a:bodyPr rtlCol="0" anchor="ctr"/>
-            <a:lstStyle/>
-            <a:p>
-              <a:pPr algn="ctr"/>
-              <a:endParaRPr lang="en-US"/>
-            </a:p>
-          </p:txBody>
-        </p:sp>
-        <p:sp>
-          <p:nvSpPr>
-            <p:cNvPr id="52" name="TextBox 51"/>
-            <p:cNvSpPr txBox="1"/>
-            <p:nvPr/>
-          </p:nvSpPr>
-          <p:spPr>
-            <a:xfrm>
-              <a:off x="1637591" y="880582"/>
-              <a:ext cx="1459182" cy="461665"/>
-            </a:xfrm>
-            <a:prstGeom prst="rect">
-              <a:avLst/>
-            </a:prstGeom>
+          </a:xfrm>
+          <a:prstGeom prst="rect">
+            <a:avLst/>
+          </a:prstGeom>
+          <a:solidFill>
+            <a:srgbClr val="FFC000"/>
+          </a:solidFill>
+          <a:ln>
             <a:noFill/>
-          </p:spPr>
-          <p:txBody>
-            <a:bodyPr wrap="none" rtlCol="0">
-              <a:spAutoFit/>
-            </a:bodyPr>
-            <a:lstStyle/>
-            <a:p>
-              <a:r>
-                <a:rPr lang="en-US" sz="2400" b="1" smtClean="0"/>
-                <a:t>JavaScript</a:t>
-              </a:r>
-              <a:endParaRPr lang="en-US" sz="2400" b="1" dirty="0"/>
-            </a:p>
-          </p:txBody>
-        </p:sp>
-        <p:pic>
-          <p:nvPicPr>
-            <p:cNvPr id="53" name="Picture 52"/>
-            <p:cNvPicPr>
-              <a:picLocks noChangeAspect="1"/>
-            </p:cNvPicPr>
-            <p:nvPr/>
-          </p:nvPicPr>
-          <p:blipFill>
-            <a:blip r:embed="rId3">
-              <a:extLst>
-                <a:ext uri="{28A0092B-C50C-407E-A947-70E740481C1C}">
-                  <a14:useLocalDpi xmlns:a14="http://schemas.microsoft.com/office/drawing/2010/main" val="0"/>
-                </a:ext>
-              </a:extLst>
-            </a:blip>
-            <a:stretch>
-              <a:fillRect/>
-            </a:stretch>
-          </p:blipFill>
-          <p:spPr>
-            <a:xfrm flipH="1" flipV="1">
-              <a:off x="3098059" y="1022164"/>
-              <a:ext cx="310119" cy="208223"/>
-            </a:xfrm>
-            <a:prstGeom prst="rect">
-              <a:avLst/>
-            </a:prstGeom>
-          </p:spPr>
-        </p:pic>
-        <p:sp>
-          <p:nvSpPr>
-            <p:cNvPr id="54" name="TextBox 53"/>
-            <p:cNvSpPr txBox="1"/>
-            <p:nvPr/>
-          </p:nvSpPr>
-          <p:spPr>
-            <a:xfrm>
-              <a:off x="140013" y="0"/>
-              <a:ext cx="1848583" cy="830997"/>
-            </a:xfrm>
-            <a:prstGeom prst="rect">
-              <a:avLst/>
-            </a:prstGeom>
+          </a:ln>
+        </p:spPr>
+        <p:style>
+          <a:lnRef idx="2">
+            <a:schemeClr val="accent1">
+              <a:shade val="50000"/>
+            </a:schemeClr>
+          </a:lnRef>
+          <a:fillRef idx="1">
+            <a:schemeClr val="accent1"/>
+          </a:fillRef>
+          <a:effectRef idx="0">
+            <a:schemeClr val="accent1"/>
+          </a:effectRef>
+          <a:fontRef idx="minor">
+            <a:schemeClr val="lt1"/>
+          </a:fontRef>
+        </p:style>
+        <p:txBody>
+          <a:bodyPr rtlCol="0" anchor="ctr"/>
+          <a:lstStyle/>
+          <a:p>
+            <a:pPr algn="ctr"/>
+            <a:endParaRPr lang="en-US"/>
+          </a:p>
+        </p:txBody>
+      </p:sp>
+      <p:sp>
+        <p:nvSpPr>
+          <p:cNvPr id="191" name="TextBox 190"/>
+          <p:cNvSpPr txBox="1"/>
+          <p:nvPr/>
+        </p:nvSpPr>
+        <p:spPr>
+          <a:xfrm>
+            <a:off x="1793296" y="9929583"/>
+            <a:ext cx="1137747" cy="369332"/>
+          </a:xfrm>
+          <a:prstGeom prst="rect">
+            <a:avLst/>
+          </a:prstGeom>
+          <a:noFill/>
+        </p:spPr>
+        <p:txBody>
+          <a:bodyPr wrap="none" rtlCol="0">
+            <a:spAutoFit/>
+          </a:bodyPr>
+          <a:lstStyle/>
+          <a:p>
+            <a:r>
+              <a:rPr lang="en-US" sz="1800" b="1" dirty="0" smtClean="0"/>
+              <a:t>JavaScript</a:t>
+            </a:r>
+            <a:endParaRPr lang="en-US" sz="1800" b="1" dirty="0"/>
+          </a:p>
+        </p:txBody>
+      </p:sp>
+      <p:sp>
+        <p:nvSpPr>
+          <p:cNvPr id="192" name="TextBox 191"/>
+          <p:cNvSpPr txBox="1"/>
+          <p:nvPr/>
+        </p:nvSpPr>
+        <p:spPr>
+          <a:xfrm>
+            <a:off x="200862" y="9217998"/>
+            <a:ext cx="3236255" cy="646331"/>
+          </a:xfrm>
+          <a:prstGeom prst="rect">
+            <a:avLst/>
+          </a:prstGeom>
+          <a:noFill/>
+        </p:spPr>
+        <p:txBody>
+          <a:bodyPr wrap="square" rtlCol="0">
+            <a:spAutoFit/>
+          </a:bodyPr>
+          <a:lstStyle/>
+          <a:p>
+            <a:pPr algn="ctr"/>
+            <a:r>
+              <a:rPr lang="en-US" sz="3600" b="1" i="1" dirty="0" smtClean="0"/>
+              <a:t>Begin with JS</a:t>
+            </a:r>
+            <a:endParaRPr lang="en-US" sz="3600" b="1" i="1" dirty="0"/>
+          </a:p>
+        </p:txBody>
+      </p:sp>
+      <p:pic>
+        <p:nvPicPr>
+          <p:cNvPr id="193" name="Picture 192"/>
+          <p:cNvPicPr>
+            <a:picLocks noChangeAspect="1"/>
+          </p:cNvPicPr>
+          <p:nvPr/>
+        </p:nvPicPr>
+        <p:blipFill>
+          <a:blip r:embed="rId5">
+            <a:extLst>
+              <a:ext uri="{28A0092B-C50C-407E-A947-70E740481C1C}">
+                <a14:useLocalDpi xmlns:a14="http://schemas.microsoft.com/office/drawing/2010/main" val="0"/>
+              </a:ext>
+            </a:extLst>
+          </a:blip>
+          <a:stretch>
+            <a:fillRect/>
+          </a:stretch>
+        </p:blipFill>
+        <p:spPr>
+          <a:xfrm>
+            <a:off x="263539" y="9893274"/>
+            <a:ext cx="1596885" cy="446717"/>
+          </a:xfrm>
+          <a:prstGeom prst="rect">
+            <a:avLst/>
+          </a:prstGeom>
+        </p:spPr>
+      </p:pic>
+      <p:pic>
+        <p:nvPicPr>
+          <p:cNvPr id="194" name="Picture 193"/>
+          <p:cNvPicPr>
+            <a:picLocks noChangeAspect="1"/>
+          </p:cNvPicPr>
+          <p:nvPr/>
+        </p:nvPicPr>
+        <p:blipFill>
+          <a:blip r:embed="rId3">
+            <a:extLst>
+              <a:ext uri="{28A0092B-C50C-407E-A947-70E740481C1C}">
+                <a14:useLocalDpi xmlns:a14="http://schemas.microsoft.com/office/drawing/2010/main" val="0"/>
+              </a:ext>
+            </a:extLst>
+          </a:blip>
+          <a:stretch>
+            <a:fillRect/>
+          </a:stretch>
+        </p:blipFill>
+        <p:spPr>
+          <a:xfrm>
+            <a:off x="2931043" y="10062161"/>
+            <a:ext cx="203200" cy="139700"/>
+          </a:xfrm>
+          <a:prstGeom prst="rect">
+            <a:avLst/>
+          </a:prstGeom>
+        </p:spPr>
+      </p:pic>
+      <p:sp>
+        <p:nvSpPr>
+          <p:cNvPr id="195" name="Rectangle 194"/>
+          <p:cNvSpPr/>
+          <p:nvPr/>
+        </p:nvSpPr>
+        <p:spPr>
+          <a:xfrm>
+            <a:off x="1341686" y="9051685"/>
+            <a:ext cx="893654" cy="137368"/>
+          </a:xfrm>
+          <a:prstGeom prst="rect">
+            <a:avLst/>
+          </a:prstGeom>
+          <a:solidFill>
+            <a:schemeClr val="tx1"/>
+          </a:solidFill>
+          <a:ln>
             <a:noFill/>
-          </p:spPr>
-          <p:txBody>
-            <a:bodyPr wrap="none" rtlCol="0">
-              <a:spAutoFit/>
-            </a:bodyPr>
-            <a:lstStyle/>
-            <a:p>
-              <a:r>
-                <a:rPr lang="en-US" sz="4800" b="1" i="1" dirty="0" smtClean="0"/>
-                <a:t>Arrays</a:t>
-              </a:r>
-              <a:endParaRPr lang="en-US" sz="4800" b="1" i="1" dirty="0"/>
-            </a:p>
-          </p:txBody>
-        </p:sp>
-        <p:pic>
-          <p:nvPicPr>
-            <p:cNvPr id="55" name="Picture 54"/>
-            <p:cNvPicPr>
-              <a:picLocks noChangeAspect="1"/>
-            </p:cNvPicPr>
-            <p:nvPr/>
-          </p:nvPicPr>
-          <p:blipFill>
-            <a:blip r:embed="rId4">
-              <a:extLst>
-                <a:ext uri="{28A0092B-C50C-407E-A947-70E740481C1C}">
-                  <a14:useLocalDpi xmlns:a14="http://schemas.microsoft.com/office/drawing/2010/main" val="0"/>
-                </a:ext>
-              </a:extLst>
-            </a:blip>
-            <a:stretch>
-              <a:fillRect/>
-            </a:stretch>
-          </p:blipFill>
-          <p:spPr>
-            <a:xfrm>
-              <a:off x="195244" y="928799"/>
-              <a:ext cx="853562" cy="285399"/>
-            </a:xfrm>
-            <a:prstGeom prst="rect">
-              <a:avLst/>
-            </a:prstGeom>
-          </p:spPr>
-        </p:pic>
-      </p:grpSp>
-      <p:grpSp>
-        <p:nvGrpSpPr>
-          <p:cNvPr id="56" name="Group 55"/>
-          <p:cNvGrpSpPr/>
-          <p:nvPr/>
-        </p:nvGrpSpPr>
-        <p:grpSpPr>
-          <a:xfrm>
-            <a:off x="3767015" y="-18454"/>
-            <a:ext cx="3629890" cy="1357745"/>
-            <a:chOff x="3767015" y="-18454"/>
-            <a:chExt cx="3629890" cy="1357745"/>
-          </a:xfrm>
-        </p:grpSpPr>
-        <p:sp>
-          <p:nvSpPr>
-            <p:cNvPr id="57" name="Rectangle 56"/>
-            <p:cNvSpPr/>
-            <p:nvPr/>
-          </p:nvSpPr>
-          <p:spPr>
-            <a:xfrm>
-              <a:off x="3767015" y="-18454"/>
-              <a:ext cx="3629890" cy="1357745"/>
-            </a:xfrm>
-            <a:prstGeom prst="rect">
-              <a:avLst/>
-            </a:prstGeom>
-            <a:solidFill>
-              <a:srgbClr val="FFC000"/>
-            </a:solidFill>
-            <a:ln>
-              <a:noFill/>
-            </a:ln>
-          </p:spPr>
-          <p:style>
-            <a:lnRef idx="2">
-              <a:schemeClr val="accent1">
-                <a:shade val="50000"/>
-              </a:schemeClr>
-            </a:lnRef>
-            <a:fillRef idx="1">
-              <a:schemeClr val="accent1"/>
-            </a:fillRef>
-            <a:effectRef idx="0">
-              <a:schemeClr val="accent1"/>
-            </a:effectRef>
-            <a:fontRef idx="minor">
-              <a:schemeClr val="lt1"/>
-            </a:fontRef>
-          </p:style>
-          <p:txBody>
-            <a:bodyPr rtlCol="0" anchor="ctr"/>
-            <a:lstStyle/>
-            <a:p>
-              <a:pPr algn="ctr"/>
-              <a:endParaRPr lang="en-US"/>
-            </a:p>
-          </p:txBody>
-        </p:sp>
-        <p:sp>
-          <p:nvSpPr>
-            <p:cNvPr id="58" name="TextBox 57"/>
-            <p:cNvSpPr txBox="1"/>
-            <p:nvPr/>
-          </p:nvSpPr>
-          <p:spPr>
-            <a:xfrm>
-              <a:off x="5404606" y="862128"/>
-              <a:ext cx="1459182" cy="461665"/>
-            </a:xfrm>
-            <a:prstGeom prst="rect">
-              <a:avLst/>
-            </a:prstGeom>
-            <a:noFill/>
-          </p:spPr>
-          <p:txBody>
-            <a:bodyPr wrap="none" rtlCol="0">
-              <a:spAutoFit/>
-            </a:bodyPr>
-            <a:lstStyle/>
-            <a:p>
-              <a:r>
-                <a:rPr lang="en-US" sz="2400" b="1" smtClean="0"/>
-                <a:t>JavaScript</a:t>
-              </a:r>
-              <a:endParaRPr lang="en-US" sz="2400" b="1" dirty="0"/>
-            </a:p>
-          </p:txBody>
-        </p:sp>
-        <p:pic>
-          <p:nvPicPr>
-            <p:cNvPr id="59" name="Picture 58"/>
-            <p:cNvPicPr>
-              <a:picLocks noChangeAspect="1"/>
-            </p:cNvPicPr>
-            <p:nvPr/>
-          </p:nvPicPr>
-          <p:blipFill>
-            <a:blip r:embed="rId3">
-              <a:extLst>
-                <a:ext uri="{28A0092B-C50C-407E-A947-70E740481C1C}">
-                  <a14:useLocalDpi xmlns:a14="http://schemas.microsoft.com/office/drawing/2010/main" val="0"/>
-                </a:ext>
-              </a:extLst>
-            </a:blip>
-            <a:stretch>
-              <a:fillRect/>
-            </a:stretch>
-          </p:blipFill>
-          <p:spPr>
-            <a:xfrm flipH="1" flipV="1">
-              <a:off x="6865074" y="1003710"/>
-              <a:ext cx="310119" cy="208223"/>
-            </a:xfrm>
-            <a:prstGeom prst="rect">
-              <a:avLst/>
-            </a:prstGeom>
-          </p:spPr>
-        </p:pic>
-        <p:sp>
-          <p:nvSpPr>
-            <p:cNvPr id="60" name="TextBox 59"/>
-            <p:cNvSpPr txBox="1"/>
-            <p:nvPr/>
-          </p:nvSpPr>
-          <p:spPr>
-            <a:xfrm>
-              <a:off x="3907028" y="-18454"/>
-              <a:ext cx="1835695" cy="830997"/>
-            </a:xfrm>
-            <a:prstGeom prst="rect">
-              <a:avLst/>
-            </a:prstGeom>
-            <a:noFill/>
-          </p:spPr>
-          <p:txBody>
-            <a:bodyPr wrap="none" rtlCol="0">
-              <a:spAutoFit/>
-            </a:bodyPr>
-            <a:lstStyle/>
-            <a:p>
-              <a:r>
-                <a:rPr lang="en-US" sz="4800" b="1" i="1" dirty="0" smtClean="0"/>
-                <a:t>Events</a:t>
-              </a:r>
-              <a:endParaRPr lang="en-US" sz="4800" b="1" i="1" dirty="0"/>
-            </a:p>
-          </p:txBody>
-        </p:sp>
-        <p:pic>
-          <p:nvPicPr>
-            <p:cNvPr id="61" name="Picture 60"/>
-            <p:cNvPicPr>
-              <a:picLocks noChangeAspect="1"/>
-            </p:cNvPicPr>
-            <p:nvPr/>
-          </p:nvPicPr>
-          <p:blipFill>
-            <a:blip r:embed="rId4">
-              <a:extLst>
-                <a:ext uri="{28A0092B-C50C-407E-A947-70E740481C1C}">
-                  <a14:useLocalDpi xmlns:a14="http://schemas.microsoft.com/office/drawing/2010/main" val="0"/>
-                </a:ext>
-              </a:extLst>
-            </a:blip>
-            <a:stretch>
-              <a:fillRect/>
-            </a:stretch>
-          </p:blipFill>
-          <p:spPr>
-            <a:xfrm>
-              <a:off x="3962259" y="910345"/>
-              <a:ext cx="853562" cy="285399"/>
-            </a:xfrm>
-            <a:prstGeom prst="rect">
-              <a:avLst/>
-            </a:prstGeom>
-          </p:spPr>
-        </p:pic>
-      </p:grpSp>
-      <p:grpSp>
-        <p:nvGrpSpPr>
-          <p:cNvPr id="62" name="Group 61"/>
-          <p:cNvGrpSpPr/>
-          <p:nvPr/>
-        </p:nvGrpSpPr>
-        <p:grpSpPr>
-          <a:xfrm>
-            <a:off x="0" y="1499327"/>
-            <a:ext cx="3629890" cy="1357745"/>
-            <a:chOff x="3767015" y="-18454"/>
-            <a:chExt cx="3629890" cy="1357745"/>
-          </a:xfrm>
-        </p:grpSpPr>
-        <p:sp>
-          <p:nvSpPr>
-            <p:cNvPr id="63" name="Rectangle 62"/>
-            <p:cNvSpPr/>
-            <p:nvPr/>
-          </p:nvSpPr>
-          <p:spPr>
-            <a:xfrm>
-              <a:off x="3767015" y="-18454"/>
-              <a:ext cx="3629890" cy="1357745"/>
-            </a:xfrm>
-            <a:prstGeom prst="rect">
-              <a:avLst/>
-            </a:prstGeom>
-            <a:solidFill>
-              <a:srgbClr val="FFC000"/>
-            </a:solidFill>
-            <a:ln>
-              <a:noFill/>
-            </a:ln>
-          </p:spPr>
-          <p:style>
-            <a:lnRef idx="2">
-              <a:schemeClr val="accent1">
-                <a:shade val="50000"/>
-              </a:schemeClr>
-            </a:lnRef>
-            <a:fillRef idx="1">
-              <a:schemeClr val="accent1"/>
-            </a:fillRef>
-            <a:effectRef idx="0">
-              <a:schemeClr val="accent1"/>
-            </a:effectRef>
-            <a:fontRef idx="minor">
-              <a:schemeClr val="lt1"/>
-            </a:fontRef>
-          </p:style>
-          <p:txBody>
-            <a:bodyPr rtlCol="0" anchor="ctr"/>
-            <a:lstStyle/>
-            <a:p>
-              <a:pPr algn="ctr"/>
-              <a:endParaRPr lang="en-US"/>
-            </a:p>
-          </p:txBody>
-        </p:sp>
-        <p:sp>
-          <p:nvSpPr>
-            <p:cNvPr id="64" name="TextBox 63"/>
-            <p:cNvSpPr txBox="1"/>
-            <p:nvPr/>
-          </p:nvSpPr>
-          <p:spPr>
-            <a:xfrm>
-              <a:off x="5404606" y="862128"/>
-              <a:ext cx="1459182" cy="461665"/>
-            </a:xfrm>
-            <a:prstGeom prst="rect">
-              <a:avLst/>
-            </a:prstGeom>
-            <a:noFill/>
-          </p:spPr>
-          <p:txBody>
-            <a:bodyPr wrap="none" rtlCol="0">
-              <a:spAutoFit/>
-            </a:bodyPr>
-            <a:lstStyle/>
-            <a:p>
-              <a:r>
-                <a:rPr lang="en-US" sz="2400" b="1" smtClean="0"/>
-                <a:t>JavaScript</a:t>
-              </a:r>
-              <a:endParaRPr lang="en-US" sz="2400" b="1" dirty="0"/>
-            </a:p>
-          </p:txBody>
-        </p:sp>
-        <p:pic>
-          <p:nvPicPr>
-            <p:cNvPr id="65" name="Picture 64"/>
-            <p:cNvPicPr>
-              <a:picLocks noChangeAspect="1"/>
-            </p:cNvPicPr>
-            <p:nvPr/>
-          </p:nvPicPr>
-          <p:blipFill>
-            <a:blip r:embed="rId3">
-              <a:extLst>
-                <a:ext uri="{28A0092B-C50C-407E-A947-70E740481C1C}">
-                  <a14:useLocalDpi xmlns:a14="http://schemas.microsoft.com/office/drawing/2010/main" val="0"/>
-                </a:ext>
-              </a:extLst>
-            </a:blip>
-            <a:stretch>
-              <a:fillRect/>
-            </a:stretch>
-          </p:blipFill>
-          <p:spPr>
-            <a:xfrm flipH="1" flipV="1">
-              <a:off x="6865074" y="1003710"/>
-              <a:ext cx="310119" cy="208223"/>
-            </a:xfrm>
-            <a:prstGeom prst="rect">
-              <a:avLst/>
-            </a:prstGeom>
-          </p:spPr>
-        </p:pic>
-        <p:sp>
-          <p:nvSpPr>
-            <p:cNvPr id="66" name="TextBox 65"/>
-            <p:cNvSpPr txBox="1"/>
-            <p:nvPr/>
-          </p:nvSpPr>
-          <p:spPr>
-            <a:xfrm>
-              <a:off x="3948140" y="15633"/>
-              <a:ext cx="3375155" cy="830997"/>
-            </a:xfrm>
-            <a:prstGeom prst="rect">
-              <a:avLst/>
-            </a:prstGeom>
-            <a:noFill/>
-          </p:spPr>
-          <p:txBody>
-            <a:bodyPr wrap="none" rtlCol="0">
-              <a:spAutoFit/>
-            </a:bodyPr>
-            <a:lstStyle/>
-            <a:p>
-              <a:r>
-                <a:rPr lang="en-US" sz="4800" b="1" i="1" smtClean="0"/>
-                <a:t>jQuery DOM</a:t>
-              </a:r>
-              <a:endParaRPr lang="en-US" sz="4800" b="1" i="1" dirty="0"/>
-            </a:p>
-          </p:txBody>
-        </p:sp>
-        <p:pic>
-          <p:nvPicPr>
-            <p:cNvPr id="67" name="Picture 66"/>
-            <p:cNvPicPr>
-              <a:picLocks noChangeAspect="1"/>
-            </p:cNvPicPr>
-            <p:nvPr/>
-          </p:nvPicPr>
-          <p:blipFill>
-            <a:blip r:embed="rId4">
-              <a:extLst>
-                <a:ext uri="{28A0092B-C50C-407E-A947-70E740481C1C}">
-                  <a14:useLocalDpi xmlns:a14="http://schemas.microsoft.com/office/drawing/2010/main" val="0"/>
-                </a:ext>
-              </a:extLst>
-            </a:blip>
-            <a:stretch>
-              <a:fillRect/>
-            </a:stretch>
-          </p:blipFill>
-          <p:spPr>
-            <a:xfrm>
-              <a:off x="3962259" y="910345"/>
-              <a:ext cx="853562" cy="285399"/>
-            </a:xfrm>
-            <a:prstGeom prst="rect">
-              <a:avLst/>
-            </a:prstGeom>
-          </p:spPr>
-        </p:pic>
-      </p:grpSp>
-      <p:grpSp>
-        <p:nvGrpSpPr>
-          <p:cNvPr id="68" name="Group 67"/>
-          <p:cNvGrpSpPr/>
-          <p:nvPr/>
-        </p:nvGrpSpPr>
-        <p:grpSpPr>
-          <a:xfrm>
-            <a:off x="3767015" y="1499326"/>
-            <a:ext cx="3629890" cy="1357745"/>
-            <a:chOff x="3767015" y="-18454"/>
-            <a:chExt cx="3629890" cy="1357745"/>
-          </a:xfrm>
-        </p:grpSpPr>
-        <p:sp>
-          <p:nvSpPr>
-            <p:cNvPr id="69" name="Rectangle 68"/>
-            <p:cNvSpPr/>
-            <p:nvPr/>
-          </p:nvSpPr>
-          <p:spPr>
-            <a:xfrm>
-              <a:off x="3767015" y="-18454"/>
-              <a:ext cx="3629890" cy="1357745"/>
-            </a:xfrm>
-            <a:prstGeom prst="rect">
-              <a:avLst/>
-            </a:prstGeom>
-            <a:solidFill>
-              <a:srgbClr val="FFC000"/>
-            </a:solidFill>
-            <a:ln>
-              <a:noFill/>
-            </a:ln>
-          </p:spPr>
-          <p:style>
-            <a:lnRef idx="2">
-              <a:schemeClr val="accent1">
-                <a:shade val="50000"/>
-              </a:schemeClr>
-            </a:lnRef>
-            <a:fillRef idx="1">
-              <a:schemeClr val="accent1"/>
-            </a:fillRef>
-            <a:effectRef idx="0">
-              <a:schemeClr val="accent1"/>
-            </a:effectRef>
-            <a:fontRef idx="minor">
-              <a:schemeClr val="lt1"/>
-            </a:fontRef>
-          </p:style>
-          <p:txBody>
-            <a:bodyPr rtlCol="0" anchor="ctr"/>
-            <a:lstStyle/>
-            <a:p>
-              <a:pPr algn="ctr"/>
-              <a:endParaRPr lang="en-US"/>
-            </a:p>
-          </p:txBody>
-        </p:sp>
-        <p:sp>
-          <p:nvSpPr>
-            <p:cNvPr id="70" name="TextBox 69"/>
-            <p:cNvSpPr txBox="1"/>
-            <p:nvPr/>
-          </p:nvSpPr>
-          <p:spPr>
-            <a:xfrm>
-              <a:off x="5404606" y="862128"/>
-              <a:ext cx="1459182" cy="461665"/>
-            </a:xfrm>
-            <a:prstGeom prst="rect">
-              <a:avLst/>
-            </a:prstGeom>
-            <a:noFill/>
-          </p:spPr>
-          <p:txBody>
-            <a:bodyPr wrap="none" rtlCol="0">
-              <a:spAutoFit/>
-            </a:bodyPr>
-            <a:lstStyle/>
-            <a:p>
-              <a:r>
-                <a:rPr lang="en-US" sz="2400" b="1" smtClean="0"/>
-                <a:t>JavaScript</a:t>
-              </a:r>
-              <a:endParaRPr lang="en-US" sz="2400" b="1" dirty="0"/>
-            </a:p>
-          </p:txBody>
-        </p:sp>
-        <p:pic>
-          <p:nvPicPr>
-            <p:cNvPr id="71" name="Picture 70"/>
-            <p:cNvPicPr>
-              <a:picLocks noChangeAspect="1"/>
-            </p:cNvPicPr>
-            <p:nvPr/>
-          </p:nvPicPr>
-          <p:blipFill>
-            <a:blip r:embed="rId3">
-              <a:extLst>
-                <a:ext uri="{28A0092B-C50C-407E-A947-70E740481C1C}">
-                  <a14:useLocalDpi xmlns:a14="http://schemas.microsoft.com/office/drawing/2010/main" val="0"/>
-                </a:ext>
-              </a:extLst>
-            </a:blip>
-            <a:stretch>
-              <a:fillRect/>
-            </a:stretch>
-          </p:blipFill>
-          <p:spPr>
-            <a:xfrm flipH="1" flipV="1">
-              <a:off x="6865074" y="1003710"/>
-              <a:ext cx="310119" cy="208223"/>
-            </a:xfrm>
-            <a:prstGeom prst="rect">
-              <a:avLst/>
-            </a:prstGeom>
-          </p:spPr>
-        </p:pic>
-        <p:sp>
-          <p:nvSpPr>
-            <p:cNvPr id="72" name="TextBox 71"/>
-            <p:cNvSpPr txBox="1"/>
-            <p:nvPr/>
-          </p:nvSpPr>
-          <p:spPr>
-            <a:xfrm>
-              <a:off x="3948140" y="15633"/>
-              <a:ext cx="3322128" cy="830997"/>
-            </a:xfrm>
-            <a:prstGeom prst="rect">
-              <a:avLst/>
-            </a:prstGeom>
-            <a:noFill/>
-          </p:spPr>
-          <p:txBody>
-            <a:bodyPr wrap="none" rtlCol="0">
-              <a:spAutoFit/>
-            </a:bodyPr>
-            <a:lstStyle/>
-            <a:p>
-              <a:r>
-                <a:rPr lang="en-US" sz="4800" b="1" i="1" dirty="0" smtClean="0"/>
-                <a:t>jQuery AJAX</a:t>
-              </a:r>
-              <a:endParaRPr lang="en-US" sz="4800" b="1" i="1" dirty="0"/>
-            </a:p>
-          </p:txBody>
-        </p:sp>
-        <p:pic>
-          <p:nvPicPr>
-            <p:cNvPr id="73" name="Picture 72"/>
-            <p:cNvPicPr>
-              <a:picLocks noChangeAspect="1"/>
-            </p:cNvPicPr>
-            <p:nvPr/>
-          </p:nvPicPr>
-          <p:blipFill>
-            <a:blip r:embed="rId4">
-              <a:extLst>
-                <a:ext uri="{28A0092B-C50C-407E-A947-70E740481C1C}">
-                  <a14:useLocalDpi xmlns:a14="http://schemas.microsoft.com/office/drawing/2010/main" val="0"/>
-                </a:ext>
-              </a:extLst>
-            </a:blip>
-            <a:stretch>
-              <a:fillRect/>
-            </a:stretch>
-          </p:blipFill>
-          <p:spPr>
-            <a:xfrm>
-              <a:off x="3962259" y="910345"/>
-              <a:ext cx="853562" cy="285399"/>
-            </a:xfrm>
-            <a:prstGeom prst="rect">
-              <a:avLst/>
-            </a:prstGeom>
-          </p:spPr>
-        </p:pic>
-      </p:grpSp>
-      <p:grpSp>
-        <p:nvGrpSpPr>
-          <p:cNvPr id="74" name="Group 73"/>
-          <p:cNvGrpSpPr/>
-          <p:nvPr/>
-        </p:nvGrpSpPr>
-        <p:grpSpPr>
-          <a:xfrm>
-            <a:off x="0" y="2983156"/>
-            <a:ext cx="3629890" cy="1357745"/>
-            <a:chOff x="3767015" y="-18454"/>
-            <a:chExt cx="3629890" cy="1357745"/>
-          </a:xfrm>
-        </p:grpSpPr>
-        <p:sp>
-          <p:nvSpPr>
-            <p:cNvPr id="75" name="Rectangle 74"/>
-            <p:cNvSpPr/>
-            <p:nvPr/>
-          </p:nvSpPr>
-          <p:spPr>
-            <a:xfrm>
-              <a:off x="3767015" y="-18454"/>
-              <a:ext cx="3629890" cy="1357745"/>
-            </a:xfrm>
-            <a:prstGeom prst="rect">
-              <a:avLst/>
-            </a:prstGeom>
-            <a:solidFill>
-              <a:srgbClr val="FFC000"/>
-            </a:solidFill>
-            <a:ln>
-              <a:noFill/>
-            </a:ln>
-          </p:spPr>
-          <p:style>
-            <a:lnRef idx="2">
-              <a:schemeClr val="accent1">
-                <a:shade val="50000"/>
-              </a:schemeClr>
-            </a:lnRef>
-            <a:fillRef idx="1">
-              <a:schemeClr val="accent1"/>
-            </a:fillRef>
-            <a:effectRef idx="0">
-              <a:schemeClr val="accent1"/>
-            </a:effectRef>
-            <a:fontRef idx="minor">
-              <a:schemeClr val="lt1"/>
-            </a:fontRef>
-          </p:style>
-          <p:txBody>
-            <a:bodyPr rtlCol="0" anchor="ctr"/>
-            <a:lstStyle/>
-            <a:p>
-              <a:pPr algn="ctr"/>
-              <a:endParaRPr lang="en-US"/>
-            </a:p>
-          </p:txBody>
-        </p:sp>
-        <p:sp>
-          <p:nvSpPr>
-            <p:cNvPr id="76" name="TextBox 75"/>
-            <p:cNvSpPr txBox="1"/>
-            <p:nvPr/>
-          </p:nvSpPr>
-          <p:spPr>
-            <a:xfrm>
-              <a:off x="5404606" y="862128"/>
-              <a:ext cx="1459182" cy="461665"/>
-            </a:xfrm>
-            <a:prstGeom prst="rect">
-              <a:avLst/>
-            </a:prstGeom>
-            <a:noFill/>
-          </p:spPr>
-          <p:txBody>
-            <a:bodyPr wrap="none" rtlCol="0">
-              <a:spAutoFit/>
-            </a:bodyPr>
-            <a:lstStyle/>
-            <a:p>
-              <a:r>
-                <a:rPr lang="en-US" sz="2400" b="1" smtClean="0"/>
-                <a:t>JavaScript</a:t>
-              </a:r>
-              <a:endParaRPr lang="en-US" sz="2400" b="1" dirty="0"/>
-            </a:p>
-          </p:txBody>
-        </p:sp>
-        <p:pic>
-          <p:nvPicPr>
-            <p:cNvPr id="77" name="Picture 76"/>
-            <p:cNvPicPr>
-              <a:picLocks noChangeAspect="1"/>
-            </p:cNvPicPr>
-            <p:nvPr/>
-          </p:nvPicPr>
-          <p:blipFill>
-            <a:blip r:embed="rId3">
-              <a:extLst>
-                <a:ext uri="{28A0092B-C50C-407E-A947-70E740481C1C}">
-                  <a14:useLocalDpi xmlns:a14="http://schemas.microsoft.com/office/drawing/2010/main" val="0"/>
-                </a:ext>
-              </a:extLst>
-            </a:blip>
-            <a:stretch>
-              <a:fillRect/>
-            </a:stretch>
-          </p:blipFill>
-          <p:spPr>
-            <a:xfrm flipH="1" flipV="1">
-              <a:off x="6865074" y="1003710"/>
-              <a:ext cx="310119" cy="208223"/>
-            </a:xfrm>
-            <a:prstGeom prst="rect">
-              <a:avLst/>
-            </a:prstGeom>
-          </p:spPr>
-        </p:pic>
-        <p:sp>
-          <p:nvSpPr>
-            <p:cNvPr id="78" name="TextBox 77"/>
-            <p:cNvSpPr txBox="1"/>
-            <p:nvPr/>
-          </p:nvSpPr>
-          <p:spPr>
-            <a:xfrm>
-              <a:off x="3948140" y="15633"/>
-              <a:ext cx="2595582" cy="830997"/>
-            </a:xfrm>
-            <a:prstGeom prst="rect">
-              <a:avLst/>
-            </a:prstGeom>
-            <a:noFill/>
-          </p:spPr>
-          <p:txBody>
-            <a:bodyPr wrap="none" rtlCol="0">
-              <a:spAutoFit/>
-            </a:bodyPr>
-            <a:lstStyle/>
-            <a:p>
-              <a:r>
-                <a:rPr lang="en-US" sz="4800" b="1" i="1" dirty="0" smtClean="0"/>
-                <a:t>The DOM</a:t>
-              </a:r>
-              <a:endParaRPr lang="en-US" sz="4800" b="1" i="1" dirty="0"/>
-            </a:p>
-          </p:txBody>
-        </p:sp>
-        <p:pic>
-          <p:nvPicPr>
-            <p:cNvPr id="79" name="Picture 78"/>
-            <p:cNvPicPr>
-              <a:picLocks noChangeAspect="1"/>
-            </p:cNvPicPr>
-            <p:nvPr/>
-          </p:nvPicPr>
-          <p:blipFill>
-            <a:blip r:embed="rId4">
-              <a:extLst>
-                <a:ext uri="{28A0092B-C50C-407E-A947-70E740481C1C}">
-                  <a14:useLocalDpi xmlns:a14="http://schemas.microsoft.com/office/drawing/2010/main" val="0"/>
-                </a:ext>
-              </a:extLst>
-            </a:blip>
-            <a:stretch>
-              <a:fillRect/>
-            </a:stretch>
-          </p:blipFill>
-          <p:spPr>
-            <a:xfrm>
-              <a:off x="3962259" y="910345"/>
-              <a:ext cx="853562" cy="285399"/>
-            </a:xfrm>
-            <a:prstGeom prst="rect">
-              <a:avLst/>
-            </a:prstGeom>
-          </p:spPr>
-        </p:pic>
-      </p:grpSp>
-      <p:grpSp>
-        <p:nvGrpSpPr>
-          <p:cNvPr id="80" name="Group 79"/>
-          <p:cNvGrpSpPr/>
-          <p:nvPr/>
-        </p:nvGrpSpPr>
-        <p:grpSpPr>
-          <a:xfrm>
-            <a:off x="7534030" y="0"/>
-            <a:ext cx="3629890" cy="1357745"/>
-            <a:chOff x="3767015" y="-18454"/>
-            <a:chExt cx="3629890" cy="1357745"/>
-          </a:xfrm>
-        </p:grpSpPr>
-        <p:sp>
-          <p:nvSpPr>
-            <p:cNvPr id="81" name="Rectangle 80"/>
-            <p:cNvSpPr/>
-            <p:nvPr/>
-          </p:nvSpPr>
-          <p:spPr>
-            <a:xfrm>
-              <a:off x="3767015" y="-18454"/>
-              <a:ext cx="3629890" cy="1357745"/>
-            </a:xfrm>
-            <a:prstGeom prst="rect">
-              <a:avLst/>
-            </a:prstGeom>
-            <a:solidFill>
-              <a:srgbClr val="E1210A"/>
-            </a:solidFill>
-            <a:ln>
-              <a:noFill/>
-            </a:ln>
-          </p:spPr>
-          <p:style>
-            <a:lnRef idx="2">
-              <a:schemeClr val="accent1">
-                <a:shade val="50000"/>
-              </a:schemeClr>
-            </a:lnRef>
-            <a:fillRef idx="1">
-              <a:schemeClr val="accent1"/>
-            </a:fillRef>
-            <a:effectRef idx="0">
-              <a:schemeClr val="accent1"/>
-            </a:effectRef>
-            <a:fontRef idx="minor">
-              <a:schemeClr val="lt1"/>
-            </a:fontRef>
-          </p:style>
-          <p:txBody>
-            <a:bodyPr rtlCol="0" anchor="ctr"/>
-            <a:lstStyle/>
-            <a:p>
-              <a:pPr algn="ctr"/>
-              <a:endParaRPr lang="en-US"/>
-            </a:p>
-          </p:txBody>
-        </p:sp>
-        <p:sp>
-          <p:nvSpPr>
-            <p:cNvPr id="82" name="TextBox 81"/>
-            <p:cNvSpPr txBox="1"/>
-            <p:nvPr/>
-          </p:nvSpPr>
-          <p:spPr>
-            <a:xfrm>
-              <a:off x="6001700" y="891244"/>
-              <a:ext cx="867545" cy="430887"/>
-            </a:xfrm>
-            <a:prstGeom prst="rect">
-              <a:avLst/>
-            </a:prstGeom>
-            <a:noFill/>
-          </p:spPr>
-          <p:txBody>
-            <a:bodyPr wrap="none" rtlCol="0">
-              <a:spAutoFit/>
-            </a:bodyPr>
-            <a:lstStyle/>
-            <a:p>
-              <a:r>
-                <a:rPr lang="en-US" sz="2200" b="1" smtClean="0"/>
-                <a:t>HTML</a:t>
-              </a:r>
-              <a:endParaRPr lang="en-US" sz="2200" b="1" dirty="0"/>
-            </a:p>
-          </p:txBody>
-        </p:sp>
-        <p:pic>
-          <p:nvPicPr>
-            <p:cNvPr id="83" name="Picture 82"/>
-            <p:cNvPicPr>
-              <a:picLocks noChangeAspect="1"/>
-            </p:cNvPicPr>
-            <p:nvPr/>
-          </p:nvPicPr>
-          <p:blipFill>
-            <a:blip r:embed="rId3">
-              <a:extLst>
-                <a:ext uri="{28A0092B-C50C-407E-A947-70E740481C1C}">
-                  <a14:useLocalDpi xmlns:a14="http://schemas.microsoft.com/office/drawing/2010/main" val="0"/>
-                </a:ext>
-              </a:extLst>
-            </a:blip>
-            <a:stretch>
-              <a:fillRect/>
-            </a:stretch>
-          </p:blipFill>
-          <p:spPr>
-            <a:xfrm flipH="1" flipV="1">
-              <a:off x="6874960" y="993824"/>
-              <a:ext cx="310119" cy="208223"/>
-            </a:xfrm>
-            <a:prstGeom prst="rect">
-              <a:avLst/>
-            </a:prstGeom>
-          </p:spPr>
-        </p:pic>
-        <p:sp>
-          <p:nvSpPr>
-            <p:cNvPr id="84" name="TextBox 83"/>
-            <p:cNvSpPr txBox="1"/>
-            <p:nvPr/>
-          </p:nvSpPr>
-          <p:spPr>
-            <a:xfrm>
-              <a:off x="3948140" y="15633"/>
-              <a:ext cx="2046266" cy="830997"/>
-            </a:xfrm>
-            <a:prstGeom prst="rect">
-              <a:avLst/>
-            </a:prstGeom>
-            <a:noFill/>
-          </p:spPr>
-          <p:txBody>
-            <a:bodyPr wrap="none" rtlCol="0">
-              <a:spAutoFit/>
-            </a:bodyPr>
-            <a:lstStyle/>
-            <a:p>
-              <a:r>
-                <a:rPr lang="en-US" sz="4800" b="1" i="1" dirty="0" smtClean="0"/>
-                <a:t>FORMS</a:t>
-              </a:r>
-              <a:endParaRPr lang="en-US" sz="4800" b="1" i="1" dirty="0"/>
-            </a:p>
-          </p:txBody>
-        </p:sp>
-        <p:pic>
-          <p:nvPicPr>
-            <p:cNvPr id="85" name="Picture 84"/>
-            <p:cNvPicPr>
-              <a:picLocks noChangeAspect="1"/>
-            </p:cNvPicPr>
-            <p:nvPr/>
-          </p:nvPicPr>
-          <p:blipFill>
-            <a:blip r:embed="rId4">
-              <a:extLst>
-                <a:ext uri="{28A0092B-C50C-407E-A947-70E740481C1C}">
-                  <a14:useLocalDpi xmlns:a14="http://schemas.microsoft.com/office/drawing/2010/main" val="0"/>
-                </a:ext>
-              </a:extLst>
-            </a:blip>
-            <a:stretch>
-              <a:fillRect/>
-            </a:stretch>
-          </p:blipFill>
-          <p:spPr>
-            <a:xfrm>
-              <a:off x="3962259" y="910345"/>
-              <a:ext cx="853562" cy="285399"/>
-            </a:xfrm>
-            <a:prstGeom prst="rect">
-              <a:avLst/>
-            </a:prstGeom>
-          </p:spPr>
-        </p:pic>
-      </p:grpSp>
-      <p:grpSp>
-        <p:nvGrpSpPr>
-          <p:cNvPr id="86" name="Group 85"/>
-          <p:cNvGrpSpPr/>
-          <p:nvPr/>
-        </p:nvGrpSpPr>
-        <p:grpSpPr>
-          <a:xfrm>
-            <a:off x="11309740" y="-1"/>
-            <a:ext cx="3629890" cy="1357745"/>
-            <a:chOff x="3767015" y="-18454"/>
-            <a:chExt cx="3629890" cy="1357745"/>
-          </a:xfrm>
-          <a:solidFill>
-            <a:srgbClr val="9443DD"/>
-          </a:solidFill>
-        </p:grpSpPr>
-        <p:sp>
-          <p:nvSpPr>
-            <p:cNvPr id="87" name="Rectangle 86"/>
-            <p:cNvSpPr/>
-            <p:nvPr/>
-          </p:nvSpPr>
-          <p:spPr>
-            <a:xfrm>
-              <a:off x="3767015" y="-18454"/>
-              <a:ext cx="3629890" cy="1357745"/>
-            </a:xfrm>
-            <a:prstGeom prst="rect">
-              <a:avLst/>
-            </a:prstGeom>
-            <a:grpFill/>
-            <a:ln>
-              <a:noFill/>
-            </a:ln>
-          </p:spPr>
-          <p:style>
-            <a:lnRef idx="2">
-              <a:schemeClr val="accent1">
-                <a:shade val="50000"/>
-              </a:schemeClr>
-            </a:lnRef>
-            <a:fillRef idx="1">
-              <a:schemeClr val="accent1"/>
-            </a:fillRef>
-            <a:effectRef idx="0">
-              <a:schemeClr val="accent1"/>
-            </a:effectRef>
-            <a:fontRef idx="minor">
-              <a:schemeClr val="lt1"/>
-            </a:fontRef>
-          </p:style>
-          <p:txBody>
-            <a:bodyPr rtlCol="0" anchor="ctr"/>
-            <a:lstStyle/>
-            <a:p>
-              <a:pPr algn="ctr"/>
-              <a:endParaRPr lang="en-US"/>
-            </a:p>
-          </p:txBody>
-        </p:sp>
-        <p:sp>
-          <p:nvSpPr>
-            <p:cNvPr id="88" name="TextBox 87"/>
-            <p:cNvSpPr txBox="1"/>
-            <p:nvPr/>
-          </p:nvSpPr>
-          <p:spPr>
-            <a:xfrm>
-              <a:off x="5458979" y="876957"/>
-              <a:ext cx="1404552" cy="430887"/>
-            </a:xfrm>
-            <a:prstGeom prst="rect">
-              <a:avLst/>
-            </a:prstGeom>
-            <a:grpFill/>
-          </p:spPr>
-          <p:txBody>
-            <a:bodyPr wrap="none" rtlCol="0">
-              <a:spAutoFit/>
-            </a:bodyPr>
-            <a:lstStyle/>
-            <a:p>
-              <a:r>
-                <a:rPr lang="en-US" sz="2200" b="1" dirty="0" smtClean="0"/>
-                <a:t>HTML/CSS</a:t>
-              </a:r>
-              <a:endParaRPr lang="en-US" sz="2200" b="1" dirty="0"/>
-            </a:p>
-          </p:txBody>
-        </p:sp>
-        <p:pic>
-          <p:nvPicPr>
-            <p:cNvPr id="89" name="Picture 88"/>
-            <p:cNvPicPr>
-              <a:picLocks noChangeAspect="1"/>
-            </p:cNvPicPr>
-            <p:nvPr/>
-          </p:nvPicPr>
-          <p:blipFill>
-            <a:blip r:embed="rId3">
-              <a:extLst>
-                <a:ext uri="{28A0092B-C50C-407E-A947-70E740481C1C}">
-                  <a14:useLocalDpi xmlns:a14="http://schemas.microsoft.com/office/drawing/2010/main" val="0"/>
-                </a:ext>
-              </a:extLst>
-            </a:blip>
-            <a:stretch>
-              <a:fillRect/>
-            </a:stretch>
-          </p:blipFill>
-          <p:spPr>
-            <a:xfrm flipH="1" flipV="1">
-              <a:off x="6874960" y="993824"/>
-              <a:ext cx="310119" cy="208223"/>
-            </a:xfrm>
-            <a:prstGeom prst="rect">
-              <a:avLst/>
-            </a:prstGeom>
-            <a:grpFill/>
-          </p:spPr>
-        </p:pic>
-        <p:sp>
-          <p:nvSpPr>
-            <p:cNvPr id="90" name="TextBox 89"/>
-            <p:cNvSpPr txBox="1"/>
-            <p:nvPr/>
-          </p:nvSpPr>
-          <p:spPr>
-            <a:xfrm>
-              <a:off x="3948140" y="15633"/>
-              <a:ext cx="2709011" cy="830997"/>
-            </a:xfrm>
-            <a:prstGeom prst="rect">
-              <a:avLst/>
-            </a:prstGeom>
-            <a:grpFill/>
-          </p:spPr>
-          <p:txBody>
-            <a:bodyPr wrap="none" rtlCol="0">
-              <a:spAutoFit/>
-            </a:bodyPr>
-            <a:lstStyle/>
-            <a:p>
-              <a:r>
-                <a:rPr lang="en-US" sz="4800" b="1" i="1" dirty="0" smtClean="0"/>
-                <a:t>Bootstrap</a:t>
-              </a:r>
-              <a:endParaRPr lang="en-US" sz="4800" b="1" i="1" dirty="0"/>
-            </a:p>
-          </p:txBody>
-        </p:sp>
-        <p:pic>
-          <p:nvPicPr>
-            <p:cNvPr id="91" name="Picture 90"/>
-            <p:cNvPicPr>
-              <a:picLocks noChangeAspect="1"/>
-            </p:cNvPicPr>
-            <p:nvPr/>
-          </p:nvPicPr>
-          <p:blipFill>
-            <a:blip r:embed="rId4">
-              <a:extLst>
-                <a:ext uri="{28A0092B-C50C-407E-A947-70E740481C1C}">
-                  <a14:useLocalDpi xmlns:a14="http://schemas.microsoft.com/office/drawing/2010/main" val="0"/>
-                </a:ext>
-              </a:extLst>
-            </a:blip>
-            <a:stretch>
-              <a:fillRect/>
-            </a:stretch>
-          </p:blipFill>
-          <p:spPr>
-            <a:xfrm>
-              <a:off x="3962259" y="910345"/>
-              <a:ext cx="853562" cy="285399"/>
-            </a:xfrm>
-            <a:prstGeom prst="rect">
-              <a:avLst/>
-            </a:prstGeom>
-            <a:grpFill/>
-          </p:spPr>
-        </p:pic>
-      </p:grpSp>
-      <p:grpSp>
-        <p:nvGrpSpPr>
-          <p:cNvPr id="98" name="Group 97"/>
-          <p:cNvGrpSpPr/>
-          <p:nvPr/>
-        </p:nvGrpSpPr>
-        <p:grpSpPr>
-          <a:xfrm>
-            <a:off x="3794259" y="2989317"/>
-            <a:ext cx="3629890" cy="1357745"/>
-            <a:chOff x="3767015" y="-18454"/>
-            <a:chExt cx="3629890" cy="1357745"/>
-          </a:xfrm>
-        </p:grpSpPr>
-        <p:sp>
-          <p:nvSpPr>
-            <p:cNvPr id="99" name="Rectangle 98"/>
-            <p:cNvSpPr/>
-            <p:nvPr/>
-          </p:nvSpPr>
-          <p:spPr>
-            <a:xfrm>
-              <a:off x="3767015" y="-18454"/>
-              <a:ext cx="3629890" cy="1357745"/>
-            </a:xfrm>
-            <a:prstGeom prst="rect">
-              <a:avLst/>
-            </a:prstGeom>
-            <a:solidFill>
-              <a:srgbClr val="FFC000"/>
-            </a:solidFill>
-            <a:ln>
-              <a:noFill/>
-            </a:ln>
-          </p:spPr>
-          <p:style>
-            <a:lnRef idx="2">
-              <a:schemeClr val="accent1">
-                <a:shade val="50000"/>
-              </a:schemeClr>
-            </a:lnRef>
-            <a:fillRef idx="1">
-              <a:schemeClr val="accent1"/>
-            </a:fillRef>
-            <a:effectRef idx="0">
-              <a:schemeClr val="accent1"/>
-            </a:effectRef>
-            <a:fontRef idx="minor">
-              <a:schemeClr val="lt1"/>
-            </a:fontRef>
-          </p:style>
-          <p:txBody>
-            <a:bodyPr rtlCol="0" anchor="ctr"/>
-            <a:lstStyle/>
-            <a:p>
-              <a:pPr algn="ctr"/>
-              <a:endParaRPr lang="en-US"/>
-            </a:p>
-          </p:txBody>
-        </p:sp>
-        <p:sp>
-          <p:nvSpPr>
-            <p:cNvPr id="100" name="TextBox 99"/>
-            <p:cNvSpPr txBox="1"/>
-            <p:nvPr/>
-          </p:nvSpPr>
-          <p:spPr>
-            <a:xfrm>
-              <a:off x="5404606" y="862128"/>
-              <a:ext cx="1459182" cy="461665"/>
-            </a:xfrm>
-            <a:prstGeom prst="rect">
-              <a:avLst/>
-            </a:prstGeom>
-            <a:noFill/>
-          </p:spPr>
-          <p:txBody>
-            <a:bodyPr wrap="none" rtlCol="0">
-              <a:spAutoFit/>
-            </a:bodyPr>
-            <a:lstStyle/>
-            <a:p>
-              <a:r>
-                <a:rPr lang="en-US" sz="2400" b="1" smtClean="0"/>
-                <a:t>JavaScript</a:t>
-              </a:r>
-              <a:endParaRPr lang="en-US" sz="2400" b="1" dirty="0"/>
-            </a:p>
-          </p:txBody>
-        </p:sp>
-        <p:pic>
-          <p:nvPicPr>
-            <p:cNvPr id="101" name="Picture 100"/>
-            <p:cNvPicPr>
-              <a:picLocks noChangeAspect="1"/>
-            </p:cNvPicPr>
-            <p:nvPr/>
-          </p:nvPicPr>
-          <p:blipFill>
-            <a:blip r:embed="rId3">
-              <a:extLst>
-                <a:ext uri="{28A0092B-C50C-407E-A947-70E740481C1C}">
-                  <a14:useLocalDpi xmlns:a14="http://schemas.microsoft.com/office/drawing/2010/main" val="0"/>
-                </a:ext>
-              </a:extLst>
-            </a:blip>
-            <a:stretch>
-              <a:fillRect/>
-            </a:stretch>
-          </p:blipFill>
-          <p:spPr>
-            <a:xfrm flipH="1" flipV="1">
-              <a:off x="6865074" y="1003710"/>
-              <a:ext cx="310119" cy="208223"/>
-            </a:xfrm>
-            <a:prstGeom prst="rect">
-              <a:avLst/>
-            </a:prstGeom>
-          </p:spPr>
-        </p:pic>
-        <p:sp>
-          <p:nvSpPr>
-            <p:cNvPr id="102" name="TextBox 101"/>
-            <p:cNvSpPr txBox="1"/>
-            <p:nvPr/>
-          </p:nvSpPr>
-          <p:spPr>
-            <a:xfrm>
-              <a:off x="3948140" y="15633"/>
-              <a:ext cx="2622128" cy="830997"/>
-            </a:xfrm>
-            <a:prstGeom prst="rect">
-              <a:avLst/>
-            </a:prstGeom>
-            <a:noFill/>
-          </p:spPr>
-          <p:txBody>
-            <a:bodyPr wrap="none" rtlCol="0">
-              <a:spAutoFit/>
-            </a:bodyPr>
-            <a:lstStyle/>
-            <a:p>
-              <a:r>
-                <a:rPr lang="en-US" sz="4800" b="1" i="1" dirty="0" smtClean="0"/>
-                <a:t>Functions</a:t>
-              </a:r>
-              <a:endParaRPr lang="en-US" sz="4800" b="1" i="1" dirty="0"/>
-            </a:p>
-          </p:txBody>
-        </p:sp>
-        <p:pic>
-          <p:nvPicPr>
-            <p:cNvPr id="103" name="Picture 102"/>
-            <p:cNvPicPr>
-              <a:picLocks noChangeAspect="1"/>
-            </p:cNvPicPr>
-            <p:nvPr/>
-          </p:nvPicPr>
-          <p:blipFill>
-            <a:blip r:embed="rId4">
-              <a:extLst>
-                <a:ext uri="{28A0092B-C50C-407E-A947-70E740481C1C}">
-                  <a14:useLocalDpi xmlns:a14="http://schemas.microsoft.com/office/drawing/2010/main" val="0"/>
-                </a:ext>
-              </a:extLst>
-            </a:blip>
-            <a:stretch>
-              <a:fillRect/>
-            </a:stretch>
-          </p:blipFill>
-          <p:spPr>
-            <a:xfrm>
-              <a:off x="3962259" y="910345"/>
-              <a:ext cx="853562" cy="285399"/>
-            </a:xfrm>
-            <a:prstGeom prst="rect">
-              <a:avLst/>
-            </a:prstGeom>
-          </p:spPr>
-        </p:pic>
-      </p:grpSp>
-      <p:grpSp>
-        <p:nvGrpSpPr>
-          <p:cNvPr id="104" name="Group 103"/>
-          <p:cNvGrpSpPr/>
-          <p:nvPr/>
-        </p:nvGrpSpPr>
-        <p:grpSpPr>
-          <a:xfrm>
-            <a:off x="7534030" y="1496320"/>
-            <a:ext cx="3629890" cy="1357745"/>
-            <a:chOff x="3767015" y="-18454"/>
-            <a:chExt cx="3629890" cy="1357745"/>
-          </a:xfrm>
-        </p:grpSpPr>
-        <p:sp>
-          <p:nvSpPr>
-            <p:cNvPr id="105" name="Rectangle 104"/>
-            <p:cNvSpPr/>
-            <p:nvPr/>
-          </p:nvSpPr>
-          <p:spPr>
-            <a:xfrm>
-              <a:off x="3767015" y="-18454"/>
-              <a:ext cx="3629890" cy="1357745"/>
-            </a:xfrm>
-            <a:prstGeom prst="rect">
-              <a:avLst/>
-            </a:prstGeom>
-            <a:solidFill>
-              <a:srgbClr val="E1210A"/>
-            </a:solidFill>
-            <a:ln>
-              <a:noFill/>
-            </a:ln>
-          </p:spPr>
-          <p:style>
-            <a:lnRef idx="2">
-              <a:schemeClr val="accent1">
-                <a:shade val="50000"/>
-              </a:schemeClr>
-            </a:lnRef>
-            <a:fillRef idx="1">
-              <a:schemeClr val="accent1"/>
-            </a:fillRef>
-            <a:effectRef idx="0">
-              <a:schemeClr val="accent1"/>
-            </a:effectRef>
-            <a:fontRef idx="minor">
-              <a:schemeClr val="lt1"/>
-            </a:fontRef>
-          </p:style>
-          <p:txBody>
-            <a:bodyPr rtlCol="0" anchor="ctr"/>
-            <a:lstStyle/>
-            <a:p>
-              <a:pPr algn="ctr"/>
-              <a:endParaRPr lang="en-US"/>
-            </a:p>
-          </p:txBody>
-        </p:sp>
-        <p:sp>
-          <p:nvSpPr>
-            <p:cNvPr id="106" name="TextBox 105"/>
-            <p:cNvSpPr txBox="1"/>
-            <p:nvPr/>
-          </p:nvSpPr>
-          <p:spPr>
-            <a:xfrm>
-              <a:off x="5989675" y="895451"/>
-              <a:ext cx="867545" cy="430887"/>
-            </a:xfrm>
-            <a:prstGeom prst="rect">
-              <a:avLst/>
-            </a:prstGeom>
-            <a:noFill/>
-          </p:spPr>
-          <p:txBody>
-            <a:bodyPr wrap="none" rtlCol="0">
-              <a:spAutoFit/>
-            </a:bodyPr>
-            <a:lstStyle/>
-            <a:p>
-              <a:r>
-                <a:rPr lang="en-US" sz="2200" b="1" smtClean="0"/>
-                <a:t>HTML</a:t>
-              </a:r>
-              <a:endParaRPr lang="en-US" sz="2200" b="1" dirty="0"/>
-            </a:p>
-          </p:txBody>
-        </p:sp>
-        <p:pic>
-          <p:nvPicPr>
-            <p:cNvPr id="107" name="Picture 106"/>
-            <p:cNvPicPr>
-              <a:picLocks noChangeAspect="1"/>
-            </p:cNvPicPr>
-            <p:nvPr/>
-          </p:nvPicPr>
-          <p:blipFill>
-            <a:blip r:embed="rId3">
-              <a:extLst>
-                <a:ext uri="{28A0092B-C50C-407E-A947-70E740481C1C}">
-                  <a14:useLocalDpi xmlns:a14="http://schemas.microsoft.com/office/drawing/2010/main" val="0"/>
-                </a:ext>
-              </a:extLst>
-            </a:blip>
-            <a:stretch>
-              <a:fillRect/>
-            </a:stretch>
-          </p:blipFill>
-          <p:spPr>
-            <a:xfrm flipH="1" flipV="1">
-              <a:off x="6874960" y="993824"/>
-              <a:ext cx="310119" cy="208223"/>
-            </a:xfrm>
-            <a:prstGeom prst="rect">
-              <a:avLst/>
-            </a:prstGeom>
-          </p:spPr>
-        </p:pic>
-        <p:sp>
-          <p:nvSpPr>
-            <p:cNvPr id="108" name="TextBox 107"/>
-            <p:cNvSpPr txBox="1"/>
-            <p:nvPr/>
-          </p:nvSpPr>
-          <p:spPr>
-            <a:xfrm>
-              <a:off x="3948140" y="15633"/>
-              <a:ext cx="3130985" cy="830997"/>
-            </a:xfrm>
-            <a:prstGeom prst="rect">
-              <a:avLst/>
-            </a:prstGeom>
-            <a:noFill/>
-          </p:spPr>
-          <p:txBody>
-            <a:bodyPr wrap="none" rtlCol="0">
-              <a:spAutoFit/>
-            </a:bodyPr>
-            <a:lstStyle/>
-            <a:p>
-              <a:r>
-                <a:rPr lang="en-US" sz="4800" b="1" i="1" dirty="0" smtClean="0"/>
-                <a:t>HTML Basic</a:t>
-              </a:r>
-              <a:endParaRPr lang="en-US" sz="4800" b="1" i="1" dirty="0"/>
-            </a:p>
-          </p:txBody>
-        </p:sp>
-        <p:pic>
-          <p:nvPicPr>
-            <p:cNvPr id="109" name="Picture 108"/>
-            <p:cNvPicPr>
-              <a:picLocks noChangeAspect="1"/>
-            </p:cNvPicPr>
-            <p:nvPr/>
-          </p:nvPicPr>
-          <p:blipFill>
-            <a:blip r:embed="rId4">
-              <a:extLst>
-                <a:ext uri="{28A0092B-C50C-407E-A947-70E740481C1C}">
-                  <a14:useLocalDpi xmlns:a14="http://schemas.microsoft.com/office/drawing/2010/main" val="0"/>
-                </a:ext>
-              </a:extLst>
-            </a:blip>
-            <a:stretch>
-              <a:fillRect/>
-            </a:stretch>
-          </p:blipFill>
-          <p:spPr>
-            <a:xfrm>
-              <a:off x="3962259" y="910345"/>
-              <a:ext cx="853562" cy="285399"/>
-            </a:xfrm>
-            <a:prstGeom prst="rect">
-              <a:avLst/>
-            </a:prstGeom>
-          </p:spPr>
-        </p:pic>
-      </p:grpSp>
-      <p:grpSp>
-        <p:nvGrpSpPr>
-          <p:cNvPr id="110" name="Group 109"/>
-          <p:cNvGrpSpPr/>
-          <p:nvPr/>
-        </p:nvGrpSpPr>
-        <p:grpSpPr>
-          <a:xfrm>
-            <a:off x="11335549" y="1496320"/>
-            <a:ext cx="3629890" cy="1357745"/>
-            <a:chOff x="3767015" y="-18454"/>
-            <a:chExt cx="3629890" cy="1357745"/>
-          </a:xfrm>
-          <a:solidFill>
-            <a:srgbClr val="9443DD"/>
-          </a:solidFill>
-        </p:grpSpPr>
-        <p:sp>
-          <p:nvSpPr>
-            <p:cNvPr id="111" name="Rectangle 110"/>
-            <p:cNvSpPr/>
-            <p:nvPr/>
-          </p:nvSpPr>
-          <p:spPr>
-            <a:xfrm>
-              <a:off x="3767015" y="-18454"/>
-              <a:ext cx="3629890" cy="1357745"/>
-            </a:xfrm>
-            <a:prstGeom prst="rect">
-              <a:avLst/>
-            </a:prstGeom>
-            <a:grpFill/>
-            <a:ln>
-              <a:noFill/>
-            </a:ln>
-          </p:spPr>
-          <p:style>
-            <a:lnRef idx="2">
-              <a:schemeClr val="accent1">
-                <a:shade val="50000"/>
-              </a:schemeClr>
-            </a:lnRef>
-            <a:fillRef idx="1">
-              <a:schemeClr val="accent1"/>
-            </a:fillRef>
-            <a:effectRef idx="0">
-              <a:schemeClr val="accent1"/>
-            </a:effectRef>
-            <a:fontRef idx="minor">
-              <a:schemeClr val="lt1"/>
-            </a:fontRef>
-          </p:style>
-          <p:txBody>
-            <a:bodyPr rtlCol="0" anchor="ctr"/>
-            <a:lstStyle/>
-            <a:p>
-              <a:pPr algn="ctr"/>
-              <a:endParaRPr lang="en-US"/>
-            </a:p>
-          </p:txBody>
-        </p:sp>
-        <p:sp>
-          <p:nvSpPr>
-            <p:cNvPr id="112" name="TextBox 111"/>
-            <p:cNvSpPr txBox="1"/>
-            <p:nvPr/>
-          </p:nvSpPr>
-          <p:spPr>
-            <a:xfrm>
-              <a:off x="6273374" y="891245"/>
-              <a:ext cx="599844" cy="430887"/>
-            </a:xfrm>
-            <a:prstGeom prst="rect">
-              <a:avLst/>
-            </a:prstGeom>
-            <a:grpFill/>
-          </p:spPr>
-          <p:txBody>
-            <a:bodyPr wrap="none" rtlCol="0">
-              <a:spAutoFit/>
-            </a:bodyPr>
-            <a:lstStyle/>
-            <a:p>
-              <a:r>
-                <a:rPr lang="en-US" sz="2200" b="1" dirty="0" smtClean="0"/>
-                <a:t>CSS</a:t>
-              </a:r>
-              <a:endParaRPr lang="en-US" sz="2200" b="1" dirty="0"/>
-            </a:p>
-          </p:txBody>
-        </p:sp>
-        <p:pic>
-          <p:nvPicPr>
-            <p:cNvPr id="113" name="Picture 112"/>
-            <p:cNvPicPr>
-              <a:picLocks noChangeAspect="1"/>
-            </p:cNvPicPr>
-            <p:nvPr/>
-          </p:nvPicPr>
-          <p:blipFill>
-            <a:blip r:embed="rId3">
-              <a:extLst>
-                <a:ext uri="{28A0092B-C50C-407E-A947-70E740481C1C}">
-                  <a14:useLocalDpi xmlns:a14="http://schemas.microsoft.com/office/drawing/2010/main" val="0"/>
-                </a:ext>
-              </a:extLst>
-            </a:blip>
-            <a:stretch>
-              <a:fillRect/>
-            </a:stretch>
-          </p:blipFill>
-          <p:spPr>
-            <a:xfrm flipH="1" flipV="1">
-              <a:off x="6874960" y="993824"/>
-              <a:ext cx="310119" cy="208223"/>
-            </a:xfrm>
-            <a:prstGeom prst="rect">
-              <a:avLst/>
-            </a:prstGeom>
-            <a:grpFill/>
-          </p:spPr>
-        </p:pic>
-        <p:sp>
-          <p:nvSpPr>
-            <p:cNvPr id="114" name="TextBox 113"/>
-            <p:cNvSpPr txBox="1"/>
-            <p:nvPr/>
-          </p:nvSpPr>
-          <p:spPr>
-            <a:xfrm>
-              <a:off x="3948140" y="15633"/>
-              <a:ext cx="2165978" cy="830997"/>
-            </a:xfrm>
-            <a:prstGeom prst="rect">
-              <a:avLst/>
-            </a:prstGeom>
-            <a:grpFill/>
-          </p:spPr>
-          <p:txBody>
-            <a:bodyPr wrap="none" rtlCol="0">
-              <a:spAutoFit/>
-            </a:bodyPr>
-            <a:lstStyle/>
-            <a:p>
-              <a:r>
-                <a:rPr lang="en-US" sz="4800" b="1" i="1" dirty="0" smtClean="0"/>
-                <a:t>Layouts</a:t>
-              </a:r>
-              <a:endParaRPr lang="en-US" sz="4800" b="1" i="1" dirty="0"/>
-            </a:p>
-          </p:txBody>
-        </p:sp>
-        <p:pic>
-          <p:nvPicPr>
-            <p:cNvPr id="115" name="Picture 114"/>
-            <p:cNvPicPr>
-              <a:picLocks noChangeAspect="1"/>
-            </p:cNvPicPr>
-            <p:nvPr/>
-          </p:nvPicPr>
-          <p:blipFill>
-            <a:blip r:embed="rId4">
-              <a:extLst>
-                <a:ext uri="{28A0092B-C50C-407E-A947-70E740481C1C}">
-                  <a14:useLocalDpi xmlns:a14="http://schemas.microsoft.com/office/drawing/2010/main" val="0"/>
-                </a:ext>
-              </a:extLst>
-            </a:blip>
-            <a:stretch>
-              <a:fillRect/>
-            </a:stretch>
-          </p:blipFill>
-          <p:spPr>
-            <a:xfrm>
-              <a:off x="3962259" y="910345"/>
-              <a:ext cx="853562" cy="285399"/>
-            </a:xfrm>
-            <a:prstGeom prst="rect">
-              <a:avLst/>
-            </a:prstGeom>
-            <a:grpFill/>
-          </p:spPr>
-        </p:pic>
-      </p:grpSp>
-      <p:grpSp>
-        <p:nvGrpSpPr>
-          <p:cNvPr id="116" name="Group 115"/>
-          <p:cNvGrpSpPr/>
-          <p:nvPr/>
-        </p:nvGrpSpPr>
-        <p:grpSpPr>
-          <a:xfrm>
-            <a:off x="11373418" y="2999337"/>
-            <a:ext cx="3629890" cy="1357745"/>
-            <a:chOff x="3767015" y="-18454"/>
-            <a:chExt cx="3629890" cy="1357745"/>
-          </a:xfrm>
-          <a:solidFill>
-            <a:srgbClr val="9443DD"/>
-          </a:solidFill>
-        </p:grpSpPr>
-        <p:sp>
-          <p:nvSpPr>
-            <p:cNvPr id="117" name="Rectangle 116"/>
-            <p:cNvSpPr/>
-            <p:nvPr/>
-          </p:nvSpPr>
-          <p:spPr>
-            <a:xfrm>
-              <a:off x="3767015" y="-18454"/>
-              <a:ext cx="3629890" cy="1357745"/>
-            </a:xfrm>
-            <a:prstGeom prst="rect">
-              <a:avLst/>
-            </a:prstGeom>
-            <a:grpFill/>
-            <a:ln>
-              <a:noFill/>
-            </a:ln>
-          </p:spPr>
-          <p:style>
-            <a:lnRef idx="2">
-              <a:schemeClr val="accent1">
-                <a:shade val="50000"/>
-              </a:schemeClr>
-            </a:lnRef>
-            <a:fillRef idx="1">
-              <a:schemeClr val="accent1"/>
-            </a:fillRef>
-            <a:effectRef idx="0">
-              <a:schemeClr val="accent1"/>
-            </a:effectRef>
-            <a:fontRef idx="minor">
-              <a:schemeClr val="lt1"/>
-            </a:fontRef>
-          </p:style>
-          <p:txBody>
-            <a:bodyPr rtlCol="0" anchor="ctr"/>
-            <a:lstStyle/>
-            <a:p>
-              <a:pPr algn="ctr"/>
-              <a:endParaRPr lang="en-US"/>
-            </a:p>
-          </p:txBody>
-        </p:sp>
-        <p:sp>
-          <p:nvSpPr>
-            <p:cNvPr id="118" name="TextBox 117"/>
-            <p:cNvSpPr txBox="1"/>
-            <p:nvPr/>
-          </p:nvSpPr>
-          <p:spPr>
-            <a:xfrm>
-              <a:off x="6273374" y="891245"/>
-              <a:ext cx="599844" cy="430887"/>
-            </a:xfrm>
-            <a:prstGeom prst="rect">
-              <a:avLst/>
-            </a:prstGeom>
-            <a:grpFill/>
-          </p:spPr>
-          <p:txBody>
-            <a:bodyPr wrap="none" rtlCol="0">
-              <a:spAutoFit/>
-            </a:bodyPr>
-            <a:lstStyle/>
-            <a:p>
-              <a:r>
-                <a:rPr lang="en-US" sz="2200" b="1" dirty="0" smtClean="0"/>
-                <a:t>CSS</a:t>
-              </a:r>
-              <a:endParaRPr lang="en-US" sz="2200" b="1" dirty="0"/>
-            </a:p>
-          </p:txBody>
-        </p:sp>
-        <p:pic>
-          <p:nvPicPr>
-            <p:cNvPr id="119" name="Picture 118"/>
-            <p:cNvPicPr>
-              <a:picLocks noChangeAspect="1"/>
-            </p:cNvPicPr>
-            <p:nvPr/>
-          </p:nvPicPr>
-          <p:blipFill>
-            <a:blip r:embed="rId3">
-              <a:extLst>
-                <a:ext uri="{28A0092B-C50C-407E-A947-70E740481C1C}">
-                  <a14:useLocalDpi xmlns:a14="http://schemas.microsoft.com/office/drawing/2010/main" val="0"/>
-                </a:ext>
-              </a:extLst>
-            </a:blip>
-            <a:stretch>
-              <a:fillRect/>
-            </a:stretch>
-          </p:blipFill>
-          <p:spPr>
-            <a:xfrm flipH="1" flipV="1">
-              <a:off x="6874960" y="993824"/>
-              <a:ext cx="310119" cy="208223"/>
-            </a:xfrm>
-            <a:prstGeom prst="rect">
-              <a:avLst/>
-            </a:prstGeom>
-            <a:grpFill/>
-          </p:spPr>
-        </p:pic>
-        <p:sp>
-          <p:nvSpPr>
-            <p:cNvPr id="120" name="TextBox 119"/>
-            <p:cNvSpPr txBox="1"/>
-            <p:nvPr/>
-          </p:nvSpPr>
-          <p:spPr>
-            <a:xfrm>
-              <a:off x="3948140" y="15633"/>
-              <a:ext cx="2533066" cy="830997"/>
-            </a:xfrm>
-            <a:prstGeom prst="rect">
-              <a:avLst/>
-            </a:prstGeom>
-            <a:grpFill/>
-          </p:spPr>
-          <p:txBody>
-            <a:bodyPr wrap="none" rtlCol="0">
-              <a:spAutoFit/>
-            </a:bodyPr>
-            <a:lstStyle/>
-            <a:p>
-              <a:r>
-                <a:rPr lang="en-US" sz="4800" b="1" i="1" dirty="0" smtClean="0"/>
-                <a:t>CSS Basic</a:t>
-              </a:r>
-              <a:endParaRPr lang="en-US" sz="4800" b="1" i="1" dirty="0"/>
-            </a:p>
-          </p:txBody>
-        </p:sp>
-        <p:pic>
-          <p:nvPicPr>
-            <p:cNvPr id="121" name="Picture 120"/>
-            <p:cNvPicPr>
-              <a:picLocks noChangeAspect="1"/>
-            </p:cNvPicPr>
-            <p:nvPr/>
-          </p:nvPicPr>
-          <p:blipFill>
-            <a:blip r:embed="rId4">
-              <a:extLst>
-                <a:ext uri="{28A0092B-C50C-407E-A947-70E740481C1C}">
-                  <a14:useLocalDpi xmlns:a14="http://schemas.microsoft.com/office/drawing/2010/main" val="0"/>
-                </a:ext>
-              </a:extLst>
-            </a:blip>
-            <a:stretch>
-              <a:fillRect/>
-            </a:stretch>
-          </p:blipFill>
-          <p:spPr>
-            <a:xfrm>
-              <a:off x="3962259" y="910345"/>
-              <a:ext cx="853562" cy="285399"/>
-            </a:xfrm>
-            <a:prstGeom prst="rect">
-              <a:avLst/>
-            </a:prstGeom>
-            <a:grpFill/>
-          </p:spPr>
-        </p:pic>
-      </p:grpSp>
-      <p:grpSp>
-        <p:nvGrpSpPr>
-          <p:cNvPr id="122" name="Group 121"/>
-          <p:cNvGrpSpPr/>
-          <p:nvPr/>
-        </p:nvGrpSpPr>
-        <p:grpSpPr>
-          <a:xfrm>
-            <a:off x="11335549" y="4502354"/>
-            <a:ext cx="3629890" cy="1357745"/>
-            <a:chOff x="3767015" y="-18454"/>
-            <a:chExt cx="3629890" cy="1357745"/>
-          </a:xfrm>
-          <a:solidFill>
-            <a:srgbClr val="9443DD"/>
-          </a:solidFill>
-        </p:grpSpPr>
-        <p:sp>
-          <p:nvSpPr>
-            <p:cNvPr id="123" name="Rectangle 122"/>
-            <p:cNvSpPr/>
-            <p:nvPr/>
-          </p:nvSpPr>
-          <p:spPr>
-            <a:xfrm>
-              <a:off x="3767015" y="-18454"/>
-              <a:ext cx="3629890" cy="1357745"/>
-            </a:xfrm>
-            <a:prstGeom prst="rect">
-              <a:avLst/>
-            </a:prstGeom>
-            <a:grpFill/>
-            <a:ln>
-              <a:noFill/>
-            </a:ln>
-          </p:spPr>
-          <p:style>
-            <a:lnRef idx="2">
-              <a:schemeClr val="accent1">
-                <a:shade val="50000"/>
-              </a:schemeClr>
-            </a:lnRef>
-            <a:fillRef idx="1">
-              <a:schemeClr val="accent1"/>
-            </a:fillRef>
-            <a:effectRef idx="0">
-              <a:schemeClr val="accent1"/>
-            </a:effectRef>
-            <a:fontRef idx="minor">
-              <a:schemeClr val="lt1"/>
-            </a:fontRef>
-          </p:style>
-          <p:txBody>
-            <a:bodyPr rtlCol="0" anchor="ctr"/>
-            <a:lstStyle/>
-            <a:p>
-              <a:pPr algn="ctr"/>
-              <a:endParaRPr lang="en-US"/>
-            </a:p>
-          </p:txBody>
-        </p:sp>
-        <p:sp>
-          <p:nvSpPr>
-            <p:cNvPr id="124" name="TextBox 123"/>
-            <p:cNvSpPr txBox="1"/>
-            <p:nvPr/>
-          </p:nvSpPr>
-          <p:spPr>
-            <a:xfrm>
-              <a:off x="6273374" y="891245"/>
-              <a:ext cx="599844" cy="430887"/>
-            </a:xfrm>
-            <a:prstGeom prst="rect">
-              <a:avLst/>
-            </a:prstGeom>
-            <a:grpFill/>
-          </p:spPr>
-          <p:txBody>
-            <a:bodyPr wrap="none" rtlCol="0">
-              <a:spAutoFit/>
-            </a:bodyPr>
-            <a:lstStyle/>
-            <a:p>
-              <a:r>
-                <a:rPr lang="en-US" sz="2200" b="1" dirty="0" smtClean="0"/>
-                <a:t>CSS</a:t>
-              </a:r>
-              <a:endParaRPr lang="en-US" sz="2200" b="1" dirty="0"/>
-            </a:p>
-          </p:txBody>
-        </p:sp>
-        <p:pic>
-          <p:nvPicPr>
-            <p:cNvPr id="125" name="Picture 124"/>
-            <p:cNvPicPr>
-              <a:picLocks noChangeAspect="1"/>
-            </p:cNvPicPr>
-            <p:nvPr/>
-          </p:nvPicPr>
-          <p:blipFill>
-            <a:blip r:embed="rId3">
-              <a:extLst>
-                <a:ext uri="{28A0092B-C50C-407E-A947-70E740481C1C}">
-                  <a14:useLocalDpi xmlns:a14="http://schemas.microsoft.com/office/drawing/2010/main" val="0"/>
-                </a:ext>
-              </a:extLst>
-            </a:blip>
-            <a:stretch>
-              <a:fillRect/>
-            </a:stretch>
-          </p:blipFill>
-          <p:spPr>
-            <a:xfrm flipH="1" flipV="1">
-              <a:off x="6874960" y="993824"/>
-              <a:ext cx="310119" cy="208223"/>
-            </a:xfrm>
-            <a:prstGeom prst="rect">
-              <a:avLst/>
-            </a:prstGeom>
-            <a:grpFill/>
-          </p:spPr>
-        </p:pic>
-        <p:sp>
-          <p:nvSpPr>
-            <p:cNvPr id="126" name="TextBox 125"/>
-            <p:cNvSpPr txBox="1"/>
-            <p:nvPr/>
-          </p:nvSpPr>
-          <p:spPr>
-            <a:xfrm>
-              <a:off x="3948140" y="15633"/>
-              <a:ext cx="3040128" cy="830997"/>
-            </a:xfrm>
-            <a:prstGeom prst="rect">
-              <a:avLst/>
-            </a:prstGeom>
-            <a:grpFill/>
-          </p:spPr>
-          <p:txBody>
-            <a:bodyPr wrap="none" rtlCol="0">
-              <a:spAutoFit/>
-            </a:bodyPr>
-            <a:lstStyle/>
-            <a:p>
-              <a:r>
-                <a:rPr lang="en-US" sz="4800" b="1" i="1" dirty="0" smtClean="0"/>
-                <a:t>Scaffolding</a:t>
-              </a:r>
-              <a:endParaRPr lang="en-US" sz="4800" b="1" i="1" dirty="0"/>
-            </a:p>
-          </p:txBody>
-        </p:sp>
-        <p:pic>
-          <p:nvPicPr>
-            <p:cNvPr id="127" name="Picture 126"/>
-            <p:cNvPicPr>
-              <a:picLocks noChangeAspect="1"/>
-            </p:cNvPicPr>
-            <p:nvPr/>
-          </p:nvPicPr>
-          <p:blipFill>
-            <a:blip r:embed="rId4">
-              <a:extLst>
-                <a:ext uri="{28A0092B-C50C-407E-A947-70E740481C1C}">
-                  <a14:useLocalDpi xmlns:a14="http://schemas.microsoft.com/office/drawing/2010/main" val="0"/>
-                </a:ext>
-              </a:extLst>
-            </a:blip>
-            <a:stretch>
-              <a:fillRect/>
-            </a:stretch>
-          </p:blipFill>
-          <p:spPr>
-            <a:xfrm>
-              <a:off x="3962259" y="910345"/>
-              <a:ext cx="853562" cy="285399"/>
-            </a:xfrm>
-            <a:prstGeom prst="rect">
-              <a:avLst/>
-            </a:prstGeom>
-            <a:grpFill/>
-          </p:spPr>
-        </p:pic>
-      </p:grpSp>
-      <p:grpSp>
-        <p:nvGrpSpPr>
-          <p:cNvPr id="138" name="Group 137"/>
-          <p:cNvGrpSpPr/>
-          <p:nvPr/>
-        </p:nvGrpSpPr>
-        <p:grpSpPr>
-          <a:xfrm>
-            <a:off x="7534030" y="2991259"/>
-            <a:ext cx="3631633" cy="1373899"/>
-            <a:chOff x="2912944" y="5550787"/>
-            <a:chExt cx="3631633" cy="1373899"/>
-          </a:xfrm>
-        </p:grpSpPr>
-        <p:sp>
-          <p:nvSpPr>
-            <p:cNvPr id="136" name="Rectangle 135"/>
-            <p:cNvSpPr/>
-            <p:nvPr/>
-          </p:nvSpPr>
-          <p:spPr>
-            <a:xfrm rot="10800000">
-              <a:off x="2914687" y="5559047"/>
-              <a:ext cx="3629890" cy="1357745"/>
-            </a:xfrm>
-            <a:prstGeom prst="rect">
-              <a:avLst/>
-            </a:prstGeom>
-            <a:solidFill>
-              <a:srgbClr val="9443DD"/>
-            </a:solidFill>
-            <a:ln>
-              <a:noFill/>
-            </a:ln>
-          </p:spPr>
-          <p:style>
-            <a:lnRef idx="2">
-              <a:schemeClr val="accent1">
-                <a:shade val="50000"/>
-              </a:schemeClr>
-            </a:lnRef>
-            <a:fillRef idx="1">
-              <a:schemeClr val="accent1"/>
-            </a:fillRef>
-            <a:effectRef idx="0">
-              <a:schemeClr val="accent1"/>
-            </a:effectRef>
-            <a:fontRef idx="minor">
-              <a:schemeClr val="lt1"/>
-            </a:fontRef>
-          </p:style>
-          <p:txBody>
-            <a:bodyPr rtlCol="0" anchor="ctr"/>
-            <a:lstStyle/>
-            <a:p>
-              <a:pPr algn="ctr"/>
-              <a:endParaRPr lang="en-US"/>
-            </a:p>
-          </p:txBody>
-        </p:sp>
-        <p:sp>
-          <p:nvSpPr>
-            <p:cNvPr id="137" name="Right Triangle 136"/>
-            <p:cNvSpPr/>
-            <p:nvPr/>
-          </p:nvSpPr>
-          <p:spPr>
-            <a:xfrm rot="10800000">
-              <a:off x="2912944" y="5559046"/>
-              <a:ext cx="3631633" cy="1365640"/>
-            </a:xfrm>
-            <a:prstGeom prst="rtTriangle">
-              <a:avLst/>
-            </a:prstGeom>
-            <a:solidFill>
-              <a:srgbClr val="E1210A"/>
-            </a:solidFill>
-            <a:ln>
-              <a:noFill/>
-            </a:ln>
-          </p:spPr>
-          <p:style>
-            <a:lnRef idx="2">
-              <a:schemeClr val="accent1">
-                <a:shade val="50000"/>
-              </a:schemeClr>
-            </a:lnRef>
-            <a:fillRef idx="1">
-              <a:schemeClr val="accent1"/>
-            </a:fillRef>
-            <a:effectRef idx="0">
-              <a:schemeClr val="accent1"/>
-            </a:effectRef>
-            <a:fontRef idx="minor">
-              <a:schemeClr val="lt1"/>
-            </a:fontRef>
-          </p:style>
-          <p:txBody>
-            <a:bodyPr rtlCol="0" anchor="ctr"/>
-            <a:lstStyle/>
-            <a:p>
-              <a:pPr algn="ctr"/>
-              <a:endParaRPr lang="en-US"/>
-            </a:p>
-          </p:txBody>
-        </p:sp>
-        <p:sp>
-          <p:nvSpPr>
-            <p:cNvPr id="130" name="TextBox 129"/>
-            <p:cNvSpPr txBox="1"/>
-            <p:nvPr/>
-          </p:nvSpPr>
-          <p:spPr>
-            <a:xfrm>
-              <a:off x="4659586" y="6469263"/>
-              <a:ext cx="1404552" cy="430887"/>
-            </a:xfrm>
-            <a:prstGeom prst="rect">
-              <a:avLst/>
-            </a:prstGeom>
-            <a:noFill/>
-          </p:spPr>
-          <p:txBody>
-            <a:bodyPr wrap="none" rtlCol="0">
-              <a:spAutoFit/>
-            </a:bodyPr>
-            <a:lstStyle/>
-            <a:p>
-              <a:r>
-                <a:rPr lang="en-US" sz="2200" b="1" dirty="0" smtClean="0"/>
-                <a:t>HTML/CSS</a:t>
-              </a:r>
-              <a:endParaRPr lang="en-US" sz="2200" b="1" dirty="0"/>
-            </a:p>
-          </p:txBody>
-        </p:sp>
-        <p:pic>
-          <p:nvPicPr>
-            <p:cNvPr id="131" name="Picture 130"/>
-            <p:cNvPicPr>
-              <a:picLocks noChangeAspect="1"/>
-            </p:cNvPicPr>
-            <p:nvPr/>
-          </p:nvPicPr>
-          <p:blipFill>
-            <a:blip r:embed="rId3">
-              <a:extLst>
-                <a:ext uri="{28A0092B-C50C-407E-A947-70E740481C1C}">
-                  <a14:useLocalDpi xmlns:a14="http://schemas.microsoft.com/office/drawing/2010/main" val="0"/>
-                </a:ext>
-              </a:extLst>
-            </a:blip>
-            <a:stretch>
-              <a:fillRect/>
-            </a:stretch>
-          </p:blipFill>
-          <p:spPr>
-            <a:xfrm flipH="1" flipV="1">
-              <a:off x="6075567" y="6586130"/>
-              <a:ext cx="310119" cy="208223"/>
-            </a:xfrm>
-            <a:prstGeom prst="rect">
-              <a:avLst/>
-            </a:prstGeom>
-            <a:solidFill>
-              <a:srgbClr val="9443DD"/>
-            </a:solidFill>
-          </p:spPr>
-        </p:pic>
-        <p:sp>
-          <p:nvSpPr>
-            <p:cNvPr id="132" name="TextBox 131"/>
-            <p:cNvSpPr txBox="1"/>
-            <p:nvPr/>
-          </p:nvSpPr>
-          <p:spPr>
-            <a:xfrm>
-              <a:off x="3134459" y="5550787"/>
-              <a:ext cx="2709011" cy="830997"/>
-            </a:xfrm>
-            <a:prstGeom prst="rect">
-              <a:avLst/>
-            </a:prstGeom>
-            <a:noFill/>
-          </p:spPr>
-          <p:txBody>
-            <a:bodyPr wrap="none" rtlCol="0">
-              <a:spAutoFit/>
-            </a:bodyPr>
-            <a:lstStyle/>
-            <a:p>
-              <a:r>
-                <a:rPr lang="en-US" sz="4800" b="1" i="1" dirty="0" smtClean="0"/>
-                <a:t>Bootstrap</a:t>
-              </a:r>
-              <a:endParaRPr lang="en-US" sz="4800" b="1" i="1" dirty="0"/>
-            </a:p>
-          </p:txBody>
-        </p:sp>
-        <p:pic>
-          <p:nvPicPr>
-            <p:cNvPr id="133" name="Picture 132"/>
-            <p:cNvPicPr>
-              <a:picLocks noChangeAspect="1"/>
-            </p:cNvPicPr>
-            <p:nvPr/>
-          </p:nvPicPr>
-          <p:blipFill>
-            <a:blip r:embed="rId4">
-              <a:extLst>
-                <a:ext uri="{28A0092B-C50C-407E-A947-70E740481C1C}">
-                  <a14:useLocalDpi xmlns:a14="http://schemas.microsoft.com/office/drawing/2010/main" val="0"/>
-                </a:ext>
-              </a:extLst>
-            </a:blip>
-            <a:stretch>
-              <a:fillRect/>
-            </a:stretch>
-          </p:blipFill>
-          <p:spPr>
-            <a:xfrm>
-              <a:off x="3162866" y="6502651"/>
-              <a:ext cx="853562" cy="285399"/>
-            </a:xfrm>
-            <a:prstGeom prst="rect">
-              <a:avLst/>
-            </a:prstGeom>
-            <a:solidFill>
-              <a:srgbClr val="9443DD"/>
-            </a:solidFill>
-          </p:spPr>
-        </p:pic>
-      </p:grpSp>
-      <p:grpSp>
-        <p:nvGrpSpPr>
-          <p:cNvPr id="92" name="Group 91"/>
-          <p:cNvGrpSpPr/>
-          <p:nvPr/>
-        </p:nvGrpSpPr>
-        <p:grpSpPr>
-          <a:xfrm>
-            <a:off x="15051059" y="0"/>
-            <a:ext cx="3629890" cy="1357745"/>
-            <a:chOff x="3767015" y="-18454"/>
-            <a:chExt cx="3629890" cy="1357745"/>
-          </a:xfrm>
-          <a:solidFill>
-            <a:srgbClr val="9443DD"/>
-          </a:solidFill>
-        </p:grpSpPr>
-        <p:sp>
-          <p:nvSpPr>
-            <p:cNvPr id="93" name="Rectangle 92"/>
-            <p:cNvSpPr/>
-            <p:nvPr/>
-          </p:nvSpPr>
-          <p:spPr>
-            <a:xfrm>
-              <a:off x="3767015" y="-18454"/>
-              <a:ext cx="3629890" cy="1357745"/>
-            </a:xfrm>
-            <a:prstGeom prst="rect">
-              <a:avLst/>
-            </a:prstGeom>
-            <a:solidFill>
-              <a:srgbClr val="00B0F0"/>
-            </a:solidFill>
-            <a:ln>
-              <a:noFill/>
-            </a:ln>
-          </p:spPr>
-          <p:style>
-            <a:lnRef idx="2">
-              <a:schemeClr val="accent1">
-                <a:shade val="50000"/>
-              </a:schemeClr>
-            </a:lnRef>
-            <a:fillRef idx="1">
-              <a:schemeClr val="accent1"/>
-            </a:fillRef>
-            <a:effectRef idx="0">
-              <a:schemeClr val="accent1"/>
-            </a:effectRef>
-            <a:fontRef idx="minor">
-              <a:schemeClr val="lt1"/>
-            </a:fontRef>
-          </p:style>
-          <p:txBody>
-            <a:bodyPr rtlCol="0" anchor="ctr"/>
-            <a:lstStyle/>
-            <a:p>
-              <a:pPr algn="ctr"/>
-              <a:endParaRPr lang="en-US"/>
-            </a:p>
-          </p:txBody>
-        </p:sp>
-        <p:sp>
-          <p:nvSpPr>
-            <p:cNvPr id="94" name="TextBox 93"/>
-            <p:cNvSpPr txBox="1"/>
-            <p:nvPr/>
-          </p:nvSpPr>
-          <p:spPr>
-            <a:xfrm>
-              <a:off x="6201934" y="891245"/>
-              <a:ext cx="663964" cy="430887"/>
-            </a:xfrm>
-            <a:prstGeom prst="rect">
-              <a:avLst/>
-            </a:prstGeom>
-            <a:noFill/>
-          </p:spPr>
-          <p:txBody>
-            <a:bodyPr wrap="none" rtlCol="0">
-              <a:spAutoFit/>
-            </a:bodyPr>
-            <a:lstStyle/>
-            <a:p>
-              <a:r>
-                <a:rPr lang="en-US" sz="2200" b="1" dirty="0" smtClean="0"/>
-                <a:t>PHP</a:t>
-              </a:r>
-              <a:endParaRPr lang="en-US" sz="2200" b="1" dirty="0"/>
-            </a:p>
-          </p:txBody>
-        </p:sp>
-        <p:pic>
-          <p:nvPicPr>
-            <p:cNvPr id="95" name="Picture 94"/>
-            <p:cNvPicPr>
-              <a:picLocks noChangeAspect="1"/>
-            </p:cNvPicPr>
-            <p:nvPr/>
-          </p:nvPicPr>
-          <p:blipFill>
-            <a:blip r:embed="rId3">
-              <a:extLst>
-                <a:ext uri="{28A0092B-C50C-407E-A947-70E740481C1C}">
-                  <a14:useLocalDpi xmlns:a14="http://schemas.microsoft.com/office/drawing/2010/main" val="0"/>
-                </a:ext>
-              </a:extLst>
-            </a:blip>
-            <a:stretch>
-              <a:fillRect/>
-            </a:stretch>
-          </p:blipFill>
-          <p:spPr>
-            <a:xfrm flipH="1" flipV="1">
-              <a:off x="6874960" y="993824"/>
-              <a:ext cx="310119" cy="208223"/>
-            </a:xfrm>
-            <a:prstGeom prst="rect">
-              <a:avLst/>
-            </a:prstGeom>
-            <a:grpFill/>
-          </p:spPr>
-        </p:pic>
-        <p:sp>
-          <p:nvSpPr>
-            <p:cNvPr id="96" name="TextBox 95"/>
-            <p:cNvSpPr txBox="1"/>
-            <p:nvPr/>
-          </p:nvSpPr>
-          <p:spPr>
-            <a:xfrm>
-              <a:off x="3905276" y="15633"/>
-              <a:ext cx="3347263" cy="707886"/>
-            </a:xfrm>
-            <a:prstGeom prst="rect">
-              <a:avLst/>
-            </a:prstGeom>
-            <a:noFill/>
-          </p:spPr>
-          <p:txBody>
-            <a:bodyPr wrap="none" rtlCol="0">
-              <a:spAutoFit/>
-            </a:bodyPr>
-            <a:lstStyle/>
-            <a:p>
-              <a:r>
-                <a:rPr lang="en-US" sz="4000" b="1" i="1" smtClean="0"/>
-                <a:t>From JS </a:t>
-              </a:r>
-              <a:r>
-                <a:rPr lang="en-US" sz="4000" b="1" i="1" dirty="0" smtClean="0"/>
-                <a:t>to PHP</a:t>
-              </a:r>
-              <a:endParaRPr lang="en-US" sz="4000" b="1" i="1" dirty="0"/>
-            </a:p>
-          </p:txBody>
-        </p:sp>
-        <p:pic>
-          <p:nvPicPr>
-            <p:cNvPr id="97" name="Picture 96"/>
-            <p:cNvPicPr>
-              <a:picLocks noChangeAspect="1"/>
-            </p:cNvPicPr>
-            <p:nvPr/>
-          </p:nvPicPr>
-          <p:blipFill>
-            <a:blip r:embed="rId4">
-              <a:extLst>
-                <a:ext uri="{28A0092B-C50C-407E-A947-70E740481C1C}">
-                  <a14:useLocalDpi xmlns:a14="http://schemas.microsoft.com/office/drawing/2010/main" val="0"/>
-                </a:ext>
-              </a:extLst>
-            </a:blip>
-            <a:stretch>
-              <a:fillRect/>
-            </a:stretch>
-          </p:blipFill>
-          <p:spPr>
-            <a:xfrm>
-              <a:off x="3962259" y="910345"/>
-              <a:ext cx="853562" cy="285399"/>
-            </a:xfrm>
-            <a:prstGeom prst="rect">
-              <a:avLst/>
-            </a:prstGeom>
-            <a:noFill/>
-          </p:spPr>
-        </p:pic>
-      </p:grpSp>
-      <p:grpSp>
-        <p:nvGrpSpPr>
-          <p:cNvPr id="128" name="Group 127"/>
-          <p:cNvGrpSpPr/>
-          <p:nvPr/>
-        </p:nvGrpSpPr>
-        <p:grpSpPr>
-          <a:xfrm>
-            <a:off x="15075312" y="1496319"/>
-            <a:ext cx="3629890" cy="1357745"/>
-            <a:chOff x="3767015" y="-18454"/>
-            <a:chExt cx="3629890" cy="1357745"/>
-          </a:xfrm>
-          <a:solidFill>
-            <a:srgbClr val="9443DD"/>
-          </a:solidFill>
-        </p:grpSpPr>
-        <p:sp>
-          <p:nvSpPr>
-            <p:cNvPr id="129" name="Rectangle 128"/>
-            <p:cNvSpPr/>
-            <p:nvPr/>
-          </p:nvSpPr>
-          <p:spPr>
-            <a:xfrm>
-              <a:off x="3767015" y="-18454"/>
-              <a:ext cx="3629890" cy="1357745"/>
-            </a:xfrm>
-            <a:prstGeom prst="rect">
-              <a:avLst/>
-            </a:prstGeom>
-            <a:solidFill>
-              <a:srgbClr val="00B0F0"/>
-            </a:solidFill>
-            <a:ln>
-              <a:noFill/>
-            </a:ln>
-          </p:spPr>
-          <p:style>
-            <a:lnRef idx="2">
-              <a:schemeClr val="accent1">
-                <a:shade val="50000"/>
-              </a:schemeClr>
-            </a:lnRef>
-            <a:fillRef idx="1">
-              <a:schemeClr val="accent1"/>
-            </a:fillRef>
-            <a:effectRef idx="0">
-              <a:schemeClr val="accent1"/>
-            </a:effectRef>
-            <a:fontRef idx="minor">
-              <a:schemeClr val="lt1"/>
-            </a:fontRef>
-          </p:style>
-          <p:txBody>
-            <a:bodyPr rtlCol="0" anchor="ctr"/>
-            <a:lstStyle/>
-            <a:p>
-              <a:pPr algn="ctr"/>
-              <a:endParaRPr lang="en-US"/>
-            </a:p>
-          </p:txBody>
-        </p:sp>
-        <p:sp>
-          <p:nvSpPr>
-            <p:cNvPr id="134" name="TextBox 133"/>
-            <p:cNvSpPr txBox="1"/>
-            <p:nvPr/>
-          </p:nvSpPr>
-          <p:spPr>
-            <a:xfrm>
-              <a:off x="6201934" y="891245"/>
-              <a:ext cx="663964" cy="430887"/>
-            </a:xfrm>
-            <a:prstGeom prst="rect">
-              <a:avLst/>
-            </a:prstGeom>
-            <a:noFill/>
-          </p:spPr>
-          <p:txBody>
-            <a:bodyPr wrap="none" rtlCol="0">
-              <a:spAutoFit/>
-            </a:bodyPr>
-            <a:lstStyle/>
-            <a:p>
-              <a:r>
-                <a:rPr lang="en-US" sz="2200" b="1" dirty="0" smtClean="0"/>
-                <a:t>PHP</a:t>
-              </a:r>
-              <a:endParaRPr lang="en-US" sz="2200" b="1" dirty="0"/>
-            </a:p>
-          </p:txBody>
-        </p:sp>
-        <p:pic>
-          <p:nvPicPr>
-            <p:cNvPr id="135" name="Picture 134"/>
-            <p:cNvPicPr>
-              <a:picLocks noChangeAspect="1"/>
-            </p:cNvPicPr>
-            <p:nvPr/>
-          </p:nvPicPr>
-          <p:blipFill>
-            <a:blip r:embed="rId3">
-              <a:extLst>
-                <a:ext uri="{28A0092B-C50C-407E-A947-70E740481C1C}">
-                  <a14:useLocalDpi xmlns:a14="http://schemas.microsoft.com/office/drawing/2010/main" val="0"/>
-                </a:ext>
-              </a:extLst>
-            </a:blip>
-            <a:stretch>
-              <a:fillRect/>
-            </a:stretch>
-          </p:blipFill>
-          <p:spPr>
-            <a:xfrm flipH="1" flipV="1">
-              <a:off x="6874960" y="993824"/>
-              <a:ext cx="310119" cy="208223"/>
-            </a:xfrm>
-            <a:prstGeom prst="rect">
-              <a:avLst/>
-            </a:prstGeom>
-            <a:grpFill/>
-          </p:spPr>
-        </p:pic>
-        <p:sp>
-          <p:nvSpPr>
-            <p:cNvPr id="139" name="TextBox 138"/>
-            <p:cNvSpPr txBox="1"/>
-            <p:nvPr/>
-          </p:nvSpPr>
-          <p:spPr>
-            <a:xfrm>
-              <a:off x="3905276" y="115649"/>
-              <a:ext cx="3387915" cy="400110"/>
-            </a:xfrm>
-            <a:prstGeom prst="rect">
-              <a:avLst/>
-            </a:prstGeom>
-            <a:noFill/>
-          </p:spPr>
-          <p:txBody>
-            <a:bodyPr wrap="none" rtlCol="0">
-              <a:spAutoFit/>
-            </a:bodyPr>
-            <a:lstStyle/>
-            <a:p>
-              <a:r>
-                <a:rPr lang="en-US" sz="2000" b="1" i="1" dirty="0" smtClean="0"/>
-                <a:t>Object Oriented Programming</a:t>
-              </a:r>
-              <a:endParaRPr lang="en-US" sz="2000" b="1" i="1" dirty="0"/>
-            </a:p>
-          </p:txBody>
-        </p:sp>
-        <p:pic>
-          <p:nvPicPr>
-            <p:cNvPr id="140" name="Picture 139"/>
-            <p:cNvPicPr>
-              <a:picLocks noChangeAspect="1"/>
-            </p:cNvPicPr>
-            <p:nvPr/>
-          </p:nvPicPr>
-          <p:blipFill>
-            <a:blip r:embed="rId4">
-              <a:extLst>
-                <a:ext uri="{28A0092B-C50C-407E-A947-70E740481C1C}">
-                  <a14:useLocalDpi xmlns:a14="http://schemas.microsoft.com/office/drawing/2010/main" val="0"/>
-                </a:ext>
-              </a:extLst>
-            </a:blip>
-            <a:stretch>
-              <a:fillRect/>
-            </a:stretch>
-          </p:blipFill>
-          <p:spPr>
-            <a:xfrm>
-              <a:off x="3962259" y="910345"/>
-              <a:ext cx="853562" cy="285399"/>
-            </a:xfrm>
-            <a:prstGeom prst="rect">
-              <a:avLst/>
-            </a:prstGeom>
-            <a:noFill/>
-          </p:spPr>
-        </p:pic>
-      </p:grpSp>
+          </a:ln>
+        </p:spPr>
+        <p:style>
+          <a:lnRef idx="2">
+            <a:schemeClr val="accent1">
+              <a:shade val="50000"/>
+            </a:schemeClr>
+          </a:lnRef>
+          <a:fillRef idx="1">
+            <a:schemeClr val="accent1"/>
+          </a:fillRef>
+          <a:effectRef idx="0">
+            <a:schemeClr val="accent1"/>
+          </a:effectRef>
+          <a:fontRef idx="minor">
+            <a:schemeClr val="lt1"/>
+          </a:fontRef>
+        </p:style>
+        <p:txBody>
+          <a:bodyPr rtlCol="0" anchor="ctr"/>
+          <a:lstStyle/>
+          <a:p>
+            <a:pPr algn="ctr"/>
+            <a:r>
+              <a:rPr lang="en-US" sz="1050" dirty="0" smtClean="0"/>
+              <a:t>Beginner</a:t>
+            </a:r>
+            <a:endParaRPr lang="en-US" sz="1050" dirty="0"/>
+          </a:p>
+        </p:txBody>
+      </p:sp>
     </p:spTree>
     <p:extLst>
       <p:ext uri="{BB962C8B-B14F-4D97-AF65-F5344CB8AC3E}">
